--- a/econ-115-lecture-2.pptx
+++ b/econ-115-lecture-2.pptx
@@ -78,6 +78,7 @@
     <p:sldId id="323" r:id="rId75"/>
     <p:sldId id="324" r:id="rId76"/>
     <p:sldId id="325" r:id="rId77"/>
+    <p:sldId id="326" r:id="rId78"/>
   </p:sldIdLst>
   <p:sldSz cx="9144000" cy="6858000"/>
   <p:notesSz cx="6858000" cy="9144000"/>
@@ -14300,14 +14301,14 @@
           <a:bodyPr lIns="45718" tIns="45718" rIns="45718" bIns="45718" anchor="t"/>
           <a:lstStyle/>
           <a:p>
-            <a:pPr marL="0" indent="0" defTabSz="382493">
+            <a:pPr marL="0" indent="0" defTabSz="429768">
               <a:spcBef>
                 <a:spcPts val="0"/>
               </a:spcBef>
               <a:buSzTx/>
               <a:buFont typeface="Arial"/>
               <a:buNone/>
-              <a:defRPr b="1" sz="1958">
+              <a:defRPr b="1" sz="2200">
                 <a:uFill>
                   <a:solidFill>
                     <a:srgbClr val="000000"/>
@@ -14324,14 +14325,14 @@
             </a:r>
           </a:p>
           <a:p>
-            <a:pPr marL="0" indent="0" defTabSz="382493">
+            <a:pPr marL="0" indent="0" defTabSz="429768">
               <a:spcBef>
                 <a:spcPts val="0"/>
               </a:spcBef>
               <a:buSzTx/>
               <a:buFont typeface="Arial"/>
               <a:buNone/>
-              <a:defRPr b="1" sz="1958">
+              <a:defRPr b="1" sz="2200">
                 <a:uFill>
                   <a:solidFill>
                     <a:srgbClr val="000000"/>
@@ -14345,12 +14346,12 @@
             </a:pPr>
           </a:p>
           <a:p>
-            <a:pPr marL="201311" indent="-201311" defTabSz="382493">
+            <a:pPr marL="226193" indent="-226193" defTabSz="429768">
               <a:spcBef>
                 <a:spcPts val="0"/>
               </a:spcBef>
               <a:buSzPct val="100000"/>
-              <a:defRPr sz="1602">
+              <a:defRPr sz="1800">
                 <a:uFill>
                   <a:solidFill>
                     <a:srgbClr val="000000"/>
@@ -14367,12 +14368,12 @@
             </a:r>
           </a:p>
           <a:p>
-            <a:pPr lvl="1" marL="520056" indent="-201311" defTabSz="382493">
+            <a:pPr lvl="1" marL="584332" indent="-226193" defTabSz="429768">
               <a:spcBef>
                 <a:spcPts val="0"/>
               </a:spcBef>
               <a:buSzPct val="100000"/>
-              <a:defRPr sz="1602">
+              <a:defRPr sz="1800">
                 <a:uFill>
                   <a:solidFill>
                     <a:srgbClr val="000000"/>
@@ -14389,34 +14390,34 @@
             </a:r>
           </a:p>
           <a:p>
-            <a:pPr marL="201311" indent="-201311" defTabSz="382493">
+            <a:pPr marL="226193" indent="-226193" defTabSz="429768">
               <a:spcBef>
                 <a:spcPts val="0"/>
               </a:spcBef>
               <a:buSzPct val="100000"/>
-              <a:defRPr sz="1602">
-                <a:uFill>
-                  <a:solidFill>
-                    <a:srgbClr val="000000"/>
-                  </a:solidFill>
-                </a:uFill>
-                <a:latin typeface="Times New Roman"/>
-                <a:ea typeface="Times New Roman"/>
-                <a:cs typeface="Times New Roman"/>
-                <a:sym typeface="Times New Roman"/>
-              </a:defRPr>
-            </a:pPr>
-            <a:r>
-              <a:t>Globalization</a:t>
-            </a:r>
-          </a:p>
-          <a:p>
-            <a:pPr lvl="1" marL="520056" indent="-201311" defTabSz="382493">
+              <a:defRPr sz="1800">
+                <a:uFill>
+                  <a:solidFill>
+                    <a:srgbClr val="000000"/>
+                  </a:solidFill>
+                </a:uFill>
+                <a:latin typeface="Times New Roman"/>
+                <a:ea typeface="Times New Roman"/>
+                <a:cs typeface="Times New Roman"/>
+                <a:sym typeface="Times New Roman"/>
+              </a:defRPr>
+            </a:pPr>
+            <a:r>
+              <a:t>3. Globalization</a:t>
+            </a:r>
+          </a:p>
+          <a:p>
+            <a:pPr lvl="1" marL="584332" indent="-226193" defTabSz="429768">
               <a:spcBef>
                 <a:spcPts val="0"/>
               </a:spcBef>
               <a:buSzPct val="100000"/>
-              <a:defRPr sz="1602">
+              <a:defRPr sz="1800">
                 <a:uFill>
                   <a:solidFill>
                     <a:srgbClr val="000000"/>
@@ -14433,12 +14434,12 @@
             </a:r>
           </a:p>
           <a:p>
-            <a:pPr lvl="1" marL="520056" indent="-201311" defTabSz="382493">
+            <a:pPr lvl="1" marL="584332" indent="-226193" defTabSz="429768">
               <a:spcBef>
                 <a:spcPts val="0"/>
               </a:spcBef>
               <a:buSzPct val="100000"/>
-              <a:defRPr sz="1602">
+              <a:defRPr sz="1800">
                 <a:uFill>
                   <a:solidFill>
                     <a:srgbClr val="000000"/>
@@ -14455,12 +14456,12 @@
             </a:r>
           </a:p>
           <a:p>
-            <a:pPr lvl="1" marL="520056" indent="-201311" defTabSz="382493">
+            <a:pPr lvl="1" marL="584332" indent="-226193" defTabSz="429768">
               <a:spcBef>
                 <a:spcPts val="0"/>
               </a:spcBef>
               <a:buSzPct val="100000"/>
-              <a:defRPr sz="1602">
+              <a:defRPr sz="1800">
                 <a:uFill>
                   <a:solidFill>
                     <a:srgbClr val="000000"/>
@@ -14477,12 +14478,12 @@
             </a:r>
           </a:p>
           <a:p>
-            <a:pPr lvl="1" marL="520056" indent="-201311" defTabSz="382493">
+            <a:pPr lvl="1" marL="584332" indent="-226193" defTabSz="429768">
               <a:spcBef>
                 <a:spcPts val="0"/>
               </a:spcBef>
               <a:buSzPct val="100000"/>
-              <a:defRPr sz="1602">
+              <a:defRPr sz="1800">
                 <a:uFill>
                   <a:solidFill>
                     <a:srgbClr val="000000"/>
@@ -14499,12 +14500,12 @@
             </a:r>
           </a:p>
           <a:p>
-            <a:pPr lvl="1" marL="520056" indent="-201311" defTabSz="382493">
+            <a:pPr lvl="1" marL="584332" indent="-226193" defTabSz="429768">
               <a:spcBef>
                 <a:spcPts val="0"/>
               </a:spcBef>
               <a:buSzPct val="100000"/>
-              <a:defRPr sz="1602">
+              <a:defRPr sz="1800">
                 <a:uFill>
                   <a:solidFill>
                     <a:srgbClr val="000000"/>
@@ -14521,12 +14522,12 @@
             </a:r>
           </a:p>
           <a:p>
-            <a:pPr lvl="1" marL="520056" indent="-201311" defTabSz="382493">
+            <a:pPr lvl="1" marL="584332" indent="-226193" defTabSz="429768">
               <a:spcBef>
                 <a:spcPts val="0"/>
               </a:spcBef>
               <a:buSzPct val="100000"/>
-              <a:defRPr sz="1602">
+              <a:defRPr sz="1800">
                 <a:uFill>
                   <a:solidFill>
                     <a:srgbClr val="000000"/>
@@ -14540,182 +14541,6 @@
             </a:pPr>
             <a:r>
               <a:t>A world in some ways very modern, in other ways very old-style</a:t>
-            </a:r>
-          </a:p>
-          <a:p>
-            <a:pPr marL="201311" indent="-201311" defTabSz="382493">
-              <a:spcBef>
-                <a:spcPts val="0"/>
-              </a:spcBef>
-              <a:buSzPct val="100000"/>
-              <a:defRPr sz="1602">
-                <a:uFill>
-                  <a:solidFill>
-                    <a:srgbClr val="000000"/>
-                  </a:solidFill>
-                </a:uFill>
-                <a:latin typeface="Times New Roman"/>
-                <a:ea typeface="Times New Roman"/>
-                <a:cs typeface="Times New Roman"/>
-                <a:sym typeface="Times New Roman"/>
-              </a:defRPr>
-            </a:pPr>
-            <a:r>
-              <a:t>The Engine of Growth</a:t>
-            </a:r>
-          </a:p>
-          <a:p>
-            <a:pPr lvl="1" marL="520056" indent="-201311" defTabSz="382493">
-              <a:spcBef>
-                <a:spcPts val="0"/>
-              </a:spcBef>
-              <a:buSzPct val="100000"/>
-              <a:defRPr sz="1602">
-                <a:uFill>
-                  <a:solidFill>
-                    <a:srgbClr val="000000"/>
-                  </a:solidFill>
-                </a:uFill>
-                <a:latin typeface="Times New Roman"/>
-                <a:ea typeface="Times New Roman"/>
-                <a:cs typeface="Times New Roman"/>
-                <a:sym typeface="Times New Roman"/>
-              </a:defRPr>
-            </a:pPr>
-            <a:r>
-              <a:t>Value of useful-ideas index in 1800, 1870, 2020: 9, 16, 421</a:t>
-            </a:r>
-          </a:p>
-          <a:p>
-            <a:pPr lvl="1" marL="520056" indent="-201311" defTabSz="382493">
-              <a:spcBef>
-                <a:spcPts val="0"/>
-              </a:spcBef>
-              <a:buSzPct val="100000"/>
-              <a:defRPr sz="1602">
-                <a:uFill>
-                  <a:solidFill>
-                    <a:srgbClr val="000000"/>
-                  </a:solidFill>
-                </a:uFill>
-                <a:latin typeface="Times New Roman"/>
-                <a:ea typeface="Times New Roman"/>
-                <a:cs typeface="Times New Roman"/>
-                <a:sym typeface="Times New Roman"/>
-              </a:defRPr>
-            </a:pPr>
-            <a:r>
-              <a:t>The industrial research lab to routinize invention</a:t>
-            </a:r>
-          </a:p>
-          <a:p>
-            <a:pPr lvl="1" marL="520056" indent="-201311" defTabSz="382493">
-              <a:spcBef>
-                <a:spcPts val="0"/>
-              </a:spcBef>
-              <a:buSzPct val="100000"/>
-              <a:defRPr sz="1602">
-                <a:uFill>
-                  <a:solidFill>
-                    <a:srgbClr val="000000"/>
-                  </a:solidFill>
-                </a:uFill>
-                <a:latin typeface="Times New Roman"/>
-                <a:ea typeface="Times New Roman"/>
-                <a:cs typeface="Times New Roman"/>
-                <a:sym typeface="Times New Roman"/>
-              </a:defRPr>
-            </a:pPr>
-            <a:r>
-              <a:t>The modern corporation to routinize diffusion and deployment</a:t>
-            </a:r>
-          </a:p>
-          <a:p>
-            <a:pPr lvl="1" marL="520056" indent="-201311" defTabSz="382493">
-              <a:spcBef>
-                <a:spcPts val="0"/>
-              </a:spcBef>
-              <a:buSzPct val="100000"/>
-              <a:defRPr sz="1602">
-                <a:uFill>
-                  <a:solidFill>
-                    <a:srgbClr val="000000"/>
-                  </a:solidFill>
-                </a:uFill>
-                <a:latin typeface="Times New Roman"/>
-                <a:ea typeface="Times New Roman"/>
-                <a:cs typeface="Times New Roman"/>
-                <a:sym typeface="Times New Roman"/>
-              </a:defRPr>
-            </a:pPr>
-            <a:r>
-              <a:t>Plus general purpose technologies—machine tools, non-human power sources, &amp;c….</a:t>
-            </a:r>
-          </a:p>
-          <a:p>
-            <a:pPr lvl="1" marL="520056" indent="-201311" defTabSz="382493">
-              <a:spcBef>
-                <a:spcPts val="0"/>
-              </a:spcBef>
-              <a:buSzPct val="100000"/>
-              <a:defRPr sz="1602">
-                <a:uFill>
-                  <a:solidFill>
-                    <a:srgbClr val="000000"/>
-                  </a:solidFill>
-                </a:uFill>
-                <a:latin typeface="Times New Roman"/>
-                <a:ea typeface="Times New Roman"/>
-                <a:cs typeface="Times New Roman"/>
-                <a:sym typeface="Times New Roman"/>
-              </a:defRPr>
-            </a:pPr>
-            <a:r>
-              <a:t>Nicola Tesla: savant, but without proper support simply an idiot…</a:t>
-            </a:r>
-          </a:p>
-          <a:p>
-            <a:pPr lvl="1" marL="520056" indent="-201311" defTabSz="382493">
-              <a:spcBef>
-                <a:spcPts val="0"/>
-              </a:spcBef>
-              <a:buSzPct val="100000"/>
-              <a:defRPr sz="1602">
-                <a:uFill>
-                  <a:solidFill>
-                    <a:srgbClr val="000000"/>
-                  </a:solidFill>
-                </a:uFill>
-                <a:latin typeface="Times New Roman"/>
-                <a:ea typeface="Times New Roman"/>
-                <a:cs typeface="Times New Roman"/>
-                <a:sym typeface="Times New Roman"/>
-              </a:defRPr>
-            </a:pPr>
-            <a:r>
-              <a:t>Herbert Hoover: orphan on the make, and globalization (and imperialism!) made him…</a:t>
-            </a:r>
-          </a:p>
-          <a:p>
-            <a:pPr lvl="1" marL="520056" indent="-201311" defTabSz="382493">
-              <a:spcBef>
-                <a:spcPts val="0"/>
-              </a:spcBef>
-              <a:buSzPct val="100000"/>
-              <a:defRPr sz="1602">
-                <a:uFill>
-                  <a:solidFill>
-                    <a:srgbClr val="000000"/>
-                  </a:solidFill>
-                </a:uFill>
-                <a:latin typeface="Times New Roman"/>
-                <a:ea typeface="Times New Roman"/>
-                <a:cs typeface="Times New Roman"/>
-                <a:sym typeface="Times New Roman"/>
-              </a:defRPr>
-            </a:pPr>
-            <a:r>
-              <a:t>Leon Trotsky: in New York “a peek into the furnace where the fate of humanity is being forged…”</a:t>
             </a:r>
           </a:p>
         </p:txBody>
@@ -14779,7 +14604,7 @@
           <a:p>
             <a:pPr/>
             <a:r>
-              <a:t>Preview: Next Time</a:t>
+              <a:t>Takeaways II</a:t>
             </a:r>
           </a:p>
         </p:txBody>
@@ -14825,7 +14650,7 @@
               </a:defRPr>
             </a:pPr>
             <a:r>
-              <a:t>On to Chapter 5: North Atlantic Political Economy, 1870-1914:</a:t>
+              <a:t>Chapters 3 &amp; 4: The Watershed: Globalization, and the Engine of Growth</a:t>
             </a:r>
           </a:p>
           <a:p>
@@ -14868,7 +14693,7 @@
               </a:defRPr>
             </a:pPr>
             <a:r>
-              <a:t>Stepping away from monarchy and aristocracy</a:t>
+              <a:t>The Watershed: 1870 as the Inflection Point, After Which Things Start to Get Better—for Pretty Much Everyone</a:t>
             </a:r>
           </a:p>
           <a:p>
@@ -14890,13 +14715,30 @@
               </a:defRPr>
             </a:pPr>
             <a:r>
-              <a:t>Fears of </a:t>
-            </a:r>
-            <a:r>
-              <a:rPr i="1"/>
-              <a:t>democracy</a:t>
-            </a:r>
-            <a:endParaRPr i="1"/>
+              <a:t>h growth up from 0.8%/year to 2.3%/year</a:t>
+            </a:r>
+          </a:p>
+          <a:p>
+            <a:pPr marL="226193" indent="-226193" defTabSz="429768">
+              <a:spcBef>
+                <a:spcPts val="0"/>
+              </a:spcBef>
+              <a:buSzPct val="100000"/>
+              <a:defRPr sz="1800">
+                <a:uFill>
+                  <a:solidFill>
+                    <a:srgbClr val="000000"/>
+                  </a:solidFill>
+                </a:uFill>
+                <a:latin typeface="Times New Roman"/>
+                <a:ea typeface="Times New Roman"/>
+                <a:cs typeface="Times New Roman"/>
+                <a:sym typeface="Times New Roman"/>
+              </a:defRPr>
+            </a:pPr>
+            <a:r>
+              <a:t>4. The Engine of Growth</a:t>
+            </a:r>
           </a:p>
           <a:p>
             <a:pPr lvl="1" marL="584332" indent="-226193" defTabSz="429768">
@@ -14917,7 +14759,7 @@
               </a:defRPr>
             </a:pPr>
             <a:r>
-              <a:t>Extending the franchise</a:t>
+              <a:t>Value of useful-ideas index in 1800, 1870, 2020: 9, 16, 421</a:t>
             </a:r>
           </a:p>
           <a:p>
@@ -14939,11 +14781,11 @@
               </a:defRPr>
             </a:pPr>
             <a:r>
-              <a:t>“Educating our masters”</a:t>
-            </a:r>
-          </a:p>
-          <a:p>
-            <a:pPr marL="226193" indent="-226193" defTabSz="429768">
+              <a:t>The industrial research lab to routinize invention</a:t>
+            </a:r>
+          </a:p>
+          <a:p>
+            <a:pPr lvl="1" marL="584332" indent="-226193" defTabSz="429768">
               <a:spcBef>
                 <a:spcPts val="0"/>
               </a:spcBef>
@@ -14961,7 +14803,7 @@
               </a:defRPr>
             </a:pPr>
             <a:r>
-              <a:t>Popular government and market economy</a:t>
+              <a:t>The modern corporation to routinize diffusion and deployment</a:t>
             </a:r>
           </a:p>
           <a:p>
@@ -14983,7 +14825,7 @@
               </a:defRPr>
             </a:pPr>
             <a:r>
-              <a:t>Market rights and spontaneous orders</a:t>
+              <a:t>Plus general purpose technologies—machine tools, non-human power sources, &amp;c….</a:t>
             </a:r>
           </a:p>
           <a:p>
@@ -15005,7 +14847,7 @@
               </a:defRPr>
             </a:pPr>
             <a:r>
-              <a:t>Spontaneous orders and politics</a:t>
+              <a:t>Nicola Tesla: savant, but without proper support simply an idiot…</a:t>
             </a:r>
           </a:p>
           <a:p>
@@ -15027,11 +14869,11 @@
               </a:defRPr>
             </a:pPr>
             <a:r>
-              <a:t>Karl Polanyi</a:t>
-            </a:r>
-          </a:p>
-          <a:p>
-            <a:pPr marL="226193" indent="-226193" defTabSz="429768">
+              <a:t>Herbert Hoover: orphan on the make, and globalization (and imperialism!) made him…</a:t>
+            </a:r>
+          </a:p>
+          <a:p>
+            <a:pPr lvl="1" marL="584332" indent="-226193" defTabSz="429768">
               <a:spcBef>
                 <a:spcPts val="0"/>
               </a:spcBef>
@@ -15049,183 +14891,7 @@
               </a:defRPr>
             </a:pPr>
             <a:r>
-              <a:t>Governing America in 1900</a:t>
-            </a:r>
-          </a:p>
-          <a:p>
-            <a:pPr lvl="1" marL="584332" indent="-226193" defTabSz="429768">
-              <a:spcBef>
-                <a:spcPts val="0"/>
-              </a:spcBef>
-              <a:buSzPct val="100000"/>
-              <a:defRPr sz="1800">
-                <a:uFill>
-                  <a:solidFill>
-                    <a:srgbClr val="000000"/>
-                  </a:solidFill>
-                </a:uFill>
-                <a:latin typeface="Times New Roman"/>
-                <a:ea typeface="Times New Roman"/>
-                <a:cs typeface="Times New Roman"/>
-                <a:sym typeface="Times New Roman"/>
-              </a:defRPr>
-            </a:pPr>
-            <a:r>
-              <a:t>The “aristocracy of manufactures”</a:t>
-            </a:r>
-          </a:p>
-          <a:p>
-            <a:pPr lvl="1" marL="584332" indent="-226193" defTabSz="429768">
-              <a:spcBef>
-                <a:spcPts val="0"/>
-              </a:spcBef>
-              <a:buSzPct val="100000"/>
-              <a:defRPr sz="1800">
-                <a:uFill>
-                  <a:solidFill>
-                    <a:srgbClr val="000000"/>
-                  </a:solidFill>
-                </a:uFill>
-                <a:latin typeface="Times New Roman"/>
-                <a:ea typeface="Times New Roman"/>
-                <a:cs typeface="Times New Roman"/>
-                <a:sym typeface="Times New Roman"/>
-              </a:defRPr>
-            </a:pPr>
-            <a:r>
-              <a:t>Populists and progressives</a:t>
-            </a:r>
-          </a:p>
-          <a:p>
-            <a:pPr lvl="1" marL="584332" indent="-226193" defTabSz="429768">
-              <a:spcBef>
-                <a:spcPts val="0"/>
-              </a:spcBef>
-              <a:buSzPct val="100000"/>
-              <a:defRPr sz="1800">
-                <a:uFill>
-                  <a:solidFill>
-                    <a:srgbClr val="000000"/>
-                  </a:solidFill>
-                </a:uFill>
-                <a:latin typeface="Times New Roman"/>
-                <a:ea typeface="Times New Roman"/>
-                <a:cs typeface="Times New Roman"/>
-                <a:sym typeface="Times New Roman"/>
-              </a:defRPr>
-            </a:pPr>
-            <a:r>
-              <a:t>Chicagoland</a:t>
-            </a:r>
-          </a:p>
-          <a:p>
-            <a:pPr marL="226193" indent="-226193" defTabSz="429768">
-              <a:spcBef>
-                <a:spcPts val="0"/>
-              </a:spcBef>
-              <a:buSzPct val="100000"/>
-              <a:defRPr sz="1800">
-                <a:uFill>
-                  <a:solidFill>
-                    <a:srgbClr val="000000"/>
-                  </a:solidFill>
-                </a:uFill>
-                <a:latin typeface="Times New Roman"/>
-                <a:ea typeface="Times New Roman"/>
-                <a:cs typeface="Times New Roman"/>
-                <a:sym typeface="Times New Roman"/>
-              </a:defRPr>
-            </a:pPr>
-            <a:r>
-              <a:t>Over in Europe</a:t>
-            </a:r>
-          </a:p>
-          <a:p>
-            <a:pPr lvl="1" marL="584332" indent="-226193" defTabSz="429768">
-              <a:spcBef>
-                <a:spcPts val="0"/>
-              </a:spcBef>
-              <a:buSzPct val="100000"/>
-              <a:defRPr sz="1800">
-                <a:uFill>
-                  <a:solidFill>
-                    <a:srgbClr val="000000"/>
-                  </a:solidFill>
-                </a:uFill>
-                <a:latin typeface="Times New Roman"/>
-                <a:ea typeface="Times New Roman"/>
-                <a:cs typeface="Times New Roman"/>
-                <a:sym typeface="Times New Roman"/>
-              </a:defRPr>
-            </a:pPr>
-            <a:r>
-              <a:t>Paris in 1848</a:t>
-            </a:r>
-          </a:p>
-          <a:p>
-            <a:pPr lvl="1" marL="584332" indent="-226193" defTabSz="429768">
-              <a:spcBef>
-                <a:spcPts val="0"/>
-              </a:spcBef>
-              <a:buSzPct val="100000"/>
-              <a:defRPr sz="1800">
-                <a:uFill>
-                  <a:solidFill>
-                    <a:srgbClr val="000000"/>
-                  </a:solidFill>
-                </a:uFill>
-                <a:latin typeface="Times New Roman"/>
-                <a:ea typeface="Times New Roman"/>
-                <a:cs typeface="Times New Roman"/>
-                <a:sym typeface="Times New Roman"/>
-              </a:defRPr>
-            </a:pPr>
-            <a:r>
-              <a:t>The shadow of the French Revolution</a:t>
-            </a:r>
-          </a:p>
-          <a:p>
-            <a:pPr lvl="1" marL="584332" indent="-226193" defTabSz="429768">
-              <a:spcBef>
-                <a:spcPts val="0"/>
-              </a:spcBef>
-              <a:buSzPct val="100000"/>
-              <a:defRPr sz="1800">
-                <a:uFill>
-                  <a:solidFill>
-                    <a:srgbClr val="000000"/>
-                  </a:solidFill>
-                </a:uFill>
-                <a:latin typeface="Times New Roman"/>
-                <a:ea typeface="Times New Roman"/>
-                <a:cs typeface="Times New Roman"/>
-                <a:sym typeface="Times New Roman"/>
-              </a:defRPr>
-            </a:pPr>
-            <a:r>
-              <a:t>European normal politics</a:t>
-            </a:r>
-          </a:p>
-          <a:p>
-            <a:pPr lvl="1" marL="584332" indent="-226193" defTabSz="429768">
-              <a:spcBef>
-                <a:spcPts val="0"/>
-              </a:spcBef>
-              <a:buSzPct val="100000"/>
-              <a:defRPr sz="1800">
-                <a:uFill>
-                  <a:solidFill>
-                    <a:srgbClr val="000000"/>
-                  </a:solidFill>
-                </a:uFill>
-                <a:latin typeface="Times New Roman"/>
-                <a:ea typeface="Times New Roman"/>
-                <a:cs typeface="Times New Roman"/>
-                <a:sym typeface="Times New Roman"/>
-              </a:defRPr>
-            </a:pPr>
-            <a:r>
-              <a:t>The rise of social darwinism…</a:t>
+              <a:t>Leon Trotsky: in New York “a peek into the furnace where the fate of humanity is being forged…”</a:t>
             </a:r>
           </a:p>
         </p:txBody>
@@ -15258,7 +14924,7 @@
       </p:grpSpPr>
       <p:sp>
         <p:nvSpPr>
-          <p:cNvPr id="216" name="What Was Unconvincing Today?"/>
+          <p:cNvPr id="216" name="Preview: Next Time"/>
           <p:cNvSpPr txBox="1"/>
           <p:nvPr>
             <p:ph type="title" idx="4294967295"/>
@@ -15276,8 +14942,8 @@
         <p:txBody>
           <a:bodyPr lIns="45718" tIns="45718" rIns="45718" bIns="45718"/>
           <a:lstStyle>
-            <a:lvl1pPr defTabSz="329184">
-              <a:defRPr sz="4300">
+            <a:lvl1pPr defTabSz="457200">
+              <a:defRPr sz="6000">
                 <a:uFill>
                   <a:solidFill>
                     <a:srgbClr val="000000"/>
@@ -15289,14 +14955,14 @@
           <a:p>
             <a:pPr/>
             <a:r>
-              <a:t>What Was Unconvincing Today?</a:t>
+              <a:t>Preview: Next Time</a:t>
             </a:r>
           </a:p>
         </p:txBody>
       </p:sp>
       <p:sp>
         <p:nvSpPr>
-          <p:cNvPr id="217" name="Mistakes and unclarities: typos, wordos, and mindos……"/>
+          <p:cNvPr id="217" name="On to Chapter 3: Globalizing the World, 1870-1914 (&amp; Eichengreen, 1&amp;2):…"/>
           <p:cNvSpPr txBox="1"/>
           <p:nvPr>
             <p:ph type="body" idx="4294967295"/>
@@ -15315,14 +14981,14 @@
           <a:bodyPr lIns="45718" tIns="45718" rIns="45718" bIns="45718" anchor="t"/>
           <a:lstStyle/>
           <a:p>
-            <a:pPr marL="0" indent="0" defTabSz="457200">
-              <a:spcBef>
-                <a:spcPts val="1200"/>
+            <a:pPr marL="0" indent="0" defTabSz="429768">
+              <a:spcBef>
+                <a:spcPts val="0"/>
               </a:spcBef>
               <a:buSzTx/>
               <a:buFont typeface="Arial"/>
               <a:buNone/>
-              <a:defRPr b="1">
+              <a:defRPr b="1" sz="2200">
                 <a:uFill>
                   <a:solidFill>
                     <a:srgbClr val="000000"/>
@@ -15335,51 +15001,407 @@
               </a:defRPr>
             </a:pPr>
             <a:r>
-              <a:t>Mistakes and unclarities: typos, wordos, and mindos…</a:t>
-            </a:r>
-          </a:p>
-          <a:p>
-            <a:pPr marL="240631" indent="-240631" defTabSz="457200">
-              <a:spcBef>
-                <a:spcPts val="1200"/>
-              </a:spcBef>
-              <a:buSzPct val="100000"/>
-              <a:defRPr>
-                <a:uFill>
-                  <a:solidFill>
-                    <a:srgbClr val="000000"/>
-                  </a:solidFill>
-                </a:uFill>
-                <a:latin typeface="Times New Roman"/>
-                <a:ea typeface="Times New Roman"/>
-                <a:cs typeface="Times New Roman"/>
-                <a:sym typeface="Times New Roman"/>
-              </a:defRPr>
-            </a:pPr>
-            <a:r>
-              <a:t>In the DRAFT textbook?</a:t>
-            </a:r>
-          </a:p>
-          <a:p>
-            <a:pPr marL="240631" indent="-240631" defTabSz="457200">
-              <a:spcBef>
-                <a:spcPts val="1200"/>
-              </a:spcBef>
-              <a:buSzPct val="100000"/>
-              <a:defRPr>
-                <a:uFill>
-                  <a:solidFill>
-                    <a:srgbClr val="000000"/>
-                  </a:solidFill>
-                </a:uFill>
-                <a:latin typeface="Times New Roman"/>
-                <a:ea typeface="Times New Roman"/>
-                <a:cs typeface="Times New Roman"/>
-                <a:sym typeface="Times New Roman"/>
-              </a:defRPr>
-            </a:pPr>
-            <a:r>
-              <a:t>In the lecture?</a:t>
+              <a:t>On to Chapter 5: North Atlantic Political Economy, 1870-1914:</a:t>
+            </a:r>
+          </a:p>
+          <a:p>
+            <a:pPr marL="0" indent="0" defTabSz="429768">
+              <a:spcBef>
+                <a:spcPts val="0"/>
+              </a:spcBef>
+              <a:buSzTx/>
+              <a:buFont typeface="Arial"/>
+              <a:buNone/>
+              <a:defRPr b="1" sz="2200">
+                <a:uFill>
+                  <a:solidFill>
+                    <a:srgbClr val="000000"/>
+                  </a:solidFill>
+                </a:uFill>
+                <a:latin typeface="+mn-lt"/>
+                <a:ea typeface="+mn-ea"/>
+                <a:cs typeface="+mn-cs"/>
+                <a:sym typeface="Helvetica"/>
+              </a:defRPr>
+            </a:pPr>
+          </a:p>
+          <a:p>
+            <a:pPr marL="226193" indent="-226193" defTabSz="429768">
+              <a:spcBef>
+                <a:spcPts val="0"/>
+              </a:spcBef>
+              <a:buSzPct val="100000"/>
+              <a:defRPr sz="1800">
+                <a:uFill>
+                  <a:solidFill>
+                    <a:srgbClr val="000000"/>
+                  </a:solidFill>
+                </a:uFill>
+                <a:latin typeface="Times New Roman"/>
+                <a:ea typeface="Times New Roman"/>
+                <a:cs typeface="Times New Roman"/>
+                <a:sym typeface="Times New Roman"/>
+              </a:defRPr>
+            </a:pPr>
+            <a:r>
+              <a:t>Stepping away from monarchy and aristocracy</a:t>
+            </a:r>
+          </a:p>
+          <a:p>
+            <a:pPr lvl="1" marL="584332" indent="-226193" defTabSz="429768">
+              <a:spcBef>
+                <a:spcPts val="0"/>
+              </a:spcBef>
+              <a:buSzPct val="100000"/>
+              <a:defRPr sz="1800">
+                <a:uFill>
+                  <a:solidFill>
+                    <a:srgbClr val="000000"/>
+                  </a:solidFill>
+                </a:uFill>
+                <a:latin typeface="Times New Roman"/>
+                <a:ea typeface="Times New Roman"/>
+                <a:cs typeface="Times New Roman"/>
+                <a:sym typeface="Times New Roman"/>
+              </a:defRPr>
+            </a:pPr>
+            <a:r>
+              <a:t>Fears of </a:t>
+            </a:r>
+            <a:r>
+              <a:rPr i="1"/>
+              <a:t>democracy</a:t>
+            </a:r>
+            <a:endParaRPr i="1"/>
+          </a:p>
+          <a:p>
+            <a:pPr lvl="1" marL="584332" indent="-226193" defTabSz="429768">
+              <a:spcBef>
+                <a:spcPts val="0"/>
+              </a:spcBef>
+              <a:buSzPct val="100000"/>
+              <a:defRPr sz="1800">
+                <a:uFill>
+                  <a:solidFill>
+                    <a:srgbClr val="000000"/>
+                  </a:solidFill>
+                </a:uFill>
+                <a:latin typeface="Times New Roman"/>
+                <a:ea typeface="Times New Roman"/>
+                <a:cs typeface="Times New Roman"/>
+                <a:sym typeface="Times New Roman"/>
+              </a:defRPr>
+            </a:pPr>
+            <a:r>
+              <a:t>Extending the franchise</a:t>
+            </a:r>
+          </a:p>
+          <a:p>
+            <a:pPr lvl="1" marL="584332" indent="-226193" defTabSz="429768">
+              <a:spcBef>
+                <a:spcPts val="0"/>
+              </a:spcBef>
+              <a:buSzPct val="100000"/>
+              <a:defRPr sz="1800">
+                <a:uFill>
+                  <a:solidFill>
+                    <a:srgbClr val="000000"/>
+                  </a:solidFill>
+                </a:uFill>
+                <a:latin typeface="Times New Roman"/>
+                <a:ea typeface="Times New Roman"/>
+                <a:cs typeface="Times New Roman"/>
+                <a:sym typeface="Times New Roman"/>
+              </a:defRPr>
+            </a:pPr>
+            <a:r>
+              <a:t>“Educating our masters”</a:t>
+            </a:r>
+          </a:p>
+          <a:p>
+            <a:pPr marL="226193" indent="-226193" defTabSz="429768">
+              <a:spcBef>
+                <a:spcPts val="0"/>
+              </a:spcBef>
+              <a:buSzPct val="100000"/>
+              <a:defRPr sz="1800">
+                <a:uFill>
+                  <a:solidFill>
+                    <a:srgbClr val="000000"/>
+                  </a:solidFill>
+                </a:uFill>
+                <a:latin typeface="Times New Roman"/>
+                <a:ea typeface="Times New Roman"/>
+                <a:cs typeface="Times New Roman"/>
+                <a:sym typeface="Times New Roman"/>
+              </a:defRPr>
+            </a:pPr>
+            <a:r>
+              <a:t>Popular government and market economy</a:t>
+            </a:r>
+          </a:p>
+          <a:p>
+            <a:pPr lvl="1" marL="584332" indent="-226193" defTabSz="429768">
+              <a:spcBef>
+                <a:spcPts val="0"/>
+              </a:spcBef>
+              <a:buSzPct val="100000"/>
+              <a:defRPr sz="1800">
+                <a:uFill>
+                  <a:solidFill>
+                    <a:srgbClr val="000000"/>
+                  </a:solidFill>
+                </a:uFill>
+                <a:latin typeface="Times New Roman"/>
+                <a:ea typeface="Times New Roman"/>
+                <a:cs typeface="Times New Roman"/>
+                <a:sym typeface="Times New Roman"/>
+              </a:defRPr>
+            </a:pPr>
+            <a:r>
+              <a:t>Market rights and spontaneous orders</a:t>
+            </a:r>
+          </a:p>
+          <a:p>
+            <a:pPr lvl="1" marL="584332" indent="-226193" defTabSz="429768">
+              <a:spcBef>
+                <a:spcPts val="0"/>
+              </a:spcBef>
+              <a:buSzPct val="100000"/>
+              <a:defRPr sz="1800">
+                <a:uFill>
+                  <a:solidFill>
+                    <a:srgbClr val="000000"/>
+                  </a:solidFill>
+                </a:uFill>
+                <a:latin typeface="Times New Roman"/>
+                <a:ea typeface="Times New Roman"/>
+                <a:cs typeface="Times New Roman"/>
+                <a:sym typeface="Times New Roman"/>
+              </a:defRPr>
+            </a:pPr>
+            <a:r>
+              <a:t>Spontaneous orders and politics</a:t>
+            </a:r>
+          </a:p>
+          <a:p>
+            <a:pPr lvl="1" marL="584332" indent="-226193" defTabSz="429768">
+              <a:spcBef>
+                <a:spcPts val="0"/>
+              </a:spcBef>
+              <a:buSzPct val="100000"/>
+              <a:defRPr sz="1800">
+                <a:uFill>
+                  <a:solidFill>
+                    <a:srgbClr val="000000"/>
+                  </a:solidFill>
+                </a:uFill>
+                <a:latin typeface="Times New Roman"/>
+                <a:ea typeface="Times New Roman"/>
+                <a:cs typeface="Times New Roman"/>
+                <a:sym typeface="Times New Roman"/>
+              </a:defRPr>
+            </a:pPr>
+            <a:r>
+              <a:t>Karl Polanyi</a:t>
+            </a:r>
+          </a:p>
+          <a:p>
+            <a:pPr marL="226193" indent="-226193" defTabSz="429768">
+              <a:spcBef>
+                <a:spcPts val="0"/>
+              </a:spcBef>
+              <a:buSzPct val="100000"/>
+              <a:defRPr sz="1800">
+                <a:uFill>
+                  <a:solidFill>
+                    <a:srgbClr val="000000"/>
+                  </a:solidFill>
+                </a:uFill>
+                <a:latin typeface="Times New Roman"/>
+                <a:ea typeface="Times New Roman"/>
+                <a:cs typeface="Times New Roman"/>
+                <a:sym typeface="Times New Roman"/>
+              </a:defRPr>
+            </a:pPr>
+            <a:r>
+              <a:t>Governing America in 1900</a:t>
+            </a:r>
+          </a:p>
+          <a:p>
+            <a:pPr lvl="1" marL="584332" indent="-226193" defTabSz="429768">
+              <a:spcBef>
+                <a:spcPts val="0"/>
+              </a:spcBef>
+              <a:buSzPct val="100000"/>
+              <a:defRPr sz="1800">
+                <a:uFill>
+                  <a:solidFill>
+                    <a:srgbClr val="000000"/>
+                  </a:solidFill>
+                </a:uFill>
+                <a:latin typeface="Times New Roman"/>
+                <a:ea typeface="Times New Roman"/>
+                <a:cs typeface="Times New Roman"/>
+                <a:sym typeface="Times New Roman"/>
+              </a:defRPr>
+            </a:pPr>
+            <a:r>
+              <a:t>The “aristocracy of manufactures”</a:t>
+            </a:r>
+          </a:p>
+          <a:p>
+            <a:pPr lvl="1" marL="584332" indent="-226193" defTabSz="429768">
+              <a:spcBef>
+                <a:spcPts val="0"/>
+              </a:spcBef>
+              <a:buSzPct val="100000"/>
+              <a:defRPr sz="1800">
+                <a:uFill>
+                  <a:solidFill>
+                    <a:srgbClr val="000000"/>
+                  </a:solidFill>
+                </a:uFill>
+                <a:latin typeface="Times New Roman"/>
+                <a:ea typeface="Times New Roman"/>
+                <a:cs typeface="Times New Roman"/>
+                <a:sym typeface="Times New Roman"/>
+              </a:defRPr>
+            </a:pPr>
+            <a:r>
+              <a:t>Populists and progressives</a:t>
+            </a:r>
+          </a:p>
+          <a:p>
+            <a:pPr lvl="1" marL="584332" indent="-226193" defTabSz="429768">
+              <a:spcBef>
+                <a:spcPts val="0"/>
+              </a:spcBef>
+              <a:buSzPct val="100000"/>
+              <a:defRPr sz="1800">
+                <a:uFill>
+                  <a:solidFill>
+                    <a:srgbClr val="000000"/>
+                  </a:solidFill>
+                </a:uFill>
+                <a:latin typeface="Times New Roman"/>
+                <a:ea typeface="Times New Roman"/>
+                <a:cs typeface="Times New Roman"/>
+                <a:sym typeface="Times New Roman"/>
+              </a:defRPr>
+            </a:pPr>
+            <a:r>
+              <a:t>Chicagoland</a:t>
+            </a:r>
+          </a:p>
+          <a:p>
+            <a:pPr marL="226193" indent="-226193" defTabSz="429768">
+              <a:spcBef>
+                <a:spcPts val="0"/>
+              </a:spcBef>
+              <a:buSzPct val="100000"/>
+              <a:defRPr sz="1800">
+                <a:uFill>
+                  <a:solidFill>
+                    <a:srgbClr val="000000"/>
+                  </a:solidFill>
+                </a:uFill>
+                <a:latin typeface="Times New Roman"/>
+                <a:ea typeface="Times New Roman"/>
+                <a:cs typeface="Times New Roman"/>
+                <a:sym typeface="Times New Roman"/>
+              </a:defRPr>
+            </a:pPr>
+            <a:r>
+              <a:t>Over in Europe</a:t>
+            </a:r>
+          </a:p>
+          <a:p>
+            <a:pPr lvl="1" marL="584332" indent="-226193" defTabSz="429768">
+              <a:spcBef>
+                <a:spcPts val="0"/>
+              </a:spcBef>
+              <a:buSzPct val="100000"/>
+              <a:defRPr sz="1800">
+                <a:uFill>
+                  <a:solidFill>
+                    <a:srgbClr val="000000"/>
+                  </a:solidFill>
+                </a:uFill>
+                <a:latin typeface="Times New Roman"/>
+                <a:ea typeface="Times New Roman"/>
+                <a:cs typeface="Times New Roman"/>
+                <a:sym typeface="Times New Roman"/>
+              </a:defRPr>
+            </a:pPr>
+            <a:r>
+              <a:t>Paris in 1848</a:t>
+            </a:r>
+          </a:p>
+          <a:p>
+            <a:pPr lvl="1" marL="584332" indent="-226193" defTabSz="429768">
+              <a:spcBef>
+                <a:spcPts val="0"/>
+              </a:spcBef>
+              <a:buSzPct val="100000"/>
+              <a:defRPr sz="1800">
+                <a:uFill>
+                  <a:solidFill>
+                    <a:srgbClr val="000000"/>
+                  </a:solidFill>
+                </a:uFill>
+                <a:latin typeface="Times New Roman"/>
+                <a:ea typeface="Times New Roman"/>
+                <a:cs typeface="Times New Roman"/>
+                <a:sym typeface="Times New Roman"/>
+              </a:defRPr>
+            </a:pPr>
+            <a:r>
+              <a:t>The shadow of the French Revolution</a:t>
+            </a:r>
+          </a:p>
+          <a:p>
+            <a:pPr lvl="1" marL="584332" indent="-226193" defTabSz="429768">
+              <a:spcBef>
+                <a:spcPts val="0"/>
+              </a:spcBef>
+              <a:buSzPct val="100000"/>
+              <a:defRPr sz="1800">
+                <a:uFill>
+                  <a:solidFill>
+                    <a:srgbClr val="000000"/>
+                  </a:solidFill>
+                </a:uFill>
+                <a:latin typeface="Times New Roman"/>
+                <a:ea typeface="Times New Roman"/>
+                <a:cs typeface="Times New Roman"/>
+                <a:sym typeface="Times New Roman"/>
+              </a:defRPr>
+            </a:pPr>
+            <a:r>
+              <a:t>European normal politics</a:t>
+            </a:r>
+          </a:p>
+          <a:p>
+            <a:pPr lvl="1" marL="584332" indent="-226193" defTabSz="429768">
+              <a:spcBef>
+                <a:spcPts val="0"/>
+              </a:spcBef>
+              <a:buSzPct val="100000"/>
+              <a:defRPr sz="1800">
+                <a:uFill>
+                  <a:solidFill>
+                    <a:srgbClr val="000000"/>
+                  </a:solidFill>
+                </a:uFill>
+                <a:latin typeface="Times New Roman"/>
+                <a:ea typeface="Times New Roman"/>
+                <a:cs typeface="Times New Roman"/>
+                <a:sym typeface="Times New Roman"/>
+              </a:defRPr>
+            </a:pPr>
+            <a:r>
+              <a:t>The rise of social darwinism…</a:t>
             </a:r>
           </a:p>
         </p:txBody>
@@ -15412,7 +15434,161 @@
       </p:grpSpPr>
       <p:sp>
         <p:nvSpPr>
-          <p:cNvPr id="219" name="Catch Our Breath…"/>
+          <p:cNvPr id="219" name="What Was Unconvincing Today?"/>
+          <p:cNvSpPr txBox="1"/>
+          <p:nvPr>
+            <p:ph type="title" idx="4294967295"/>
+          </p:nvPr>
+        </p:nvSpPr>
+        <p:spPr>
+          <a:xfrm>
+            <a:off x="277663" y="-2"/>
+            <a:ext cx="8572501" cy="1267126"/>
+          </a:xfrm>
+          <a:prstGeom prst="rect">
+            <a:avLst/>
+          </a:prstGeom>
+        </p:spPr>
+        <p:txBody>
+          <a:bodyPr lIns="45718" tIns="45718" rIns="45718" bIns="45718"/>
+          <a:lstStyle>
+            <a:lvl1pPr defTabSz="329184">
+              <a:defRPr sz="4300">
+                <a:uFill>
+                  <a:solidFill>
+                    <a:srgbClr val="000000"/>
+                  </a:solidFill>
+                </a:uFill>
+              </a:defRPr>
+            </a:lvl1pPr>
+          </a:lstStyle>
+          <a:p>
+            <a:pPr/>
+            <a:r>
+              <a:t>What Was Unconvincing Today?</a:t>
+            </a:r>
+          </a:p>
+        </p:txBody>
+      </p:sp>
+      <p:sp>
+        <p:nvSpPr>
+          <p:cNvPr id="220" name="Mistakes and unclarities: typos, wordos, and mindos……"/>
+          <p:cNvSpPr txBox="1"/>
+          <p:nvPr>
+            <p:ph type="body" idx="4294967295"/>
+          </p:nvPr>
+        </p:nvSpPr>
+        <p:spPr>
+          <a:xfrm>
+            <a:off x="277663" y="1267121"/>
+            <a:ext cx="8572501" cy="5397503"/>
+          </a:xfrm>
+          <a:prstGeom prst="rect">
+            <a:avLst/>
+          </a:prstGeom>
+        </p:spPr>
+        <p:txBody>
+          <a:bodyPr lIns="45718" tIns="45718" rIns="45718" bIns="45718" anchor="t"/>
+          <a:lstStyle/>
+          <a:p>
+            <a:pPr marL="0" indent="0" defTabSz="457200">
+              <a:spcBef>
+                <a:spcPts val="1200"/>
+              </a:spcBef>
+              <a:buSzTx/>
+              <a:buFont typeface="Arial"/>
+              <a:buNone/>
+              <a:defRPr b="1">
+                <a:uFill>
+                  <a:solidFill>
+                    <a:srgbClr val="000000"/>
+                  </a:solidFill>
+                </a:uFill>
+                <a:latin typeface="+mn-lt"/>
+                <a:ea typeface="+mn-ea"/>
+                <a:cs typeface="+mn-cs"/>
+                <a:sym typeface="Helvetica"/>
+              </a:defRPr>
+            </a:pPr>
+            <a:r>
+              <a:t>Mistakes and unclarities: typos, wordos, and mindos…</a:t>
+            </a:r>
+          </a:p>
+          <a:p>
+            <a:pPr marL="240631" indent="-240631" defTabSz="457200">
+              <a:spcBef>
+                <a:spcPts val="1200"/>
+              </a:spcBef>
+              <a:buSzPct val="100000"/>
+              <a:defRPr>
+                <a:uFill>
+                  <a:solidFill>
+                    <a:srgbClr val="000000"/>
+                  </a:solidFill>
+                </a:uFill>
+                <a:latin typeface="Times New Roman"/>
+                <a:ea typeface="Times New Roman"/>
+                <a:cs typeface="Times New Roman"/>
+                <a:sym typeface="Times New Roman"/>
+              </a:defRPr>
+            </a:pPr>
+            <a:r>
+              <a:t>In the DRAFT textbook?</a:t>
+            </a:r>
+          </a:p>
+          <a:p>
+            <a:pPr marL="240631" indent="-240631" defTabSz="457200">
+              <a:spcBef>
+                <a:spcPts val="1200"/>
+              </a:spcBef>
+              <a:buSzPct val="100000"/>
+              <a:defRPr>
+                <a:uFill>
+                  <a:solidFill>
+                    <a:srgbClr val="000000"/>
+                  </a:solidFill>
+                </a:uFill>
+                <a:latin typeface="Times New Roman"/>
+                <a:ea typeface="Times New Roman"/>
+                <a:cs typeface="Times New Roman"/>
+                <a:sym typeface="Times New Roman"/>
+              </a:defRPr>
+            </a:pPr>
+            <a:r>
+              <a:t>In the lecture?</a:t>
+            </a:r>
+          </a:p>
+        </p:txBody>
+      </p:sp>
+    </p:spTree>
+  </p:cSld>
+  <p:clrMapOvr>
+    <a:masterClrMapping/>
+  </p:clrMapOvr>
+  <p:transition xmlns:p14="http://schemas.microsoft.com/office/powerpoint/2010/main" spd="med" advClick="1"/>
+</p:sld>
+</file>
+
+<file path=ppt/slides/slide58.xml><?xml version="1.0" encoding="utf-8"?>
+<p:sld xmlns:a="http://schemas.openxmlformats.org/drawingml/2006/main" xmlns:r="http://schemas.openxmlformats.org/officeDocument/2006/relationships" xmlns:p="http://schemas.openxmlformats.org/presentationml/2006/main" xmlns:m="http://schemas.openxmlformats.org/officeDocument/2006/math" xmlns:a14="http://schemas.microsoft.com/office/drawing/2010/main" showMasterSp="1" showMasterPhAnim="1">
+  <p:cSld>
+    <p:spTree>
+      <p:nvGrpSpPr>
+        <p:cNvPr id="1" name=""/>
+        <p:cNvGrpSpPr/>
+        <p:nvPr/>
+      </p:nvGrpSpPr>
+      <p:grpSpPr>
+        <a:xfrm>
+          <a:off x="0" y="0"/>
+          <a:ext cx="0" cy="0"/>
+          <a:chOff x="0" y="0"/>
+          <a:chExt cx="0" cy="0"/>
+        </a:xfrm>
+      </p:grpSpPr>
+      <p:sp>
+        <p:nvSpPr>
+          <p:cNvPr id="222" name="Catch Our Breath…"/>
           <p:cNvSpPr txBox="1"/>
           <p:nvPr>
             <p:ph type="title"/>
@@ -15440,7 +15616,7 @@
       </p:sp>
       <p:sp>
         <p:nvSpPr>
-          <p:cNvPr id="220" name="Ask a couple of questions?…"/>
+          <p:cNvPr id="223" name="Ask a couple of questions?…"/>
           <p:cNvSpPr txBox="1"/>
           <p:nvPr>
             <p:ph type="body" sz="half" idx="1"/>
@@ -15492,7 +15668,7 @@
       </p:sp>
       <p:pic>
         <p:nvPicPr>
-          <p:cNvPr id="221" name="Image" descr="Image"/>
+          <p:cNvPr id="224" name="Image" descr="Image"/>
           <p:cNvPicPr>
             <a:picLocks noChangeAspect="1"/>
           </p:cNvPicPr>
@@ -15528,7 +15704,7 @@
 </p:sld>
 </file>
 
-<file path=ppt/slides/slide58.xml><?xml version="1.0" encoding="utf-8"?>
+<file path=ppt/slides/slide59.xml><?xml version="1.0" encoding="utf-8"?>
 <p:sld xmlns:a="http://schemas.openxmlformats.org/drawingml/2006/main" xmlns:r="http://schemas.openxmlformats.org/officeDocument/2006/relationships" xmlns:p="http://schemas.openxmlformats.org/presentationml/2006/main" xmlns:m="http://schemas.openxmlformats.org/officeDocument/2006/math" xmlns:a14="http://schemas.microsoft.com/office/drawing/2010/main" showMasterSp="1" showMasterPhAnim="1">
   <p:cSld>
     <p:spTree>
@@ -15547,7 +15723,7 @@
       </p:grpSpPr>
       <p:sp>
         <p:nvSpPr>
-          <p:cNvPr id="223" name="2. The View from 3000: Themes &amp; Big Ideas"/>
+          <p:cNvPr id="226" name="2. The View from 3000: Themes &amp; Big Ideas"/>
           <p:cNvSpPr txBox="1"/>
           <p:nvPr>
             <p:ph type="title" idx="4294967295"/>
@@ -15585,7 +15761,7 @@
       </p:sp>
       <p:sp>
         <p:nvSpPr>
-          <p:cNvPr id="224" name="Science reaches critical mass and from it springs engineering—all of the engineering subdisciplines, including the management of human resources and of organizations. From a liberal political order spring national and then the global market economy. And from engineering and the market then, over the course of 1870-2016, spring……"/>
+          <p:cNvPr id="227" name="Science reaches critical mass and from it springs engineering—all of the engineering subdisciplines, including the management of human resources and of organizations. From a liberal political order spring national and then the global market economy. And from engineering and the market then, over the course of 1870-2016, spring……"/>
           <p:cNvSpPr txBox="1"/>
           <p:nvPr>
             <p:ph type="body" idx="4294967295"/>
@@ -15823,188 +15999,6 @@
             </a:pPr>
             <a:r>
               <a:t>Mismanagement and insecurity…</a:t>
-            </a:r>
-          </a:p>
-        </p:txBody>
-      </p:sp>
-    </p:spTree>
-  </p:cSld>
-  <p:clrMapOvr>
-    <a:masterClrMapping/>
-  </p:clrMapOvr>
-  <p:transition xmlns:p14="http://schemas.microsoft.com/office/powerpoint/2010/main" spd="med" advClick="1"/>
-</p:sld>
-</file>
-
-<file path=ppt/slides/slide59.xml><?xml version="1.0" encoding="utf-8"?>
-<p:sld xmlns:a="http://schemas.openxmlformats.org/drawingml/2006/main" xmlns:r="http://schemas.openxmlformats.org/officeDocument/2006/relationships" xmlns:p="http://schemas.openxmlformats.org/presentationml/2006/main" xmlns:m="http://schemas.openxmlformats.org/officeDocument/2006/math" xmlns:a14="http://schemas.microsoft.com/office/drawing/2010/main" showMasterSp="1" showMasterPhAnim="1">
-  <p:cSld>
-    <p:spTree>
-      <p:nvGrpSpPr>
-        <p:cNvPr id="1" name=""/>
-        <p:cNvGrpSpPr/>
-        <p:nvPr/>
-      </p:nvGrpSpPr>
-      <p:grpSpPr>
-        <a:xfrm>
-          <a:off x="0" y="0"/>
-          <a:ext cx="0" cy="0"/>
-          <a:chOff x="0" y="0"/>
-          <a:chExt cx="0" cy="0"/>
-        </a:xfrm>
-      </p:grpSpPr>
-      <p:sp>
-        <p:nvSpPr>
-          <p:cNvPr id="226" name="Measuring Growth"/>
-          <p:cNvSpPr txBox="1"/>
-          <p:nvPr>
-            <p:ph type="title" idx="4294967295"/>
-          </p:nvPr>
-        </p:nvSpPr>
-        <p:spPr>
-          <a:xfrm>
-            <a:off x="277663" y="-2"/>
-            <a:ext cx="8572501" cy="1267126"/>
-          </a:xfrm>
-          <a:prstGeom prst="rect">
-            <a:avLst/>
-          </a:prstGeom>
-        </p:spPr>
-        <p:txBody>
-          <a:bodyPr lIns="45718" tIns="45718" rIns="45718" bIns="45718"/>
-          <a:lstStyle>
-            <a:lvl1pPr defTabSz="457200">
-              <a:defRPr sz="6000">
-                <a:solidFill>
-                  <a:srgbClr val="000080"/>
-                </a:solidFill>
-                <a:uFill>
-                  <a:solidFill>
-                    <a:srgbClr val="000000"/>
-                  </a:solidFill>
-                </a:uFill>
-              </a:defRPr>
-            </a:lvl1pPr>
-          </a:lstStyle>
-          <a:p>
-            <a:pPr/>
-            <a:r>
-              <a:t>Measuring Growth</a:t>
-            </a:r>
-          </a:p>
-        </p:txBody>
-      </p:sp>
-      <p:sp>
-        <p:nvSpPr>
-          <p:cNvPr id="227" name="Is it the case that British Queen Victoria I Hanover was a better queen but not a happier woman than Queen Elizabeth I Tudor?…"/>
-          <p:cNvSpPr txBox="1"/>
-          <p:nvPr>
-            <p:ph type="body" idx="4294967295"/>
-          </p:nvPr>
-        </p:nvSpPr>
-        <p:spPr>
-          <a:xfrm>
-            <a:off x="277663" y="1267121"/>
-            <a:ext cx="8572501" cy="5397503"/>
-          </a:xfrm>
-          <a:prstGeom prst="rect">
-            <a:avLst/>
-          </a:prstGeom>
-        </p:spPr>
-        <p:txBody>
-          <a:bodyPr lIns="45718" tIns="45718" rIns="45718" bIns="45718" anchor="t"/>
-          <a:lstStyle/>
-          <a:p>
-            <a:pPr marL="0" indent="0" defTabSz="457200">
-              <a:spcBef>
-                <a:spcPts val="1200"/>
-              </a:spcBef>
-              <a:buSzTx/>
-              <a:buFont typeface="Arial"/>
-              <a:buNone/>
-              <a:defRPr b="1">
-                <a:uFill>
-                  <a:solidFill>
-                    <a:srgbClr val="000000"/>
-                  </a:solidFill>
-                </a:uFill>
-                <a:latin typeface="+mn-lt"/>
-                <a:ea typeface="+mn-ea"/>
-                <a:cs typeface="+mn-cs"/>
-                <a:sym typeface="Helvetica"/>
-              </a:defRPr>
-            </a:pPr>
-            <a:r>
-              <a:t>Is it the case that British Queen Victoria I Hanover was a better queen but not a happier woman than Queen Elizabeth I Tudor?</a:t>
-            </a:r>
-          </a:p>
-          <a:p>
-            <a:pPr marL="401052" indent="-401052" defTabSz="457200">
-              <a:spcBef>
-                <a:spcPts val="1200"/>
-              </a:spcBef>
-              <a:buSzPct val="100000"/>
-              <a:buAutoNum type="alphaUcPeriod" startAt="1"/>
-              <a:defRPr>
-                <a:uFill>
-                  <a:solidFill>
-                    <a:srgbClr val="000000"/>
-                  </a:solidFill>
-                </a:uFill>
-                <a:latin typeface="Times New Roman"/>
-                <a:ea typeface="Times New Roman"/>
-                <a:cs typeface="Times New Roman"/>
-                <a:sym typeface="Times New Roman"/>
-              </a:defRPr>
-            </a:pPr>
-            <a:r>
-              <a:t>Yes</a:t>
-            </a:r>
-          </a:p>
-          <a:p>
-            <a:pPr marL="401052" indent="-401052" defTabSz="457200">
-              <a:spcBef>
-                <a:spcPts val="1200"/>
-              </a:spcBef>
-              <a:buSzPct val="100000"/>
-              <a:buAutoNum type="alphaUcPeriod" startAt="1"/>
-              <a:defRPr>
-                <a:uFill>
-                  <a:solidFill>
-                    <a:srgbClr val="000000"/>
-                  </a:solidFill>
-                </a:uFill>
-                <a:latin typeface="Times New Roman"/>
-                <a:ea typeface="Times New Roman"/>
-                <a:cs typeface="Times New Roman"/>
-                <a:sym typeface="Times New Roman"/>
-              </a:defRPr>
-            </a:pPr>
-            <a:r>
-              <a:t>No</a:t>
-            </a:r>
-          </a:p>
-          <a:p>
-            <a:pPr marL="401052" indent="-401052" defTabSz="457200">
-              <a:spcBef>
-                <a:spcPts val="1200"/>
-              </a:spcBef>
-              <a:buSzPct val="100000"/>
-              <a:buAutoNum type="alphaUcPeriod" startAt="1"/>
-              <a:defRPr>
-                <a:uFill>
-                  <a:solidFill>
-                    <a:srgbClr val="000000"/>
-                  </a:solidFill>
-                </a:uFill>
-                <a:latin typeface="Times New Roman"/>
-                <a:ea typeface="Times New Roman"/>
-                <a:cs typeface="Times New Roman"/>
-                <a:sym typeface="Times New Roman"/>
-              </a:defRPr>
-            </a:pPr>
-            <a:r>
-              <a:t>Not sure</a:t>
             </a:r>
           </a:p>
         </p:txBody>
@@ -16468,7 +16462,7 @@
       </p:grpSpPr>
       <p:sp>
         <p:nvSpPr>
-          <p:cNvPr id="229" name="Measuring Growth II"/>
+          <p:cNvPr id="229" name="Measuring Growth"/>
           <p:cNvSpPr txBox="1"/>
           <p:nvPr>
             <p:ph type="title" idx="4294967295"/>
@@ -16502,14 +16496,14 @@
           <a:p>
             <a:pPr/>
             <a:r>
-              <a:t>Measuring Growth II</a:t>
+              <a:t>Measuring Growth</a:t>
             </a:r>
           </a:p>
         </p:txBody>
       </p:sp>
       <p:sp>
         <p:nvSpPr>
-          <p:cNvPr id="230" name="What are my estimates of the rate of growth of economically-useful human knowledge over 1-1500, 1500-1800, 1800-1870, and 1870-2000?…"/>
+          <p:cNvPr id="230" name="Is it the case that British Queen Victoria I Hanover was a better queen but not a happier woman than Queen Elizabeth I Tudor?…"/>
           <p:cNvSpPr txBox="1"/>
           <p:nvPr>
             <p:ph type="body" idx="4294967295"/>
@@ -16548,7 +16542,7 @@
               </a:defRPr>
             </a:pPr>
             <a:r>
-              <a:t>What are my estimates of the rate of growth of economically-useful human knowledge over 1-1500, 1500-1800, 1800-1870, and 1870-2000?</a:t>
+              <a:t>Is it the case that British Queen Victoria I Hanover was a better queen but not a happier woman than Queen Elizabeth I Tudor?</a:t>
             </a:r>
           </a:p>
           <a:p>
@@ -16571,7 +16565,7 @@
               </a:defRPr>
             </a:pPr>
             <a:r>
-              <a:t>0.02%/year, 0.2%/year, 0.5%/year, and 0.8%/year</a:t>
+              <a:t>Yes</a:t>
             </a:r>
           </a:p>
           <a:p>
@@ -16594,7 +16588,7 @@
               </a:defRPr>
             </a:pPr>
             <a:r>
-              <a:t>0.000%/year, 0.02%/year, 0.2%/year, and 0.8%/year</a:t>
+              <a:t>No</a:t>
             </a:r>
           </a:p>
           <a:p>
@@ -16617,53 +16611,7 @@
               </a:defRPr>
             </a:pPr>
             <a:r>
-              <a:t>0.02%/year, 0.2%/year, 0.8%/year, and 2.3%/year</a:t>
-            </a:r>
-          </a:p>
-          <a:p>
-            <a:pPr marL="401052" indent="-401052" defTabSz="457200">
-              <a:spcBef>
-                <a:spcPts val="1200"/>
-              </a:spcBef>
-              <a:buSzPct val="100000"/>
-              <a:buAutoNum type="alphaUcPeriod" startAt="1"/>
-              <a:defRPr>
-                <a:uFill>
-                  <a:solidFill>
-                    <a:srgbClr val="000000"/>
-                  </a:solidFill>
-                </a:uFill>
-                <a:latin typeface="Times New Roman"/>
-                <a:ea typeface="Times New Roman"/>
-                <a:cs typeface="Times New Roman"/>
-                <a:sym typeface="Times New Roman"/>
-              </a:defRPr>
-            </a:pPr>
-            <a:r>
-              <a:t>0.2%/year, 0.8%/year, 2.3%/year, and 4.7%/year</a:t>
-            </a:r>
-          </a:p>
-          <a:p>
-            <a:pPr marL="401052" indent="-401052" defTabSz="457200">
-              <a:spcBef>
-                <a:spcPts val="1200"/>
-              </a:spcBef>
-              <a:buSzPct val="100000"/>
-              <a:buAutoNum type="alphaUcPeriod" startAt="1"/>
-              <a:defRPr>
-                <a:uFill>
-                  <a:solidFill>
-                    <a:srgbClr val="000000"/>
-                  </a:solidFill>
-                </a:uFill>
-                <a:latin typeface="Times New Roman"/>
-                <a:ea typeface="Times New Roman"/>
-                <a:cs typeface="Times New Roman"/>
-                <a:sym typeface="Times New Roman"/>
-              </a:defRPr>
-            </a:pPr>
-            <a:r>
-              <a:t>None of the above.</a:t>
+              <a:t>Not sure</a:t>
             </a:r>
           </a:p>
         </p:txBody>
@@ -16696,7 +16644,7 @@
       </p:grpSpPr>
       <p:sp>
         <p:nvSpPr>
-          <p:cNvPr id="232" name="What Is the Key Factor in the Explosion of Wealth in the 20th Century?"/>
+          <p:cNvPr id="232" name="Measuring Growth II"/>
           <p:cNvSpPr txBox="1"/>
           <p:nvPr>
             <p:ph type="title" idx="4294967295"/>
@@ -16714,8 +16662,8 @@
         <p:txBody>
           <a:bodyPr lIns="45718" tIns="45718" rIns="45718" bIns="45718"/>
           <a:lstStyle>
-            <a:lvl1pPr defTabSz="269747">
-              <a:defRPr sz="3500">
+            <a:lvl1pPr defTabSz="457200">
+              <a:defRPr sz="6000">
                 <a:solidFill>
                   <a:srgbClr val="000080"/>
                 </a:solidFill>
@@ -16730,14 +16678,14 @@
           <a:p>
             <a:pPr/>
             <a:r>
-              <a:t>What Is the Key Factor in the Explosion of Wealth in the 20th Century?</a:t>
+              <a:t>Measuring Growth II</a:t>
             </a:r>
           </a:p>
         </p:txBody>
       </p:sp>
       <p:sp>
         <p:nvSpPr>
-          <p:cNvPr id="233" name="Yes, many things contributed. But suppose you have to pick just one"/>
+          <p:cNvPr id="233" name="What are my estimates of the rate of growth of economically-useful human knowledge over 1-1500, 1500-1800, 1800-1870, and 1870-2000?…"/>
           <p:cNvSpPr txBox="1"/>
           <p:nvPr>
             <p:ph type="body" idx="4294967295"/>
@@ -16754,8 +16702,9 @@
         </p:spPr>
         <p:txBody>
           <a:bodyPr lIns="45718" tIns="45718" rIns="45718" bIns="45718" anchor="t"/>
-          <a:lstStyle>
-            <a:lvl1pPr marL="0" indent="0" defTabSz="457200">
+          <a:lstStyle/>
+          <a:p>
+            <a:pPr marL="0" indent="0" defTabSz="457200">
               <a:spcBef>
                 <a:spcPts val="1200"/>
               </a:spcBef>
@@ -16773,12 +16722,124 @@
                 <a:cs typeface="+mn-cs"/>
                 <a:sym typeface="Helvetica"/>
               </a:defRPr>
-            </a:lvl1pPr>
-          </a:lstStyle>
-          <a:p>
-            <a:pPr/>
-            <a:r>
-              <a:t>Yes, many things contributed. But suppose you have to pick just one</a:t>
+            </a:pPr>
+            <a:r>
+              <a:t>What are my estimates of the rate of growth of economically-useful human knowledge over 1-1500, 1500-1800, 1800-1870, and 1870-2000?</a:t>
+            </a:r>
+          </a:p>
+          <a:p>
+            <a:pPr marL="401052" indent="-401052" defTabSz="457200">
+              <a:spcBef>
+                <a:spcPts val="1200"/>
+              </a:spcBef>
+              <a:buSzPct val="100000"/>
+              <a:buAutoNum type="alphaUcPeriod" startAt="1"/>
+              <a:defRPr>
+                <a:uFill>
+                  <a:solidFill>
+                    <a:srgbClr val="000000"/>
+                  </a:solidFill>
+                </a:uFill>
+                <a:latin typeface="Times New Roman"/>
+                <a:ea typeface="Times New Roman"/>
+                <a:cs typeface="Times New Roman"/>
+                <a:sym typeface="Times New Roman"/>
+              </a:defRPr>
+            </a:pPr>
+            <a:r>
+              <a:t>0.02%/year, 0.2%/year, 0.5%/year, and 0.8%/year</a:t>
+            </a:r>
+          </a:p>
+          <a:p>
+            <a:pPr marL="401052" indent="-401052" defTabSz="457200">
+              <a:spcBef>
+                <a:spcPts val="1200"/>
+              </a:spcBef>
+              <a:buSzPct val="100000"/>
+              <a:buAutoNum type="alphaUcPeriod" startAt="1"/>
+              <a:defRPr>
+                <a:uFill>
+                  <a:solidFill>
+                    <a:srgbClr val="000000"/>
+                  </a:solidFill>
+                </a:uFill>
+                <a:latin typeface="Times New Roman"/>
+                <a:ea typeface="Times New Roman"/>
+                <a:cs typeface="Times New Roman"/>
+                <a:sym typeface="Times New Roman"/>
+              </a:defRPr>
+            </a:pPr>
+            <a:r>
+              <a:t>0.000%/year, 0.02%/year, 0.2%/year, and 0.8%/year</a:t>
+            </a:r>
+          </a:p>
+          <a:p>
+            <a:pPr marL="401052" indent="-401052" defTabSz="457200">
+              <a:spcBef>
+                <a:spcPts val="1200"/>
+              </a:spcBef>
+              <a:buSzPct val="100000"/>
+              <a:buAutoNum type="alphaUcPeriod" startAt="1"/>
+              <a:defRPr>
+                <a:uFill>
+                  <a:solidFill>
+                    <a:srgbClr val="000000"/>
+                  </a:solidFill>
+                </a:uFill>
+                <a:latin typeface="Times New Roman"/>
+                <a:ea typeface="Times New Roman"/>
+                <a:cs typeface="Times New Roman"/>
+                <a:sym typeface="Times New Roman"/>
+              </a:defRPr>
+            </a:pPr>
+            <a:r>
+              <a:t>0.02%/year, 0.2%/year, 0.8%/year, and 2.3%/year</a:t>
+            </a:r>
+          </a:p>
+          <a:p>
+            <a:pPr marL="401052" indent="-401052" defTabSz="457200">
+              <a:spcBef>
+                <a:spcPts val="1200"/>
+              </a:spcBef>
+              <a:buSzPct val="100000"/>
+              <a:buAutoNum type="alphaUcPeriod" startAt="1"/>
+              <a:defRPr>
+                <a:uFill>
+                  <a:solidFill>
+                    <a:srgbClr val="000000"/>
+                  </a:solidFill>
+                </a:uFill>
+                <a:latin typeface="Times New Roman"/>
+                <a:ea typeface="Times New Roman"/>
+                <a:cs typeface="Times New Roman"/>
+                <a:sym typeface="Times New Roman"/>
+              </a:defRPr>
+            </a:pPr>
+            <a:r>
+              <a:t>0.2%/year, 0.8%/year, 2.3%/year, and 4.7%/year</a:t>
+            </a:r>
+          </a:p>
+          <a:p>
+            <a:pPr marL="401052" indent="-401052" defTabSz="457200">
+              <a:spcBef>
+                <a:spcPts val="1200"/>
+              </a:spcBef>
+              <a:buSzPct val="100000"/>
+              <a:buAutoNum type="alphaUcPeriod" startAt="1"/>
+              <a:defRPr>
+                <a:uFill>
+                  <a:solidFill>
+                    <a:srgbClr val="000000"/>
+                  </a:solidFill>
+                </a:uFill>
+                <a:latin typeface="Times New Roman"/>
+                <a:ea typeface="Times New Roman"/>
+                <a:cs typeface="Times New Roman"/>
+                <a:sym typeface="Times New Roman"/>
+              </a:defRPr>
+            </a:pPr>
+            <a:r>
+              <a:t>None of the above.</a:t>
             </a:r>
           </a:p>
         </p:txBody>
@@ -16811,7 +16872,7 @@
       </p:grpSpPr>
       <p:sp>
         <p:nvSpPr>
-          <p:cNvPr id="235" name="What Are the Four Factors That I See as Making for the Explosion of Wealth in the 20th Century?"/>
+          <p:cNvPr id="235" name="What Is the Key Factor in the Explosion of Wealth in the 20th Century?"/>
           <p:cNvSpPr txBox="1"/>
           <p:nvPr>
             <p:ph type="title" idx="4294967295"/>
@@ -16829,8 +16890,8 @@
         <p:txBody>
           <a:bodyPr lIns="45718" tIns="45718" rIns="45718" bIns="45718"/>
           <a:lstStyle>
-            <a:lvl1pPr defTabSz="219454">
-              <a:defRPr sz="2800">
+            <a:lvl1pPr defTabSz="269747">
+              <a:defRPr sz="3500">
                 <a:solidFill>
                   <a:srgbClr val="000080"/>
                 </a:solidFill>
@@ -16845,14 +16906,14 @@
           <a:p>
             <a:pPr/>
             <a:r>
-              <a:t>What Are the Four Factors That I See as Making for the Explosion of Wealth in the 20th Century?</a:t>
+              <a:t>What Is the Key Factor in the Explosion of Wealth in the 20th Century?</a:t>
             </a:r>
           </a:p>
         </p:txBody>
       </p:sp>
       <p:sp>
         <p:nvSpPr>
-          <p:cNvPr id="236" name="Yes, there are many, many more things that contributed. But suppose you have to pick just four:"/>
+          <p:cNvPr id="236" name="Yes, many things contributed. But suppose you have to pick just one"/>
           <p:cNvSpPr txBox="1"/>
           <p:nvPr>
             <p:ph type="body" idx="4294967295"/>
@@ -16893,7 +16954,7 @@
           <a:p>
             <a:pPr/>
             <a:r>
-              <a:t>Yes, there are many, many more things that contributed. But suppose you have to pick just four:</a:t>
+              <a:t>Yes, many things contributed. But suppose you have to pick just one</a:t>
             </a:r>
           </a:p>
         </p:txBody>
@@ -16926,7 +16987,7 @@
       </p:grpSpPr>
       <p:sp>
         <p:nvSpPr>
-          <p:cNvPr id="238" name="Demography"/>
+          <p:cNvPr id="238" name="What Are the Four Factors That I See as Making for the Explosion of Wealth in the 20th Century?"/>
           <p:cNvSpPr txBox="1"/>
           <p:nvPr>
             <p:ph type="title" idx="4294967295"/>
@@ -16944,8 +17005,8 @@
         <p:txBody>
           <a:bodyPr lIns="45718" tIns="45718" rIns="45718" bIns="45718"/>
           <a:lstStyle>
-            <a:lvl1pPr defTabSz="457200">
-              <a:defRPr sz="6000">
+            <a:lvl1pPr defTabSz="219454">
+              <a:defRPr sz="2800">
                 <a:solidFill>
                   <a:srgbClr val="000080"/>
                 </a:solidFill>
@@ -16960,14 +17021,14 @@
           <a:p>
             <a:pPr/>
             <a:r>
-              <a:t>Demography</a:t>
+              <a:t>What Are the Four Factors That I See as Making for the Explosion of Wealth in the 20th Century?</a:t>
             </a:r>
           </a:p>
         </p:txBody>
       </p:sp>
       <p:sp>
         <p:nvSpPr>
-          <p:cNvPr id="239" name="What is the “demographic transition”?"/>
+          <p:cNvPr id="239" name="Yes, there are many, many more things that contributed. But suppose you have to pick just four:"/>
           <p:cNvSpPr txBox="1"/>
           <p:nvPr>
             <p:ph type="body" idx="4294967295"/>
@@ -17008,7 +17069,7 @@
           <a:p>
             <a:pPr/>
             <a:r>
-              <a:t>What is the “demographic transition”?</a:t>
+              <a:t>Yes, there are many, many more things that contributed. But suppose you have to pick just four:</a:t>
             </a:r>
           </a:p>
         </p:txBody>
@@ -17041,7 +17102,7 @@
       </p:grpSpPr>
       <p:sp>
         <p:nvSpPr>
-          <p:cNvPr id="241" name="Demography II"/>
+          <p:cNvPr id="241" name="Demography"/>
           <p:cNvSpPr txBox="1"/>
           <p:nvPr>
             <p:ph type="title" idx="4294967295"/>
@@ -17075,14 +17136,14 @@
           <a:p>
             <a:pPr/>
             <a:r>
-              <a:t>Demography II</a:t>
+              <a:t>Demography</a:t>
             </a:r>
           </a:p>
         </p:txBody>
       </p:sp>
       <p:sp>
         <p:nvSpPr>
-          <p:cNvPr id="242" name="What is the principal cause of the demographic transition?…"/>
+          <p:cNvPr id="242" name="What is the “demographic transition”?"/>
           <p:cNvSpPr txBox="1"/>
           <p:nvPr>
             <p:ph type="body" idx="4294967295"/>
@@ -17099,9 +17160,8 @@
         </p:spPr>
         <p:txBody>
           <a:bodyPr lIns="45718" tIns="45718" rIns="45718" bIns="45718" anchor="t"/>
-          <a:lstStyle/>
-          <a:p>
-            <a:pPr marL="0" indent="0" defTabSz="457200">
+          <a:lstStyle>
+            <a:lvl1pPr marL="0" indent="0" defTabSz="457200">
               <a:spcBef>
                 <a:spcPts val="1200"/>
               </a:spcBef>
@@ -17119,124 +17179,12 @@
                 <a:cs typeface="+mn-cs"/>
                 <a:sym typeface="Helvetica"/>
               </a:defRPr>
-            </a:pPr>
-            <a:r>
-              <a:t>What is the principal cause of the demographic transition?</a:t>
-            </a:r>
-          </a:p>
-          <a:p>
-            <a:pPr marL="401052" indent="-401052" defTabSz="457200">
-              <a:spcBef>
-                <a:spcPts val="1200"/>
-              </a:spcBef>
-              <a:buSzPct val="100000"/>
-              <a:buAutoNum type="alphaUcPeriod" startAt="1"/>
-              <a:defRPr>
-                <a:uFill>
-                  <a:solidFill>
-                    <a:srgbClr val="000000"/>
-                  </a:solidFill>
-                </a:uFill>
-                <a:latin typeface="Times New Roman"/>
-                <a:ea typeface="Times New Roman"/>
-                <a:cs typeface="Times New Roman"/>
-                <a:sym typeface="Times New Roman"/>
-              </a:defRPr>
-            </a:pPr>
-            <a:r>
-              <a:t>Female wealth and control of property.</a:t>
-            </a:r>
-          </a:p>
-          <a:p>
-            <a:pPr marL="401052" indent="-401052" defTabSz="457200">
-              <a:spcBef>
-                <a:spcPts val="1200"/>
-              </a:spcBef>
-              <a:buSzPct val="100000"/>
-              <a:buAutoNum type="alphaUcPeriod" startAt="1"/>
-              <a:defRPr>
-                <a:uFill>
-                  <a:solidFill>
-                    <a:srgbClr val="000000"/>
-                  </a:solidFill>
-                </a:uFill>
-                <a:latin typeface="Times New Roman"/>
-                <a:ea typeface="Times New Roman"/>
-                <a:cs typeface="Times New Roman"/>
-                <a:sym typeface="Times New Roman"/>
-              </a:defRPr>
-            </a:pPr>
-            <a:r>
-              <a:t>Female literacy.</a:t>
-            </a:r>
-          </a:p>
-          <a:p>
-            <a:pPr marL="401052" indent="-401052" defTabSz="457200">
-              <a:spcBef>
-                <a:spcPts val="1200"/>
-              </a:spcBef>
-              <a:buSzPct val="100000"/>
-              <a:buAutoNum type="alphaUcPeriod" startAt="1"/>
-              <a:defRPr>
-                <a:uFill>
-                  <a:solidFill>
-                    <a:srgbClr val="000000"/>
-                  </a:solidFill>
-                </a:uFill>
-                <a:latin typeface="Times New Roman"/>
-                <a:ea typeface="Times New Roman"/>
-                <a:cs typeface="Times New Roman"/>
-                <a:sym typeface="Times New Roman"/>
-              </a:defRPr>
-            </a:pPr>
-            <a:r>
-              <a:t>Falling infant and child mortality.</a:t>
-            </a:r>
-          </a:p>
-          <a:p>
-            <a:pPr marL="401052" indent="-401052" defTabSz="457200">
-              <a:spcBef>
-                <a:spcPts val="1200"/>
-              </a:spcBef>
-              <a:buSzPct val="100000"/>
-              <a:buAutoNum type="alphaUcPeriod" startAt="1"/>
-              <a:defRPr>
-                <a:uFill>
-                  <a:solidFill>
-                    <a:srgbClr val="000000"/>
-                  </a:solidFill>
-                </a:uFill>
-                <a:latin typeface="Times New Roman"/>
-                <a:ea typeface="Times New Roman"/>
-                <a:cs typeface="Times New Roman"/>
-                <a:sym typeface="Times New Roman"/>
-              </a:defRPr>
-            </a:pPr>
-            <a:r>
-              <a:t>Land shortages and high unemployment.</a:t>
-            </a:r>
-          </a:p>
-          <a:p>
-            <a:pPr marL="401052" indent="-401052" defTabSz="457200">
-              <a:spcBef>
-                <a:spcPts val="1200"/>
-              </a:spcBef>
-              <a:buSzPct val="100000"/>
-              <a:buAutoNum type="alphaUcPeriod" startAt="1"/>
-              <a:defRPr>
-                <a:uFill>
-                  <a:solidFill>
-                    <a:srgbClr val="000000"/>
-                  </a:solidFill>
-                </a:uFill>
-                <a:latin typeface="Times New Roman"/>
-                <a:ea typeface="Times New Roman"/>
-                <a:cs typeface="Times New Roman"/>
-                <a:sym typeface="Times New Roman"/>
-              </a:defRPr>
-            </a:pPr>
-            <a:r>
-              <a:t>Something else.</a:t>
+            </a:lvl1pPr>
+          </a:lstStyle>
+          <a:p>
+            <a:pPr/>
+            <a:r>
+              <a:t>What is the “demographic transition”?</a:t>
             </a:r>
           </a:p>
         </p:txBody>
@@ -17269,7 +17217,7 @@
       </p:grpSpPr>
       <p:sp>
         <p:nvSpPr>
-          <p:cNvPr id="244" name="Feminism"/>
+          <p:cNvPr id="244" name="Demography II"/>
           <p:cNvSpPr txBox="1"/>
           <p:nvPr>
             <p:ph type="title" idx="4294967295"/>
@@ -17303,14 +17251,14 @@
           <a:p>
             <a:pPr/>
             <a:r>
-              <a:t>Feminism</a:t>
+              <a:t>Demography II</a:t>
             </a:r>
           </a:p>
         </p:txBody>
       </p:sp>
       <p:sp>
         <p:nvSpPr>
-          <p:cNvPr id="245" name="How many pregnancies do we think Abigail Smith Adams had between when she was 20 and 34?…"/>
+          <p:cNvPr id="245" name="What is the principal cause of the demographic transition?…"/>
           <p:cNvSpPr txBox="1"/>
           <p:nvPr>
             <p:ph type="body" idx="4294967295"/>
@@ -17349,7 +17297,7 @@
               </a:defRPr>
             </a:pPr>
             <a:r>
-              <a:t>How many pregnancies do we think Abigail Smith Adams had between when she was 20 and 34?</a:t>
+              <a:t>What is the principal cause of the demographic transition?</a:t>
             </a:r>
           </a:p>
           <a:p>
@@ -17372,7 +17320,7 @@
               </a:defRPr>
             </a:pPr>
             <a:r>
-              <a:t>2.</a:t>
+              <a:t>Female wealth and control of property.</a:t>
             </a:r>
           </a:p>
           <a:p>
@@ -17395,7 +17343,7 @@
               </a:defRPr>
             </a:pPr>
             <a:r>
-              <a:t>4.</a:t>
+              <a:t>Female literacy.</a:t>
             </a:r>
           </a:p>
           <a:p>
@@ -17418,7 +17366,7 @@
               </a:defRPr>
             </a:pPr>
             <a:r>
-              <a:t>6.</a:t>
+              <a:t>Falling infant and child mortality.</a:t>
             </a:r>
           </a:p>
           <a:p>
@@ -17441,7 +17389,7 @@
               </a:defRPr>
             </a:pPr>
             <a:r>
-              <a:t>8.</a:t>
+              <a:t>Land shortages and high unemployment.</a:t>
             </a:r>
           </a:p>
           <a:p>
@@ -17464,7 +17412,7 @@
               </a:defRPr>
             </a:pPr>
             <a:r>
-              <a:t>18.</a:t>
+              <a:t>Something else.</a:t>
             </a:r>
           </a:p>
         </p:txBody>
@@ -17497,7 +17445,7 @@
       </p:grpSpPr>
       <p:sp>
         <p:nvSpPr>
-          <p:cNvPr id="247" name="Empowered Tyrannies II"/>
+          <p:cNvPr id="247" name="Feminism"/>
           <p:cNvSpPr txBox="1"/>
           <p:nvPr>
             <p:ph type="title" idx="4294967295"/>
@@ -17515,8 +17463,8 @@
         <p:txBody>
           <a:bodyPr lIns="45718" tIns="45718" rIns="45718" bIns="45718"/>
           <a:lstStyle>
-            <a:lvl1pPr defTabSz="443483">
-              <a:defRPr sz="5800">
+            <a:lvl1pPr defTabSz="457200">
+              <a:defRPr sz="6000">
                 <a:solidFill>
                   <a:srgbClr val="000080"/>
                 </a:solidFill>
@@ -17531,14 +17479,14 @@
           <a:p>
             <a:pPr/>
             <a:r>
-              <a:t>Empowered Tyrannies II</a:t>
+              <a:t>Feminism</a:t>
             </a:r>
           </a:p>
         </p:txBody>
       </p:sp>
       <p:sp>
         <p:nvSpPr>
-          <p:cNvPr id="248" name="How many world leaders are members of the 10-million club?…"/>
+          <p:cNvPr id="248" name="How many pregnancies do we think Abigail Smith Adams had between when she was 20 and 34?…"/>
           <p:cNvSpPr txBox="1"/>
           <p:nvPr>
             <p:ph type="body" idx="4294967295"/>
@@ -17577,7 +17525,7 @@
               </a:defRPr>
             </a:pPr>
             <a:r>
-              <a:t>How many world leaders are members of the 10-million club?</a:t>
+              <a:t>How many pregnancies do we think Abigail Smith Adams had between when she was 20 and 34?</a:t>
             </a:r>
           </a:p>
           <a:p>
@@ -17725,7 +17673,7 @@
       </p:grpSpPr>
       <p:sp>
         <p:nvSpPr>
-          <p:cNvPr id="250" name="Wealth Gulfs"/>
+          <p:cNvPr id="250" name="Empowered Tyrannies II"/>
           <p:cNvSpPr txBox="1"/>
           <p:nvPr>
             <p:ph type="title" idx="4294967295"/>
@@ -17743,8 +17691,8 @@
         <p:txBody>
           <a:bodyPr lIns="45718" tIns="45718" rIns="45718" bIns="45718"/>
           <a:lstStyle>
-            <a:lvl1pPr defTabSz="457200">
-              <a:defRPr sz="6000">
+            <a:lvl1pPr defTabSz="443483">
+              <a:defRPr sz="5800">
                 <a:solidFill>
                   <a:srgbClr val="000080"/>
                 </a:solidFill>
@@ -17759,14 +17707,14 @@
           <a:p>
             <a:pPr/>
             <a:r>
-              <a:t>Wealth Gulfs</a:t>
+              <a:t>Empowered Tyrannies II</a:t>
             </a:r>
           </a:p>
         </p:txBody>
       </p:sp>
       <p:sp>
         <p:nvSpPr>
-          <p:cNvPr id="251" name="What fraction of humanity has not climbed onto the “escalator to modernity”?…"/>
+          <p:cNvPr id="251" name="How many world leaders are members of the 10-million club?…"/>
           <p:cNvSpPr txBox="1"/>
           <p:nvPr>
             <p:ph type="body" idx="4294967295"/>
@@ -17805,7 +17753,7 @@
               </a:defRPr>
             </a:pPr>
             <a:r>
-              <a:t>What fraction of humanity has not climbed onto the “escalator to modernity”?</a:t>
+              <a:t>How many world leaders are members of the 10-million club?</a:t>
             </a:r>
           </a:p>
           <a:p>
@@ -17828,7 +17776,7 @@
               </a:defRPr>
             </a:pPr>
             <a:r>
-              <a:t>10%</a:t>
+              <a:t>2.</a:t>
             </a:r>
           </a:p>
           <a:p>
@@ -17851,7 +17799,7 @@
               </a:defRPr>
             </a:pPr>
             <a:r>
-              <a:t>1%</a:t>
+              <a:t>4.</a:t>
             </a:r>
           </a:p>
           <a:p>
@@ -17874,7 +17822,7 @@
               </a:defRPr>
             </a:pPr>
             <a:r>
-              <a:t>50%</a:t>
+              <a:t>6.</a:t>
             </a:r>
           </a:p>
           <a:p>
@@ -17897,7 +17845,7 @@
               </a:defRPr>
             </a:pPr>
             <a:r>
-              <a:t>75%</a:t>
+              <a:t>8.</a:t>
             </a:r>
           </a:p>
           <a:p>
@@ -17920,7 +17868,7 @@
               </a:defRPr>
             </a:pPr>
             <a:r>
-              <a:t>We cannot yet tell.</a:t>
+              <a:t>18.</a:t>
             </a:r>
           </a:p>
         </p:txBody>
@@ -17953,7 +17901,7 @@
       </p:grpSpPr>
       <p:sp>
         <p:nvSpPr>
-          <p:cNvPr id="253" name="Inclusion and Hierarchy Attenuation"/>
+          <p:cNvPr id="253" name="Wealth Gulfs"/>
           <p:cNvSpPr txBox="1"/>
           <p:nvPr>
             <p:ph type="title" idx="4294967295"/>
@@ -17971,8 +17919,8 @@
         <p:txBody>
           <a:bodyPr lIns="45718" tIns="45718" rIns="45718" bIns="45718"/>
           <a:lstStyle>
-            <a:lvl1pPr defTabSz="292606">
-              <a:defRPr sz="3800">
+            <a:lvl1pPr defTabSz="457200">
+              <a:defRPr sz="6000">
                 <a:solidFill>
                   <a:srgbClr val="000080"/>
                 </a:solidFill>
@@ -17987,14 +17935,14 @@
           <a:p>
             <a:pPr/>
             <a:r>
-              <a:t>Inclusion and Hierarchy Attenuation</a:t>
+              <a:t>Wealth Gulfs</a:t>
             </a:r>
           </a:p>
         </p:txBody>
       </p:sp>
       <p:sp>
         <p:nvSpPr>
-          <p:cNvPr id="254" name="At the start of the 1970s, future President Ronald Reagan said that diplomats from Tanzania appeared uncomfortable:…"/>
+          <p:cNvPr id="254" name="What fraction of humanity has not climbed onto the “escalator to modernity”?…"/>
           <p:cNvSpPr txBox="1"/>
           <p:nvPr>
             <p:ph type="body" idx="4294967295"/>
@@ -18033,7 +17981,7 @@
               </a:defRPr>
             </a:pPr>
             <a:r>
-              <a:t>At the start of the 1970s, future President Ronald Reagan said that diplomats from Tanzania appeared uncomfortable:</a:t>
+              <a:t>What fraction of humanity has not climbed onto the “escalator to modernity”?</a:t>
             </a:r>
           </a:p>
           <a:p>
@@ -18056,7 +18004,7 @@
               </a:defRPr>
             </a:pPr>
             <a:r>
-              <a:t>resisting pressure to vote with the Soviet Union at the United Nations.</a:t>
+              <a:t>10%</a:t>
             </a:r>
           </a:p>
           <a:p>
@@ -18079,7 +18027,7 @@
               </a:defRPr>
             </a:pPr>
             <a:r>
-              <a:t>making small talk with New York socialites.</a:t>
+              <a:t>1%</a:t>
             </a:r>
           </a:p>
           <a:p>
@@ -18102,7 +18050,7 @@
               </a:defRPr>
             </a:pPr>
             <a:r>
-              <a:t>wearing shoes.</a:t>
+              <a:t>50%</a:t>
             </a:r>
           </a:p>
           <a:p>
@@ -18125,7 +18073,7 @@
               </a:defRPr>
             </a:pPr>
             <a:r>
-              <a:t>in formal tuxedos.</a:t>
+              <a:t>75%</a:t>
             </a:r>
           </a:p>
           <a:p>
@@ -18148,7 +18096,7 @@
               </a:defRPr>
             </a:pPr>
             <a:r>
-              <a:t>None of the above.</a:t>
+              <a:t>We cannot yet tell.</a:t>
             </a:r>
           </a:p>
         </p:txBody>
@@ -18181,7 +18129,7 @@
       </p:grpSpPr>
       <p:sp>
         <p:nvSpPr>
-          <p:cNvPr id="256" name="Economic Mismanagement and Insecurity"/>
+          <p:cNvPr id="256" name="Inclusion and Hierarchy Attenuation"/>
           <p:cNvSpPr txBox="1"/>
           <p:nvPr>
             <p:ph type="title" idx="4294967295"/>
@@ -18199,8 +18147,8 @@
         <p:txBody>
           <a:bodyPr lIns="45718" tIns="45718" rIns="45718" bIns="45718"/>
           <a:lstStyle>
-            <a:lvl1pPr defTabSz="288036">
-              <a:defRPr sz="3700">
+            <a:lvl1pPr defTabSz="292606">
+              <a:defRPr sz="3800">
                 <a:solidFill>
                   <a:srgbClr val="000080"/>
                 </a:solidFill>
@@ -18215,14 +18163,14 @@
           <a:p>
             <a:pPr/>
             <a:r>
-              <a:t>Economic Mismanagement and Insecurity</a:t>
+              <a:t>Inclusion and Hierarchy Attenuation</a:t>
             </a:r>
           </a:p>
         </p:txBody>
       </p:sp>
       <p:sp>
         <p:nvSpPr>
-          <p:cNvPr id="257" name="Karl Polanyi argued that people have rights to what things that the market economy turns into “commodities”?…"/>
+          <p:cNvPr id="257" name="At the start of the 1970s, future President Ronald Reagan said that diplomats from Tanzania appeared uncomfortable:…"/>
           <p:cNvSpPr txBox="1"/>
           <p:nvPr>
             <p:ph type="body" idx="4294967295"/>
@@ -18261,7 +18209,7 @@
               </a:defRPr>
             </a:pPr>
             <a:r>
-              <a:t>Karl Polanyi argued that people have rights to what things that the market economy turns into “commodities”?</a:t>
+              <a:t>At the start of the 1970s, future President Ronald Reagan said that diplomats from Tanzania appeared uncomfortable:</a:t>
             </a:r>
           </a:p>
           <a:p>
@@ -18284,7 +18232,7 @@
               </a:defRPr>
             </a:pPr>
             <a:r>
-              <a:t>land (a stable community), labor (a “just” income), and finance (a stable economic place).</a:t>
+              <a:t>resisting pressure to vote with the Soviet Union at the United Nations.</a:t>
             </a:r>
           </a:p>
           <a:p>
@@ -18307,7 +18255,7 @@
               </a:defRPr>
             </a:pPr>
             <a:r>
-              <a:t>labor (a “just” income), finance (a stable economic place), and property (the ability to keep what you earn).</a:t>
+              <a:t>making small talk with New York socialites.</a:t>
             </a:r>
           </a:p>
           <a:p>
@@ -18330,7 +18278,7 @@
               </a:defRPr>
             </a:pPr>
             <a:r>
-              <a:t>labor (a “just” income), finance (a stable economic place), and respect (deference from your peers).</a:t>
+              <a:t>wearing shoes.</a:t>
             </a:r>
           </a:p>
           <a:p>
@@ -18353,7 +18301,7 @@
               </a:defRPr>
             </a:pPr>
             <a:r>
-              <a:t>land (a stable community), property (the ability to keep what you earn), and finance (a stable economic place).</a:t>
+              <a:t>in formal tuxedos.</a:t>
             </a:r>
           </a:p>
           <a:p>
@@ -18630,7 +18578,7 @@
       </p:grpSpPr>
       <p:sp>
         <p:nvSpPr>
-          <p:cNvPr id="259" name="Economic Mismanagement and Insecurity II"/>
+          <p:cNvPr id="259" name="Economic Mismanagement and Insecurity"/>
           <p:cNvSpPr txBox="1"/>
           <p:nvPr>
             <p:ph type="title" idx="4294967295"/>
@@ -18664,14 +18612,242 @@
           <a:p>
             <a:pPr/>
             <a:r>
-              <a:t>Economic Mismanagement and Insecurity II</a:t>
+              <a:t>Economic Mismanagement and Insecurity</a:t>
             </a:r>
           </a:p>
         </p:txBody>
       </p:sp>
       <p:sp>
         <p:nvSpPr>
-          <p:cNvPr id="260" name="According to Karl Polanyi, what rights does the market economy respect?…"/>
+          <p:cNvPr id="260" name="Karl Polanyi argued that people have rights to what things that the market economy turns into “commodities”?…"/>
+          <p:cNvSpPr txBox="1"/>
+          <p:nvPr>
+            <p:ph type="body" idx="4294967295"/>
+          </p:nvPr>
+        </p:nvSpPr>
+        <p:spPr>
+          <a:xfrm>
+            <a:off x="277663" y="1267121"/>
+            <a:ext cx="8572501" cy="5397503"/>
+          </a:xfrm>
+          <a:prstGeom prst="rect">
+            <a:avLst/>
+          </a:prstGeom>
+        </p:spPr>
+        <p:txBody>
+          <a:bodyPr lIns="45718" tIns="45718" rIns="45718" bIns="45718" anchor="t"/>
+          <a:lstStyle/>
+          <a:p>
+            <a:pPr marL="0" indent="0" defTabSz="457200">
+              <a:spcBef>
+                <a:spcPts val="1200"/>
+              </a:spcBef>
+              <a:buSzTx/>
+              <a:buFont typeface="Arial"/>
+              <a:buNone/>
+              <a:defRPr b="1">
+                <a:uFill>
+                  <a:solidFill>
+                    <a:srgbClr val="000000"/>
+                  </a:solidFill>
+                </a:uFill>
+                <a:latin typeface="+mn-lt"/>
+                <a:ea typeface="+mn-ea"/>
+                <a:cs typeface="+mn-cs"/>
+                <a:sym typeface="Helvetica"/>
+              </a:defRPr>
+            </a:pPr>
+            <a:r>
+              <a:t>Karl Polanyi argued that people have rights to what things that the market economy turns into “commodities”?</a:t>
+            </a:r>
+          </a:p>
+          <a:p>
+            <a:pPr marL="401052" indent="-401052" defTabSz="457200">
+              <a:spcBef>
+                <a:spcPts val="1200"/>
+              </a:spcBef>
+              <a:buSzPct val="100000"/>
+              <a:buAutoNum type="alphaUcPeriod" startAt="1"/>
+              <a:defRPr>
+                <a:uFill>
+                  <a:solidFill>
+                    <a:srgbClr val="000000"/>
+                  </a:solidFill>
+                </a:uFill>
+                <a:latin typeface="Times New Roman"/>
+                <a:ea typeface="Times New Roman"/>
+                <a:cs typeface="Times New Roman"/>
+                <a:sym typeface="Times New Roman"/>
+              </a:defRPr>
+            </a:pPr>
+            <a:r>
+              <a:t>land (a stable community), labor (a “just” income), and finance (a stable economic place).</a:t>
+            </a:r>
+          </a:p>
+          <a:p>
+            <a:pPr marL="401052" indent="-401052" defTabSz="457200">
+              <a:spcBef>
+                <a:spcPts val="1200"/>
+              </a:spcBef>
+              <a:buSzPct val="100000"/>
+              <a:buAutoNum type="alphaUcPeriod" startAt="1"/>
+              <a:defRPr>
+                <a:uFill>
+                  <a:solidFill>
+                    <a:srgbClr val="000000"/>
+                  </a:solidFill>
+                </a:uFill>
+                <a:latin typeface="Times New Roman"/>
+                <a:ea typeface="Times New Roman"/>
+                <a:cs typeface="Times New Roman"/>
+                <a:sym typeface="Times New Roman"/>
+              </a:defRPr>
+            </a:pPr>
+            <a:r>
+              <a:t>labor (a “just” income), finance (a stable economic place), and property (the ability to keep what you earn).</a:t>
+            </a:r>
+          </a:p>
+          <a:p>
+            <a:pPr marL="401052" indent="-401052" defTabSz="457200">
+              <a:spcBef>
+                <a:spcPts val="1200"/>
+              </a:spcBef>
+              <a:buSzPct val="100000"/>
+              <a:buAutoNum type="alphaUcPeriod" startAt="1"/>
+              <a:defRPr>
+                <a:uFill>
+                  <a:solidFill>
+                    <a:srgbClr val="000000"/>
+                  </a:solidFill>
+                </a:uFill>
+                <a:latin typeface="Times New Roman"/>
+                <a:ea typeface="Times New Roman"/>
+                <a:cs typeface="Times New Roman"/>
+                <a:sym typeface="Times New Roman"/>
+              </a:defRPr>
+            </a:pPr>
+            <a:r>
+              <a:t>labor (a “just” income), finance (a stable economic place), and respect (deference from your peers).</a:t>
+            </a:r>
+          </a:p>
+          <a:p>
+            <a:pPr marL="401052" indent="-401052" defTabSz="457200">
+              <a:spcBef>
+                <a:spcPts val="1200"/>
+              </a:spcBef>
+              <a:buSzPct val="100000"/>
+              <a:buAutoNum type="alphaUcPeriod" startAt="1"/>
+              <a:defRPr>
+                <a:uFill>
+                  <a:solidFill>
+                    <a:srgbClr val="000000"/>
+                  </a:solidFill>
+                </a:uFill>
+                <a:latin typeface="Times New Roman"/>
+                <a:ea typeface="Times New Roman"/>
+                <a:cs typeface="Times New Roman"/>
+                <a:sym typeface="Times New Roman"/>
+              </a:defRPr>
+            </a:pPr>
+            <a:r>
+              <a:t>land (a stable community), property (the ability to keep what you earn), and finance (a stable economic place).</a:t>
+            </a:r>
+          </a:p>
+          <a:p>
+            <a:pPr marL="401052" indent="-401052" defTabSz="457200">
+              <a:spcBef>
+                <a:spcPts val="1200"/>
+              </a:spcBef>
+              <a:buSzPct val="100000"/>
+              <a:buAutoNum type="alphaUcPeriod" startAt="1"/>
+              <a:defRPr>
+                <a:uFill>
+                  <a:solidFill>
+                    <a:srgbClr val="000000"/>
+                  </a:solidFill>
+                </a:uFill>
+                <a:latin typeface="Times New Roman"/>
+                <a:ea typeface="Times New Roman"/>
+                <a:cs typeface="Times New Roman"/>
+                <a:sym typeface="Times New Roman"/>
+              </a:defRPr>
+            </a:pPr>
+            <a:r>
+              <a:t>None of the above.</a:t>
+            </a:r>
+          </a:p>
+        </p:txBody>
+      </p:sp>
+    </p:spTree>
+  </p:cSld>
+  <p:clrMapOvr>
+    <a:masterClrMapping/>
+  </p:clrMapOvr>
+  <p:transition xmlns:p14="http://schemas.microsoft.com/office/powerpoint/2010/main" spd="med" advClick="1"/>
+</p:sld>
+</file>
+
+<file path=ppt/slides/slide71.xml><?xml version="1.0" encoding="utf-8"?>
+<p:sld xmlns:a="http://schemas.openxmlformats.org/drawingml/2006/main" xmlns:r="http://schemas.openxmlformats.org/officeDocument/2006/relationships" xmlns:p="http://schemas.openxmlformats.org/presentationml/2006/main" xmlns:m="http://schemas.openxmlformats.org/officeDocument/2006/math" xmlns:a14="http://schemas.microsoft.com/office/drawing/2010/main" showMasterSp="1" showMasterPhAnim="1">
+  <p:cSld>
+    <p:spTree>
+      <p:nvGrpSpPr>
+        <p:cNvPr id="1" name=""/>
+        <p:cNvGrpSpPr/>
+        <p:nvPr/>
+      </p:nvGrpSpPr>
+      <p:grpSpPr>
+        <a:xfrm>
+          <a:off x="0" y="0"/>
+          <a:ext cx="0" cy="0"/>
+          <a:chOff x="0" y="0"/>
+          <a:chExt cx="0" cy="0"/>
+        </a:xfrm>
+      </p:grpSpPr>
+      <p:sp>
+        <p:nvSpPr>
+          <p:cNvPr id="262" name="Economic Mismanagement and Insecurity II"/>
+          <p:cNvSpPr txBox="1"/>
+          <p:nvPr>
+            <p:ph type="title" idx="4294967295"/>
+          </p:nvPr>
+        </p:nvSpPr>
+        <p:spPr>
+          <a:xfrm>
+            <a:off x="277663" y="-2"/>
+            <a:ext cx="8572501" cy="1267126"/>
+          </a:xfrm>
+          <a:prstGeom prst="rect">
+            <a:avLst/>
+          </a:prstGeom>
+        </p:spPr>
+        <p:txBody>
+          <a:bodyPr lIns="45718" tIns="45718" rIns="45718" bIns="45718"/>
+          <a:lstStyle>
+            <a:lvl1pPr defTabSz="288036">
+              <a:defRPr sz="3700">
+                <a:solidFill>
+                  <a:srgbClr val="000080"/>
+                </a:solidFill>
+                <a:uFill>
+                  <a:solidFill>
+                    <a:srgbClr val="000000"/>
+                  </a:solidFill>
+                </a:uFill>
+              </a:defRPr>
+            </a:lvl1pPr>
+          </a:lstStyle>
+          <a:p>
+            <a:pPr/>
+            <a:r>
+              <a:t>Economic Mismanagement and Insecurity II</a:t>
+            </a:r>
+          </a:p>
+        </p:txBody>
+      </p:sp>
+      <p:sp>
+        <p:nvSpPr>
+          <p:cNvPr id="263" name="According to Karl Polanyi, what rights does the market economy respect?…"/>
           <p:cNvSpPr txBox="1"/>
           <p:nvPr>
             <p:ph type="body" idx="4294967295"/>

--- a/econ-115-lecture-2.pptx
+++ b/econ-115-lecture-2.pptx
@@ -79,6 +79,7 @@
     <p:sldId id="324" r:id="rId76"/>
     <p:sldId id="325" r:id="rId77"/>
     <p:sldId id="326" r:id="rId78"/>
+    <p:sldId id="327" r:id="rId79"/>
   </p:sldIdLst>
   <p:sldSz cx="9144000" cy="6858000"/>
   <p:notesSz cx="6858000" cy="9144000"/>
@@ -3255,8 +3256,8 @@
         </p:blipFill>
         <p:spPr>
           <a:xfrm>
-            <a:off x="5874958" y="1267123"/>
-            <a:ext cx="2975207" cy="2848232"/>
+            <a:off x="5874957" y="1267123"/>
+            <a:ext cx="2975207" cy="2897100"/>
           </a:xfrm>
           <a:prstGeom prst="rect">
             <a:avLst/>
@@ -4623,11 +4624,12 @@
             </a:r>
           </a:p>
           <a:p>
-            <a:pPr lvl="1" marL="503521" indent="-194910" defTabSz="370331">
+            <a:pPr lvl="1" marL="762000" indent="-254000" defTabSz="370331">
               <a:spcBef>
                 <a:spcPts val="900"/>
               </a:spcBef>
               <a:buSzPct val="100000"/>
+              <a:buAutoNum type="arabicPeriod" startAt="1"/>
               <a:defRPr sz="1900">
                 <a:uFill>
                   <a:solidFill>
@@ -4645,11 +4647,12 @@
             </a:r>
           </a:p>
           <a:p>
-            <a:pPr lvl="1" marL="503521" indent="-194910" defTabSz="370331">
+            <a:pPr lvl="1" marL="762000" indent="-254000" defTabSz="370331">
               <a:spcBef>
                 <a:spcPts val="900"/>
               </a:spcBef>
               <a:buSzPct val="100000"/>
+              <a:buAutoNum type="arabicPeriod" startAt="1"/>
               <a:defRPr sz="1900">
                 <a:uFill>
                   <a:solidFill>
@@ -4667,11 +4670,12 @@
             </a:r>
           </a:p>
           <a:p>
-            <a:pPr lvl="1" marL="503521" indent="-194910" defTabSz="370331">
+            <a:pPr lvl="1" marL="762000" indent="-254000" defTabSz="370331">
               <a:spcBef>
                 <a:spcPts val="900"/>
               </a:spcBef>
               <a:buSzPct val="100000"/>
+              <a:buAutoNum type="arabicPeriod" startAt="1"/>
               <a:defRPr sz="1900">
                 <a:uFill>
                   <a:solidFill>
@@ -4689,11 +4693,12 @@
             </a:r>
           </a:p>
           <a:p>
-            <a:pPr lvl="1" marL="503521" indent="-194910" defTabSz="370331">
+            <a:pPr lvl="1" marL="762000" indent="-254000" defTabSz="370331">
               <a:spcBef>
                 <a:spcPts val="900"/>
               </a:spcBef>
               <a:buSzPct val="100000"/>
+              <a:buAutoNum type="arabicPeriod" startAt="1"/>
               <a:defRPr sz="1900">
                 <a:uFill>
                   <a:solidFill>
@@ -4711,11 +4716,12 @@
             </a:r>
           </a:p>
           <a:p>
-            <a:pPr lvl="1" marL="503521" indent="-194910" defTabSz="370331">
+            <a:pPr lvl="1" marL="762000" indent="-254000" defTabSz="370331">
               <a:spcBef>
                 <a:spcPts val="900"/>
               </a:spcBef>
               <a:buSzPct val="100000"/>
+              <a:buAutoNum type="arabicPeriod" startAt="1"/>
               <a:defRPr sz="1900">
                 <a:uFill>
                   <a:solidFill>
@@ -4733,11 +4739,12 @@
             </a:r>
           </a:p>
           <a:p>
-            <a:pPr lvl="1" marL="503521" indent="-194910" defTabSz="370331">
+            <a:pPr lvl="1" marL="762000" indent="-254000" defTabSz="370331">
               <a:spcBef>
                 <a:spcPts val="900"/>
               </a:spcBef>
               <a:buSzPct val="100000"/>
+              <a:buAutoNum type="arabicPeriod" startAt="1"/>
               <a:defRPr sz="1900">
                 <a:uFill>
                   <a:solidFill>
@@ -4755,11 +4762,12 @@
             </a:r>
           </a:p>
           <a:p>
-            <a:pPr lvl="1" marL="503521" indent="-194910" defTabSz="370331">
+            <a:pPr lvl="1" marL="762000" indent="-254000" defTabSz="370331">
               <a:spcBef>
                 <a:spcPts val="900"/>
               </a:spcBef>
               <a:buSzPct val="100000"/>
+              <a:buAutoNum type="arabicPeriod" startAt="1"/>
               <a:defRPr sz="1900">
                 <a:uFill>
                   <a:solidFill>
@@ -4777,11 +4785,12 @@
             </a:r>
           </a:p>
           <a:p>
-            <a:pPr lvl="1" marL="503521" indent="-194910" defTabSz="370331">
+            <a:pPr lvl="1" marL="762000" indent="-254000" defTabSz="370331">
               <a:spcBef>
                 <a:spcPts val="900"/>
               </a:spcBef>
               <a:buSzPct val="100000"/>
+              <a:buAutoNum type="arabicPeriod" startAt="1"/>
               <a:defRPr sz="1900">
                 <a:uFill>
                   <a:solidFill>
@@ -4799,11 +4808,12 @@
             </a:r>
           </a:p>
           <a:p>
-            <a:pPr lvl="1" marL="503521" indent="-194910" defTabSz="370331">
+            <a:pPr lvl="1" marL="762000" indent="-254000" defTabSz="370331">
               <a:spcBef>
                 <a:spcPts val="900"/>
               </a:spcBef>
               <a:buSzPct val="100000"/>
+              <a:buAutoNum type="arabicPeriod" startAt="1"/>
               <a:defRPr sz="1900">
                 <a:uFill>
                   <a:solidFill>
@@ -4839,7 +4849,14 @@
               </a:defRPr>
             </a:pPr>
             <a:r>
-              <a:t>Humanity is unlikely to see as transformative—for good and ill, but mostly for good—century again…</a:t>
+              <a:t>Humanity is unlikely to see as </a:t>
+            </a:r>
+            <a:r>
+              <a:rPr i="1"/>
+              <a:t>transformative</a:t>
+            </a:r>
+            <a:r>
+              <a:t>—for good and ill, but mostly for good, I think—a century again…</a:t>
             </a:r>
           </a:p>
         </p:txBody>
@@ -7222,7 +7239,7 @@
               </a:defRPr>
             </a:pPr>
             <a:r>
-              <a:t>By appointment in Blum Hall 200B, Evans 601A, or elsewhere: email &lt;</a:t>
+              <a:t>By appointment in Blum Hall 200B, Evans 691A, or elsewhere: email &lt;</a:t>
             </a:r>
             <a:r>
               <a:rPr u="sng">
@@ -7237,6 +7254,60 @@
                 <a:hlinkClick r:id="rId2" invalidUrl="" action="" tgtFrame="" tooltip="" history="1" highlightClick="0" endSnd="0"/>
               </a:rPr>
               <a:t>delong@econ.berkeley.edu</a:t>
+            </a:r>
+            <a:r>
+              <a:t>&gt;</a:t>
+            </a:r>
+          </a:p>
+          <a:p>
+            <a:pPr marL="0" indent="0" algn="ctr" defTabSz="379474">
+              <a:spcBef>
+                <a:spcPts val="900"/>
+              </a:spcBef>
+              <a:buSzTx/>
+              <a:buFont typeface="Arial"/>
+              <a:buNone/>
+              <a:defRPr b="1" sz="1900">
+                <a:uFill>
+                  <a:solidFill>
+                    <a:srgbClr val="000000"/>
+                  </a:solidFill>
+                </a:uFill>
+                <a:latin typeface="+mn-lt"/>
+                <a:ea typeface="+mn-ea"/>
+                <a:cs typeface="+mn-cs"/>
+                <a:sym typeface="Helvetica"/>
+              </a:defRPr>
+            </a:pPr>
+          </a:p>
+          <a:p>
+            <a:pPr marL="0" indent="0" algn="ctr" defTabSz="379474">
+              <a:spcBef>
+                <a:spcPts val="900"/>
+              </a:spcBef>
+              <a:buSzTx/>
+              <a:buFont typeface="Arial"/>
+              <a:buNone/>
+              <a:defRPr b="1" sz="1900">
+                <a:uFill>
+                  <a:solidFill>
+                    <a:srgbClr val="000000"/>
+                  </a:solidFill>
+                </a:uFill>
+                <a:latin typeface="+mn-lt"/>
+                <a:ea typeface="+mn-ea"/>
+                <a:cs typeface="+mn-cs"/>
+                <a:sym typeface="Helvetica"/>
+              </a:defRPr>
+            </a:pPr>
+            <a:r>
+              <a:t>Sign up at: &lt;</a:t>
+            </a:r>
+            <a:r>
+              <a:rPr>
+                <a:hlinkClick r:id="rId3" invalidUrl="" action="" tgtFrame="" tooltip="" history="1" highlightClick="0" endSnd="0"/>
+              </a:rPr>
+              <a:t>https://www.icloud.com/numbers/0leoOOlezWp6BYKSiPJhdXy7Q</a:t>
             </a:r>
             <a:r>
               <a:t>&gt;</a:t>
@@ -7645,7 +7716,7 @@
               </a:defRPr>
             </a:pPr>
             <a:r>
-              <a:t>1: 3.5</a:t>
+              <a:t>       1: 3.5</a:t>
             </a:r>
           </a:p>
           <a:p>
@@ -9424,7 +9495,7 @@
               </a:defRPr>
             </a:pPr>
             <a:r>
-              <a:t>Alternating-current generators, polyphase systems and long-distance transmission through high-voltage power lines,</a:t>
+              <a:t>Alternating-current generators, polyphase systems, and long-distance transmission through high-voltage power lines,</a:t>
             </a:r>
           </a:p>
           <a:p>
@@ -9568,14 +9639,14 @@
           <a:bodyPr lIns="45718" tIns="45718" rIns="45718" bIns="45718" anchor="t"/>
           <a:lstStyle/>
           <a:p>
-            <a:pPr marL="0" indent="0" defTabSz="182880">
-              <a:spcBef>
-                <a:spcPts val="400"/>
+            <a:pPr marL="0" indent="0" defTabSz="265175">
+              <a:spcBef>
+                <a:spcPts val="600"/>
               </a:spcBef>
               <a:buSzTx/>
               <a:buFont typeface="Arial"/>
               <a:buNone/>
-              <a:defRPr b="1" sz="960">
+              <a:defRPr b="1" sz="1392">
                 <a:uFill>
                   <a:solidFill>
                     <a:srgbClr val="000000"/>
@@ -9592,12 +9663,12 @@
             </a:r>
           </a:p>
           <a:p>
-            <a:pPr marL="96252" indent="-96252" defTabSz="182880">
-              <a:spcBef>
-                <a:spcPts val="400"/>
-              </a:spcBef>
-              <a:buSzPct val="100000"/>
-              <a:defRPr sz="960">
+            <a:pPr marL="139565" indent="-139565" defTabSz="265175">
+              <a:spcBef>
+                <a:spcPts val="600"/>
+              </a:spcBef>
+              <a:buSzPct val="100000"/>
+              <a:defRPr sz="1392">
                 <a:uFill>
                   <a:solidFill>
                     <a:srgbClr val="000000"/>
@@ -9614,12 +9685,12 @@
             </a:r>
           </a:p>
           <a:p>
-            <a:pPr marL="96252" indent="-96252" defTabSz="182880">
-              <a:spcBef>
-                <a:spcPts val="400"/>
-              </a:spcBef>
-              <a:buSzPct val="100000"/>
-              <a:defRPr sz="960">
+            <a:pPr marL="139565" indent="-139565" defTabSz="265175">
+              <a:spcBef>
+                <a:spcPts val="600"/>
+              </a:spcBef>
+              <a:buSzPct val="100000"/>
+              <a:defRPr sz="1392">
                 <a:uFill>
                   <a:solidFill>
                     <a:srgbClr val="000000"/>
@@ -9636,12 +9707,12 @@
             </a:r>
           </a:p>
           <a:p>
-            <a:pPr marL="96252" indent="-96252" defTabSz="182880">
-              <a:spcBef>
-                <a:spcPts val="400"/>
-              </a:spcBef>
-              <a:buSzPct val="100000"/>
-              <a:defRPr sz="960">
+            <a:pPr marL="139565" indent="-139565" defTabSz="265175">
+              <a:spcBef>
+                <a:spcPts val="600"/>
+              </a:spcBef>
+              <a:buSzPct val="100000"/>
+              <a:defRPr sz="1392">
                 <a:uFill>
                   <a:solidFill>
                     <a:srgbClr val="000000"/>
@@ -9658,12 +9729,12 @@
             </a:r>
           </a:p>
           <a:p>
-            <a:pPr marL="96252" indent="-96252" defTabSz="182880">
-              <a:spcBef>
-                <a:spcPts val="400"/>
-              </a:spcBef>
-              <a:buSzPct val="100000"/>
-              <a:defRPr sz="960">
+            <a:pPr marL="139565" indent="-139565" defTabSz="265175">
+              <a:spcBef>
+                <a:spcPts val="600"/>
+              </a:spcBef>
+              <a:buSzPct val="100000"/>
+              <a:defRPr sz="1392">
                 <a:uFill>
                   <a:solidFill>
                     <a:srgbClr val="000000"/>
@@ -9680,12 +9751,12 @@
             </a:r>
           </a:p>
           <a:p>
-            <a:pPr marL="96252" indent="-96252" defTabSz="182880">
-              <a:spcBef>
-                <a:spcPts val="400"/>
-              </a:spcBef>
-              <a:buSzPct val="100000"/>
-              <a:defRPr sz="960">
+            <a:pPr marL="139565" indent="-139565" defTabSz="265175">
+              <a:spcBef>
+                <a:spcPts val="600"/>
+              </a:spcBef>
+              <a:buSzPct val="100000"/>
+              <a:defRPr sz="1392">
                 <a:uFill>
                   <a:solidFill>
                     <a:srgbClr val="000000"/>
@@ -9702,12 +9773,12 @@
             </a:r>
           </a:p>
           <a:p>
-            <a:pPr marL="96252" indent="-96252" defTabSz="182880">
-              <a:spcBef>
-                <a:spcPts val="400"/>
-              </a:spcBef>
-              <a:buSzPct val="100000"/>
-              <a:defRPr sz="960">
+            <a:pPr marL="139565" indent="-139565" defTabSz="265175">
+              <a:spcBef>
+                <a:spcPts val="600"/>
+              </a:spcBef>
+              <a:buSzPct val="100000"/>
+              <a:defRPr sz="1392">
                 <a:uFill>
                   <a:solidFill>
                     <a:srgbClr val="000000"/>
@@ -9721,160 +9792,6 @@
             </a:pPr>
             <a:r>
               <a:t>Tesla on Edison’s death: Edison “had no hobby, cared for no sort of amusement of any kind and lived in utter disregard of the most elementary rules of hygiene .... His method was inefficient in the extreme, for an immense ground had to be covered to get anything at all unless blind chance intervened and, at first, I was almost a sorry witness of his doings, knowing that just a little theory and calculation would have saved him 90 percent of the labor. But he had a veritable contempt for book learning and mathematical knowledge, trusting himself entirely to his inventor's instinct and practical American sense...” </a:t>
-            </a:r>
-          </a:p>
-          <a:p>
-            <a:pPr marL="96252" indent="-96252" defTabSz="182880">
-              <a:spcBef>
-                <a:spcPts val="400"/>
-              </a:spcBef>
-              <a:buSzPct val="100000"/>
-              <a:defRPr sz="960">
-                <a:uFill>
-                  <a:solidFill>
-                    <a:srgbClr val="000000"/>
-                  </a:solidFill>
-                </a:uFill>
-                <a:latin typeface="Times New Roman"/>
-                <a:ea typeface="Times New Roman"/>
-                <a:cs typeface="Times New Roman"/>
-                <a:sym typeface="Times New Roman"/>
-              </a:defRPr>
-            </a:pPr>
-            <a:r>
-              <a:t>Nevertheless, Tesla found financial backers. Tesla made inventions. 1887 sees Tesla as the proprietor of Tesla Electric Light and Manufacturing (but his financial backers soon fire him from his own company). 1888 saw Tesla demonstrating an alternating-current induction motor—the ancestor of all our current alternating- current motors—at the American Institute of Electrical Engineers meeting. 1889 saw Tesla working at the Westinghouse Electric and Manufacturing Company’s laboratory in Pittsburg. In 1891, at the age of 35, Tesla was back in New York establishing his own laboratory. In 1892 he becomes vice president of the American Institute of Electrical Engineers and receives his patents for the polyphase alternating-current electric power system. And in 1893 Nikola Tesla and George Westinghouse use alternating-current power to illuminate the Chicago’s World Fair—the first World Fair ever to have a building for electricity and its applications. </a:t>
-            </a:r>
-          </a:p>
-          <a:p>
-            <a:pPr marL="96252" indent="-96252" defTabSz="182880">
-              <a:spcBef>
-                <a:spcPts val="400"/>
-              </a:spcBef>
-              <a:buSzPct val="100000"/>
-              <a:defRPr sz="960">
-                <a:uFill>
-                  <a:solidFill>
-                    <a:srgbClr val="000000"/>
-                  </a:solidFill>
-                </a:uFill>
-                <a:latin typeface="Times New Roman"/>
-                <a:ea typeface="Times New Roman"/>
-                <a:cs typeface="Times New Roman"/>
-                <a:sym typeface="Times New Roman"/>
-              </a:defRPr>
-            </a:pPr>
-            <a:r>
-              <a:t>The late 1880s and 1890s saw Westinghouse and Tesla and their backers struggle against Edison and his backers in the so-called “war of the currents.” Thomas Alva Edison had bet on a direct current—DC—electrical grid. Direct current worked very well with incandescent lamps and with the motors of the day. Direct current fit well with storage batteries, which meant that you only had to build the expensive generating capacity for average loads rather than peak loads. And Edison had not understood what Tesla was getting at when Tesla worked for him: “[Tesla's] ideas are splendid, but they are utterly impractical...” </a:t>
-            </a:r>
-          </a:p>
-          <a:p>
-            <a:pPr marL="96252" indent="-96252" defTabSz="182880">
-              <a:spcBef>
-                <a:spcPts val="400"/>
-              </a:spcBef>
-              <a:buSzPct val="100000"/>
-              <a:defRPr sz="960">
-                <a:uFill>
-                  <a:solidFill>
-                    <a:srgbClr val="000000"/>
-                  </a:solidFill>
-                </a:uFill>
-                <a:latin typeface="Times New Roman"/>
-                <a:ea typeface="Times New Roman"/>
-                <a:cs typeface="Times New Roman"/>
-                <a:sym typeface="Times New Roman"/>
-              </a:defRPr>
-            </a:pPr>
-            <a:r>
-              <a:t>11 </a:t>
-            </a:r>
-          </a:p>
-          <a:p>
-            <a:pPr marL="96252" indent="-96252" defTabSz="182880">
-              <a:spcBef>
-                <a:spcPts val="400"/>
-              </a:spcBef>
-              <a:buSzPct val="100000"/>
-              <a:defRPr sz="960">
-                <a:uFill>
-                  <a:solidFill>
-                    <a:srgbClr val="000000"/>
-                  </a:solidFill>
-                </a:uFill>
-                <a:latin typeface="Times New Roman"/>
-                <a:ea typeface="Times New Roman"/>
-                <a:cs typeface="Times New Roman"/>
-                <a:sym typeface="Times New Roman"/>
-              </a:defRPr>
-            </a:pPr>
-            <a:r>
-              <a:t>Slouching Towards Utopia? 4: 8576 words DRAFT 6.03 August 24, 2019 </a:t>
-            </a:r>
-          </a:p>
-          <a:p>
-            <a:pPr marL="96252" indent="-96252" defTabSz="182880">
-              <a:spcBef>
-                <a:spcPts val="400"/>
-              </a:spcBef>
-              <a:buSzPct val="100000"/>
-              <a:defRPr sz="960">
-                <a:uFill>
-                  <a:solidFill>
-                    <a:srgbClr val="000000"/>
-                  </a:solidFill>
-                </a:uFill>
-                <a:latin typeface="Times New Roman"/>
-                <a:ea typeface="Times New Roman"/>
-                <a:cs typeface="Times New Roman"/>
-                <a:sym typeface="Times New Roman"/>
-              </a:defRPr>
-            </a:pPr>
-            <a:r>
-              <a:t>The 1890s saw both Westinghouse and Edison nearly bankrupt themselves as each struggles to build out an electrical power grid fast enough to become the dominant standard. The alternating current—AC—systems of Tesla and Westinghouse, by contrast, allowed the efficient transmission of electric power over long distances through very high-voltage power lines. Once the energy got where you want it to go, it could then be reduced to a voltage that isn’t immediately fatal via step-down transformer. There was no equivalent trick for Edison’s direct-current system: Edison had to push your power at low voltage across long distances, thus incurring extremely large resistance power losses. On the other hand, it was not obvious before Tesla’s induction motor how alternating current could be used to power anything useful. Westinghouse and Tesla won—although ConEd still had 4600 DC customers in New York as of 1998. </a:t>
-            </a:r>
-          </a:p>
-          <a:p>
-            <a:pPr marL="96252" indent="-96252" defTabSz="182880">
-              <a:spcBef>
-                <a:spcPts val="400"/>
-              </a:spcBef>
-              <a:buSzPct val="100000"/>
-              <a:defRPr sz="960">
-                <a:uFill>
-                  <a:solidFill>
-                    <a:srgbClr val="000000"/>
-                  </a:solidFill>
-                </a:uFill>
-                <a:latin typeface="Times New Roman"/>
-                <a:ea typeface="Times New Roman"/>
-                <a:cs typeface="Times New Roman"/>
-                <a:sym typeface="Times New Roman"/>
-              </a:defRPr>
-            </a:pPr>
-            <a:r>
-              <a:t>1899 saw Tesla move from New York to Colorado Springs to conduct experiments in high-voltage power distribution—both through wires and wireless—and the wireless power distribution experiments soon turned into radio. But Tesla was not especially interested in radio. Tesla was interested in distributing electric power to the world without having to build power lines, and in distributing electric power to the world for free: a kind of open-source electric power movement antedating the open-source software movement by ninety years. Marconi and his backers were to win the patents over and profit from radio—at least until World War I when the U.S. Navy seized all radio intellectual property as of vital importance for national security, and then during World War II when the U.S. Supreme Court decided for Tesla, perhaps because the then-penniless Tesla was less likely to make trouble if he owned the radio patents than if Marconi’s heirs did. </a:t>
-            </a:r>
-          </a:p>
-          <a:p>
-            <a:pPr marL="96252" indent="-96252" defTabSz="182880">
-              <a:spcBef>
-                <a:spcPts val="400"/>
-              </a:spcBef>
-              <a:buSzPct val="100000"/>
-              <a:defRPr sz="960">
-                <a:uFill>
-                  <a:solidFill>
-                    <a:srgbClr val="000000"/>
-                  </a:solidFill>
-                </a:uFill>
-                <a:latin typeface="Times New Roman"/>
-                <a:ea typeface="Times New Roman"/>
-                <a:cs typeface="Times New Roman"/>
-                <a:sym typeface="Times New Roman"/>
-              </a:defRPr>
-            </a:pPr>
-            <a:r>
-              <a:t>Dominant financier J.P. Morgan backed Tesla, directly and indirectly, for a long while. But then in 1907 he decided that the heroic age of electricity was over, and it was time to rationalize operations and replace the visionary inventors like Tesla and the executives like George Westinghouse who could deal with them by managers who would routinize the business, and focus on the bottom line. </a:t>
             </a:r>
           </a:p>
         </p:txBody>
@@ -9970,7 +9887,7 @@
           <a:p>
             <a:pPr/>
             <a:r>
-              <a:t>Nicola Tesla V</a:t>
+              <a:t>Nicola Tesla IVa</a:t>
             </a:r>
           </a:p>
         </p:txBody>
@@ -9996,14 +9913,14 @@
           <a:bodyPr lIns="45718" tIns="45718" rIns="45718" bIns="45718" anchor="t"/>
           <a:lstStyle/>
           <a:p>
-            <a:pPr marL="0" indent="0" defTabSz="224027">
-              <a:spcBef>
-                <a:spcPts val="500"/>
+            <a:pPr marL="0" indent="0" defTabSz="278892">
+              <a:spcBef>
+                <a:spcPts val="700"/>
               </a:spcBef>
               <a:buSzTx/>
               <a:buFont typeface="Arial"/>
               <a:buNone/>
-              <a:defRPr b="1" sz="1176">
+              <a:defRPr b="1" sz="1464">
                 <a:uFill>
                   <a:solidFill>
                     <a:srgbClr val="000000"/>
@@ -10016,60 +9933,60 @@
               </a:defRPr>
             </a:pPr>
             <a:r>
-              <a:t>Tesla finds financial backers</a:t>
-            </a:r>
-          </a:p>
-          <a:p>
-            <a:pPr marL="117909" indent="-117909" defTabSz="224027">
-              <a:spcBef>
-                <a:spcPts val="500"/>
-              </a:spcBef>
-              <a:buSzPct val="100000"/>
-              <a:defRPr sz="1176">
-                <a:uFill>
-                  <a:solidFill>
-                    <a:srgbClr val="000000"/>
-                  </a:solidFill>
-                </a:uFill>
-                <a:latin typeface="Times New Roman"/>
-                <a:ea typeface="Times New Roman"/>
-                <a:cs typeface="Times New Roman"/>
-                <a:sym typeface="Times New Roman"/>
-              </a:defRPr>
-            </a:pPr>
-            <a:r>
-              <a:t>1887 sees Tesla as the proprietor of Tesla Electric Light and Manufacturing </a:t>
-            </a:r>
-          </a:p>
-          <a:p>
-            <a:pPr marL="117909" indent="-117909" defTabSz="224027">
-              <a:spcBef>
-                <a:spcPts val="500"/>
-              </a:spcBef>
-              <a:buSzPct val="100000"/>
-              <a:defRPr sz="1176">
-                <a:uFill>
-                  <a:solidFill>
-                    <a:srgbClr val="000000"/>
-                  </a:solidFill>
-                </a:uFill>
-                <a:latin typeface="Times New Roman"/>
-                <a:ea typeface="Times New Roman"/>
-                <a:cs typeface="Times New Roman"/>
-                <a:sym typeface="Times New Roman"/>
-              </a:defRPr>
-            </a:pPr>
-            <a:r>
-              <a:t>(But his financial backers soon fire him from his own company). </a:t>
-            </a:r>
-          </a:p>
-          <a:p>
-            <a:pPr marL="117909" indent="-117909" defTabSz="224027">
-              <a:spcBef>
-                <a:spcPts val="500"/>
-              </a:spcBef>
-              <a:buSzPct val="100000"/>
-              <a:defRPr sz="1176">
+              <a:t>How could Tesla make a difference?</a:t>
+            </a:r>
+          </a:p>
+          <a:p>
+            <a:pPr marL="146784" indent="-146784" defTabSz="278892">
+              <a:spcBef>
+                <a:spcPts val="700"/>
+              </a:spcBef>
+              <a:buSzPct val="100000"/>
+              <a:defRPr sz="1464">
+                <a:uFill>
+                  <a:solidFill>
+                    <a:srgbClr val="000000"/>
+                  </a:solidFill>
+                </a:uFill>
+                <a:latin typeface="Times New Roman"/>
+                <a:ea typeface="Times New Roman"/>
+                <a:cs typeface="Times New Roman"/>
+                <a:sym typeface="Times New Roman"/>
+              </a:defRPr>
+            </a:pPr>
+            <a:r>
+              <a:t>Nevertheless, Tesla found financial backers. Tesla made inventions. </a:t>
+            </a:r>
+          </a:p>
+          <a:p>
+            <a:pPr marL="146784" indent="-146784" defTabSz="278892">
+              <a:spcBef>
+                <a:spcPts val="700"/>
+              </a:spcBef>
+              <a:buSzPct val="100000"/>
+              <a:defRPr sz="1464">
+                <a:uFill>
+                  <a:solidFill>
+                    <a:srgbClr val="000000"/>
+                  </a:solidFill>
+                </a:uFill>
+                <a:latin typeface="Times New Roman"/>
+                <a:ea typeface="Times New Roman"/>
+                <a:cs typeface="Times New Roman"/>
+                <a:sym typeface="Times New Roman"/>
+              </a:defRPr>
+            </a:pPr>
+            <a:r>
+              <a:t>1887 sees Tesla as the proprietor of Tesla Electric Light and Manufacturing (but his financial backers soon fire him from his own company). </a:t>
+            </a:r>
+          </a:p>
+          <a:p>
+            <a:pPr marL="146784" indent="-146784" defTabSz="278892">
+              <a:spcBef>
+                <a:spcPts val="700"/>
+              </a:spcBef>
+              <a:buSzPct val="100000"/>
+              <a:defRPr sz="1464">
                 <a:uFill>
                   <a:solidFill>
                     <a:srgbClr val="000000"/>
@@ -10086,12 +10003,12 @@
             </a:r>
           </a:p>
           <a:p>
-            <a:pPr marL="117909" indent="-117909" defTabSz="224027">
-              <a:spcBef>
-                <a:spcPts val="500"/>
-              </a:spcBef>
-              <a:buSzPct val="100000"/>
-              <a:defRPr sz="1176">
+            <a:pPr marL="146784" indent="-146784" defTabSz="278892">
+              <a:spcBef>
+                <a:spcPts val="700"/>
+              </a:spcBef>
+              <a:buSzPct val="100000"/>
+              <a:defRPr sz="1464">
                 <a:uFill>
                   <a:solidFill>
                     <a:srgbClr val="000000"/>
@@ -10108,179 +10025,25 @@
             </a:r>
           </a:p>
           <a:p>
-            <a:pPr marL="117909" indent="-117909" defTabSz="224027">
-              <a:spcBef>
-                <a:spcPts val="500"/>
-              </a:spcBef>
-              <a:buSzPct val="100000"/>
-              <a:defRPr sz="1176">
-                <a:uFill>
-                  <a:solidFill>
-                    <a:srgbClr val="000000"/>
-                  </a:solidFill>
-                </a:uFill>
-                <a:latin typeface="Times New Roman"/>
-                <a:ea typeface="Times New Roman"/>
-                <a:cs typeface="Times New Roman"/>
-                <a:sym typeface="Times New Roman"/>
-              </a:defRPr>
-            </a:pPr>
-            <a:r>
-              <a:t>In 1893 Nikola Tesla and George Westinghouse use alternating-current power to illuminate the Chicago’s World Fair—the first World Fair ever to have a building for electricity and its applications. </a:t>
-            </a:r>
-          </a:p>
-          <a:p>
-            <a:pPr marL="117909" indent="-117909" defTabSz="224027">
-              <a:spcBef>
-                <a:spcPts val="500"/>
-              </a:spcBef>
-              <a:buSzPct val="100000"/>
-              <a:defRPr sz="1176">
-                <a:uFill>
-                  <a:solidFill>
-                    <a:srgbClr val="000000"/>
-                  </a:solidFill>
-                </a:uFill>
-                <a:latin typeface="Times New Roman"/>
-                <a:ea typeface="Times New Roman"/>
-                <a:cs typeface="Times New Roman"/>
-                <a:sym typeface="Times New Roman"/>
-              </a:defRPr>
-            </a:pPr>
-            <a:r>
-              <a:t>The late 1880s and 1890s saw Westinghouse and Tesla and their backers struggle against Edison and his backers in the so-called “war of the currents.” </a:t>
-            </a:r>
-          </a:p>
-          <a:p>
-            <a:pPr marL="117909" indent="-117909" defTabSz="224027">
-              <a:spcBef>
-                <a:spcPts val="500"/>
-              </a:spcBef>
-              <a:buSzPct val="100000"/>
-              <a:defRPr sz="1176">
-                <a:uFill>
-                  <a:solidFill>
-                    <a:srgbClr val="000000"/>
-                  </a:solidFill>
-                </a:uFill>
-                <a:latin typeface="Times New Roman"/>
-                <a:ea typeface="Times New Roman"/>
-                <a:cs typeface="Times New Roman"/>
-                <a:sym typeface="Times New Roman"/>
-              </a:defRPr>
-            </a:pPr>
-            <a:r>
-              <a:t>The 1890s saw both Westinghouse and Edison nearly bankrupt themselves as each struggles to build out an electrical power grid fast enough to become the dominant standard.</a:t>
-            </a:r>
-          </a:p>
-          <a:p>
-            <a:pPr marL="117909" indent="-117909" defTabSz="224027">
-              <a:spcBef>
-                <a:spcPts val="500"/>
-              </a:spcBef>
-              <a:buSzPct val="100000"/>
-              <a:defRPr sz="1176">
-                <a:uFill>
-                  <a:solidFill>
-                    <a:srgbClr val="000000"/>
-                  </a:solidFill>
-                </a:uFill>
-                <a:latin typeface="Times New Roman"/>
-                <a:ea typeface="Times New Roman"/>
-                <a:cs typeface="Times New Roman"/>
-                <a:sym typeface="Times New Roman"/>
-              </a:defRPr>
-            </a:pPr>
-            <a:r>
-              <a:t>Dominant financier J.P. Morgan backed Tesla, directly and indirectly, for a long while. </a:t>
-            </a:r>
-          </a:p>
-          <a:p>
-            <a:pPr marL="117909" indent="-117909" defTabSz="224027">
-              <a:spcBef>
-                <a:spcPts val="500"/>
-              </a:spcBef>
-              <a:buSzPct val="100000"/>
-              <a:defRPr sz="1176">
-                <a:uFill>
-                  <a:solidFill>
-                    <a:srgbClr val="000000"/>
-                  </a:solidFill>
-                </a:uFill>
-                <a:latin typeface="Times New Roman"/>
-                <a:ea typeface="Times New Roman"/>
-                <a:cs typeface="Times New Roman"/>
-                <a:sym typeface="Times New Roman"/>
-              </a:defRPr>
-            </a:pPr>
-            <a:r>
-              <a:t>But then in 1907 Morgan decided that the heroic age of electricity was over</a:t>
-            </a:r>
-          </a:p>
-          <a:p>
-            <a:pPr marL="117909" indent="-117909" defTabSz="224027">
-              <a:spcBef>
-                <a:spcPts val="500"/>
-              </a:spcBef>
-              <a:buSzPct val="100000"/>
-              <a:defRPr sz="1176">
-                <a:uFill>
-                  <a:solidFill>
-                    <a:srgbClr val="000000"/>
-                  </a:solidFill>
-                </a:uFill>
-                <a:latin typeface="Times New Roman"/>
-                <a:ea typeface="Times New Roman"/>
-                <a:cs typeface="Times New Roman"/>
-                <a:sym typeface="Times New Roman"/>
-              </a:defRPr>
-            </a:pPr>
-            <a:r>
-              <a:t>Time to rationalize operations</a:t>
-            </a:r>
-          </a:p>
-          <a:p>
-            <a:pPr marL="117909" indent="-117909" defTabSz="224027">
-              <a:spcBef>
-                <a:spcPts val="500"/>
-              </a:spcBef>
-              <a:buSzPct val="100000"/>
-              <a:defRPr sz="1176">
-                <a:uFill>
-                  <a:solidFill>
-                    <a:srgbClr val="000000"/>
-                  </a:solidFill>
-                </a:uFill>
-                <a:latin typeface="Times New Roman"/>
-                <a:ea typeface="Times New Roman"/>
-                <a:cs typeface="Times New Roman"/>
-                <a:sym typeface="Times New Roman"/>
-              </a:defRPr>
-            </a:pPr>
-            <a:r>
-              <a:t>Time to replace the visionary inventors like Tesla and the executives like George Westinghouse who would cater to them.</a:t>
-            </a:r>
-          </a:p>
-          <a:p>
-            <a:pPr marL="117909" indent="-117909" defTabSz="224027">
-              <a:spcBef>
-                <a:spcPts val="500"/>
-              </a:spcBef>
-              <a:buSzPct val="100000"/>
-              <a:defRPr sz="1176">
-                <a:uFill>
-                  <a:solidFill>
-                    <a:srgbClr val="000000"/>
-                  </a:solidFill>
-                </a:uFill>
-                <a:latin typeface="Times New Roman"/>
-                <a:ea typeface="Times New Roman"/>
-                <a:cs typeface="Times New Roman"/>
-                <a:sym typeface="Times New Roman"/>
-              </a:defRPr>
-            </a:pPr>
-            <a:r>
-              <a:t>Time for managers who would routinize the business, and focus on the bottom line.</a:t>
+            <a:pPr marL="146784" indent="-146784" defTabSz="278892">
+              <a:spcBef>
+                <a:spcPts val="700"/>
+              </a:spcBef>
+              <a:buSzPct val="100000"/>
+              <a:defRPr sz="1464">
+                <a:uFill>
+                  <a:solidFill>
+                    <a:srgbClr val="000000"/>
+                  </a:solidFill>
+                </a:uFill>
+                <a:latin typeface="Times New Roman"/>
+                <a:ea typeface="Times New Roman"/>
+                <a:cs typeface="Times New Roman"/>
+                <a:sym typeface="Times New Roman"/>
+              </a:defRPr>
+            </a:pPr>
+            <a:r>
+              <a:t>The late 1880s and 1890s saw Westinghouse and Tesla and their backers struggle against Edison and his backers in the so-called “war of the currents.” Thomas Alva Edison had bet on a direct current—DC—electrical grid. Direct current worked very well with incandescent lamps and with the motors of the day. Direct current fit well with storage batteries, which meant that you only had to build the expensive generating capacity for average loads rather than peak loads. And Edison had not understood what Tesla was getting at when Tesla worked for him: “[Tesla's] ideas are splendid, but they are utterly impractical...” </a:t>
             </a:r>
           </a:p>
         </p:txBody>
@@ -10376,7 +10139,7 @@
           <a:p>
             <a:pPr/>
             <a:r>
-              <a:t>Herbert Hoover</a:t>
+              <a:t>Nicola Tesla V</a:t>
             </a:r>
           </a:p>
         </p:txBody>
@@ -10392,7 +10155,7 @@
         <p:spPr>
           <a:xfrm>
             <a:off x="277663" y="1267121"/>
-            <a:ext cx="5199064" cy="5397503"/>
+            <a:ext cx="5016501" cy="5397503"/>
           </a:xfrm>
           <a:prstGeom prst="rect">
             <a:avLst/>
@@ -10402,14 +10165,14 @@
           <a:bodyPr lIns="45718" tIns="45718" rIns="45718" bIns="45718" anchor="t"/>
           <a:lstStyle/>
           <a:p>
-            <a:pPr marL="0" indent="0" defTabSz="342900">
-              <a:spcBef>
-                <a:spcPts val="900"/>
+            <a:pPr marL="0" indent="0" defTabSz="429768">
+              <a:spcBef>
+                <a:spcPts val="1100"/>
               </a:spcBef>
               <a:buSzTx/>
               <a:buFont typeface="Arial"/>
               <a:buNone/>
-              <a:defRPr b="1" sz="1800">
+              <a:defRPr b="1" sz="2256">
                 <a:uFill>
                   <a:solidFill>
                     <a:srgbClr val="000000"/>
@@ -10422,183 +10185,117 @@
               </a:defRPr>
             </a:pPr>
             <a:r>
-              <a:t>Born in 1874 in Iowa. Father a blacksmith. Orphaned at 10:</a:t>
-            </a:r>
-          </a:p>
-          <a:p>
-            <a:pPr marL="180473" indent="-180473" defTabSz="342900">
-              <a:spcBef>
-                <a:spcPts val="900"/>
-              </a:spcBef>
-              <a:buSzPct val="100000"/>
-              <a:defRPr sz="1800">
-                <a:uFill>
-                  <a:solidFill>
-                    <a:srgbClr val="000000"/>
-                  </a:solidFill>
-                </a:uFill>
-                <a:latin typeface="Times New Roman"/>
-                <a:ea typeface="Times New Roman"/>
-                <a:cs typeface="Times New Roman"/>
-                <a:sym typeface="Times New Roman"/>
-              </a:defRPr>
-            </a:pPr>
-            <a:r>
-              <a:t>Farmed out to be raised in Oregon by an uncle and aunt</a:t>
-            </a:r>
-          </a:p>
-          <a:p>
-            <a:pPr marL="180473" indent="-180473" defTabSz="342900">
-              <a:spcBef>
-                <a:spcPts val="900"/>
-              </a:spcBef>
-              <a:buSzPct val="100000"/>
-              <a:defRPr sz="1800">
-                <a:uFill>
-                  <a:solidFill>
-                    <a:srgbClr val="000000"/>
-                  </a:solidFill>
-                </a:uFill>
-                <a:latin typeface="Times New Roman"/>
-                <a:ea typeface="Times New Roman"/>
-                <a:cs typeface="Times New Roman"/>
-                <a:sym typeface="Times New Roman"/>
-              </a:defRPr>
-            </a:pPr>
-            <a:r>
-              <a:t>First student to attend Stanford University (then free)</a:t>
-            </a:r>
-          </a:p>
-          <a:p>
-            <a:pPr marL="180473" indent="-180473" defTabSz="342900">
-              <a:spcBef>
-                <a:spcPts val="900"/>
-              </a:spcBef>
-              <a:buSzPct val="100000"/>
-              <a:defRPr sz="1800">
-                <a:uFill>
-                  <a:solidFill>
-                    <a:srgbClr val="000000"/>
-                  </a:solidFill>
-                </a:uFill>
-                <a:latin typeface="Times New Roman"/>
-                <a:ea typeface="Times New Roman"/>
-                <a:cs typeface="Times New Roman"/>
-                <a:sym typeface="Times New Roman"/>
-              </a:defRPr>
-            </a:pPr>
-            <a:r>
-              <a:t>Graduating in 1895 in the distressed aftermath of the Panic of 1893</a:t>
-            </a:r>
-          </a:p>
-          <a:p>
-            <a:pPr marL="180473" indent="-180473" defTabSz="342900">
-              <a:spcBef>
-                <a:spcPts val="900"/>
-              </a:spcBef>
-              <a:buSzPct val="100000"/>
-              <a:defRPr sz="1800">
-                <a:uFill>
-                  <a:solidFill>
-                    <a:srgbClr val="000000"/>
-                  </a:solidFill>
-                </a:uFill>
-                <a:latin typeface="Times New Roman"/>
-                <a:ea typeface="Times New Roman"/>
-                <a:cs typeface="Times New Roman"/>
-                <a:sym typeface="Times New Roman"/>
-              </a:defRPr>
-            </a:pPr>
-            <a:r>
-              <a:t>Became a mining engineer.</a:t>
-            </a:r>
-          </a:p>
-          <a:p>
-            <a:pPr marL="180473" indent="-180473" defTabSz="342900">
-              <a:spcBef>
-                <a:spcPts val="900"/>
-              </a:spcBef>
-              <a:buSzPct val="100000"/>
-              <a:defRPr sz="1800">
-                <a:uFill>
-                  <a:solidFill>
-                    <a:srgbClr val="000000"/>
-                  </a:solidFill>
-                </a:uFill>
-                <a:latin typeface="Times New Roman"/>
-                <a:ea typeface="Times New Roman"/>
-                <a:cs typeface="Times New Roman"/>
-                <a:sym typeface="Times New Roman"/>
-              </a:defRPr>
-            </a:pPr>
-            <a:r>
-              <a:t>First job was as a mine laborer in Grass Valley, at 600 dollars a year. </a:t>
-            </a:r>
-          </a:p>
-          <a:p>
-            <a:pPr lvl="1" marL="523373" indent="-180473" defTabSz="342900">
-              <a:spcBef>
-                <a:spcPts val="900"/>
-              </a:spcBef>
-              <a:buSzPct val="100000"/>
-              <a:defRPr sz="1800">
-                <a:uFill>
-                  <a:solidFill>
-                    <a:srgbClr val="000000"/>
-                  </a:solidFill>
-                </a:uFill>
-                <a:latin typeface="Times New Roman"/>
-                <a:ea typeface="Times New Roman"/>
-                <a:cs typeface="Times New Roman"/>
-                <a:sym typeface="Times New Roman"/>
-              </a:defRPr>
-            </a:pPr>
-            <a:r>
-              <a:t>In today’s dollars, $9/hr—but same relative income as $80/hour today</a:t>
-            </a:r>
-          </a:p>
-          <a:p>
-            <a:pPr lvl="1" marL="523373" indent="-180473" defTabSz="342900">
-              <a:spcBef>
-                <a:spcPts val="900"/>
-              </a:spcBef>
-              <a:buSzPct val="100000"/>
-              <a:defRPr sz="1800">
-                <a:uFill>
-                  <a:solidFill>
-                    <a:srgbClr val="000000"/>
-                  </a:solidFill>
-                </a:uFill>
-                <a:latin typeface="Times New Roman"/>
-                <a:ea typeface="Times New Roman"/>
-                <a:cs typeface="Times New Roman"/>
-                <a:sym typeface="Times New Roman"/>
-              </a:defRPr>
-            </a:pPr>
-            <a:r>
-              <a:t>multiples of x30, x8 for inflation and real income growth</a:t>
-            </a:r>
-          </a:p>
-          <a:p>
-            <a:pPr marL="180473" indent="-180473" defTabSz="342900">
-              <a:spcBef>
-                <a:spcPts val="900"/>
-              </a:spcBef>
-              <a:buSzPct val="100000"/>
-              <a:defRPr sz="1800">
-                <a:uFill>
-                  <a:solidFill>
-                    <a:srgbClr val="000000"/>
-                  </a:solidFill>
-                </a:uFill>
-                <a:latin typeface="Times New Roman"/>
-                <a:ea typeface="Times New Roman"/>
-                <a:cs typeface="Times New Roman"/>
-                <a:sym typeface="Times New Roman"/>
-              </a:defRPr>
-            </a:pPr>
-            <a:r>
-              <a:t>Next was as an intern and special assistant to mining engineer Louis Janin at 2400 dollars a year. </a:t>
+              <a:t>Tesla finds financial backers</a:t>
+            </a:r>
+          </a:p>
+          <a:p>
+            <a:pPr marL="226193" indent="-226193" defTabSz="429768">
+              <a:spcBef>
+                <a:spcPts val="1100"/>
+              </a:spcBef>
+              <a:buSzPct val="100000"/>
+              <a:defRPr sz="2256">
+                <a:uFill>
+                  <a:solidFill>
+                    <a:srgbClr val="000000"/>
+                  </a:solidFill>
+                </a:uFill>
+                <a:latin typeface="Times New Roman"/>
+                <a:ea typeface="Times New Roman"/>
+                <a:cs typeface="Times New Roman"/>
+                <a:sym typeface="Times New Roman"/>
+              </a:defRPr>
+            </a:pPr>
+            <a:r>
+              <a:t>Dominant financier J.P. Morgan backed Tesla, directly and indirectly, for a long while. </a:t>
+            </a:r>
+          </a:p>
+          <a:p>
+            <a:pPr marL="226193" indent="-226193" defTabSz="429768">
+              <a:spcBef>
+                <a:spcPts val="1100"/>
+              </a:spcBef>
+              <a:buSzPct val="100000"/>
+              <a:defRPr sz="2256">
+                <a:uFill>
+                  <a:solidFill>
+                    <a:srgbClr val="000000"/>
+                  </a:solidFill>
+                </a:uFill>
+                <a:latin typeface="Times New Roman"/>
+                <a:ea typeface="Times New Roman"/>
+                <a:cs typeface="Times New Roman"/>
+                <a:sym typeface="Times New Roman"/>
+              </a:defRPr>
+            </a:pPr>
+            <a:r>
+              <a:t>But then in 1907 Morgan decided that the heroic age of electricity was over</a:t>
+            </a:r>
+          </a:p>
+          <a:p>
+            <a:pPr marL="226193" indent="-226193" defTabSz="429768">
+              <a:spcBef>
+                <a:spcPts val="1100"/>
+              </a:spcBef>
+              <a:buSzPct val="100000"/>
+              <a:defRPr sz="2256">
+                <a:uFill>
+                  <a:solidFill>
+                    <a:srgbClr val="000000"/>
+                  </a:solidFill>
+                </a:uFill>
+                <a:latin typeface="Times New Roman"/>
+                <a:ea typeface="Times New Roman"/>
+                <a:cs typeface="Times New Roman"/>
+                <a:sym typeface="Times New Roman"/>
+              </a:defRPr>
+            </a:pPr>
+            <a:r>
+              <a:t>Time to rationalize operations</a:t>
+            </a:r>
+          </a:p>
+          <a:p>
+            <a:pPr marL="226193" indent="-226193" defTabSz="429768">
+              <a:spcBef>
+                <a:spcPts val="1100"/>
+              </a:spcBef>
+              <a:buSzPct val="100000"/>
+              <a:defRPr sz="2256">
+                <a:uFill>
+                  <a:solidFill>
+                    <a:srgbClr val="000000"/>
+                  </a:solidFill>
+                </a:uFill>
+                <a:latin typeface="Times New Roman"/>
+                <a:ea typeface="Times New Roman"/>
+                <a:cs typeface="Times New Roman"/>
+                <a:sym typeface="Times New Roman"/>
+              </a:defRPr>
+            </a:pPr>
+            <a:r>
+              <a:t>Time to replace the visionary inventors like Tesla and the executives like George Westinghouse who would cater to them.</a:t>
+            </a:r>
+          </a:p>
+          <a:p>
+            <a:pPr marL="226193" indent="-226193" defTabSz="429768">
+              <a:spcBef>
+                <a:spcPts val="1100"/>
+              </a:spcBef>
+              <a:buSzPct val="100000"/>
+              <a:defRPr sz="2256">
+                <a:uFill>
+                  <a:solidFill>
+                    <a:srgbClr val="000000"/>
+                  </a:solidFill>
+                </a:uFill>
+                <a:latin typeface="Times New Roman"/>
+                <a:ea typeface="Times New Roman"/>
+                <a:cs typeface="Times New Roman"/>
+                <a:sym typeface="Times New Roman"/>
+              </a:defRPr>
+            </a:pPr>
+            <a:r>
+              <a:t>Time for managers who would routinize the business, and focus on the bottom line.</a:t>
             </a:r>
           </a:p>
         </p:txBody>
@@ -10621,8 +10318,8 @@
         </p:blipFill>
         <p:spPr>
           <a:xfrm>
-            <a:off x="5476726" y="1267123"/>
-            <a:ext cx="3373439" cy="5397501"/>
+            <a:off x="5294164" y="1267123"/>
+            <a:ext cx="3556001" cy="3683001"/>
           </a:xfrm>
           <a:prstGeom prst="rect">
             <a:avLst/>
@@ -10882,7 +10579,7 @@
           <a:p>
             <a:pPr/>
             <a:r>
-              <a:t>Herbert Hoover II</a:t>
+              <a:t>Herbert Hoover</a:t>
             </a:r>
           </a:p>
         </p:txBody>
@@ -10908,14 +10605,14 @@
           <a:bodyPr lIns="45718" tIns="45718" rIns="45718" bIns="45718" anchor="t"/>
           <a:lstStyle/>
           <a:p>
-            <a:pPr marL="0" indent="0" defTabSz="242315">
-              <a:spcBef>
-                <a:spcPts val="600"/>
+            <a:pPr marL="0" indent="0" defTabSz="342900">
+              <a:spcBef>
+                <a:spcPts val="900"/>
               </a:spcBef>
               <a:buSzTx/>
               <a:buFont typeface="Arial"/>
               <a:buNone/>
-              <a:defRPr b="1" sz="1271">
+              <a:defRPr b="1" sz="1800">
                 <a:uFill>
                   <a:solidFill>
                     <a:srgbClr val="000000"/>
@@ -10928,293 +10625,183 @@
               </a:defRPr>
             </a:pPr>
             <a:r>
-              <a:t>Globalization and Imperialism!</a:t>
-            </a:r>
-          </a:p>
-          <a:p>
-            <a:pPr marL="127534" indent="-127534" defTabSz="242315">
-              <a:spcBef>
-                <a:spcPts val="600"/>
-              </a:spcBef>
-              <a:buSzPct val="100000"/>
-              <a:defRPr sz="1271">
-                <a:uFill>
-                  <a:solidFill>
-                    <a:srgbClr val="000000"/>
-                  </a:solidFill>
-                </a:uFill>
-                <a:latin typeface="Times New Roman"/>
-                <a:ea typeface="Times New Roman"/>
-                <a:cs typeface="Times New Roman"/>
-                <a:sym typeface="Times New Roman"/>
-              </a:defRPr>
-            </a:pPr>
-            <a:r>
-              <a:t>Then in 1897 he crossed the Pacific to first Australia, working first for Bewick, Moreing for 7000 dollars a year</a:t>
-            </a:r>
-          </a:p>
-          <a:p>
-            <a:pPr marL="127534" indent="-127534" defTabSz="242315">
-              <a:spcBef>
-                <a:spcPts val="600"/>
-              </a:spcBef>
-              <a:buSzPct val="100000"/>
-              <a:defRPr sz="1271">
-                <a:uFill>
-                  <a:solidFill>
-                    <a:srgbClr val="000000"/>
-                  </a:solidFill>
-                </a:uFill>
-                <a:latin typeface="Times New Roman"/>
-                <a:ea typeface="Times New Roman"/>
-                <a:cs typeface="Times New Roman"/>
-                <a:sym typeface="Times New Roman"/>
-              </a:defRPr>
-            </a:pPr>
-            <a:r>
-              <a:t>Then to China, working at 20,000 a year and up:</a:t>
-            </a:r>
-          </a:p>
-          <a:p>
-            <a:pPr lvl="1" marL="369850" indent="-127534" defTabSz="242315">
-              <a:spcBef>
-                <a:spcPts val="600"/>
-              </a:spcBef>
-              <a:buSzPct val="100000"/>
-              <a:defRPr sz="1271">
-                <a:uFill>
-                  <a:solidFill>
-                    <a:srgbClr val="000000"/>
-                  </a:solidFill>
-                </a:uFill>
-                <a:latin typeface="Times New Roman"/>
-                <a:ea typeface="Times New Roman"/>
-                <a:cs typeface="Times New Roman"/>
-                <a:sym typeface="Times New Roman"/>
-              </a:defRPr>
-            </a:pPr>
-            <a:r>
-              <a:t>Somehow wound up with Kaiping Coal Mine</a:t>
-            </a:r>
-          </a:p>
-          <a:p>
-            <a:pPr lvl="1" marL="369850" indent="-127534" defTabSz="242315">
-              <a:spcBef>
-                <a:spcPts val="600"/>
-              </a:spcBef>
-              <a:buSzPct val="100000"/>
-              <a:defRPr sz="1271">
-                <a:uFill>
-                  <a:solidFill>
-                    <a:srgbClr val="000000"/>
-                  </a:solidFill>
-                </a:uFill>
-                <a:latin typeface="Times New Roman"/>
-                <a:ea typeface="Times New Roman"/>
-                <a:cs typeface="Times New Roman"/>
-                <a:sym typeface="Times New Roman"/>
-              </a:defRPr>
-            </a:pPr>
-            <a:r>
-              <a:t>Told 2 stories:</a:t>
-            </a:r>
-          </a:p>
-          <a:p>
-            <a:pPr lvl="2" marL="612166" indent="-127534" defTabSz="242315">
-              <a:spcBef>
-                <a:spcPts val="600"/>
-              </a:spcBef>
-              <a:buSzPct val="100000"/>
-              <a:defRPr sz="1271">
-                <a:uFill>
-                  <a:solidFill>
-                    <a:srgbClr val="000000"/>
-                  </a:solidFill>
-                </a:uFill>
-                <a:latin typeface="Times New Roman"/>
-                <a:ea typeface="Times New Roman"/>
-                <a:cs typeface="Times New Roman"/>
-                <a:sym typeface="Times New Roman"/>
-              </a:defRPr>
-            </a:pPr>
-            <a:r>
-              <a:t>Rescued shareholders from corrupt Chang Yenmao</a:t>
-            </a:r>
-          </a:p>
-          <a:p>
-            <a:pPr lvl="2" marL="612166" indent="-127534" defTabSz="242315">
-              <a:spcBef>
-                <a:spcPts val="600"/>
-              </a:spcBef>
-              <a:buSzPct val="100000"/>
-              <a:defRPr sz="1271">
-                <a:uFill>
-                  <a:solidFill>
-                    <a:srgbClr val="000000"/>
-                  </a:solidFill>
-                </a:uFill>
-                <a:latin typeface="Times New Roman"/>
-                <a:ea typeface="Times New Roman"/>
-                <a:cs typeface="Times New Roman"/>
-                <a:sym typeface="Times New Roman"/>
-              </a:defRPr>
-            </a:pPr>
-            <a:r>
-              <a:t>Played it straight with Chang Yenmao, but then was betrayed by Belgian financiers</a:t>
-            </a:r>
-          </a:p>
-          <a:p>
-            <a:pPr marL="127534" indent="-127534" defTabSz="242315">
-              <a:spcBef>
-                <a:spcPts val="600"/>
-              </a:spcBef>
-              <a:buSzPct val="100000"/>
-              <a:defRPr sz="1271">
-                <a:uFill>
-                  <a:solidFill>
-                    <a:srgbClr val="000000"/>
-                  </a:solidFill>
-                </a:uFill>
-                <a:latin typeface="Times New Roman"/>
-                <a:ea typeface="Times New Roman"/>
-                <a:cs typeface="Times New Roman"/>
-                <a:sym typeface="Times New Roman"/>
-              </a:defRPr>
-            </a:pPr>
-            <a:r>
-              <a:t>1901-1917 his base was London, as he worked in and managed investments in Australia, China, Russia, Burma, Italy, and Central America in addition to the United States. </a:t>
-            </a:r>
-          </a:p>
-          <a:p>
-            <a:pPr marL="127534" indent="-127534" defTabSz="242315">
-              <a:spcBef>
-                <a:spcPts val="600"/>
-              </a:spcBef>
-              <a:buSzPct val="100000"/>
-              <a:defRPr sz="1271">
-                <a:uFill>
-                  <a:solidFill>
-                    <a:srgbClr val="000000"/>
-                  </a:solidFill>
-                </a:uFill>
-                <a:latin typeface="Times New Roman"/>
-                <a:ea typeface="Times New Roman"/>
-                <a:cs typeface="Times New Roman"/>
-                <a:sym typeface="Times New Roman"/>
-              </a:defRPr>
-            </a:pPr>
-            <a:r>
-              <a:t>WWI aid to Belgium</a:t>
-            </a:r>
-          </a:p>
-          <a:p>
-            <a:pPr marL="127534" indent="-127534" defTabSz="242315">
-              <a:spcBef>
-                <a:spcPts val="600"/>
-              </a:spcBef>
-              <a:buSzPct val="100000"/>
-              <a:defRPr sz="1271">
-                <a:uFill>
-                  <a:solidFill>
-                    <a:srgbClr val="000000"/>
-                  </a:solidFill>
-                </a:uFill>
-                <a:latin typeface="Times New Roman"/>
-                <a:ea typeface="Times New Roman"/>
-                <a:cs typeface="Times New Roman"/>
-                <a:sym typeface="Times New Roman"/>
-              </a:defRPr>
-            </a:pPr>
-            <a:r>
-              <a:t>In 1917 he moved back to America.</a:t>
-            </a:r>
-          </a:p>
-          <a:p>
-            <a:pPr marL="127534" indent="-127534" defTabSz="242315">
-              <a:spcBef>
-                <a:spcPts val="600"/>
-              </a:spcBef>
-              <a:buSzPct val="100000"/>
-              <a:defRPr sz="1271">
-                <a:uFill>
-                  <a:solidFill>
-                    <a:srgbClr val="000000"/>
-                  </a:solidFill>
-                </a:uFill>
-                <a:latin typeface="Times New Roman"/>
-                <a:ea typeface="Times New Roman"/>
-                <a:cs typeface="Times New Roman"/>
-                <a:sym typeface="Times New Roman"/>
-              </a:defRPr>
-            </a:pPr>
-            <a:r>
-              <a:t>Post-war famine relief</a:t>
-            </a:r>
-          </a:p>
-          <a:p>
-            <a:pPr marL="127534" indent="-127534" defTabSz="242315">
-              <a:spcBef>
-                <a:spcPts val="600"/>
-              </a:spcBef>
-              <a:buSzPct val="100000"/>
-              <a:defRPr sz="1271">
-                <a:uFill>
-                  <a:solidFill>
-                    <a:srgbClr val="000000"/>
-                  </a:solidFill>
-                </a:uFill>
-                <a:latin typeface="Times New Roman"/>
-                <a:ea typeface="Times New Roman"/>
-                <a:cs typeface="Times New Roman"/>
-                <a:sym typeface="Times New Roman"/>
-              </a:defRPr>
-            </a:pPr>
-            <a:r>
-              <a:t>Secretary of Commerce in 1924</a:t>
-            </a:r>
-          </a:p>
-          <a:p>
-            <a:pPr marL="127534" indent="-127534" defTabSz="242315">
-              <a:spcBef>
-                <a:spcPts val="600"/>
-              </a:spcBef>
-              <a:buSzPct val="100000"/>
-              <a:defRPr sz="1271">
-                <a:uFill>
-                  <a:solidFill>
-                    <a:srgbClr val="000000"/>
-                  </a:solidFill>
-                </a:uFill>
-                <a:latin typeface="Times New Roman"/>
-                <a:ea typeface="Times New Roman"/>
-                <a:cs typeface="Times New Roman"/>
-                <a:sym typeface="Times New Roman"/>
-              </a:defRPr>
-            </a:pPr>
-            <a:r>
-              <a:t>Elected president in 1928. </a:t>
-            </a:r>
-          </a:p>
-          <a:p>
-            <a:pPr marL="127534" indent="-127534" defTabSz="242315">
-              <a:spcBef>
-                <a:spcPts val="600"/>
-              </a:spcBef>
-              <a:buSzPct val="100000"/>
-              <a:defRPr sz="1271">
-                <a:uFill>
-                  <a:solidFill>
-                    <a:srgbClr val="000000"/>
-                  </a:solidFill>
-                </a:uFill>
-                <a:latin typeface="Times New Roman"/>
-                <a:ea typeface="Times New Roman"/>
-                <a:cs typeface="Times New Roman"/>
-                <a:sym typeface="Times New Roman"/>
-              </a:defRPr>
-            </a:pPr>
-            <a:r>
-              <a:t>From son of the town blacksmith to college graduate to multimillionaire mining consultant to elected President of the United States in 1928—could anyone’s ascent have been so fast and so far anywhere else? Was anyone else’s ascent so far and so fast even in America? </a:t>
+              <a:t>Born in 1874 in Iowa. Father a blacksmith. Orphaned at 10:</a:t>
+            </a:r>
+          </a:p>
+          <a:p>
+            <a:pPr marL="180473" indent="-180473" defTabSz="342900">
+              <a:spcBef>
+                <a:spcPts val="900"/>
+              </a:spcBef>
+              <a:buSzPct val="100000"/>
+              <a:defRPr sz="1800">
+                <a:uFill>
+                  <a:solidFill>
+                    <a:srgbClr val="000000"/>
+                  </a:solidFill>
+                </a:uFill>
+                <a:latin typeface="Times New Roman"/>
+                <a:ea typeface="Times New Roman"/>
+                <a:cs typeface="Times New Roman"/>
+                <a:sym typeface="Times New Roman"/>
+              </a:defRPr>
+            </a:pPr>
+            <a:r>
+              <a:t>Farmed out to be raised in Oregon by an uncle and aunt</a:t>
+            </a:r>
+          </a:p>
+          <a:p>
+            <a:pPr marL="180473" indent="-180473" defTabSz="342900">
+              <a:spcBef>
+                <a:spcPts val="900"/>
+              </a:spcBef>
+              <a:buSzPct val="100000"/>
+              <a:defRPr sz="1800">
+                <a:uFill>
+                  <a:solidFill>
+                    <a:srgbClr val="000000"/>
+                  </a:solidFill>
+                </a:uFill>
+                <a:latin typeface="Times New Roman"/>
+                <a:ea typeface="Times New Roman"/>
+                <a:cs typeface="Times New Roman"/>
+                <a:sym typeface="Times New Roman"/>
+              </a:defRPr>
+            </a:pPr>
+            <a:r>
+              <a:t>First student to attend Stanford University (then free)</a:t>
+            </a:r>
+          </a:p>
+          <a:p>
+            <a:pPr marL="180473" indent="-180473" defTabSz="342900">
+              <a:spcBef>
+                <a:spcPts val="900"/>
+              </a:spcBef>
+              <a:buSzPct val="100000"/>
+              <a:defRPr sz="1800">
+                <a:uFill>
+                  <a:solidFill>
+                    <a:srgbClr val="000000"/>
+                  </a:solidFill>
+                </a:uFill>
+                <a:latin typeface="Times New Roman"/>
+                <a:ea typeface="Times New Roman"/>
+                <a:cs typeface="Times New Roman"/>
+                <a:sym typeface="Times New Roman"/>
+              </a:defRPr>
+            </a:pPr>
+            <a:r>
+              <a:t>Graduating in 1895 in the distressed aftermath of the Panic of 1893</a:t>
+            </a:r>
+          </a:p>
+          <a:p>
+            <a:pPr marL="180473" indent="-180473" defTabSz="342900">
+              <a:spcBef>
+                <a:spcPts val="900"/>
+              </a:spcBef>
+              <a:buSzPct val="100000"/>
+              <a:defRPr sz="1800">
+                <a:uFill>
+                  <a:solidFill>
+                    <a:srgbClr val="000000"/>
+                  </a:solidFill>
+                </a:uFill>
+                <a:latin typeface="Times New Roman"/>
+                <a:ea typeface="Times New Roman"/>
+                <a:cs typeface="Times New Roman"/>
+                <a:sym typeface="Times New Roman"/>
+              </a:defRPr>
+            </a:pPr>
+            <a:r>
+              <a:t>Became a mining engineer.</a:t>
+            </a:r>
+          </a:p>
+          <a:p>
+            <a:pPr marL="180473" indent="-180473" defTabSz="342900">
+              <a:spcBef>
+                <a:spcPts val="900"/>
+              </a:spcBef>
+              <a:buSzPct val="100000"/>
+              <a:defRPr sz="1800">
+                <a:uFill>
+                  <a:solidFill>
+                    <a:srgbClr val="000000"/>
+                  </a:solidFill>
+                </a:uFill>
+                <a:latin typeface="Times New Roman"/>
+                <a:ea typeface="Times New Roman"/>
+                <a:cs typeface="Times New Roman"/>
+                <a:sym typeface="Times New Roman"/>
+              </a:defRPr>
+            </a:pPr>
+            <a:r>
+              <a:t>First job was as a mine laborer in Grass Valley, at 600 dollars a year. </a:t>
+            </a:r>
+          </a:p>
+          <a:p>
+            <a:pPr lvl="1" marL="523373" indent="-180473" defTabSz="342900">
+              <a:spcBef>
+                <a:spcPts val="900"/>
+              </a:spcBef>
+              <a:buSzPct val="100000"/>
+              <a:defRPr sz="1800">
+                <a:uFill>
+                  <a:solidFill>
+                    <a:srgbClr val="000000"/>
+                  </a:solidFill>
+                </a:uFill>
+                <a:latin typeface="Times New Roman"/>
+                <a:ea typeface="Times New Roman"/>
+                <a:cs typeface="Times New Roman"/>
+                <a:sym typeface="Times New Roman"/>
+              </a:defRPr>
+            </a:pPr>
+            <a:r>
+              <a:t>In today’s dollars, $9/hr—but same relative income as $80/hour today</a:t>
+            </a:r>
+          </a:p>
+          <a:p>
+            <a:pPr lvl="1" marL="523373" indent="-180473" defTabSz="342900">
+              <a:spcBef>
+                <a:spcPts val="900"/>
+              </a:spcBef>
+              <a:buSzPct val="100000"/>
+              <a:defRPr sz="1800">
+                <a:uFill>
+                  <a:solidFill>
+                    <a:srgbClr val="000000"/>
+                  </a:solidFill>
+                </a:uFill>
+                <a:latin typeface="Times New Roman"/>
+                <a:ea typeface="Times New Roman"/>
+                <a:cs typeface="Times New Roman"/>
+                <a:sym typeface="Times New Roman"/>
+              </a:defRPr>
+            </a:pPr>
+            <a:r>
+              <a:t>multiples of x30, x8 for inflation and real income growth</a:t>
+            </a:r>
+          </a:p>
+          <a:p>
+            <a:pPr marL="180473" indent="-180473" defTabSz="342900">
+              <a:spcBef>
+                <a:spcPts val="900"/>
+              </a:spcBef>
+              <a:buSzPct val="100000"/>
+              <a:defRPr sz="1800">
+                <a:uFill>
+                  <a:solidFill>
+                    <a:srgbClr val="000000"/>
+                  </a:solidFill>
+                </a:uFill>
+                <a:latin typeface="Times New Roman"/>
+                <a:ea typeface="Times New Roman"/>
+                <a:cs typeface="Times New Roman"/>
+                <a:sym typeface="Times New Roman"/>
+              </a:defRPr>
+            </a:pPr>
+            <a:r>
+              <a:t>Next was as an intern and special assistant to mining engineer Louis Janin at 2400 dollars a year. </a:t>
             </a:r>
           </a:p>
         </p:txBody>
@@ -11310,7 +10897,7 @@
           <a:p>
             <a:pPr/>
             <a:r>
-              <a:t>Herbert Hoover III</a:t>
+              <a:t>Herbert Hoover II</a:t>
             </a:r>
           </a:p>
         </p:txBody>
@@ -11336,14 +10923,14 @@
           <a:bodyPr lIns="45718" tIns="45718" rIns="45718" bIns="45718" anchor="t"/>
           <a:lstStyle/>
           <a:p>
-            <a:pPr marL="0" indent="0" defTabSz="434340">
-              <a:spcBef>
-                <a:spcPts val="1100"/>
+            <a:pPr marL="0" indent="0" defTabSz="242315">
+              <a:spcBef>
+                <a:spcPts val="600"/>
               </a:spcBef>
               <a:buSzTx/>
               <a:buFont typeface="Arial"/>
               <a:buNone/>
-              <a:defRPr b="1" sz="2280">
+              <a:defRPr b="1" sz="1271">
                 <a:uFill>
                   <a:solidFill>
                     <a:srgbClr val="000000"/>
@@ -11356,38 +10943,192 @@
               </a:defRPr>
             </a:pPr>
             <a:r>
-              <a:t>Politics!</a:t>
-            </a:r>
-          </a:p>
-          <a:p>
-            <a:pPr marL="228599" indent="-228599" defTabSz="434340">
-              <a:spcBef>
-                <a:spcPts val="1100"/>
-              </a:spcBef>
-              <a:buSzPct val="100000"/>
-              <a:defRPr sz="2280">
-                <a:uFill>
-                  <a:solidFill>
-                    <a:srgbClr val="000000"/>
-                  </a:solidFill>
-                </a:uFill>
-                <a:latin typeface="Times New Roman"/>
-                <a:ea typeface="Times New Roman"/>
-                <a:cs typeface="Times New Roman"/>
-                <a:sym typeface="Times New Roman"/>
-              </a:defRPr>
-            </a:pPr>
-            <a:r>
-              <a:t>WWI aid to Belgium</a:t>
-            </a:r>
-          </a:p>
-          <a:p>
-            <a:pPr marL="228599" indent="-228599" defTabSz="434340">
-              <a:spcBef>
-                <a:spcPts val="1100"/>
-              </a:spcBef>
-              <a:buSzPct val="100000"/>
-              <a:defRPr sz="2280">
+              <a:t>Globalization and Imperialism!</a:t>
+            </a:r>
+          </a:p>
+          <a:p>
+            <a:pPr marL="127534" indent="-127534" defTabSz="242315">
+              <a:spcBef>
+                <a:spcPts val="600"/>
+              </a:spcBef>
+              <a:buSzPct val="100000"/>
+              <a:defRPr sz="1271">
+                <a:uFill>
+                  <a:solidFill>
+                    <a:srgbClr val="000000"/>
+                  </a:solidFill>
+                </a:uFill>
+                <a:latin typeface="Times New Roman"/>
+                <a:ea typeface="Times New Roman"/>
+                <a:cs typeface="Times New Roman"/>
+                <a:sym typeface="Times New Roman"/>
+              </a:defRPr>
+            </a:pPr>
+            <a:r>
+              <a:t>Then in 1897 he crossed the Pacific to first Australia, working first for Bewick, Moreing for 7000 dollars a year</a:t>
+            </a:r>
+          </a:p>
+          <a:p>
+            <a:pPr marL="127534" indent="-127534" defTabSz="242315">
+              <a:spcBef>
+                <a:spcPts val="600"/>
+              </a:spcBef>
+              <a:buSzPct val="100000"/>
+              <a:defRPr sz="1271">
+                <a:uFill>
+                  <a:solidFill>
+                    <a:srgbClr val="000000"/>
+                  </a:solidFill>
+                </a:uFill>
+                <a:latin typeface="Times New Roman"/>
+                <a:ea typeface="Times New Roman"/>
+                <a:cs typeface="Times New Roman"/>
+                <a:sym typeface="Times New Roman"/>
+              </a:defRPr>
+            </a:pPr>
+            <a:r>
+              <a:t>Then to China, working at 20,000 a year and up:</a:t>
+            </a:r>
+          </a:p>
+          <a:p>
+            <a:pPr lvl="1" marL="369850" indent="-127534" defTabSz="242315">
+              <a:spcBef>
+                <a:spcPts val="600"/>
+              </a:spcBef>
+              <a:buSzPct val="100000"/>
+              <a:defRPr sz="1271">
+                <a:uFill>
+                  <a:solidFill>
+                    <a:srgbClr val="000000"/>
+                  </a:solidFill>
+                </a:uFill>
+                <a:latin typeface="Times New Roman"/>
+                <a:ea typeface="Times New Roman"/>
+                <a:cs typeface="Times New Roman"/>
+                <a:sym typeface="Times New Roman"/>
+              </a:defRPr>
+            </a:pPr>
+            <a:r>
+              <a:t>Somehow wound up with Kaiping Coal Mine</a:t>
+            </a:r>
+          </a:p>
+          <a:p>
+            <a:pPr lvl="1" marL="369850" indent="-127534" defTabSz="242315">
+              <a:spcBef>
+                <a:spcPts val="600"/>
+              </a:spcBef>
+              <a:buSzPct val="100000"/>
+              <a:defRPr sz="1271">
+                <a:uFill>
+                  <a:solidFill>
+                    <a:srgbClr val="000000"/>
+                  </a:solidFill>
+                </a:uFill>
+                <a:latin typeface="Times New Roman"/>
+                <a:ea typeface="Times New Roman"/>
+                <a:cs typeface="Times New Roman"/>
+                <a:sym typeface="Times New Roman"/>
+              </a:defRPr>
+            </a:pPr>
+            <a:r>
+              <a:t>Told 2 stories:</a:t>
+            </a:r>
+          </a:p>
+          <a:p>
+            <a:pPr lvl="2" marL="612166" indent="-127534" defTabSz="242315">
+              <a:spcBef>
+                <a:spcPts val="600"/>
+              </a:spcBef>
+              <a:buSzPct val="100000"/>
+              <a:defRPr sz="1271">
+                <a:uFill>
+                  <a:solidFill>
+                    <a:srgbClr val="000000"/>
+                  </a:solidFill>
+                </a:uFill>
+                <a:latin typeface="Times New Roman"/>
+                <a:ea typeface="Times New Roman"/>
+                <a:cs typeface="Times New Roman"/>
+                <a:sym typeface="Times New Roman"/>
+              </a:defRPr>
+            </a:pPr>
+            <a:r>
+              <a:t>Rescued shareholders from corrupt Chang Yenmao</a:t>
+            </a:r>
+          </a:p>
+          <a:p>
+            <a:pPr lvl="2" marL="612166" indent="-127534" defTabSz="242315">
+              <a:spcBef>
+                <a:spcPts val="600"/>
+              </a:spcBef>
+              <a:buSzPct val="100000"/>
+              <a:defRPr sz="1271">
+                <a:uFill>
+                  <a:solidFill>
+                    <a:srgbClr val="000000"/>
+                  </a:solidFill>
+                </a:uFill>
+                <a:latin typeface="Times New Roman"/>
+                <a:ea typeface="Times New Roman"/>
+                <a:cs typeface="Times New Roman"/>
+                <a:sym typeface="Times New Roman"/>
+              </a:defRPr>
+            </a:pPr>
+            <a:r>
+              <a:t>Played it straight with Chang Yenmao, but then was betrayed by Belgian financiers</a:t>
+            </a:r>
+          </a:p>
+          <a:p>
+            <a:pPr marL="127534" indent="-127534" defTabSz="242315">
+              <a:spcBef>
+                <a:spcPts val="600"/>
+              </a:spcBef>
+              <a:buSzPct val="100000"/>
+              <a:defRPr sz="1271">
+                <a:uFill>
+                  <a:solidFill>
+                    <a:srgbClr val="000000"/>
+                  </a:solidFill>
+                </a:uFill>
+                <a:latin typeface="Times New Roman"/>
+                <a:ea typeface="Times New Roman"/>
+                <a:cs typeface="Times New Roman"/>
+                <a:sym typeface="Times New Roman"/>
+              </a:defRPr>
+            </a:pPr>
+            <a:r>
+              <a:t>1901-1917 his base was London, as he worked in and managed investments in Australia, China, Russia, Burma, Italy, and Central America in addition to the United States. </a:t>
+            </a:r>
+          </a:p>
+          <a:p>
+            <a:pPr marL="127534" indent="-127534" defTabSz="242315">
+              <a:spcBef>
+                <a:spcPts val="600"/>
+              </a:spcBef>
+              <a:buSzPct val="100000"/>
+              <a:defRPr sz="1271">
+                <a:uFill>
+                  <a:solidFill>
+                    <a:srgbClr val="000000"/>
+                  </a:solidFill>
+                </a:uFill>
+                <a:latin typeface="Times New Roman"/>
+                <a:ea typeface="Times New Roman"/>
+                <a:cs typeface="Times New Roman"/>
+                <a:sym typeface="Times New Roman"/>
+              </a:defRPr>
+            </a:pPr>
+            <a:r>
+              <a:t>WWI aid to Belgium as an NGO</a:t>
+            </a:r>
+          </a:p>
+          <a:p>
+            <a:pPr marL="127534" indent="-127534" defTabSz="242315">
+              <a:spcBef>
+                <a:spcPts val="600"/>
+              </a:spcBef>
+              <a:buSzPct val="100000"/>
+              <a:defRPr sz="1271">
                 <a:uFill>
                   <a:solidFill>
                     <a:srgbClr val="000000"/>
@@ -11404,12 +11145,12 @@
             </a:r>
           </a:p>
           <a:p>
-            <a:pPr marL="228599" indent="-228599" defTabSz="434340">
-              <a:spcBef>
-                <a:spcPts val="1100"/>
-              </a:spcBef>
-              <a:buSzPct val="100000"/>
-              <a:defRPr sz="2280">
+            <a:pPr marL="127534" indent="-127534" defTabSz="242315">
+              <a:spcBef>
+                <a:spcPts val="600"/>
+              </a:spcBef>
+              <a:buSzPct val="100000"/>
+              <a:defRPr sz="1271">
                 <a:uFill>
                   <a:solidFill>
                     <a:srgbClr val="000000"/>
@@ -11426,12 +11167,12 @@
             </a:r>
           </a:p>
           <a:p>
-            <a:pPr marL="228599" indent="-228599" defTabSz="434340">
-              <a:spcBef>
-                <a:spcPts val="1100"/>
-              </a:spcBef>
-              <a:buSzPct val="100000"/>
-              <a:defRPr sz="2280">
+            <a:pPr marL="127534" indent="-127534" defTabSz="242315">
+              <a:spcBef>
+                <a:spcPts val="600"/>
+              </a:spcBef>
+              <a:buSzPct val="100000"/>
+              <a:defRPr sz="1271">
                 <a:uFill>
                   <a:solidFill>
                     <a:srgbClr val="000000"/>
@@ -11448,12 +11189,12 @@
             </a:r>
           </a:p>
           <a:p>
-            <a:pPr marL="228599" indent="-228599" defTabSz="434340">
-              <a:spcBef>
-                <a:spcPts val="1100"/>
-              </a:spcBef>
-              <a:buSzPct val="100000"/>
-              <a:defRPr sz="2280">
+            <a:pPr marL="127534" indent="-127534" defTabSz="242315">
+              <a:spcBef>
+                <a:spcPts val="600"/>
+              </a:spcBef>
+              <a:buSzPct val="100000"/>
+              <a:defRPr sz="1271">
                 <a:uFill>
                   <a:solidFill>
                     <a:srgbClr val="000000"/>
@@ -11470,25 +11211,25 @@
             </a:r>
           </a:p>
           <a:p>
-            <a:pPr marL="228599" indent="-228599" defTabSz="434340">
-              <a:spcBef>
-                <a:spcPts val="1100"/>
-              </a:spcBef>
-              <a:buSzPct val="100000"/>
-              <a:defRPr sz="2280">
-                <a:uFill>
-                  <a:solidFill>
-                    <a:srgbClr val="000000"/>
-                  </a:solidFill>
-                </a:uFill>
-                <a:latin typeface="Times New Roman"/>
-                <a:ea typeface="Times New Roman"/>
-                <a:cs typeface="Times New Roman"/>
-                <a:sym typeface="Times New Roman"/>
-              </a:defRPr>
-            </a:pPr>
-            <a:r>
-              <a:t>From son of the town blacksmith to college graduate to multimillionaire mining consultant to elected President of the United States in 1928—could anyone’s ascent have been so fast and so far anywhere else? Was anyone else’s ascent so far and so fast even in America? </a:t>
+            <a:pPr marL="127534" indent="-127534" defTabSz="242315">
+              <a:spcBef>
+                <a:spcPts val="600"/>
+              </a:spcBef>
+              <a:buSzPct val="100000"/>
+              <a:defRPr sz="1271">
+                <a:uFill>
+                  <a:solidFill>
+                    <a:srgbClr val="000000"/>
+                  </a:solidFill>
+                </a:uFill>
+                <a:latin typeface="Times New Roman"/>
+                <a:ea typeface="Times New Roman"/>
+                <a:cs typeface="Times New Roman"/>
+                <a:sym typeface="Times New Roman"/>
+              </a:defRPr>
+            </a:pPr>
+            <a:r>
+              <a:t>From orphaned son of the town blacksmith to college graduate to multimillionaire mining consultant to elected President of the United States in 1928—could anyone’s ascent have been so fast and so far anywhere else? Was anyone else’s ascent so far and so fast even in America? </a:t>
             </a:r>
           </a:p>
         </p:txBody>
@@ -11584,7 +11325,7 @@
           <a:p>
             <a:pPr/>
             <a:r>
-              <a:t>Lev Bronstein</a:t>
+              <a:t>Herbert Hoover III</a:t>
             </a:r>
           </a:p>
         </p:txBody>
@@ -11594,13 +11335,13 @@
           <p:cNvPr id="170" name="This course covers the history of the long twentieth century, beginning in 1870 and ending in 2016:…"/>
           <p:cNvSpPr txBox="1"/>
           <p:nvPr>
-            <p:ph type="body" sz="half" idx="4294967295"/>
+            <p:ph type="body" idx="4294967295"/>
           </p:nvPr>
         </p:nvSpPr>
         <p:spPr>
           <a:xfrm>
             <a:off x="277663" y="1267121"/>
-            <a:ext cx="4468522" cy="5397503"/>
+            <a:ext cx="5199064" cy="5397503"/>
           </a:xfrm>
           <a:prstGeom prst="rect">
             <a:avLst/>
@@ -11610,14 +11351,14 @@
           <a:bodyPr lIns="45718" tIns="45718" rIns="45718" bIns="45718" anchor="t"/>
           <a:lstStyle/>
           <a:p>
-            <a:pPr marL="0" indent="0" defTabSz="329184">
-              <a:spcBef>
-                <a:spcPts val="800"/>
+            <a:pPr marL="0" indent="0" defTabSz="434340">
+              <a:spcBef>
+                <a:spcPts val="1100"/>
               </a:spcBef>
               <a:buSzTx/>
               <a:buFont typeface="Arial"/>
               <a:buNone/>
-              <a:defRPr b="1" sz="1728">
+              <a:defRPr b="1" sz="2280">
                 <a:uFill>
                   <a:solidFill>
                     <a:srgbClr val="000000"/>
@@ -11630,73 +11371,139 @@
               </a:defRPr>
             </a:pPr>
             <a:r>
-              <a:t>Born October 26, 1879, on the farm, nearest school 15 miles away</a:t>
-            </a:r>
-          </a:p>
-          <a:p>
-            <a:pPr marL="173254" indent="-173254" defTabSz="329184">
-              <a:spcBef>
-                <a:spcPts val="800"/>
-              </a:spcBef>
-              <a:buSzPct val="100000"/>
-              <a:defRPr sz="1728">
-                <a:uFill>
-                  <a:solidFill>
-                    <a:srgbClr val="000000"/>
-                  </a:solidFill>
-                </a:uFill>
-                <a:latin typeface="Times New Roman"/>
-                <a:ea typeface="Times New Roman"/>
-                <a:cs typeface="Times New Roman"/>
-                <a:sym typeface="Times New Roman"/>
-              </a:defRPr>
-            </a:pPr>
-            <a:r>
-              <a:t>Sent away to boarding school in nearest large grain port</a:t>
-            </a:r>
-          </a:p>
-          <a:p>
-            <a:pPr marL="173254" indent="-173254" defTabSz="329184">
-              <a:spcBef>
-                <a:spcPts val="800"/>
-              </a:spcBef>
-              <a:buSzPct val="100000"/>
-              <a:defRPr sz="1728">
-                <a:uFill>
-                  <a:solidFill>
-                    <a:srgbClr val="000000"/>
-                  </a:solidFill>
-                </a:uFill>
-                <a:latin typeface="Times New Roman"/>
-                <a:ea typeface="Times New Roman"/>
-                <a:cs typeface="Times New Roman"/>
-                <a:sym typeface="Times New Roman"/>
-              </a:defRPr>
-            </a:pPr>
-            <a:r>
-              <a:t>Wound up in New York in 1917:</a:t>
-            </a:r>
-          </a:p>
-          <a:p>
-            <a:pPr lvl="1" marL="502438" indent="-173254" defTabSz="329184">
-              <a:spcBef>
-                <a:spcPts val="800"/>
-              </a:spcBef>
-              <a:buSzPct val="100000"/>
-              <a:defRPr sz="1728">
-                <a:uFill>
-                  <a:solidFill>
-                    <a:srgbClr val="000000"/>
-                  </a:solidFill>
-                </a:uFill>
-                <a:latin typeface="Times New Roman"/>
-                <a:ea typeface="Times New Roman"/>
-                <a:cs typeface="Times New Roman"/>
-                <a:sym typeface="Times New Roman"/>
-              </a:defRPr>
-            </a:pPr>
-            <a:r>
-              <a:t>“Rented an apartment in a workers’ district, and furnished it on the installment plan. That apartment, at eighteen dollars a month, was equipped with all sorts of conveniences that we Europeans were quite unused to: electric lights, gas cooking-range, bath, telephone, automatic service-elevator, and even a chute for the garbage.These things completely won the boys over to New York. For a time the telephone was their main interest; we had not had this mysterious instrument either in Vienna or Paris…"</a:t>
+              <a:t>Politics!</a:t>
+            </a:r>
+          </a:p>
+          <a:p>
+            <a:pPr marL="228599" indent="-228599" defTabSz="434340">
+              <a:spcBef>
+                <a:spcPts val="1100"/>
+              </a:spcBef>
+              <a:buSzPct val="100000"/>
+              <a:defRPr sz="2280">
+                <a:uFill>
+                  <a:solidFill>
+                    <a:srgbClr val="000000"/>
+                  </a:solidFill>
+                </a:uFill>
+                <a:latin typeface="Times New Roman"/>
+                <a:ea typeface="Times New Roman"/>
+                <a:cs typeface="Times New Roman"/>
+                <a:sym typeface="Times New Roman"/>
+              </a:defRPr>
+            </a:pPr>
+            <a:r>
+              <a:t>WWI aid to Belgium</a:t>
+            </a:r>
+          </a:p>
+          <a:p>
+            <a:pPr marL="228599" indent="-228599" defTabSz="434340">
+              <a:spcBef>
+                <a:spcPts val="1100"/>
+              </a:spcBef>
+              <a:buSzPct val="100000"/>
+              <a:defRPr sz="2280">
+                <a:uFill>
+                  <a:solidFill>
+                    <a:srgbClr val="000000"/>
+                  </a:solidFill>
+                </a:uFill>
+                <a:latin typeface="Times New Roman"/>
+                <a:ea typeface="Times New Roman"/>
+                <a:cs typeface="Times New Roman"/>
+                <a:sym typeface="Times New Roman"/>
+              </a:defRPr>
+            </a:pPr>
+            <a:r>
+              <a:t>In 1917 he moved back to America.</a:t>
+            </a:r>
+          </a:p>
+          <a:p>
+            <a:pPr marL="228599" indent="-228599" defTabSz="434340">
+              <a:spcBef>
+                <a:spcPts val="1100"/>
+              </a:spcBef>
+              <a:buSzPct val="100000"/>
+              <a:defRPr sz="2280">
+                <a:uFill>
+                  <a:solidFill>
+                    <a:srgbClr val="000000"/>
+                  </a:solidFill>
+                </a:uFill>
+                <a:latin typeface="Times New Roman"/>
+                <a:ea typeface="Times New Roman"/>
+                <a:cs typeface="Times New Roman"/>
+                <a:sym typeface="Times New Roman"/>
+              </a:defRPr>
+            </a:pPr>
+            <a:r>
+              <a:t>Post-war famine relief</a:t>
+            </a:r>
+          </a:p>
+          <a:p>
+            <a:pPr marL="228599" indent="-228599" defTabSz="434340">
+              <a:spcBef>
+                <a:spcPts val="1100"/>
+              </a:spcBef>
+              <a:buSzPct val="100000"/>
+              <a:defRPr sz="2280">
+                <a:uFill>
+                  <a:solidFill>
+                    <a:srgbClr val="000000"/>
+                  </a:solidFill>
+                </a:uFill>
+                <a:latin typeface="Times New Roman"/>
+                <a:ea typeface="Times New Roman"/>
+                <a:cs typeface="Times New Roman"/>
+                <a:sym typeface="Times New Roman"/>
+              </a:defRPr>
+            </a:pPr>
+            <a:r>
+              <a:t>Secretary of Commerce in 1924</a:t>
+            </a:r>
+          </a:p>
+          <a:p>
+            <a:pPr marL="228599" indent="-228599" defTabSz="434340">
+              <a:spcBef>
+                <a:spcPts val="1100"/>
+              </a:spcBef>
+              <a:buSzPct val="100000"/>
+              <a:defRPr sz="2280">
+                <a:uFill>
+                  <a:solidFill>
+                    <a:srgbClr val="000000"/>
+                  </a:solidFill>
+                </a:uFill>
+                <a:latin typeface="Times New Roman"/>
+                <a:ea typeface="Times New Roman"/>
+                <a:cs typeface="Times New Roman"/>
+                <a:sym typeface="Times New Roman"/>
+              </a:defRPr>
+            </a:pPr>
+            <a:r>
+              <a:t>Elected president in 1928. </a:t>
+            </a:r>
+          </a:p>
+          <a:p>
+            <a:pPr marL="228599" indent="-228599" defTabSz="434340">
+              <a:spcBef>
+                <a:spcPts val="1100"/>
+              </a:spcBef>
+              <a:buSzPct val="100000"/>
+              <a:defRPr sz="2280">
+                <a:uFill>
+                  <a:solidFill>
+                    <a:srgbClr val="000000"/>
+                  </a:solidFill>
+                </a:uFill>
+                <a:latin typeface="Times New Roman"/>
+                <a:ea typeface="Times New Roman"/>
+                <a:cs typeface="Times New Roman"/>
+                <a:sym typeface="Times New Roman"/>
+              </a:defRPr>
+            </a:pPr>
+            <a:r>
+              <a:t>From son of the town blacksmith to college graduate to multimillionaire mining consultant to elected President of the United States in 1928—could anyone’s ascent have been so fast and so far anywhere else? Was anyone else’s ascent so far and so fast even in America? </a:t>
             </a:r>
           </a:p>
         </p:txBody>
@@ -11713,15 +11520,14 @@
           <a:blip r:embed="rId2">
             <a:extLst/>
           </a:blip>
-          <a:srcRect l="0" t="0" r="0" b="12133"/>
           <a:stretch>
             <a:fillRect/>
           </a:stretch>
         </p:blipFill>
         <p:spPr>
           <a:xfrm>
-            <a:off x="4746185" y="1267123"/>
-            <a:ext cx="4103980" cy="5397398"/>
+            <a:off x="5476726" y="1267123"/>
+            <a:ext cx="3373439" cy="5397501"/>
           </a:xfrm>
           <a:prstGeom prst="rect">
             <a:avLst/>
@@ -11793,7 +11599,7 @@
           <a:p>
             <a:pPr/>
             <a:r>
-              <a:t>Lev Bronstein II</a:t>
+              <a:t>Lev Bronstein</a:t>
             </a:r>
           </a:p>
         </p:txBody>
@@ -11819,14 +11625,14 @@
           <a:bodyPr lIns="45718" tIns="45718" rIns="45718" bIns="45718" anchor="t"/>
           <a:lstStyle/>
           <a:p>
-            <a:pPr marL="0" indent="0" defTabSz="434340">
-              <a:spcBef>
-                <a:spcPts val="1100"/>
+            <a:pPr marL="0" indent="0" defTabSz="329184">
+              <a:spcBef>
+                <a:spcPts val="800"/>
               </a:spcBef>
               <a:buSzTx/>
               <a:buFont typeface="Arial"/>
               <a:buNone/>
-              <a:defRPr b="1" sz="2280">
+              <a:defRPr b="1" sz="1728">
                 <a:uFill>
                   <a:solidFill>
                     <a:srgbClr val="000000"/>
@@ -11839,51 +11645,73 @@
               </a:defRPr>
             </a:pPr>
             <a:r>
-              <a:t>Overwhelmed by the then-prosperity of the United States</a:t>
-            </a:r>
-          </a:p>
-          <a:p>
-            <a:pPr marL="228599" indent="-228599" defTabSz="434340">
-              <a:spcBef>
-                <a:spcPts val="1100"/>
-              </a:spcBef>
-              <a:buSzPct val="100000"/>
-              <a:defRPr sz="2280">
-                <a:uFill>
-                  <a:solidFill>
-                    <a:srgbClr val="000000"/>
-                  </a:solidFill>
-                </a:uFill>
-                <a:latin typeface="Times New Roman"/>
-                <a:ea typeface="Times New Roman"/>
-                <a:cs typeface="Times New Roman"/>
-                <a:sym typeface="Times New Roman"/>
-              </a:defRPr>
-            </a:pPr>
-            <a:r>
-              <a:t>Especially its technological marvels:</a:t>
-            </a:r>
-          </a:p>
-          <a:p>
-            <a:pPr lvl="1" marL="662939" indent="-228599" defTabSz="434340">
-              <a:spcBef>
-                <a:spcPts val="1100"/>
-              </a:spcBef>
-              <a:buSzPct val="100000"/>
-              <a:defRPr sz="2280">
-                <a:uFill>
-                  <a:solidFill>
-                    <a:srgbClr val="000000"/>
-                  </a:solidFill>
-                </a:uFill>
-                <a:latin typeface="Times New Roman"/>
-                <a:ea typeface="Times New Roman"/>
-                <a:cs typeface="Times New Roman"/>
-                <a:sym typeface="Times New Roman"/>
-              </a:defRPr>
-            </a:pPr>
-            <a:r>
-              <a:t>“The children had new friends. The closest was the chauffeur of Dr. M. The doctor’s wife took my wife and the boys out driving... the chauffeur was a magician, a titan, a superman! With a wave of his hand, he made the machine obey his slightest command. To sit beside him was the supreme delight…”</a:t>
+              <a:t>Born October 26, 1879, on the farm, nearest school 15 miles away</a:t>
+            </a:r>
+          </a:p>
+          <a:p>
+            <a:pPr marL="173254" indent="-173254" defTabSz="329184">
+              <a:spcBef>
+                <a:spcPts val="800"/>
+              </a:spcBef>
+              <a:buSzPct val="100000"/>
+              <a:defRPr sz="1728">
+                <a:uFill>
+                  <a:solidFill>
+                    <a:srgbClr val="000000"/>
+                  </a:solidFill>
+                </a:uFill>
+                <a:latin typeface="Times New Roman"/>
+                <a:ea typeface="Times New Roman"/>
+                <a:cs typeface="Times New Roman"/>
+                <a:sym typeface="Times New Roman"/>
+              </a:defRPr>
+            </a:pPr>
+            <a:r>
+              <a:t>Sent away to boarding school in nearest large grain port</a:t>
+            </a:r>
+          </a:p>
+          <a:p>
+            <a:pPr marL="173254" indent="-173254" defTabSz="329184">
+              <a:spcBef>
+                <a:spcPts val="800"/>
+              </a:spcBef>
+              <a:buSzPct val="100000"/>
+              <a:defRPr sz="1728">
+                <a:uFill>
+                  <a:solidFill>
+                    <a:srgbClr val="000000"/>
+                  </a:solidFill>
+                </a:uFill>
+                <a:latin typeface="Times New Roman"/>
+                <a:ea typeface="Times New Roman"/>
+                <a:cs typeface="Times New Roman"/>
+                <a:sym typeface="Times New Roman"/>
+              </a:defRPr>
+            </a:pPr>
+            <a:r>
+              <a:t>Wound up in New York in 1917:</a:t>
+            </a:r>
+          </a:p>
+          <a:p>
+            <a:pPr lvl="1" marL="502438" indent="-173254" defTabSz="329184">
+              <a:spcBef>
+                <a:spcPts val="800"/>
+              </a:spcBef>
+              <a:buSzPct val="100000"/>
+              <a:defRPr sz="1728">
+                <a:uFill>
+                  <a:solidFill>
+                    <a:srgbClr val="000000"/>
+                  </a:solidFill>
+                </a:uFill>
+                <a:latin typeface="Times New Roman"/>
+                <a:ea typeface="Times New Roman"/>
+                <a:cs typeface="Times New Roman"/>
+                <a:sym typeface="Times New Roman"/>
+              </a:defRPr>
+            </a:pPr>
+            <a:r>
+              <a:t>“Rented an apartment in a workers’ district, and furnished it on the installment plan. That apartment, at eighteen dollars a month, was equipped with all sorts of conveniences that we Europeans were quite unused to: electric lights, gas cooking-range, bath, telephone, automatic service-elevator, and even a chute for the garbage.These things completely won the boys over to New York. For a time the telephone was their main interest; we had not had this mysterious instrument either in Vienna or Paris…"</a:t>
             </a:r>
           </a:p>
         </p:txBody>
@@ -11980,7 +11808,7 @@
           <a:p>
             <a:pPr/>
             <a:r>
-              <a:t>Lev Bronstein III</a:t>
+              <a:t>Lev Bronstein II</a:t>
             </a:r>
           </a:p>
         </p:txBody>
@@ -12006,14 +11834,14 @@
           <a:bodyPr lIns="45718" tIns="45718" rIns="45718" bIns="45718" anchor="t"/>
           <a:lstStyle/>
           <a:p>
-            <a:pPr marL="0" indent="0" defTabSz="457200">
-              <a:spcBef>
-                <a:spcPts val="1200"/>
+            <a:pPr marL="0" indent="0" defTabSz="434340">
+              <a:spcBef>
+                <a:spcPts val="1100"/>
               </a:spcBef>
               <a:buSzTx/>
               <a:buFont typeface="Arial"/>
               <a:buNone/>
-              <a:defRPr b="1">
+              <a:defRPr b="1" sz="2280">
                 <a:uFill>
                   <a:solidFill>
                     <a:srgbClr val="000000"/>
@@ -12026,73 +11854,51 @@
               </a:defRPr>
             </a:pPr>
             <a:r>
-              <a:t>But the Russian Revolution broke out</a:t>
-            </a:r>
-          </a:p>
-          <a:p>
-            <a:pPr marL="240631" indent="-240631" defTabSz="457200">
-              <a:spcBef>
-                <a:spcPts val="1200"/>
-              </a:spcBef>
-              <a:buSzPct val="100000"/>
-              <a:defRPr>
-                <a:uFill>
-                  <a:solidFill>
-                    <a:srgbClr val="000000"/>
-                  </a:solidFill>
-                </a:uFill>
-                <a:latin typeface="Times New Roman"/>
-                <a:ea typeface="Times New Roman"/>
-                <a:cs typeface="Times New Roman"/>
-                <a:sym typeface="Times New Roman"/>
-              </a:defRPr>
-            </a:pPr>
-            <a:r>
-              <a:t>Returned to become Lenin’s right hand: we know him as Leon Trotsky:</a:t>
-            </a:r>
-          </a:p>
-          <a:p>
-            <a:pPr lvl="1" marL="697831" indent="-240631" defTabSz="457200">
-              <a:spcBef>
-                <a:spcPts val="1200"/>
-              </a:spcBef>
-              <a:buSzPct val="100000"/>
-              <a:defRPr>
-                <a:uFill>
-                  <a:solidFill>
-                    <a:srgbClr val="000000"/>
-                  </a:solidFill>
-                </a:uFill>
-                <a:latin typeface="Times New Roman"/>
-                <a:ea typeface="Times New Roman"/>
-                <a:cs typeface="Times New Roman"/>
-                <a:sym typeface="Times New Roman"/>
-              </a:defRPr>
-            </a:pPr>
-            <a:r>
-              <a:t>“I had had no time to more than catch the general life-rhythm of the monster known as New York…”</a:t>
-            </a:r>
-          </a:p>
-          <a:p>
-            <a:pPr lvl="1" marL="697831" indent="-240631" defTabSz="457200">
-              <a:spcBef>
-                <a:spcPts val="1200"/>
-              </a:spcBef>
-              <a:buSzPct val="100000"/>
-              <a:defRPr>
-                <a:uFill>
-                  <a:solidFill>
-                    <a:srgbClr val="000000"/>
-                  </a:solidFill>
-                </a:uFill>
-                <a:latin typeface="Times New Roman"/>
-                <a:ea typeface="Times New Roman"/>
-                <a:cs typeface="Times New Roman"/>
-                <a:sym typeface="Times New Roman"/>
-              </a:defRPr>
-            </a:pPr>
-            <a:r>
-              <a:t>“I left for Europe with the feeling of a man who has had only a peek into the furnace where the future is being forged…"</a:t>
+              <a:t>Overwhelmed by the then-prosperity of the United States</a:t>
+            </a:r>
+          </a:p>
+          <a:p>
+            <a:pPr marL="228599" indent="-228599" defTabSz="434340">
+              <a:spcBef>
+                <a:spcPts val="1100"/>
+              </a:spcBef>
+              <a:buSzPct val="100000"/>
+              <a:defRPr sz="2280">
+                <a:uFill>
+                  <a:solidFill>
+                    <a:srgbClr val="000000"/>
+                  </a:solidFill>
+                </a:uFill>
+                <a:latin typeface="Times New Roman"/>
+                <a:ea typeface="Times New Roman"/>
+                <a:cs typeface="Times New Roman"/>
+                <a:sym typeface="Times New Roman"/>
+              </a:defRPr>
+            </a:pPr>
+            <a:r>
+              <a:t>Especially its technological marvels:</a:t>
+            </a:r>
+          </a:p>
+          <a:p>
+            <a:pPr lvl="1" marL="662939" indent="-228599" defTabSz="434340">
+              <a:spcBef>
+                <a:spcPts val="1100"/>
+              </a:spcBef>
+              <a:buSzPct val="100000"/>
+              <a:defRPr sz="2280">
+                <a:uFill>
+                  <a:solidFill>
+                    <a:srgbClr val="000000"/>
+                  </a:solidFill>
+                </a:uFill>
+                <a:latin typeface="Times New Roman"/>
+                <a:ea typeface="Times New Roman"/>
+                <a:cs typeface="Times New Roman"/>
+                <a:sym typeface="Times New Roman"/>
+              </a:defRPr>
+            </a:pPr>
+            <a:r>
+              <a:t>“The children had new friends. The closest was the chauffeur of Dr. M. The doctor’s wife took my wife and the boys out driving... the chauffeur was a magician, a titan, a superman! With a wave of his hand, he made the machine obey his slightest command. To sit beside him was the supreme delight…”</a:t>
             </a:r>
           </a:p>
         </p:txBody>
@@ -12189,7 +11995,7 @@
           <a:p>
             <a:pPr/>
             <a:r>
-              <a:t>Lev Bronstein IV</a:t>
+              <a:t>Lev Bronstein III</a:t>
             </a:r>
           </a:p>
         </p:txBody>
@@ -12215,14 +12021,14 @@
           <a:bodyPr lIns="45718" tIns="45718" rIns="45718" bIns="45718" anchor="t"/>
           <a:lstStyle/>
           <a:p>
-            <a:pPr marL="0" indent="0" defTabSz="393192">
-              <a:spcBef>
-                <a:spcPts val="1000"/>
+            <a:pPr marL="0" indent="0" defTabSz="457200">
+              <a:spcBef>
+                <a:spcPts val="1200"/>
               </a:spcBef>
               <a:buSzTx/>
               <a:buFont typeface="Arial"/>
               <a:buNone/>
-              <a:defRPr b="1" sz="2064">
+              <a:defRPr b="1">
                 <a:uFill>
                   <a:solidFill>
                     <a:srgbClr val="000000"/>
@@ -12235,112 +12041,73 @@
               </a:defRPr>
             </a:pPr>
             <a:r>
-              <a:t>Killed in 1940 with an icepick by NKVD agent Ramón Mercader:</a:t>
-            </a:r>
-          </a:p>
-          <a:p>
-            <a:pPr marL="206942" indent="-206942" defTabSz="393192">
-              <a:spcBef>
-                <a:spcPts val="1000"/>
-              </a:spcBef>
-              <a:buSzPct val="100000"/>
-              <a:defRPr sz="2064">
-                <a:uFill>
-                  <a:solidFill>
-                    <a:srgbClr val="000000"/>
-                  </a:solidFill>
-                </a:uFill>
-                <a:latin typeface="Times New Roman"/>
-                <a:ea typeface="Times New Roman"/>
-                <a:cs typeface="Times New Roman"/>
-                <a:sym typeface="Times New Roman"/>
-              </a:defRPr>
-            </a:pPr>
-            <a:r>
-              <a:t>Mercader awarded the title of Hero of the Soviet Union after his release in 1961 from his Mexican prison. He then divided his time between Cuba and the Soviet Union. He died in 1978</a:t>
-            </a:r>
-          </a:p>
-          <a:p>
-            <a:pPr marL="206942" indent="-206942" defTabSz="393192">
-              <a:spcBef>
-                <a:spcPts val="1000"/>
-              </a:spcBef>
-              <a:buSzPct val="100000"/>
-              <a:defRPr sz="2064">
-                <a:uFill>
-                  <a:solidFill>
-                    <a:srgbClr val="000000"/>
-                  </a:solidFill>
-                </a:uFill>
-                <a:latin typeface="Times New Roman"/>
-                <a:ea typeface="Times New Roman"/>
-                <a:cs typeface="Times New Roman"/>
-                <a:sym typeface="Times New Roman"/>
-              </a:defRPr>
-            </a:pPr>
-            <a:r>
-              <a:t>Trotsky had been living with Diego Rivera and Frida Kahlo in their Casa Azul in 1937-9</a:t>
-            </a:r>
-          </a:p>
-          <a:p>
-            <a:pPr marL="206942" indent="-206942" defTabSz="393192">
-              <a:spcBef>
-                <a:spcPts val="1000"/>
-              </a:spcBef>
-              <a:buSzPct val="100000"/>
-              <a:defRPr sz="2064">
-                <a:uFill>
-                  <a:solidFill>
-                    <a:srgbClr val="000000"/>
-                  </a:solidFill>
-                </a:uFill>
-                <a:latin typeface="Times New Roman"/>
-                <a:ea typeface="Times New Roman"/>
-                <a:cs typeface="Times New Roman"/>
-                <a:sym typeface="Times New Roman"/>
-              </a:defRPr>
-            </a:pPr>
-            <a:r>
-              <a:t>Had a fight: politics? sex? moved out</a:t>
-            </a:r>
-          </a:p>
-          <a:p>
-            <a:pPr marL="206942" indent="-206942" defTabSz="393192">
-              <a:spcBef>
-                <a:spcPts val="1000"/>
-              </a:spcBef>
-              <a:buSzPct val="100000"/>
-              <a:defRPr sz="2064">
-                <a:uFill>
-                  <a:solidFill>
-                    <a:srgbClr val="000000"/>
-                  </a:solidFill>
-                </a:uFill>
-                <a:latin typeface="Times New Roman"/>
-                <a:ea typeface="Times New Roman"/>
-                <a:cs typeface="Times New Roman"/>
-                <a:sym typeface="Times New Roman"/>
-              </a:defRPr>
-            </a:pPr>
-            <a:r>
-              <a:t>Visit the Trotsky Museum in Mexico City! &lt;</a:t>
-            </a:r>
-            <a:r>
-              <a:rPr u="sng">
-                <a:solidFill>
-                  <a:srgbClr val="0000FF"/>
-                </a:solidFill>
-                <a:uFill>
-                  <a:solidFill>
-                    <a:srgbClr val="0000FF"/>
-                  </a:solidFill>
-                </a:uFill>
-                <a:hlinkClick r:id="rId2" invalidUrl="" action="" tgtFrame="" tooltip="" history="1" highlightClick="0" endSnd="0"/>
-              </a:rPr>
-              <a:t>http://sic.conaculta.gob.mx/ficha.php?table=museo&amp;table_id=966&amp;estado_id=9</a:t>
-            </a:r>
-            <a:r>
-              <a:t>&gt;</a:t>
+              <a:t>But the Russian Revolution broke out</a:t>
+            </a:r>
+          </a:p>
+          <a:p>
+            <a:pPr marL="240631" indent="-240631" defTabSz="457200">
+              <a:spcBef>
+                <a:spcPts val="1200"/>
+              </a:spcBef>
+              <a:buSzPct val="100000"/>
+              <a:defRPr>
+                <a:uFill>
+                  <a:solidFill>
+                    <a:srgbClr val="000000"/>
+                  </a:solidFill>
+                </a:uFill>
+                <a:latin typeface="Times New Roman"/>
+                <a:ea typeface="Times New Roman"/>
+                <a:cs typeface="Times New Roman"/>
+                <a:sym typeface="Times New Roman"/>
+              </a:defRPr>
+            </a:pPr>
+            <a:r>
+              <a:t>Returned to become Lenin’s right hand: we know him as Leon Trotsky:</a:t>
+            </a:r>
+          </a:p>
+          <a:p>
+            <a:pPr lvl="1" marL="697831" indent="-240631" defTabSz="457200">
+              <a:spcBef>
+                <a:spcPts val="1200"/>
+              </a:spcBef>
+              <a:buSzPct val="100000"/>
+              <a:defRPr>
+                <a:uFill>
+                  <a:solidFill>
+                    <a:srgbClr val="000000"/>
+                  </a:solidFill>
+                </a:uFill>
+                <a:latin typeface="Times New Roman"/>
+                <a:ea typeface="Times New Roman"/>
+                <a:cs typeface="Times New Roman"/>
+                <a:sym typeface="Times New Roman"/>
+              </a:defRPr>
+            </a:pPr>
+            <a:r>
+              <a:t>“I had had no time to more than catch the general life-rhythm of the monster known as New York…”</a:t>
+            </a:r>
+          </a:p>
+          <a:p>
+            <a:pPr lvl="1" marL="697831" indent="-240631" defTabSz="457200">
+              <a:spcBef>
+                <a:spcPts val="1200"/>
+              </a:spcBef>
+              <a:buSzPct val="100000"/>
+              <a:defRPr>
+                <a:uFill>
+                  <a:solidFill>
+                    <a:srgbClr val="000000"/>
+                  </a:solidFill>
+                </a:uFill>
+                <a:latin typeface="Times New Roman"/>
+                <a:ea typeface="Times New Roman"/>
+                <a:cs typeface="Times New Roman"/>
+                <a:sym typeface="Times New Roman"/>
+              </a:defRPr>
+            </a:pPr>
+            <a:r>
+              <a:t>“I left for Europe with the feeling of a man who has had only a peek into the furnace where the future is being forged…"</a:t>
             </a:r>
           </a:p>
         </p:txBody>
@@ -12354,7 +12121,7 @@
           <p:nvPr/>
         </p:nvPicPr>
         <p:blipFill>
-          <a:blip r:embed="rId3">
+          <a:blip r:embed="rId2">
             <a:extLst/>
           </a:blip>
           <a:srcRect l="0" t="0" r="0" b="12133"/>
@@ -12403,7 +12170,7 @@
       </p:grpSpPr>
       <p:sp>
         <p:nvSpPr>
-          <p:cNvPr id="185" name="Edward Bellamy: Looking Backward"/>
+          <p:cNvPr id="185" name="1. My Grand Narrative"/>
           <p:cNvSpPr txBox="1"/>
           <p:nvPr>
             <p:ph type="title" idx="4294967295"/>
@@ -12420,30 +12187,31 @@
         </p:spPr>
         <p:txBody>
           <a:bodyPr lIns="45718" tIns="45718" rIns="45718" bIns="45718"/>
-          <a:lstStyle/>
-          <a:p>
-            <a:pPr defTabSz="292606">
-              <a:defRPr sz="3800">
-                <a:uFill>
-                  <a:solidFill>
-                    <a:srgbClr val="000000"/>
-                  </a:solidFill>
-                </a:uFill>
-              </a:defRPr>
-            </a:pPr>
-            <a:r>
-              <a:t>Edward Bellamy: </a:t>
-            </a:r>
-            <a:r>
-              <a:rPr i="1"/>
-              <a:t>Looking Backward</a:t>
+          <a:lstStyle>
+            <a:lvl1pPr defTabSz="457200">
+              <a:defRPr sz="6000">
+                <a:solidFill>
+                  <a:srgbClr val="000080"/>
+                </a:solidFill>
+                <a:uFill>
+                  <a:solidFill>
+                    <a:srgbClr val="000000"/>
+                  </a:solidFill>
+                </a:uFill>
+              </a:defRPr>
+            </a:lvl1pPr>
+          </a:lstStyle>
+          <a:p>
+            <a:pPr/>
+            <a:r>
+              <a:t>Lev Bronstein IV</a:t>
             </a:r>
           </a:p>
         </p:txBody>
       </p:sp>
       <p:sp>
         <p:nvSpPr>
-          <p:cNvPr id="186" name="Edward Bellamy: Looking Backward &lt;https://delong.typepad.com/files/bellamy-backward.pdf&gt;: Perhaps the third best-selling novel of the 19th century in the United States…"/>
+          <p:cNvPr id="186" name="This course covers the history of the long twentieth century, beginning in 1870 and ending in 2016:…"/>
           <p:cNvSpPr txBox="1"/>
           <p:nvPr>
             <p:ph type="body" sz="half" idx="4294967295"/>
@@ -12452,7 +12220,7 @@
         <p:spPr>
           <a:xfrm>
             <a:off x="277663" y="1267121"/>
-            <a:ext cx="4545065" cy="5397503"/>
+            <a:ext cx="4468522" cy="5397503"/>
           </a:xfrm>
           <a:prstGeom prst="rect">
             <a:avLst/>
@@ -12462,14 +12230,14 @@
           <a:bodyPr lIns="45718" tIns="45718" rIns="45718" bIns="45718" anchor="t"/>
           <a:lstStyle/>
           <a:p>
-            <a:pPr marL="0" indent="0" defTabSz="288036">
-              <a:spcBef>
-                <a:spcPts val="700"/>
+            <a:pPr marL="0" indent="0" defTabSz="393192">
+              <a:spcBef>
+                <a:spcPts val="1000"/>
               </a:spcBef>
               <a:buSzTx/>
               <a:buFont typeface="Arial"/>
               <a:buNone/>
-              <a:defRPr b="1" sz="1500">
+              <a:defRPr b="1" sz="2064">
                 <a:uFill>
                   <a:solidFill>
                     <a:srgbClr val="000000"/>
@@ -12482,14 +12250,95 @@
               </a:defRPr>
             </a:pPr>
             <a:r>
-              <a:t>Edward Bellamy:</a:t>
-            </a:r>
-            <a:r>
-              <a:rPr i="1"/>
-              <a:t> Looking Backward </a:t>
-            </a:r>
-            <a:r>
-              <a:t>&lt;</a:t>
+              <a:t>Killed in 1940 with an icepick by NKVD agent Ramón Mercader:</a:t>
+            </a:r>
+          </a:p>
+          <a:p>
+            <a:pPr marL="206942" indent="-206942" defTabSz="393192">
+              <a:spcBef>
+                <a:spcPts val="1000"/>
+              </a:spcBef>
+              <a:buSzPct val="100000"/>
+              <a:defRPr sz="2064">
+                <a:uFill>
+                  <a:solidFill>
+                    <a:srgbClr val="000000"/>
+                  </a:solidFill>
+                </a:uFill>
+                <a:latin typeface="Times New Roman"/>
+                <a:ea typeface="Times New Roman"/>
+                <a:cs typeface="Times New Roman"/>
+                <a:sym typeface="Times New Roman"/>
+              </a:defRPr>
+            </a:pPr>
+            <a:r>
+              <a:t>Mercader awarded the title of Hero of the Soviet Union after his release in 1961 from his Mexican prison. He then divided his time between Cuba and the Soviet Union. He died in 1978</a:t>
+            </a:r>
+          </a:p>
+          <a:p>
+            <a:pPr marL="206942" indent="-206942" defTabSz="393192">
+              <a:spcBef>
+                <a:spcPts val="1000"/>
+              </a:spcBef>
+              <a:buSzPct val="100000"/>
+              <a:defRPr sz="2064">
+                <a:uFill>
+                  <a:solidFill>
+                    <a:srgbClr val="000000"/>
+                  </a:solidFill>
+                </a:uFill>
+                <a:latin typeface="Times New Roman"/>
+                <a:ea typeface="Times New Roman"/>
+                <a:cs typeface="Times New Roman"/>
+                <a:sym typeface="Times New Roman"/>
+              </a:defRPr>
+            </a:pPr>
+            <a:r>
+              <a:t>Trotsky had been living with Diego Rivera and Frida Kahlo in their Casa Azul in 1937-9</a:t>
+            </a:r>
+          </a:p>
+          <a:p>
+            <a:pPr marL="206942" indent="-206942" defTabSz="393192">
+              <a:spcBef>
+                <a:spcPts val="1000"/>
+              </a:spcBef>
+              <a:buSzPct val="100000"/>
+              <a:defRPr sz="2064">
+                <a:uFill>
+                  <a:solidFill>
+                    <a:srgbClr val="000000"/>
+                  </a:solidFill>
+                </a:uFill>
+                <a:latin typeface="Times New Roman"/>
+                <a:ea typeface="Times New Roman"/>
+                <a:cs typeface="Times New Roman"/>
+                <a:sym typeface="Times New Roman"/>
+              </a:defRPr>
+            </a:pPr>
+            <a:r>
+              <a:t>Had a fight: politics? sex? moved out</a:t>
+            </a:r>
+          </a:p>
+          <a:p>
+            <a:pPr marL="206942" indent="-206942" defTabSz="393192">
+              <a:spcBef>
+                <a:spcPts val="1000"/>
+              </a:spcBef>
+              <a:buSzPct val="100000"/>
+              <a:defRPr sz="2064">
+                <a:uFill>
+                  <a:solidFill>
+                    <a:srgbClr val="000000"/>
+                  </a:solidFill>
+                </a:uFill>
+                <a:latin typeface="Times New Roman"/>
+                <a:ea typeface="Times New Roman"/>
+                <a:cs typeface="Times New Roman"/>
+                <a:sym typeface="Times New Roman"/>
+              </a:defRPr>
+            </a:pPr>
+            <a:r>
+              <a:t>Visit the Trotsky Museum in Mexico City! &lt;</a:t>
             </a:r>
             <a:r>
               <a:rPr u="sng">
@@ -12503,142 +12352,10 @@
                 </a:uFill>
                 <a:hlinkClick r:id="rId2" invalidUrl="" action="" tgtFrame="" tooltip="" history="1" highlightClick="0" endSnd="0"/>
               </a:rPr>
-              <a:t>https://delong.typepad.com/files/bellamy-backward.pdf</a:t>
-            </a:r>
-            <a:r>
-              <a:t>&gt;: Perhaps the third best-selling novel of the 19th century in the United States</a:t>
-            </a:r>
-          </a:p>
-          <a:p>
-            <a:pPr marL="151596" indent="-151596" defTabSz="288036">
-              <a:spcBef>
-                <a:spcPts val="700"/>
-              </a:spcBef>
-              <a:buSzPct val="100000"/>
-              <a:defRPr sz="1500">
-                <a:uFill>
-                  <a:solidFill>
-                    <a:srgbClr val="000000"/>
-                  </a:solidFill>
-                </a:uFill>
-                <a:latin typeface="Times New Roman"/>
-                <a:ea typeface="Times New Roman"/>
-                <a:cs typeface="Times New Roman"/>
-                <a:sym typeface="Times New Roman"/>
-              </a:defRPr>
-            </a:pPr>
-            <a:r>
-              <a:t>2000 is a utopia…</a:t>
-            </a:r>
-          </a:p>
-          <a:p>
-            <a:pPr marL="151596" indent="-151596" defTabSz="288036">
-              <a:spcBef>
-                <a:spcPts val="700"/>
-              </a:spcBef>
-              <a:buSzPct val="100000"/>
-              <a:defRPr sz="1500">
-                <a:uFill>
-                  <a:solidFill>
-                    <a:srgbClr val="000000"/>
-                  </a:solidFill>
-                </a:uFill>
-                <a:latin typeface="Times New Roman"/>
-                <a:ea typeface="Times New Roman"/>
-                <a:cs typeface="Times New Roman"/>
-                <a:sym typeface="Times New Roman"/>
-              </a:defRPr>
-            </a:pPr>
-            <a:r>
-              <a:t>The narrator is carried forward in time from 1887-2000 by an implausible plot device:</a:t>
-            </a:r>
-          </a:p>
-          <a:p>
-            <a:pPr lvl="1" marL="391626" indent="-151596" defTabSz="288036">
-              <a:spcBef>
-                <a:spcPts val="700"/>
-              </a:spcBef>
-              <a:buSzPct val="100000"/>
-              <a:defRPr sz="1500">
-                <a:uFill>
-                  <a:solidFill>
-                    <a:srgbClr val="000000"/>
-                  </a:solidFill>
-                </a:uFill>
-                <a:latin typeface="Times New Roman"/>
-                <a:ea typeface="Times New Roman"/>
-                <a:cs typeface="Times New Roman"/>
-                <a:sym typeface="Times New Roman"/>
-              </a:defRPr>
-            </a:pPr>
-            <a:r>
-              <a:t>‘“This is the tenth day of September in the year 2000, and you have slept exactly one hundred and thirteen years, three months, and eleven days…”’</a:t>
-            </a:r>
-          </a:p>
-          <a:p>
-            <a:pPr marL="151596" indent="-151596" defTabSz="288036">
-              <a:spcBef>
-                <a:spcPts val="700"/>
-              </a:spcBef>
-              <a:buSzPct val="100000"/>
-              <a:defRPr sz="1500">
-                <a:uFill>
-                  <a:solidFill>
-                    <a:srgbClr val="000000"/>
-                  </a:solidFill>
-                </a:uFill>
-                <a:latin typeface="Times New Roman"/>
-                <a:ea typeface="Times New Roman"/>
-                <a:cs typeface="Times New Roman"/>
-                <a:sym typeface="Times New Roman"/>
-              </a:defRPr>
-            </a:pPr>
-            <a:r>
-              <a:t>He then wanders around, looking at the utopia of 2000…</a:t>
-            </a:r>
-          </a:p>
-          <a:p>
-            <a:pPr marL="151596" indent="-151596" defTabSz="288036">
-              <a:spcBef>
-                <a:spcPts val="700"/>
-              </a:spcBef>
-              <a:buSzPct val="100000"/>
-              <a:defRPr sz="1500">
-                <a:uFill>
-                  <a:solidFill>
-                    <a:srgbClr val="000000"/>
-                  </a:solidFill>
-                </a:uFill>
-                <a:latin typeface="Times New Roman"/>
-                <a:ea typeface="Times New Roman"/>
-                <a:cs typeface="Times New Roman"/>
-                <a:sym typeface="Times New Roman"/>
-              </a:defRPr>
-            </a:pPr>
-            <a:r>
-              <a:t>The opening:</a:t>
-            </a:r>
-          </a:p>
-          <a:p>
-            <a:pPr lvl="1" marL="391626" indent="-151596" defTabSz="288036">
-              <a:spcBef>
-                <a:spcPts val="700"/>
-              </a:spcBef>
-              <a:buSzPct val="100000"/>
-              <a:defRPr sz="1500">
-                <a:uFill>
-                  <a:solidFill>
-                    <a:srgbClr val="000000"/>
-                  </a:solidFill>
-                </a:uFill>
-                <a:latin typeface="Times New Roman"/>
-                <a:ea typeface="Times New Roman"/>
-                <a:cs typeface="Times New Roman"/>
-                <a:sym typeface="Times New Roman"/>
-              </a:defRPr>
-            </a:pPr>
-            <a:r>
-              <a:t>‘“How could I live without service to the world?” you ask…. The answer is that my great-grandfather had accumulated a sum of money on which his descendants had ever since…. The sum had been originally by no means large. It was, in fact, much larger now that three generations had been supported upon it in idleness, than it was at first…’</a:t>
+              <a:t>http://sic.conaculta.gob.mx/ficha.php?table=museo&amp;table_id=966&amp;estado_id=9</a:t>
+            </a:r>
+            <a:r>
+              <a:t>&gt;</a:t>
             </a:r>
           </a:p>
         </p:txBody>
@@ -12655,14 +12372,15 @@
           <a:blip r:embed="rId3">
             <a:extLst/>
           </a:blip>
+          <a:srcRect l="0" t="0" r="0" b="12133"/>
           <a:stretch>
             <a:fillRect/>
           </a:stretch>
         </p:blipFill>
         <p:spPr>
           <a:xfrm>
-            <a:off x="4822726" y="1267121"/>
-            <a:ext cx="4027439" cy="5397503"/>
+            <a:off x="4746185" y="1267123"/>
+            <a:ext cx="4103980" cy="5397398"/>
           </a:xfrm>
           <a:prstGeom prst="rect">
             <a:avLst/>
@@ -12700,7 +12418,7 @@
       </p:grpSpPr>
       <p:sp>
         <p:nvSpPr>
-          <p:cNvPr id="189" name="The Stagecoach of Society"/>
+          <p:cNvPr id="189" name="Edward Bellamy: Looking Backward"/>
           <p:cNvSpPr txBox="1"/>
           <p:nvPr>
             <p:ph type="title" idx="4294967295"/>
@@ -12717,40 +12435,39 @@
         </p:spPr>
         <p:txBody>
           <a:bodyPr lIns="45718" tIns="45718" rIns="45718" bIns="45718"/>
-          <a:lstStyle>
-            <a:lvl1pPr defTabSz="397763">
-              <a:defRPr sz="5200">
-                <a:solidFill>
-                  <a:srgbClr val="000080"/>
-                </a:solidFill>
-                <a:uFill>
-                  <a:solidFill>
-                    <a:srgbClr val="000000"/>
-                  </a:solidFill>
-                </a:uFill>
-              </a:defRPr>
-            </a:lvl1pPr>
-          </a:lstStyle>
-          <a:p>
-            <a:pPr/>
-            <a:r>
-              <a:t>The Stagecoach of Society</a:t>
+          <a:lstStyle/>
+          <a:p>
+            <a:pPr defTabSz="292606">
+              <a:defRPr sz="3800">
+                <a:uFill>
+                  <a:solidFill>
+                    <a:srgbClr val="000000"/>
+                  </a:solidFill>
+                </a:uFill>
+              </a:defRPr>
+            </a:pPr>
+            <a:r>
+              <a:t>Edward Bellamy: </a:t>
+            </a:r>
+            <a:r>
+              <a:rPr i="1"/>
+              <a:t>Looking Backward</a:t>
             </a:r>
           </a:p>
         </p:txBody>
       </p:sp>
       <p:sp>
         <p:nvSpPr>
-          <p:cNvPr id="190" name="Those who ride and this who pull:…"/>
+          <p:cNvPr id="190" name="Edward Bellamy: Looking Backward &lt;https://delong.typepad.com/files/bellamy-backward.pdf&gt;: Perhaps the third best-selling novel of the 19th century in the United States…"/>
           <p:cNvSpPr txBox="1"/>
           <p:nvPr>
-            <p:ph type="body" idx="4294967295"/>
+            <p:ph type="body" sz="half" idx="4294967295"/>
           </p:nvPr>
         </p:nvSpPr>
         <p:spPr>
           <a:xfrm>
             <a:off x="277663" y="1267121"/>
-            <a:ext cx="8572501" cy="5397503"/>
+            <a:ext cx="4545065" cy="5397503"/>
           </a:xfrm>
           <a:prstGeom prst="rect">
             <a:avLst/>
@@ -12760,14 +12477,14 @@
           <a:bodyPr lIns="45718" tIns="45718" rIns="45718" bIns="45718" anchor="t"/>
           <a:lstStyle/>
           <a:p>
-            <a:pPr marL="0" indent="0" defTabSz="342900">
-              <a:spcBef>
-                <a:spcPts val="900"/>
+            <a:pPr marL="0" indent="0" defTabSz="288036">
+              <a:spcBef>
+                <a:spcPts val="700"/>
               </a:spcBef>
               <a:buSzTx/>
               <a:buFont typeface="Arial"/>
               <a:buNone/>
-              <a:defRPr b="1" sz="1800">
+              <a:defRPr b="1" sz="1500">
                 <a:uFill>
                   <a:solidFill>
                     <a:srgbClr val="000000"/>
@@ -12780,77 +12497,196 @@
               </a:defRPr>
             </a:pPr>
             <a:r>
-              <a:t>Those who ride and this who pull:</a:t>
-            </a:r>
-          </a:p>
-          <a:p>
-            <a:pPr marL="180472" indent="-180472" defTabSz="342900">
-              <a:spcBef>
-                <a:spcPts val="900"/>
-              </a:spcBef>
-              <a:buSzPct val="100000"/>
-              <a:defRPr sz="1800">
-                <a:uFill>
-                  <a:solidFill>
-                    <a:srgbClr val="000000"/>
-                  </a:solidFill>
-                </a:uFill>
-                <a:latin typeface="Times New Roman"/>
-                <a:ea typeface="Times New Roman"/>
-                <a:cs typeface="Times New Roman"/>
-                <a:sym typeface="Times New Roman"/>
-              </a:defRPr>
-            </a:pPr>
-            <a:r>
-              <a:t>‘Commiseration was frequently expressed by those who rode for those who had to pull the coach, especially when the vehicle came to a bad place in the road, as it was constantly doing, or to a particularly steep hill. At such times, the desperate straining of the team, their agonized leaping and plunging under the pitiless lashing of hunger, the many who fainted at the rope and were trampled in the mire, made a very distressing spectacle, which often called forth highly creditable displays of feeling on the top of the coach. </a:t>
-            </a:r>
-          </a:p>
-          <a:p>
-            <a:pPr marL="180472" indent="-180472" defTabSz="342900">
-              <a:spcBef>
-                <a:spcPts val="900"/>
-              </a:spcBef>
-              <a:buSzPct val="100000"/>
-              <a:defRPr sz="1800">
-                <a:uFill>
-                  <a:solidFill>
-                    <a:srgbClr val="000000"/>
-                  </a:solidFill>
-                </a:uFill>
-                <a:latin typeface="Times New Roman"/>
-                <a:ea typeface="Times New Roman"/>
-                <a:cs typeface="Times New Roman"/>
-                <a:sym typeface="Times New Roman"/>
-              </a:defRPr>
-            </a:pPr>
-            <a:r>
-              <a:t>‘At such times the passengers would call down encouragingly to the toilers of the rope, exhorting them to patience, and holding out hopes of possible compensation in another world for the hardness of their lot, while others contributed to buy salves and liniments for the crippled and injured. It was agreed that it was a great pity that the coach should be so hard to pull, and there was a sense of general relief when the specially bad piece of road was gotten over. This relief was not, indeed, wholly on account of the team, for there was always some danger at these bad places of a general overturn in which all would lose their seats. </a:t>
-            </a:r>
-          </a:p>
-          <a:p>
-            <a:pPr marL="180472" indent="-180472" defTabSz="342900">
-              <a:spcBef>
-                <a:spcPts val="900"/>
-              </a:spcBef>
-              <a:buSzPct val="100000"/>
-              <a:defRPr sz="1800">
-                <a:uFill>
-                  <a:solidFill>
-                    <a:srgbClr val="000000"/>
-                  </a:solidFill>
-                </a:uFill>
-                <a:latin typeface="Times New Roman"/>
-                <a:ea typeface="Times New Roman"/>
-                <a:cs typeface="Times New Roman"/>
-                <a:sym typeface="Times New Roman"/>
-              </a:defRPr>
-            </a:pPr>
-            <a:r>
-              <a:t>‘It must in truth be admitted that the main effect of the spectacle of the misery of the toilers at the rope was to enhance the passengers’ sense of the value of their seats upon the coach, and to cause them to hold on to them more desperately than before…</a:t>
+              <a:t>Edward Bellamy:</a:t>
+            </a:r>
+            <a:r>
+              <a:rPr i="1"/>
+              <a:t> Looking Backward </a:t>
+            </a:r>
+            <a:r>
+              <a:t>&lt;</a:t>
+            </a:r>
+            <a:r>
+              <a:rPr u="sng">
+                <a:solidFill>
+                  <a:srgbClr val="0000FF"/>
+                </a:solidFill>
+                <a:uFill>
+                  <a:solidFill>
+                    <a:srgbClr val="0000FF"/>
+                  </a:solidFill>
+                </a:uFill>
+                <a:hlinkClick r:id="rId2" invalidUrl="" action="" tgtFrame="" tooltip="" history="1" highlightClick="0" endSnd="0"/>
+              </a:rPr>
+              <a:t>https://delong.typepad.com/files/bellamy-backward.pdf</a:t>
+            </a:r>
+            <a:r>
+              <a:t>&gt;: Perhaps the third best-selling novel of the 19th century in the United States</a:t>
+            </a:r>
+          </a:p>
+          <a:p>
+            <a:pPr marL="151596" indent="-151596" defTabSz="288036">
+              <a:spcBef>
+                <a:spcPts val="700"/>
+              </a:spcBef>
+              <a:buSzPct val="100000"/>
+              <a:defRPr sz="1500">
+                <a:uFill>
+                  <a:solidFill>
+                    <a:srgbClr val="000000"/>
+                  </a:solidFill>
+                </a:uFill>
+                <a:latin typeface="Times New Roman"/>
+                <a:ea typeface="Times New Roman"/>
+                <a:cs typeface="Times New Roman"/>
+                <a:sym typeface="Times New Roman"/>
+              </a:defRPr>
+            </a:pPr>
+            <a:r>
+              <a:t>2000 is a utopia…</a:t>
+            </a:r>
+          </a:p>
+          <a:p>
+            <a:pPr marL="151596" indent="-151596" defTabSz="288036">
+              <a:spcBef>
+                <a:spcPts val="700"/>
+              </a:spcBef>
+              <a:buSzPct val="100000"/>
+              <a:defRPr sz="1500">
+                <a:uFill>
+                  <a:solidFill>
+                    <a:srgbClr val="000000"/>
+                  </a:solidFill>
+                </a:uFill>
+                <a:latin typeface="Times New Roman"/>
+                <a:ea typeface="Times New Roman"/>
+                <a:cs typeface="Times New Roman"/>
+                <a:sym typeface="Times New Roman"/>
+              </a:defRPr>
+            </a:pPr>
+            <a:r>
+              <a:t>The narrator is carried forward in time from 1887-2000 by an implausible plot device:</a:t>
+            </a:r>
+          </a:p>
+          <a:p>
+            <a:pPr lvl="1" marL="391626" indent="-151596" defTabSz="288036">
+              <a:spcBef>
+                <a:spcPts val="700"/>
+              </a:spcBef>
+              <a:buSzPct val="100000"/>
+              <a:defRPr sz="1500">
+                <a:uFill>
+                  <a:solidFill>
+                    <a:srgbClr val="000000"/>
+                  </a:solidFill>
+                </a:uFill>
+                <a:latin typeface="Times New Roman"/>
+                <a:ea typeface="Times New Roman"/>
+                <a:cs typeface="Times New Roman"/>
+                <a:sym typeface="Times New Roman"/>
+              </a:defRPr>
+            </a:pPr>
+            <a:r>
+              <a:t>‘“This is the tenth day of September in the year 2000, and you have slept exactly one hundred and thirteen years, three months, and eleven days…”’</a:t>
+            </a:r>
+          </a:p>
+          <a:p>
+            <a:pPr marL="151596" indent="-151596" defTabSz="288036">
+              <a:spcBef>
+                <a:spcPts val="700"/>
+              </a:spcBef>
+              <a:buSzPct val="100000"/>
+              <a:defRPr sz="1500">
+                <a:uFill>
+                  <a:solidFill>
+                    <a:srgbClr val="000000"/>
+                  </a:solidFill>
+                </a:uFill>
+                <a:latin typeface="Times New Roman"/>
+                <a:ea typeface="Times New Roman"/>
+                <a:cs typeface="Times New Roman"/>
+                <a:sym typeface="Times New Roman"/>
+              </a:defRPr>
+            </a:pPr>
+            <a:r>
+              <a:t>He then wanders around, looking at the utopia of 2000…</a:t>
+            </a:r>
+          </a:p>
+          <a:p>
+            <a:pPr marL="151596" indent="-151596" defTabSz="288036">
+              <a:spcBef>
+                <a:spcPts val="700"/>
+              </a:spcBef>
+              <a:buSzPct val="100000"/>
+              <a:defRPr sz="1500">
+                <a:uFill>
+                  <a:solidFill>
+                    <a:srgbClr val="000000"/>
+                  </a:solidFill>
+                </a:uFill>
+                <a:latin typeface="Times New Roman"/>
+                <a:ea typeface="Times New Roman"/>
+                <a:cs typeface="Times New Roman"/>
+                <a:sym typeface="Times New Roman"/>
+              </a:defRPr>
+            </a:pPr>
+            <a:r>
+              <a:t>The opening:</a:t>
+            </a:r>
+          </a:p>
+          <a:p>
+            <a:pPr lvl="1" marL="391626" indent="-151596" defTabSz="288036">
+              <a:spcBef>
+                <a:spcPts val="700"/>
+              </a:spcBef>
+              <a:buSzPct val="100000"/>
+              <a:defRPr sz="1500">
+                <a:uFill>
+                  <a:solidFill>
+                    <a:srgbClr val="000000"/>
+                  </a:solidFill>
+                </a:uFill>
+                <a:latin typeface="Times New Roman"/>
+                <a:ea typeface="Times New Roman"/>
+                <a:cs typeface="Times New Roman"/>
+                <a:sym typeface="Times New Roman"/>
+              </a:defRPr>
+            </a:pPr>
+            <a:r>
+              <a:t>‘“How could I live without service to the world?” you ask…. The answer is that my great-grandfather had accumulated a sum of money on which his descendants had ever since…. The sum had been originally by no means large. It was, in fact, much larger now that three generations had been supported upon it in idleness, than it was at first…’</a:t>
             </a:r>
           </a:p>
         </p:txBody>
       </p:sp>
+      <p:pic>
+        <p:nvPicPr>
+          <p:cNvPr id="191" name="Image" descr="Image"/>
+          <p:cNvPicPr>
+            <a:picLocks noChangeAspect="1"/>
+          </p:cNvPicPr>
+          <p:nvPr/>
+        </p:nvPicPr>
+        <p:blipFill>
+          <a:blip r:embed="rId3">
+            <a:extLst/>
+          </a:blip>
+          <a:stretch>
+            <a:fillRect/>
+          </a:stretch>
+        </p:blipFill>
+        <p:spPr>
+          <a:xfrm>
+            <a:off x="4822726" y="1267121"/>
+            <a:ext cx="4027439" cy="5397503"/>
+          </a:xfrm>
+          <a:prstGeom prst="rect">
+            <a:avLst/>
+          </a:prstGeom>
+          <a:ln w="12700">
+            <a:miter lim="400000"/>
+          </a:ln>
+        </p:spPr>
+      </p:pic>
     </p:spTree>
   </p:cSld>
   <p:clrMapOvr>
@@ -12879,7 +12715,7 @@
       </p:grpSpPr>
       <p:sp>
         <p:nvSpPr>
-          <p:cNvPr id="192" name="The Stagecoach of Society II"/>
+          <p:cNvPr id="193" name="The Stagecoach of Society"/>
           <p:cNvSpPr txBox="1"/>
           <p:nvPr>
             <p:ph type="title" idx="4294967295"/>
@@ -12897,8 +12733,8 @@
         <p:txBody>
           <a:bodyPr lIns="45718" tIns="45718" rIns="45718" bIns="45718"/>
           <a:lstStyle>
-            <a:lvl1pPr defTabSz="374904">
-              <a:defRPr sz="4900">
+            <a:lvl1pPr defTabSz="397763">
+              <a:defRPr sz="5200">
                 <a:solidFill>
                   <a:srgbClr val="000080"/>
                 </a:solidFill>
@@ -12913,14 +12749,14 @@
           <a:p>
             <a:pPr/>
             <a:r>
-              <a:t>The Stagecoach of Society II</a:t>
+              <a:t>The Stagecoach of Society</a:t>
             </a:r>
           </a:p>
         </p:txBody>
       </p:sp>
       <p:sp>
         <p:nvSpPr>
-          <p:cNvPr id="193" name="“Finer clay”:…"/>
+          <p:cNvPr id="194" name="Those who ride and this who pull:…"/>
           <p:cNvSpPr txBox="1"/>
           <p:nvPr>
             <p:ph type="body" idx="4294967295"/>
@@ -12939,14 +12775,14 @@
           <a:bodyPr lIns="45718" tIns="45718" rIns="45718" bIns="45718" anchor="t"/>
           <a:lstStyle/>
           <a:p>
-            <a:pPr marL="0" indent="0" defTabSz="370331">
+            <a:pPr marL="0" indent="0" defTabSz="342900">
               <a:spcBef>
                 <a:spcPts val="900"/>
               </a:spcBef>
               <a:buSzTx/>
               <a:buFont typeface="Arial"/>
               <a:buNone/>
-              <a:defRPr b="1" sz="1900">
+              <a:defRPr b="1" sz="1800">
                 <a:uFill>
                   <a:solidFill>
                     <a:srgbClr val="000000"/>
@@ -12959,73 +12795,73 @@
               </a:defRPr>
             </a:pPr>
             <a:r>
-              <a:t>“Finer clay”:</a:t>
-            </a:r>
-          </a:p>
-          <a:p>
-            <a:pPr marL="194910" indent="-194910" defTabSz="370331">
+              <a:t>Those who ride and this who pull:</a:t>
+            </a:r>
+          </a:p>
+          <a:p>
+            <a:pPr marL="180472" indent="-180472" defTabSz="342900">
               <a:spcBef>
                 <a:spcPts val="900"/>
               </a:spcBef>
               <a:buSzPct val="100000"/>
-              <a:defRPr sz="1900">
-                <a:uFill>
-                  <a:solidFill>
-                    <a:srgbClr val="000000"/>
-                  </a:solidFill>
-                </a:uFill>
-                <a:latin typeface="Times New Roman"/>
-                <a:ea typeface="Times New Roman"/>
-                <a:cs typeface="Times New Roman"/>
-                <a:sym typeface="Times New Roman"/>
-              </a:defRPr>
-            </a:pPr>
-            <a:r>
-              <a:t>‘The other fact is yet more curious, consisting in a singular hallucination which those on the top of the coach generally shared, that they were not exactly like their brothers and sisters who pulled at the rope, but of finer clay, in some way belonging to a higher order of beings who might justly expect to be drawn. This seems unaccountable, but, as I once rode on this very coach and shared that very hallucination, I ought to be believed. </a:t>
-            </a:r>
-          </a:p>
-          <a:p>
-            <a:pPr marL="194910" indent="-194910" defTabSz="370331">
+              <a:defRPr sz="1800">
+                <a:uFill>
+                  <a:solidFill>
+                    <a:srgbClr val="000000"/>
+                  </a:solidFill>
+                </a:uFill>
+                <a:latin typeface="Times New Roman"/>
+                <a:ea typeface="Times New Roman"/>
+                <a:cs typeface="Times New Roman"/>
+                <a:sym typeface="Times New Roman"/>
+              </a:defRPr>
+            </a:pPr>
+            <a:r>
+              <a:t>‘Commiseration was frequently expressed by those who rode for those who had to pull the coach, especially when the vehicle came to a bad place in the road, as it was constantly doing, or to a particularly steep hill. At such times, the desperate straining of the team, their agonized leaping and plunging under the pitiless lashing of hunger, the many who fainted at the rope and were trampled in the mire, made a very distressing spectacle, which often called forth highly creditable displays of feeling on the top of the coach. </a:t>
+            </a:r>
+          </a:p>
+          <a:p>
+            <a:pPr marL="180472" indent="-180472" defTabSz="342900">
               <a:spcBef>
                 <a:spcPts val="900"/>
               </a:spcBef>
               <a:buSzPct val="100000"/>
-              <a:defRPr sz="1900">
-                <a:uFill>
-                  <a:solidFill>
-                    <a:srgbClr val="000000"/>
-                  </a:solidFill>
-                </a:uFill>
-                <a:latin typeface="Times New Roman"/>
-                <a:ea typeface="Times New Roman"/>
-                <a:cs typeface="Times New Roman"/>
-                <a:sym typeface="Times New Roman"/>
-              </a:defRPr>
-            </a:pPr>
-            <a:r>
-              <a:t>‘The strangest thing about the hallucination was that those who had but just climbed up from the ground, before they had outgrown the marks of the rope upon their hands, began to fall under its influence. As for those whose parents and grand-parents before them had been so fortunate as to keep their seats on the top, the conviction they cherished of the essential difference between their sort of humanity and the common article was absolute. The effect of such a delusion in moderating fellow feeling for the sufferings of the mass of men into a distant and philosophical compassion is obvious. </a:t>
-            </a:r>
-          </a:p>
-          <a:p>
-            <a:pPr marL="194910" indent="-194910" defTabSz="370331">
+              <a:defRPr sz="1800">
+                <a:uFill>
+                  <a:solidFill>
+                    <a:srgbClr val="000000"/>
+                  </a:solidFill>
+                </a:uFill>
+                <a:latin typeface="Times New Roman"/>
+                <a:ea typeface="Times New Roman"/>
+                <a:cs typeface="Times New Roman"/>
+                <a:sym typeface="Times New Roman"/>
+              </a:defRPr>
+            </a:pPr>
+            <a:r>
+              <a:t>‘At such times the passengers would call down encouragingly to the toilers of the rope, exhorting them to patience, and holding out hopes of possible compensation in another world for the hardness of their lot, while others contributed to buy salves and liniments for the crippled and injured. It was agreed that it was a great pity that the coach should be so hard to pull, and there was a sense of general relief when the specially bad piece of road was gotten over. This relief was not, indeed, wholly on account of the team, for there was always some danger at these bad places of a general overturn in which all would lose their seats. </a:t>
+            </a:r>
+          </a:p>
+          <a:p>
+            <a:pPr marL="180472" indent="-180472" defTabSz="342900">
               <a:spcBef>
                 <a:spcPts val="900"/>
               </a:spcBef>
               <a:buSzPct val="100000"/>
-              <a:defRPr sz="1900">
-                <a:uFill>
-                  <a:solidFill>
-                    <a:srgbClr val="000000"/>
-                  </a:solidFill>
-                </a:uFill>
-                <a:latin typeface="Times New Roman"/>
-                <a:ea typeface="Times New Roman"/>
-                <a:cs typeface="Times New Roman"/>
-                <a:sym typeface="Times New Roman"/>
-              </a:defRPr>
-            </a:pPr>
-            <a:r>
-              <a:t>‘To it I refer as the only extenuation I can offer for the indifference which, at the period I write of, marked my own attitude toward the misery of my brothers…</a:t>
+              <a:defRPr sz="1800">
+                <a:uFill>
+                  <a:solidFill>
+                    <a:srgbClr val="000000"/>
+                  </a:solidFill>
+                </a:uFill>
+                <a:latin typeface="Times New Roman"/>
+                <a:ea typeface="Times New Roman"/>
+                <a:cs typeface="Times New Roman"/>
+                <a:sym typeface="Times New Roman"/>
+              </a:defRPr>
+            </a:pPr>
+            <a:r>
+              <a:t>‘It must in truth be admitted that the main effect of the spectacle of the misery of the toilers at the rope was to enhance the passengers’ sense of the value of their seats upon the coach, and to cause them to hold on to them more desperately than before…</a:t>
             </a:r>
           </a:p>
         </p:txBody>
@@ -13058,7 +12894,7 @@
       </p:grpSpPr>
       <p:sp>
         <p:nvSpPr>
-          <p:cNvPr id="195" name="The Stagecoach of Society III"/>
+          <p:cNvPr id="196" name="The Stagecoach of Society II"/>
           <p:cNvSpPr txBox="1"/>
           <p:nvPr>
             <p:ph type="title" idx="4294967295"/>
@@ -13076,8 +12912,8 @@
         <p:txBody>
           <a:bodyPr lIns="45718" tIns="45718" rIns="45718" bIns="45718"/>
           <a:lstStyle>
-            <a:lvl1pPr defTabSz="365759">
-              <a:defRPr sz="4800">
+            <a:lvl1pPr defTabSz="374904">
+              <a:defRPr sz="4900">
                 <a:solidFill>
                   <a:srgbClr val="000080"/>
                 </a:solidFill>
@@ -13092,14 +12928,14 @@
           <a:p>
             <a:pPr/>
             <a:r>
-              <a:t>The Stagecoach of Society III</a:t>
+              <a:t>The Stagecoach of Society II</a:t>
             </a:r>
           </a:p>
         </p:txBody>
       </p:sp>
       <p:sp>
         <p:nvSpPr>
-          <p:cNvPr id="196" name="Class war:…"/>
+          <p:cNvPr id="197" name="“Finer clay”:…"/>
           <p:cNvSpPr txBox="1"/>
           <p:nvPr>
             <p:ph type="body" idx="4294967295"/>
@@ -13118,14 +12954,14 @@
           <a:bodyPr lIns="45718" tIns="45718" rIns="45718" bIns="45718" anchor="t"/>
           <a:lstStyle/>
           <a:p>
-            <a:pPr marL="0" indent="0" defTabSz="352042">
+            <a:pPr marL="0" indent="0" defTabSz="370331">
               <a:spcBef>
                 <a:spcPts val="900"/>
               </a:spcBef>
               <a:buSzTx/>
               <a:buFont typeface="Arial"/>
               <a:buNone/>
-              <a:defRPr b="1" sz="1800">
+              <a:defRPr b="1" sz="1900">
                 <a:uFill>
                   <a:solidFill>
                     <a:srgbClr val="000000"/>
@@ -13138,73 +12974,73 @@
               </a:defRPr>
             </a:pPr>
             <a:r>
-              <a:t>Class war:</a:t>
-            </a:r>
-          </a:p>
-          <a:p>
-            <a:pPr marL="185286" indent="-185286" defTabSz="352042">
+              <a:t>“Finer clay”:</a:t>
+            </a:r>
+          </a:p>
+          <a:p>
+            <a:pPr marL="194910" indent="-194910" defTabSz="370331">
               <a:spcBef>
                 <a:spcPts val="900"/>
               </a:spcBef>
               <a:buSzPct val="100000"/>
-              <a:defRPr sz="1800">
-                <a:uFill>
-                  <a:solidFill>
-                    <a:srgbClr val="000000"/>
-                  </a:solidFill>
-                </a:uFill>
-                <a:latin typeface="Times New Roman"/>
-                <a:ea typeface="Times New Roman"/>
-                <a:cs typeface="Times New Roman"/>
-                <a:sym typeface="Times New Roman"/>
-              </a:defRPr>
-            </a:pPr>
-            <a:r>
-              <a:t>‘The sanguine argued very forcibly that it was in the very nature of things impossible that the new hopes of the workingmen could be satisfied, simply because the world had not the wherewithal to satisfy them. It was only because the masses worked very hard and lived on short commons that the race did not starve outright, and no considerable improvement in their condition was possible while the world, as a whole, remained so poor. </a:t>
-            </a:r>
-          </a:p>
-          <a:p>
-            <a:pPr marL="185286" indent="-185286" defTabSz="352042">
+              <a:defRPr sz="1900">
+                <a:uFill>
+                  <a:solidFill>
+                    <a:srgbClr val="000000"/>
+                  </a:solidFill>
+                </a:uFill>
+                <a:latin typeface="Times New Roman"/>
+                <a:ea typeface="Times New Roman"/>
+                <a:cs typeface="Times New Roman"/>
+                <a:sym typeface="Times New Roman"/>
+              </a:defRPr>
+            </a:pPr>
+            <a:r>
+              <a:t>‘The other fact is yet more curious, consisting in a singular hallucination which those on the top of the coach generally shared, that they were not exactly like their brothers and sisters who pulled at the rope, but of finer clay, in some way belonging to a higher order of beings who might justly expect to be drawn. This seems unaccountable, but, as I once rode on this very coach and shared that very hallucination, I ought to be believed. </a:t>
+            </a:r>
+          </a:p>
+          <a:p>
+            <a:pPr marL="194910" indent="-194910" defTabSz="370331">
               <a:spcBef>
                 <a:spcPts val="900"/>
               </a:spcBef>
               <a:buSzPct val="100000"/>
-              <a:defRPr sz="1800">
-                <a:uFill>
-                  <a:solidFill>
-                    <a:srgbClr val="000000"/>
-                  </a:solidFill>
-                </a:uFill>
-                <a:latin typeface="Times New Roman"/>
-                <a:ea typeface="Times New Roman"/>
-                <a:cs typeface="Times New Roman"/>
-                <a:sym typeface="Times New Roman"/>
-              </a:defRPr>
-            </a:pPr>
-            <a:r>
-              <a:t>‘It was not the capitalists whom the laboring men were contending with, these maintained, but the iron-bound environment of humanity, and it was merely a question of the thickness of their skulls when they would discover the fact and make up their minds to endure what they could not cure. </a:t>
-            </a:r>
-          </a:p>
-          <a:p>
-            <a:pPr marL="185286" indent="-185286" defTabSz="352042">
+              <a:defRPr sz="1900">
+                <a:uFill>
+                  <a:solidFill>
+                    <a:srgbClr val="000000"/>
+                  </a:solidFill>
+                </a:uFill>
+                <a:latin typeface="Times New Roman"/>
+                <a:ea typeface="Times New Roman"/>
+                <a:cs typeface="Times New Roman"/>
+                <a:sym typeface="Times New Roman"/>
+              </a:defRPr>
+            </a:pPr>
+            <a:r>
+              <a:t>‘The strangest thing about the hallucination was that those who had but just climbed up from the ground, before they had outgrown the marks of the rope upon their hands, began to fall under its influence. As for those whose parents and grand-parents before them had been so fortunate as to keep their seats on the top, the conviction they cherished of the essential difference between their sort of humanity and the common article was absolute. The effect of such a delusion in moderating fellow feeling for the sufferings of the mass of men into a distant and philosophical compassion is obvious. </a:t>
+            </a:r>
+          </a:p>
+          <a:p>
+            <a:pPr marL="194910" indent="-194910" defTabSz="370331">
               <a:spcBef>
                 <a:spcPts val="900"/>
               </a:spcBef>
               <a:buSzPct val="100000"/>
-              <a:defRPr sz="1800">
-                <a:uFill>
-                  <a:solidFill>
-                    <a:srgbClr val="000000"/>
-                  </a:solidFill>
-                </a:uFill>
-                <a:latin typeface="Times New Roman"/>
-                <a:ea typeface="Times New Roman"/>
-                <a:cs typeface="Times New Roman"/>
-                <a:sym typeface="Times New Roman"/>
-              </a:defRPr>
-            </a:pPr>
-            <a:r>
-              <a:t>The less sanguine admitted all this. Of course the workingmen’s aspirations were impossible of fulfillment for natural reasons, but there were grounds to fear that they would not discover this fact until they had made a sad mess of society. They had the votes and the power to do so if they pleased, and their leaders meant they should. Some of these desponding observers went so far as to predict an impending social cataclysm. Humanity, they argued, having climbed to the top round of the ladder of civilization, was about to take a header into chaos…’</a:t>
+              <a:defRPr sz="1900">
+                <a:uFill>
+                  <a:solidFill>
+                    <a:srgbClr val="000000"/>
+                  </a:solidFill>
+                </a:uFill>
+                <a:latin typeface="Times New Roman"/>
+                <a:ea typeface="Times New Roman"/>
+                <a:cs typeface="Times New Roman"/>
+                <a:sym typeface="Times New Roman"/>
+              </a:defRPr>
+            </a:pPr>
+            <a:r>
+              <a:t>‘To it I refer as the only extenuation I can offer for the indifference which, at the period I write of, marked my own attitude toward the misery of my brothers…</a:t>
             </a:r>
           </a:p>
         </p:txBody>
@@ -13528,7 +13364,7 @@
       </p:grpSpPr>
       <p:sp>
         <p:nvSpPr>
-          <p:cNvPr id="198" name="The Limit of Human Felicity"/>
+          <p:cNvPr id="199" name="The Stagecoach of Society III"/>
           <p:cNvSpPr txBox="1"/>
           <p:nvPr>
             <p:ph type="title" idx="4294967295"/>
@@ -13546,8 +13382,8 @@
         <p:txBody>
           <a:bodyPr lIns="45718" tIns="45718" rIns="45718" bIns="45718"/>
           <a:lstStyle>
-            <a:lvl1pPr defTabSz="388620">
-              <a:defRPr sz="5100">
+            <a:lvl1pPr defTabSz="365759">
+              <a:defRPr sz="4800">
                 <a:solidFill>
                   <a:srgbClr val="000080"/>
                 </a:solidFill>
@@ -13562,14 +13398,14 @@
           <a:p>
             <a:pPr/>
             <a:r>
-              <a:t>The Limit of Human Felicity</a:t>
+              <a:t>The Stagecoach of Society III</a:t>
             </a:r>
           </a:p>
         </p:txBody>
       </p:sp>
       <p:sp>
         <p:nvSpPr>
-          <p:cNvPr id="199" name="Technological marvels of 2000: great cities, Amazon drop-shipments, music…"/>
+          <p:cNvPr id="200" name="Class war:…"/>
           <p:cNvSpPr txBox="1"/>
           <p:nvPr>
             <p:ph type="body" idx="4294967295"/>
@@ -13588,14 +13424,14 @@
           <a:bodyPr lIns="45718" tIns="45718" rIns="45718" bIns="45718" anchor="t"/>
           <a:lstStyle/>
           <a:p>
-            <a:pPr marL="0" indent="0" defTabSz="393191">
-              <a:spcBef>
-                <a:spcPts val="1000"/>
+            <a:pPr marL="0" indent="0" defTabSz="352042">
+              <a:spcBef>
+                <a:spcPts val="900"/>
               </a:spcBef>
               <a:buSzTx/>
               <a:buFont typeface="Arial"/>
               <a:buNone/>
-              <a:defRPr b="1" sz="2000">
+              <a:defRPr b="1" sz="1800">
                 <a:uFill>
                   <a:solidFill>
                     <a:srgbClr val="000000"/>
@@ -13608,117 +13444,73 @@
               </a:defRPr>
             </a:pPr>
             <a:r>
-              <a:t>Technological marvels of 2000: great cities, Amazon drop-shipments, music</a:t>
-            </a:r>
-          </a:p>
-          <a:p>
-            <a:pPr marL="206942" indent="-206942" defTabSz="393191">
-              <a:spcBef>
-                <a:spcPts val="1000"/>
-              </a:spcBef>
-              <a:buSzPct val="100000"/>
-              <a:defRPr sz="2000">
-                <a:uFill>
-                  <a:solidFill>
-                    <a:srgbClr val="000000"/>
-                  </a:solidFill>
-                </a:uFill>
-                <a:latin typeface="Times New Roman"/>
-                <a:ea typeface="Times New Roman"/>
-                <a:cs typeface="Times New Roman"/>
-                <a:sym typeface="Times New Roman"/>
-              </a:defRPr>
-            </a:pPr>
-            <a:r>
-              <a:t>Julian West expects Edith Leete to play the piano, but:</a:t>
-            </a:r>
-          </a:p>
-          <a:p>
-            <a:pPr marL="206942" indent="-206942" defTabSz="393191">
-              <a:spcBef>
-                <a:spcPts val="1000"/>
-              </a:spcBef>
-              <a:buSzPct val="100000"/>
-              <a:defRPr sz="2000">
-                <a:uFill>
-                  <a:solidFill>
-                    <a:srgbClr val="000000"/>
-                  </a:solidFill>
-                </a:uFill>
-                <a:latin typeface="Times New Roman"/>
-                <a:ea typeface="Times New Roman"/>
-                <a:cs typeface="Times New Roman"/>
-                <a:sym typeface="Times New Roman"/>
-              </a:defRPr>
-            </a:pPr>
-            <a:r>
-              <a:t>‘“Nothing would delight me so much as to listen to you,” I said. </a:t>
-            </a:r>
-          </a:p>
-          <a:p>
-            <a:pPr marL="206942" indent="-206942" defTabSz="393191">
-              <a:spcBef>
-                <a:spcPts val="1000"/>
-              </a:spcBef>
-              <a:buSzPct val="100000"/>
-              <a:defRPr sz="2000">
-                <a:uFill>
-                  <a:solidFill>
-                    <a:srgbClr val="000000"/>
-                  </a:solidFill>
-                </a:uFill>
-                <a:latin typeface="Times New Roman"/>
-                <a:ea typeface="Times New Roman"/>
-                <a:cs typeface="Times New Roman"/>
-                <a:sym typeface="Times New Roman"/>
-              </a:defRPr>
-            </a:pPr>
-            <a:r>
-              <a:t>‘“To me!” she exclaimed, laughing. “Did you think I was going to play or sing to you?” </a:t>
-            </a:r>
-          </a:p>
-          <a:p>
-            <a:pPr marL="206942" indent="-206942" defTabSz="393191">
-              <a:spcBef>
-                <a:spcPts val="1000"/>
-              </a:spcBef>
-              <a:buSzPct val="100000"/>
-              <a:defRPr sz="2000">
-                <a:uFill>
-                  <a:solidFill>
-                    <a:srgbClr val="000000"/>
-                  </a:solidFill>
-                </a:uFill>
-                <a:latin typeface="Times New Roman"/>
-                <a:ea typeface="Times New Roman"/>
-                <a:cs typeface="Times New Roman"/>
-                <a:sym typeface="Times New Roman"/>
-              </a:defRPr>
-            </a:pPr>
-            <a:r>
-              <a:t>‘“I hoped so, certainly,” I replied. </a:t>
-            </a:r>
-          </a:p>
-          <a:p>
-            <a:pPr marL="206942" indent="-206942" defTabSz="393191">
-              <a:spcBef>
-                <a:spcPts val="1000"/>
-              </a:spcBef>
-              <a:buSzPct val="100000"/>
-              <a:defRPr sz="2000">
-                <a:uFill>
-                  <a:solidFill>
-                    <a:srgbClr val="000000"/>
-                  </a:solidFill>
-                </a:uFill>
-                <a:latin typeface="Times New Roman"/>
-                <a:ea typeface="Times New Roman"/>
-                <a:cs typeface="Times New Roman"/>
-                <a:sym typeface="Times New Roman"/>
-              </a:defRPr>
-            </a:pPr>
-            <a:r>
-              <a:t>‘Seeing that I was a little abashed, she subdued her merriment and explained. “Of course, we all sing nowadays as a matter of course in the training of the voice, and some learn to play instruments for their private amusement; but the professional music is so much grander and more perfect than any performance of ours, and so easily com- manded when we wish to hear it, that we don’t think of calling our singing or playing music at all. All the really fine singers and players are in the musical service, and the rest of us hold our peace for the main part. But would you really like to hear some music?”…’ </a:t>
+              <a:t>Class war:</a:t>
+            </a:r>
+          </a:p>
+          <a:p>
+            <a:pPr marL="185286" indent="-185286" defTabSz="352042">
+              <a:spcBef>
+                <a:spcPts val="900"/>
+              </a:spcBef>
+              <a:buSzPct val="100000"/>
+              <a:defRPr sz="1800">
+                <a:uFill>
+                  <a:solidFill>
+                    <a:srgbClr val="000000"/>
+                  </a:solidFill>
+                </a:uFill>
+                <a:latin typeface="Times New Roman"/>
+                <a:ea typeface="Times New Roman"/>
+                <a:cs typeface="Times New Roman"/>
+                <a:sym typeface="Times New Roman"/>
+              </a:defRPr>
+            </a:pPr>
+            <a:r>
+              <a:t>‘The sanguine argued very forcibly that it was in the very nature of things impossible that the new hopes of the workingmen could be satisfied, simply because the world had not the wherewithal to satisfy them. It was only because the masses worked very hard and lived on short commons that the race did not starve outright, and no considerable improvement in their condition was possible while the world, as a whole, remained so poor. </a:t>
+            </a:r>
+          </a:p>
+          <a:p>
+            <a:pPr marL="185286" indent="-185286" defTabSz="352042">
+              <a:spcBef>
+                <a:spcPts val="900"/>
+              </a:spcBef>
+              <a:buSzPct val="100000"/>
+              <a:defRPr sz="1800">
+                <a:uFill>
+                  <a:solidFill>
+                    <a:srgbClr val="000000"/>
+                  </a:solidFill>
+                </a:uFill>
+                <a:latin typeface="Times New Roman"/>
+                <a:ea typeface="Times New Roman"/>
+                <a:cs typeface="Times New Roman"/>
+                <a:sym typeface="Times New Roman"/>
+              </a:defRPr>
+            </a:pPr>
+            <a:r>
+              <a:t>‘It was not the capitalists whom the laboring men were contending with, these maintained, but the iron-bound environment of humanity, and it was merely a question of the thickness of their skulls when they would discover the fact and make up their minds to endure what they could not cure. </a:t>
+            </a:r>
+          </a:p>
+          <a:p>
+            <a:pPr marL="185286" indent="-185286" defTabSz="352042">
+              <a:spcBef>
+                <a:spcPts val="900"/>
+              </a:spcBef>
+              <a:buSzPct val="100000"/>
+              <a:defRPr sz="1800">
+                <a:uFill>
+                  <a:solidFill>
+                    <a:srgbClr val="000000"/>
+                  </a:solidFill>
+                </a:uFill>
+                <a:latin typeface="Times New Roman"/>
+                <a:ea typeface="Times New Roman"/>
+                <a:cs typeface="Times New Roman"/>
+                <a:sym typeface="Times New Roman"/>
+              </a:defRPr>
+            </a:pPr>
+            <a:r>
+              <a:t>The less sanguine admitted all this. Of course the workingmen’s aspirations were impossible of fulfillment for natural reasons, but there were grounds to fear that they would not discover this fact until they had made a sad mess of society. They had the votes and the power to do so if they pleased, and their leaders meant they should. Some of these desponding observers went so far as to predict an impending social cataclysm. Humanity, they argued, having climbed to the top round of the ladder of civilization, was about to take a header into chaos…’</a:t>
             </a:r>
           </a:p>
         </p:txBody>
@@ -13751,7 +13543,7 @@
       </p:grpSpPr>
       <p:sp>
         <p:nvSpPr>
-          <p:cNvPr id="201" name="The Limit of Human Felicity II"/>
+          <p:cNvPr id="202" name="The Limit of Human Felicity"/>
           <p:cNvSpPr txBox="1"/>
           <p:nvPr>
             <p:ph type="title" idx="4294967295"/>
@@ -13769,8 +13561,8 @@
         <p:txBody>
           <a:bodyPr lIns="45718" tIns="45718" rIns="45718" bIns="45718"/>
           <a:lstStyle>
-            <a:lvl1pPr defTabSz="365759">
-              <a:defRPr sz="4800">
+            <a:lvl1pPr defTabSz="388620">
+              <a:defRPr sz="5100">
                 <a:solidFill>
                   <a:srgbClr val="000080"/>
                 </a:solidFill>
@@ -13785,14 +13577,14 @@
           <a:p>
             <a:pPr/>
             <a:r>
-              <a:t>The Limit of Human Felicity II</a:t>
+              <a:t>The Limit of Human Felicity</a:t>
             </a:r>
           </a:p>
         </p:txBody>
       </p:sp>
       <p:sp>
         <p:nvSpPr>
-          <p:cNvPr id="202" name="In the music room:…"/>
+          <p:cNvPr id="203" name="Technological marvels of 2000: great cities, Amazon drop-shipments, music…"/>
           <p:cNvSpPr txBox="1"/>
           <p:nvPr>
             <p:ph type="body" idx="4294967295"/>
@@ -13811,14 +13603,14 @@
           <a:bodyPr lIns="45718" tIns="45718" rIns="45718" bIns="45718" anchor="t"/>
           <a:lstStyle/>
           <a:p>
-            <a:pPr marL="0" indent="0" defTabSz="411479">
+            <a:pPr marL="0" indent="0" defTabSz="393191">
               <a:spcBef>
                 <a:spcPts val="1000"/>
               </a:spcBef>
               <a:buSzTx/>
               <a:buFont typeface="Arial"/>
               <a:buNone/>
-              <a:defRPr b="1" sz="2100">
+              <a:defRPr b="1" sz="2000">
                 <a:uFill>
                   <a:solidFill>
                     <a:srgbClr val="000000"/>
@@ -13831,73 +13623,117 @@
               </a:defRPr>
             </a:pPr>
             <a:r>
-              <a:t>In the music room:</a:t>
-            </a:r>
-          </a:p>
-          <a:p>
-            <a:pPr marL="216568" indent="-216568" defTabSz="411479">
+              <a:t>Technological marvels of 2000: great cities, Amazon drop-shipments, music</a:t>
+            </a:r>
+          </a:p>
+          <a:p>
+            <a:pPr marL="206942" indent="-206942" defTabSz="393191">
               <a:spcBef>
                 <a:spcPts val="1000"/>
               </a:spcBef>
               <a:buSzPct val="100000"/>
-              <a:defRPr sz="2100">
-                <a:uFill>
-                  <a:solidFill>
-                    <a:srgbClr val="000000"/>
-                  </a:solidFill>
-                </a:uFill>
-                <a:latin typeface="Times New Roman"/>
-                <a:ea typeface="Times New Roman"/>
-                <a:cs typeface="Times New Roman"/>
-                <a:sym typeface="Times New Roman"/>
-              </a:defRPr>
-            </a:pPr>
-            <a:r>
-              <a:t>‘She made me sit down comfortably, and, crossing the room, so far as I could see, merely touched one or two screws, and at once the room was filled with the music of a grand organ anthem; filled, not flooded, for, by some means, the volume of melody had been per- fectly graduated to the size of the apartment. I listened, scarcely breathing, to the close. Such music, so perfectly rendered, I had never expected to hear. </a:t>
-            </a:r>
-          </a:p>
-          <a:p>
-            <a:pPr marL="216568" indent="-216568" defTabSz="411479">
+              <a:defRPr sz="2000">
+                <a:uFill>
+                  <a:solidFill>
+                    <a:srgbClr val="000000"/>
+                  </a:solidFill>
+                </a:uFill>
+                <a:latin typeface="Times New Roman"/>
+                <a:ea typeface="Times New Roman"/>
+                <a:cs typeface="Times New Roman"/>
+                <a:sym typeface="Times New Roman"/>
+              </a:defRPr>
+            </a:pPr>
+            <a:r>
+              <a:t>Julian West expects Edith Leete to play the piano, but:</a:t>
+            </a:r>
+          </a:p>
+          <a:p>
+            <a:pPr marL="206942" indent="-206942" defTabSz="393191">
               <a:spcBef>
                 <a:spcPts val="1000"/>
               </a:spcBef>
               <a:buSzPct val="100000"/>
-              <a:defRPr sz="2100">
-                <a:uFill>
-                  <a:solidFill>
-                    <a:srgbClr val="000000"/>
-                  </a:solidFill>
-                </a:uFill>
-                <a:latin typeface="Times New Roman"/>
-                <a:ea typeface="Times New Roman"/>
-                <a:cs typeface="Times New Roman"/>
-                <a:sym typeface="Times New Roman"/>
-              </a:defRPr>
-            </a:pPr>
-            <a:r>
-              <a:t>‘“Grand!” I cried, as the last great wave of sound broke and ebbed away into silence. “Bach must be at the keys of that organ; but where is the organ?”…</a:t>
-            </a:r>
-          </a:p>
-          <a:p>
-            <a:pPr marL="216568" indent="-216568" defTabSz="411479">
+              <a:defRPr sz="2000">
+                <a:uFill>
+                  <a:solidFill>
+                    <a:srgbClr val="000000"/>
+                  </a:solidFill>
+                </a:uFill>
+                <a:latin typeface="Times New Roman"/>
+                <a:ea typeface="Times New Roman"/>
+                <a:cs typeface="Times New Roman"/>
+                <a:sym typeface="Times New Roman"/>
+              </a:defRPr>
+            </a:pPr>
+            <a:r>
+              <a:t>‘“Nothing would delight me so much as to listen to you,” I said. </a:t>
+            </a:r>
+          </a:p>
+          <a:p>
+            <a:pPr marL="206942" indent="-206942" defTabSz="393191">
               <a:spcBef>
                 <a:spcPts val="1000"/>
               </a:spcBef>
               <a:buSzPct val="100000"/>
-              <a:defRPr sz="2100">
-                <a:uFill>
-                  <a:solidFill>
-                    <a:srgbClr val="000000"/>
-                  </a:solidFill>
-                </a:uFill>
-                <a:latin typeface="Times New Roman"/>
-                <a:ea typeface="Times New Roman"/>
-                <a:cs typeface="Times New Roman"/>
-                <a:sym typeface="Times New Roman"/>
-              </a:defRPr>
-            </a:pPr>
-            <a:r>
-              <a:t>‘“There are a number of music rooms in the city, perfectly adapted acoustically to the different sorts of music. These halls are connected by telephone with all the houses of the city…. Any one of the four pieces now going on that you prefer, you can hear by merely pressing the button which will connect your house-wire with the hall where it is being rendered…”’</a:t>
+              <a:defRPr sz="2000">
+                <a:uFill>
+                  <a:solidFill>
+                    <a:srgbClr val="000000"/>
+                  </a:solidFill>
+                </a:uFill>
+                <a:latin typeface="Times New Roman"/>
+                <a:ea typeface="Times New Roman"/>
+                <a:cs typeface="Times New Roman"/>
+                <a:sym typeface="Times New Roman"/>
+              </a:defRPr>
+            </a:pPr>
+            <a:r>
+              <a:t>‘“To me!” she exclaimed, laughing. “Did you think I was going to play or sing to you?” </a:t>
+            </a:r>
+          </a:p>
+          <a:p>
+            <a:pPr marL="206942" indent="-206942" defTabSz="393191">
+              <a:spcBef>
+                <a:spcPts val="1000"/>
+              </a:spcBef>
+              <a:buSzPct val="100000"/>
+              <a:defRPr sz="2000">
+                <a:uFill>
+                  <a:solidFill>
+                    <a:srgbClr val="000000"/>
+                  </a:solidFill>
+                </a:uFill>
+                <a:latin typeface="Times New Roman"/>
+                <a:ea typeface="Times New Roman"/>
+                <a:cs typeface="Times New Roman"/>
+                <a:sym typeface="Times New Roman"/>
+              </a:defRPr>
+            </a:pPr>
+            <a:r>
+              <a:t>‘“I hoped so, certainly,” I replied. </a:t>
+            </a:r>
+          </a:p>
+          <a:p>
+            <a:pPr marL="206942" indent="-206942" defTabSz="393191">
+              <a:spcBef>
+                <a:spcPts val="1000"/>
+              </a:spcBef>
+              <a:buSzPct val="100000"/>
+              <a:defRPr sz="2000">
+                <a:uFill>
+                  <a:solidFill>
+                    <a:srgbClr val="000000"/>
+                  </a:solidFill>
+                </a:uFill>
+                <a:latin typeface="Times New Roman"/>
+                <a:ea typeface="Times New Roman"/>
+                <a:cs typeface="Times New Roman"/>
+                <a:sym typeface="Times New Roman"/>
+              </a:defRPr>
+            </a:pPr>
+            <a:r>
+              <a:t>‘Seeing that I was a little abashed, she subdued her merriment and explained. “Of course, we all sing nowadays as a matter of course in the training of the voice, and some learn to play instruments for their private amusement; but the professional music is so much grander and more perfect than any performance of ours, and so easily com- manded when we wish to hear it, that we don’t think of calling our singing or playing music at all. All the really fine singers and players are in the musical service, and the rest of us hold our peace for the main part. But would you really like to hear some music?”…’ </a:t>
             </a:r>
           </a:p>
         </p:txBody>
@@ -13930,7 +13766,7 @@
       </p:grpSpPr>
       <p:sp>
         <p:nvSpPr>
-          <p:cNvPr id="204" name="The Limit of Human Felicity III"/>
+          <p:cNvPr id="205" name="The Limit of Human Felicity II"/>
           <p:cNvSpPr txBox="1"/>
           <p:nvPr>
             <p:ph type="title" idx="4294967295"/>
@@ -13948,8 +13784,8 @@
         <p:txBody>
           <a:bodyPr lIns="45718" tIns="45718" rIns="45718" bIns="45718"/>
           <a:lstStyle>
-            <a:lvl1pPr defTabSz="356615">
-              <a:defRPr sz="4600">
+            <a:lvl1pPr defTabSz="365759">
+              <a:defRPr sz="4800">
                 <a:solidFill>
                   <a:srgbClr val="000080"/>
                 </a:solidFill>
@@ -13964,14 +13800,14 @@
           <a:p>
             <a:pPr/>
             <a:r>
-              <a:t>The Limit of Human Felicity III</a:t>
+              <a:t>The Limit of Human Felicity II</a:t>
             </a:r>
           </a:p>
         </p:txBody>
       </p:sp>
       <p:sp>
         <p:nvSpPr>
-          <p:cNvPr id="205" name="Four live orchestras you can listen to on the speakerphone!…"/>
+          <p:cNvPr id="206" name="In the music room:…"/>
           <p:cNvSpPr txBox="1"/>
           <p:nvPr>
             <p:ph type="body" idx="4294967295"/>
@@ -13990,14 +13826,14 @@
           <a:bodyPr lIns="45718" tIns="45718" rIns="45718" bIns="45718" anchor="t"/>
           <a:lstStyle/>
           <a:p>
-            <a:pPr marL="0" indent="0" defTabSz="457200">
-              <a:spcBef>
-                <a:spcPts val="1200"/>
+            <a:pPr marL="0" indent="0" defTabSz="411479">
+              <a:spcBef>
+                <a:spcPts val="1000"/>
               </a:spcBef>
               <a:buSzTx/>
               <a:buFont typeface="Arial"/>
               <a:buNone/>
-              <a:defRPr b="1">
+              <a:defRPr b="1" sz="2100">
                 <a:uFill>
                   <a:solidFill>
                     <a:srgbClr val="000000"/>
@@ -14010,29 +13846,73 @@
               </a:defRPr>
             </a:pPr>
             <a:r>
-              <a:t>Four live orchestras you can listen to on the speakerphone!</a:t>
-            </a:r>
-          </a:p>
-          <a:p>
-            <a:pPr marL="240631" indent="-240631" defTabSz="457200">
-              <a:spcBef>
-                <a:spcPts val="1200"/>
-              </a:spcBef>
-              <a:buSzPct val="100000"/>
-              <a:defRPr>
-                <a:uFill>
-                  <a:solidFill>
-                    <a:srgbClr val="000000"/>
-                  </a:solidFill>
-                </a:uFill>
-                <a:latin typeface="Times New Roman"/>
-                <a:ea typeface="Times New Roman"/>
-                <a:cs typeface="Times New Roman"/>
-                <a:sym typeface="Times New Roman"/>
-              </a:defRPr>
-            </a:pPr>
-            <a:r>
-              <a:t>‘“It appears to me, Miss Leete,” I said, “that if we could have devised an arrangement for providing everybody with music in their homes, perfect in quality, unlimited in quantity, suited to every mood, and beginning and ceasing at will, we should have considered the limit of human felicity already attained, and ceased to strive for further improvements…”’</a:t>
+              <a:t>In the music room:</a:t>
+            </a:r>
+          </a:p>
+          <a:p>
+            <a:pPr marL="216568" indent="-216568" defTabSz="411479">
+              <a:spcBef>
+                <a:spcPts val="1000"/>
+              </a:spcBef>
+              <a:buSzPct val="100000"/>
+              <a:defRPr sz="2100">
+                <a:uFill>
+                  <a:solidFill>
+                    <a:srgbClr val="000000"/>
+                  </a:solidFill>
+                </a:uFill>
+                <a:latin typeface="Times New Roman"/>
+                <a:ea typeface="Times New Roman"/>
+                <a:cs typeface="Times New Roman"/>
+                <a:sym typeface="Times New Roman"/>
+              </a:defRPr>
+            </a:pPr>
+            <a:r>
+              <a:t>‘She made me sit down comfortably, and, crossing the room, so far as I could see, merely touched one or two screws, and at once the room was filled with the music of a grand organ anthem; filled, not flooded, for, by some means, the volume of melody had been per- fectly graduated to the size of the apartment. I listened, scarcely breathing, to the close. Such music, so perfectly rendered, I had never expected to hear. </a:t>
+            </a:r>
+          </a:p>
+          <a:p>
+            <a:pPr marL="216568" indent="-216568" defTabSz="411479">
+              <a:spcBef>
+                <a:spcPts val="1000"/>
+              </a:spcBef>
+              <a:buSzPct val="100000"/>
+              <a:defRPr sz="2100">
+                <a:uFill>
+                  <a:solidFill>
+                    <a:srgbClr val="000000"/>
+                  </a:solidFill>
+                </a:uFill>
+                <a:latin typeface="Times New Roman"/>
+                <a:ea typeface="Times New Roman"/>
+                <a:cs typeface="Times New Roman"/>
+                <a:sym typeface="Times New Roman"/>
+              </a:defRPr>
+            </a:pPr>
+            <a:r>
+              <a:t>‘“Grand!” I cried, as the last great wave of sound broke and ebbed away into silence. “Bach must be at the keys of that organ; but where is the organ?”…</a:t>
+            </a:r>
+          </a:p>
+          <a:p>
+            <a:pPr marL="216568" indent="-216568" defTabSz="411479">
+              <a:spcBef>
+                <a:spcPts val="1000"/>
+              </a:spcBef>
+              <a:buSzPct val="100000"/>
+              <a:defRPr sz="2100">
+                <a:uFill>
+                  <a:solidFill>
+                    <a:srgbClr val="000000"/>
+                  </a:solidFill>
+                </a:uFill>
+                <a:latin typeface="Times New Roman"/>
+                <a:ea typeface="Times New Roman"/>
+                <a:cs typeface="Times New Roman"/>
+                <a:sym typeface="Times New Roman"/>
+              </a:defRPr>
+            </a:pPr>
+            <a:r>
+              <a:t>‘“There are a number of music rooms in the city, perfectly adapted acoustically to the different sorts of music. These halls are connected by telephone with all the houses of the city…. Any one of the four pieces now going on that you prefer, you can hear by merely pressing the button which will connect your house-wire with the hall where it is being rendered…”’</a:t>
             </a:r>
           </a:p>
         </p:txBody>
@@ -14065,7 +13945,7 @@
       </p:grpSpPr>
       <p:sp>
         <p:nvSpPr>
-          <p:cNvPr id="207" name="Feminism"/>
+          <p:cNvPr id="208" name="The Limit of Human Felicity III"/>
           <p:cNvSpPr txBox="1"/>
           <p:nvPr>
             <p:ph type="title" idx="4294967295"/>
@@ -14083,8 +13963,8 @@
         <p:txBody>
           <a:bodyPr lIns="45718" tIns="45718" rIns="45718" bIns="45718"/>
           <a:lstStyle>
-            <a:lvl1pPr defTabSz="457200">
-              <a:defRPr sz="6000">
+            <a:lvl1pPr defTabSz="356615">
+              <a:defRPr sz="4600">
                 <a:solidFill>
                   <a:srgbClr val="000080"/>
                 </a:solidFill>
@@ -14099,14 +13979,14 @@
           <a:p>
             <a:pPr/>
             <a:r>
-              <a:t>Feminism</a:t>
+              <a:t>The Limit of Human Felicity III</a:t>
             </a:r>
           </a:p>
         </p:txBody>
       </p:sp>
       <p:sp>
         <p:nvSpPr>
-          <p:cNvPr id="208" name="The elimination of housework—and of the servant class:…"/>
+          <p:cNvPr id="209" name="Four live orchestras you can listen to on the speakerphone!…"/>
           <p:cNvSpPr txBox="1"/>
           <p:nvPr>
             <p:ph type="body" idx="4294967295"/>
@@ -14125,14 +14005,14 @@
           <a:bodyPr lIns="45718" tIns="45718" rIns="45718" bIns="45718" anchor="t"/>
           <a:lstStyle/>
           <a:p>
-            <a:pPr marL="0" indent="0" defTabSz="452627">
-              <a:spcBef>
-                <a:spcPts val="1100"/>
+            <a:pPr marL="0" indent="0" defTabSz="457200">
+              <a:spcBef>
+                <a:spcPts val="1200"/>
               </a:spcBef>
               <a:buSzTx/>
               <a:buFont typeface="Arial"/>
               <a:buNone/>
-              <a:defRPr b="1" sz="2300">
+              <a:defRPr b="1">
                 <a:uFill>
                   <a:solidFill>
                     <a:srgbClr val="000000"/>
@@ -14145,73 +14025,29 @@
               </a:defRPr>
             </a:pPr>
             <a:r>
-              <a:t>The elimination of housework—and of the servant class:</a:t>
-            </a:r>
-          </a:p>
-          <a:p>
-            <a:pPr marL="238224" indent="-238224" defTabSz="452627">
-              <a:spcBef>
-                <a:spcPts val="1100"/>
-              </a:spcBef>
-              <a:buSzPct val="100000"/>
-              <a:defRPr sz="2300">
-                <a:uFill>
-                  <a:solidFill>
-                    <a:srgbClr val="000000"/>
-                  </a:solidFill>
-                </a:uFill>
-                <a:latin typeface="Times New Roman"/>
-                <a:ea typeface="Times New Roman"/>
-                <a:cs typeface="Times New Roman"/>
-                <a:sym typeface="Times New Roman"/>
-              </a:defRPr>
-            </a:pPr>
-            <a:r>
-              <a:t>‘“Who does your house-work, then?” I asked. </a:t>
-            </a:r>
-          </a:p>
-          <a:p>
-            <a:pPr marL="238224" indent="-238224" defTabSz="452627">
-              <a:spcBef>
-                <a:spcPts val="1100"/>
-              </a:spcBef>
-              <a:buSzPct val="100000"/>
-              <a:defRPr sz="2300">
-                <a:uFill>
-                  <a:solidFill>
-                    <a:srgbClr val="000000"/>
-                  </a:solidFill>
-                </a:uFill>
-                <a:latin typeface="Times New Roman"/>
-                <a:ea typeface="Times New Roman"/>
-                <a:cs typeface="Times New Roman"/>
-                <a:sym typeface="Times New Roman"/>
-              </a:defRPr>
-            </a:pPr>
-            <a:r>
-              <a:t>‘“There is none to do,” said Mrs. Leete.… “Our washing is all done at public laundries at exces- sively cheap rates, and our cooking at public kitchens. The making and repairing of all we wear are done outside in public shops. Elec- tricity,* of course, takes the place of all fires and lighting. We choose houses no larger than we need, and furnish them so as to involve the minimum of trouble to keep them in order. We have no use for domestic servants….</a:t>
-            </a:r>
-          </a:p>
-          <a:p>
-            <a:pPr marL="238224" indent="-238224" defTabSz="452627">
-              <a:spcBef>
-                <a:spcPts val="1100"/>
-              </a:spcBef>
-              <a:buSzPct val="100000"/>
-              <a:defRPr sz="2300">
-                <a:uFill>
-                  <a:solidFill>
-                    <a:srgbClr val="000000"/>
-                  </a:solidFill>
-                </a:uFill>
-                <a:latin typeface="Times New Roman"/>
-                <a:ea typeface="Times New Roman"/>
-                <a:cs typeface="Times New Roman"/>
-                <a:sym typeface="Times New Roman"/>
-              </a:defRPr>
-            </a:pPr>
-            <a:r>
-              <a:t>‘“What a paradise for womankind the world must be now!” I exclaimed. “In my day, even wealth and unlimited servants did not enfranchise their possessors from household cares, while the women of the merely well-to-do and poorer classes lived and died martyrs to them…”’</a:t>
+              <a:t>Four live orchestras you can listen to on the speakerphone!</a:t>
+            </a:r>
+          </a:p>
+          <a:p>
+            <a:pPr marL="240631" indent="-240631" defTabSz="457200">
+              <a:spcBef>
+                <a:spcPts val="1200"/>
+              </a:spcBef>
+              <a:buSzPct val="100000"/>
+              <a:defRPr>
+                <a:uFill>
+                  <a:solidFill>
+                    <a:srgbClr val="000000"/>
+                  </a:solidFill>
+                </a:uFill>
+                <a:latin typeface="Times New Roman"/>
+                <a:ea typeface="Times New Roman"/>
+                <a:cs typeface="Times New Roman"/>
+                <a:sym typeface="Times New Roman"/>
+              </a:defRPr>
+            </a:pPr>
+            <a:r>
+              <a:t>‘“It appears to me, Miss Leete,” I said, “that if we could have devised an arrangement for providing everybody with music in their homes, perfect in quality, unlimited in quantity, suited to every mood, and beginning and ceasing at will, we should have considered the limit of human felicity already attained, and ceased to strive for further improvements…”’</a:t>
             </a:r>
           </a:p>
         </p:txBody>
@@ -14244,7 +14080,7 @@
       </p:grpSpPr>
       <p:sp>
         <p:nvSpPr>
-          <p:cNvPr id="210" name="Preview: Next Time"/>
+          <p:cNvPr id="211" name="Feminism"/>
           <p:cNvSpPr txBox="1"/>
           <p:nvPr>
             <p:ph type="title" idx="4294967295"/>
@@ -14264,6 +14100,9 @@
           <a:lstStyle>
             <a:lvl1pPr defTabSz="457200">
               <a:defRPr sz="6000">
+                <a:solidFill>
+                  <a:srgbClr val="000080"/>
+                </a:solidFill>
                 <a:uFill>
                   <a:solidFill>
                     <a:srgbClr val="000000"/>
@@ -14275,14 +14114,14 @@
           <a:p>
             <a:pPr/>
             <a:r>
-              <a:t>Takeaways</a:t>
+              <a:t>Feminism</a:t>
             </a:r>
           </a:p>
         </p:txBody>
       </p:sp>
       <p:sp>
         <p:nvSpPr>
-          <p:cNvPr id="211" name="On to Chapter 3: Globalizing the World, 1870-1914 (&amp; Eichengreen, 1&amp;2):…"/>
+          <p:cNvPr id="212" name="The elimination of housework—and of the servant class:…"/>
           <p:cNvSpPr txBox="1"/>
           <p:nvPr>
             <p:ph type="body" idx="4294967295"/>
@@ -14301,14 +14140,14 @@
           <a:bodyPr lIns="45718" tIns="45718" rIns="45718" bIns="45718" anchor="t"/>
           <a:lstStyle/>
           <a:p>
-            <a:pPr marL="0" indent="0" defTabSz="429768">
-              <a:spcBef>
-                <a:spcPts val="0"/>
+            <a:pPr marL="0" indent="0" defTabSz="452627">
+              <a:spcBef>
+                <a:spcPts val="1100"/>
               </a:spcBef>
               <a:buSzTx/>
               <a:buFont typeface="Arial"/>
               <a:buNone/>
-              <a:defRPr b="1" sz="2200">
+              <a:defRPr b="1" sz="2300">
                 <a:uFill>
                   <a:solidFill>
                     <a:srgbClr val="000000"/>
@@ -14321,226 +14160,73 @@
               </a:defRPr>
             </a:pPr>
             <a:r>
-              <a:t>Chapters 3 &amp; 4: The Watershed: Globalization, and the Engine of Growth</a:t>
-            </a:r>
-          </a:p>
-          <a:p>
-            <a:pPr marL="0" indent="0" defTabSz="429768">
-              <a:spcBef>
-                <a:spcPts val="0"/>
-              </a:spcBef>
-              <a:buSzTx/>
-              <a:buFont typeface="Arial"/>
-              <a:buNone/>
-              <a:defRPr b="1" sz="2200">
-                <a:uFill>
-                  <a:solidFill>
-                    <a:srgbClr val="000000"/>
-                  </a:solidFill>
-                </a:uFill>
-                <a:latin typeface="+mn-lt"/>
-                <a:ea typeface="+mn-ea"/>
-                <a:cs typeface="+mn-cs"/>
-                <a:sym typeface="Helvetica"/>
-              </a:defRPr>
-            </a:pPr>
-          </a:p>
-          <a:p>
-            <a:pPr marL="226193" indent="-226193" defTabSz="429768">
-              <a:spcBef>
-                <a:spcPts val="0"/>
-              </a:spcBef>
-              <a:buSzPct val="100000"/>
-              <a:defRPr sz="1800">
-                <a:uFill>
-                  <a:solidFill>
-                    <a:srgbClr val="000000"/>
-                  </a:solidFill>
-                </a:uFill>
-                <a:latin typeface="Times New Roman"/>
-                <a:ea typeface="Times New Roman"/>
-                <a:cs typeface="Times New Roman"/>
-                <a:sym typeface="Times New Roman"/>
-              </a:defRPr>
-            </a:pPr>
-            <a:r>
-              <a:t>The Watershed: 1870 as the Inflection Point, After Which Things Start to Get Better—for Pretty Much Everyone</a:t>
-            </a:r>
-          </a:p>
-          <a:p>
-            <a:pPr lvl="1" marL="584332" indent="-226193" defTabSz="429768">
-              <a:spcBef>
-                <a:spcPts val="0"/>
-              </a:spcBef>
-              <a:buSzPct val="100000"/>
-              <a:defRPr sz="1800">
-                <a:uFill>
-                  <a:solidFill>
-                    <a:srgbClr val="000000"/>
-                  </a:solidFill>
-                </a:uFill>
-                <a:latin typeface="Times New Roman"/>
-                <a:ea typeface="Times New Roman"/>
-                <a:cs typeface="Times New Roman"/>
-                <a:sym typeface="Times New Roman"/>
-              </a:defRPr>
-            </a:pPr>
-            <a:r>
-              <a:t>h growth up from 0.8%/year to 2.3%/year</a:t>
-            </a:r>
-          </a:p>
-          <a:p>
-            <a:pPr marL="226193" indent="-226193" defTabSz="429768">
-              <a:spcBef>
-                <a:spcPts val="0"/>
-              </a:spcBef>
-              <a:buSzPct val="100000"/>
-              <a:defRPr sz="1800">
-                <a:uFill>
-                  <a:solidFill>
-                    <a:srgbClr val="000000"/>
-                  </a:solidFill>
-                </a:uFill>
-                <a:latin typeface="Times New Roman"/>
-                <a:ea typeface="Times New Roman"/>
-                <a:cs typeface="Times New Roman"/>
-                <a:sym typeface="Times New Roman"/>
-              </a:defRPr>
-            </a:pPr>
-            <a:r>
-              <a:t>3. Globalization</a:t>
-            </a:r>
-          </a:p>
-          <a:p>
-            <a:pPr lvl="1" marL="584332" indent="-226193" defTabSz="429768">
-              <a:spcBef>
-                <a:spcPts val="0"/>
-              </a:spcBef>
-              <a:buSzPct val="100000"/>
-              <a:defRPr sz="1800">
-                <a:uFill>
-                  <a:solidFill>
-                    <a:srgbClr val="000000"/>
-                  </a:solidFill>
-                </a:uFill>
-                <a:latin typeface="Times New Roman"/>
-                <a:ea typeface="Times New Roman"/>
-                <a:cs typeface="Times New Roman"/>
-                <a:sym typeface="Times New Roman"/>
-              </a:defRPr>
-            </a:pPr>
-            <a:r>
-              <a:t>Transportation: iron-hulled screw-propellered steamships plus railroads</a:t>
-            </a:r>
-          </a:p>
-          <a:p>
-            <a:pPr lvl="1" marL="584332" indent="-226193" defTabSz="429768">
-              <a:spcBef>
-                <a:spcPts val="0"/>
-              </a:spcBef>
-              <a:buSzPct val="100000"/>
-              <a:defRPr sz="1800">
-                <a:uFill>
-                  <a:solidFill>
-                    <a:srgbClr val="000000"/>
-                  </a:solidFill>
-                </a:uFill>
-                <a:latin typeface="Times New Roman"/>
-                <a:ea typeface="Times New Roman"/>
-                <a:cs typeface="Times New Roman"/>
-                <a:sym typeface="Times New Roman"/>
-              </a:defRPr>
-            </a:pPr>
-            <a:r>
-              <a:t>Trade in goods: every place on railroad or with a dock cheek-by-jowl with every other place</a:t>
-            </a:r>
-          </a:p>
-          <a:p>
-            <a:pPr lvl="1" marL="584332" indent="-226193" defTabSz="429768">
-              <a:spcBef>
-                <a:spcPts val="0"/>
-              </a:spcBef>
-              <a:buSzPct val="100000"/>
-              <a:defRPr sz="1800">
-                <a:uFill>
-                  <a:solidFill>
-                    <a:srgbClr val="000000"/>
-                  </a:solidFill>
-                </a:uFill>
-                <a:latin typeface="Times New Roman"/>
-                <a:ea typeface="Times New Roman"/>
-                <a:cs typeface="Times New Roman"/>
-                <a:sym typeface="Times New Roman"/>
-              </a:defRPr>
-            </a:pPr>
-            <a:r>
-              <a:t>Migration: 100 million people switch continents</a:t>
-            </a:r>
-          </a:p>
-          <a:p>
-            <a:pPr lvl="1" marL="584332" indent="-226193" defTabSz="429768">
-              <a:spcBef>
-                <a:spcPts val="0"/>
-              </a:spcBef>
-              <a:buSzPct val="100000"/>
-              <a:defRPr sz="1800">
-                <a:uFill>
-                  <a:solidFill>
-                    <a:srgbClr val="000000"/>
-                  </a:solidFill>
-                </a:uFill>
-                <a:latin typeface="Times New Roman"/>
-                <a:ea typeface="Times New Roman"/>
-                <a:cs typeface="Times New Roman"/>
-                <a:sym typeface="Times New Roman"/>
-              </a:defRPr>
-            </a:pPr>
-            <a:r>
-              <a:t>Communication: the telegraph—and the submarine telegraph</a:t>
-            </a:r>
-          </a:p>
-          <a:p>
-            <a:pPr lvl="1" marL="584332" indent="-226193" defTabSz="429768">
-              <a:spcBef>
-                <a:spcPts val="0"/>
-              </a:spcBef>
-              <a:buSzPct val="100000"/>
-              <a:defRPr sz="1800">
-                <a:uFill>
-                  <a:solidFill>
-                    <a:srgbClr val="000000"/>
-                  </a:solidFill>
-                </a:uFill>
-                <a:latin typeface="Times New Roman"/>
-                <a:ea typeface="Times New Roman"/>
-                <a:cs typeface="Times New Roman"/>
-                <a:sym typeface="Times New Roman"/>
-              </a:defRPr>
-            </a:pPr>
-            <a:r>
-              <a:t>Investment: western Europe financing global industry</a:t>
-            </a:r>
-          </a:p>
-          <a:p>
-            <a:pPr lvl="1" marL="584332" indent="-226193" defTabSz="429768">
-              <a:spcBef>
-                <a:spcPts val="0"/>
-              </a:spcBef>
-              <a:buSzPct val="100000"/>
-              <a:defRPr sz="1800">
-                <a:uFill>
-                  <a:solidFill>
-                    <a:srgbClr val="000000"/>
-                  </a:solidFill>
-                </a:uFill>
-                <a:latin typeface="Times New Roman"/>
-                <a:ea typeface="Times New Roman"/>
-                <a:cs typeface="Times New Roman"/>
-                <a:sym typeface="Times New Roman"/>
-              </a:defRPr>
-            </a:pPr>
-            <a:r>
-              <a:t>A world in some ways very modern, in other ways very old-style</a:t>
+              <a:t>The elimination of housework—and of the servant class:</a:t>
+            </a:r>
+          </a:p>
+          <a:p>
+            <a:pPr marL="238224" indent="-238224" defTabSz="452627">
+              <a:spcBef>
+                <a:spcPts val="1100"/>
+              </a:spcBef>
+              <a:buSzPct val="100000"/>
+              <a:defRPr sz="2300">
+                <a:uFill>
+                  <a:solidFill>
+                    <a:srgbClr val="000000"/>
+                  </a:solidFill>
+                </a:uFill>
+                <a:latin typeface="Times New Roman"/>
+                <a:ea typeface="Times New Roman"/>
+                <a:cs typeface="Times New Roman"/>
+                <a:sym typeface="Times New Roman"/>
+              </a:defRPr>
+            </a:pPr>
+            <a:r>
+              <a:t>‘“Who does your house-work, then?” I asked. </a:t>
+            </a:r>
+          </a:p>
+          <a:p>
+            <a:pPr marL="238224" indent="-238224" defTabSz="452627">
+              <a:spcBef>
+                <a:spcPts val="1100"/>
+              </a:spcBef>
+              <a:buSzPct val="100000"/>
+              <a:defRPr sz="2300">
+                <a:uFill>
+                  <a:solidFill>
+                    <a:srgbClr val="000000"/>
+                  </a:solidFill>
+                </a:uFill>
+                <a:latin typeface="Times New Roman"/>
+                <a:ea typeface="Times New Roman"/>
+                <a:cs typeface="Times New Roman"/>
+                <a:sym typeface="Times New Roman"/>
+              </a:defRPr>
+            </a:pPr>
+            <a:r>
+              <a:t>‘“There is none to do,” said Mrs. Leete.… “Our washing is all done at public laundries at exces- sively cheap rates, and our cooking at public kitchens. The making and repairing of all we wear are done outside in public shops. Elec- tricity,* of course, takes the place of all fires and lighting. We choose houses no larger than we need, and furnish them so as to involve the minimum of trouble to keep them in order. We have no use for domestic servants….</a:t>
+            </a:r>
+          </a:p>
+          <a:p>
+            <a:pPr marL="238224" indent="-238224" defTabSz="452627">
+              <a:spcBef>
+                <a:spcPts val="1100"/>
+              </a:spcBef>
+              <a:buSzPct val="100000"/>
+              <a:defRPr sz="2300">
+                <a:uFill>
+                  <a:solidFill>
+                    <a:srgbClr val="000000"/>
+                  </a:solidFill>
+                </a:uFill>
+                <a:latin typeface="Times New Roman"/>
+                <a:ea typeface="Times New Roman"/>
+                <a:cs typeface="Times New Roman"/>
+                <a:sym typeface="Times New Roman"/>
+              </a:defRPr>
+            </a:pPr>
+            <a:r>
+              <a:t>‘“What a paradise for womankind the world must be now!” I exclaimed. “In my day, even wealth and unlimited servants did not enfranchise their possessors from household cares, while the women of the merely well-to-do and poorer classes lived and died martyrs to them…”’</a:t>
             </a:r>
           </a:p>
         </p:txBody>
@@ -14573,7 +14259,7 @@
       </p:grpSpPr>
       <p:sp>
         <p:nvSpPr>
-          <p:cNvPr id="213" name="Preview: Next Time"/>
+          <p:cNvPr id="214" name="Preview: Next Time"/>
           <p:cNvSpPr txBox="1"/>
           <p:nvPr>
             <p:ph type="title" idx="4294967295"/>
@@ -14604,14 +14290,14 @@
           <a:p>
             <a:pPr/>
             <a:r>
-              <a:t>Takeaways II</a:t>
+              <a:t>Takeaways</a:t>
             </a:r>
           </a:p>
         </p:txBody>
       </p:sp>
       <p:sp>
         <p:nvSpPr>
-          <p:cNvPr id="214" name="On to Chapter 3: Globalizing the World, 1870-1914 (&amp; Eichengreen, 1&amp;2):…"/>
+          <p:cNvPr id="215" name="On to Chapter 3: Globalizing the World, 1870-1914 (&amp; Eichengreen, 1&amp;2):…"/>
           <p:cNvSpPr txBox="1"/>
           <p:nvPr>
             <p:ph type="body" idx="4294967295"/>
@@ -14737,7 +14423,7 @@
               </a:defRPr>
             </a:pPr>
             <a:r>
-              <a:t>4. The Engine of Growth</a:t>
+              <a:t>3. Globalization</a:t>
             </a:r>
           </a:p>
           <a:p>
@@ -14759,7 +14445,7 @@
               </a:defRPr>
             </a:pPr>
             <a:r>
-              <a:t>Value of useful-ideas index in 1800, 1870, 2020: 9, 16, 421</a:t>
+              <a:t>Transportation: iron-hulled screw-propellered steamships plus railroads</a:t>
             </a:r>
           </a:p>
           <a:p>
@@ -14781,7 +14467,7 @@
               </a:defRPr>
             </a:pPr>
             <a:r>
-              <a:t>The industrial research lab to routinize invention</a:t>
+              <a:t>Trade in goods: every place on railroad or with a dock cheek-by-jowl with every other place</a:t>
             </a:r>
           </a:p>
           <a:p>
@@ -14803,7 +14489,7 @@
               </a:defRPr>
             </a:pPr>
             <a:r>
-              <a:t>The modern corporation to routinize diffusion and deployment</a:t>
+              <a:t>Migration: 100 million people switch continents</a:t>
             </a:r>
           </a:p>
           <a:p>
@@ -14825,7 +14511,7 @@
               </a:defRPr>
             </a:pPr>
             <a:r>
-              <a:t>Plus general purpose technologies—machine tools, non-human power sources, &amp;c….</a:t>
+              <a:t>Communication: the telegraph—and the submarine telegraph</a:t>
             </a:r>
           </a:p>
           <a:p>
@@ -14847,7 +14533,7 @@
               </a:defRPr>
             </a:pPr>
             <a:r>
-              <a:t>Nicola Tesla: savant, but without proper support simply an idiot…</a:t>
+              <a:t>Investment: western Europe financing global industry</a:t>
             </a:r>
           </a:p>
           <a:p>
@@ -14869,29 +14555,7 @@
               </a:defRPr>
             </a:pPr>
             <a:r>
-              <a:t>Herbert Hoover: orphan on the make, and globalization (and imperialism!) made him…</a:t>
-            </a:r>
-          </a:p>
-          <a:p>
-            <a:pPr lvl="1" marL="584332" indent="-226193" defTabSz="429768">
-              <a:spcBef>
-                <a:spcPts val="0"/>
-              </a:spcBef>
-              <a:buSzPct val="100000"/>
-              <a:defRPr sz="1800">
-                <a:uFill>
-                  <a:solidFill>
-                    <a:srgbClr val="000000"/>
-                  </a:solidFill>
-                </a:uFill>
-                <a:latin typeface="Times New Roman"/>
-                <a:ea typeface="Times New Roman"/>
-                <a:cs typeface="Times New Roman"/>
-                <a:sym typeface="Times New Roman"/>
-              </a:defRPr>
-            </a:pPr>
-            <a:r>
-              <a:t>Leon Trotsky: in New York “a peek into the furnace where the fate of humanity is being forged…”</a:t>
+              <a:t>A world in some ways very modern, in other ways very old-style</a:t>
             </a:r>
           </a:p>
         </p:txBody>
@@ -14924,7 +14588,7 @@
       </p:grpSpPr>
       <p:sp>
         <p:nvSpPr>
-          <p:cNvPr id="216" name="Preview: Next Time"/>
+          <p:cNvPr id="217" name="Preview: Next Time"/>
           <p:cNvSpPr txBox="1"/>
           <p:nvPr>
             <p:ph type="title" idx="4294967295"/>
@@ -14955,14 +14619,14 @@
           <a:p>
             <a:pPr/>
             <a:r>
-              <a:t>Preview: Next Time</a:t>
+              <a:t>Takeaways II</a:t>
             </a:r>
           </a:p>
         </p:txBody>
       </p:sp>
       <p:sp>
         <p:nvSpPr>
-          <p:cNvPr id="217" name="On to Chapter 3: Globalizing the World, 1870-1914 (&amp; Eichengreen, 1&amp;2):…"/>
+          <p:cNvPr id="218" name="On to Chapter 3: Globalizing the World, 1870-1914 (&amp; Eichengreen, 1&amp;2):…"/>
           <p:cNvSpPr txBox="1"/>
           <p:nvPr>
             <p:ph type="body" idx="4294967295"/>
@@ -15001,7 +14665,7 @@
               </a:defRPr>
             </a:pPr>
             <a:r>
-              <a:t>On to Chapter 5: North Atlantic Political Economy, 1870-1914:</a:t>
+              <a:t>Chapters 3 &amp; 4: The Watershed: Globalization, and the Engine of Growth</a:t>
             </a:r>
           </a:p>
           <a:p>
@@ -15044,7 +14708,7 @@
               </a:defRPr>
             </a:pPr>
             <a:r>
-              <a:t>Stepping away from monarchy and aristocracy</a:t>
+              <a:t>The Watershed: 1870 as the Inflection Point, After Which Things Start to Get Better—for Pretty Much Everyone</a:t>
             </a:r>
           </a:p>
           <a:p>
@@ -15066,13 +14730,30 @@
               </a:defRPr>
             </a:pPr>
             <a:r>
-              <a:t>Fears of </a:t>
-            </a:r>
-            <a:r>
-              <a:rPr i="1"/>
-              <a:t>democracy</a:t>
-            </a:r>
-            <a:endParaRPr i="1"/>
+              <a:t>h growth up from 0.8%/year to 2.3%/year</a:t>
+            </a:r>
+          </a:p>
+          <a:p>
+            <a:pPr marL="226193" indent="-226193" defTabSz="429768">
+              <a:spcBef>
+                <a:spcPts val="0"/>
+              </a:spcBef>
+              <a:buSzPct val="100000"/>
+              <a:defRPr sz="1800">
+                <a:uFill>
+                  <a:solidFill>
+                    <a:srgbClr val="000000"/>
+                  </a:solidFill>
+                </a:uFill>
+                <a:latin typeface="Times New Roman"/>
+                <a:ea typeface="Times New Roman"/>
+                <a:cs typeface="Times New Roman"/>
+                <a:sym typeface="Times New Roman"/>
+              </a:defRPr>
+            </a:pPr>
+            <a:r>
+              <a:t>4. The Engine of Growth</a:t>
+            </a:r>
           </a:p>
           <a:p>
             <a:pPr lvl="1" marL="584332" indent="-226193" defTabSz="429768">
@@ -15093,7 +14774,7 @@
               </a:defRPr>
             </a:pPr>
             <a:r>
-              <a:t>Extending the franchise</a:t>
+              <a:t>Value of useful-ideas index in 1800, 1870, 2020: 9, 16, 421</a:t>
             </a:r>
           </a:p>
           <a:p>
@@ -15115,11 +14796,11 @@
               </a:defRPr>
             </a:pPr>
             <a:r>
-              <a:t>“Educating our masters”</a:t>
-            </a:r>
-          </a:p>
-          <a:p>
-            <a:pPr marL="226193" indent="-226193" defTabSz="429768">
+              <a:t>The industrial research lab to routinize invention</a:t>
+            </a:r>
+          </a:p>
+          <a:p>
+            <a:pPr lvl="1" marL="584332" indent="-226193" defTabSz="429768">
               <a:spcBef>
                 <a:spcPts val="0"/>
               </a:spcBef>
@@ -15137,7 +14818,7 @@
               </a:defRPr>
             </a:pPr>
             <a:r>
-              <a:t>Popular government and market economy</a:t>
+              <a:t>The modern corporation to routinize diffusion and deployment</a:t>
             </a:r>
           </a:p>
           <a:p>
@@ -15159,7 +14840,7 @@
               </a:defRPr>
             </a:pPr>
             <a:r>
-              <a:t>Market rights and spontaneous orders</a:t>
+              <a:t>Plus general purpose technologies—machine tools, non-human power sources, &amp;c….</a:t>
             </a:r>
           </a:p>
           <a:p>
@@ -15181,7 +14862,7 @@
               </a:defRPr>
             </a:pPr>
             <a:r>
-              <a:t>Spontaneous orders and politics</a:t>
+              <a:t>Nicola Tesla: savant, but without proper support simply an idiot…</a:t>
             </a:r>
           </a:p>
           <a:p>
@@ -15203,11 +14884,11 @@
               </a:defRPr>
             </a:pPr>
             <a:r>
-              <a:t>Karl Polanyi</a:t>
-            </a:r>
-          </a:p>
-          <a:p>
-            <a:pPr marL="226193" indent="-226193" defTabSz="429768">
+              <a:t>Herbert Hoover: orphan on the make, and globalization (and imperialism!) made him…</a:t>
+            </a:r>
+          </a:p>
+          <a:p>
+            <a:pPr lvl="1" marL="584332" indent="-226193" defTabSz="429768">
               <a:spcBef>
                 <a:spcPts val="0"/>
               </a:spcBef>
@@ -15225,183 +14906,7 @@
               </a:defRPr>
             </a:pPr>
             <a:r>
-              <a:t>Governing America in 1900</a:t>
-            </a:r>
-          </a:p>
-          <a:p>
-            <a:pPr lvl="1" marL="584332" indent="-226193" defTabSz="429768">
-              <a:spcBef>
-                <a:spcPts val="0"/>
-              </a:spcBef>
-              <a:buSzPct val="100000"/>
-              <a:defRPr sz="1800">
-                <a:uFill>
-                  <a:solidFill>
-                    <a:srgbClr val="000000"/>
-                  </a:solidFill>
-                </a:uFill>
-                <a:latin typeface="Times New Roman"/>
-                <a:ea typeface="Times New Roman"/>
-                <a:cs typeface="Times New Roman"/>
-                <a:sym typeface="Times New Roman"/>
-              </a:defRPr>
-            </a:pPr>
-            <a:r>
-              <a:t>The “aristocracy of manufactures”</a:t>
-            </a:r>
-          </a:p>
-          <a:p>
-            <a:pPr lvl="1" marL="584332" indent="-226193" defTabSz="429768">
-              <a:spcBef>
-                <a:spcPts val="0"/>
-              </a:spcBef>
-              <a:buSzPct val="100000"/>
-              <a:defRPr sz="1800">
-                <a:uFill>
-                  <a:solidFill>
-                    <a:srgbClr val="000000"/>
-                  </a:solidFill>
-                </a:uFill>
-                <a:latin typeface="Times New Roman"/>
-                <a:ea typeface="Times New Roman"/>
-                <a:cs typeface="Times New Roman"/>
-                <a:sym typeface="Times New Roman"/>
-              </a:defRPr>
-            </a:pPr>
-            <a:r>
-              <a:t>Populists and progressives</a:t>
-            </a:r>
-          </a:p>
-          <a:p>
-            <a:pPr lvl="1" marL="584332" indent="-226193" defTabSz="429768">
-              <a:spcBef>
-                <a:spcPts val="0"/>
-              </a:spcBef>
-              <a:buSzPct val="100000"/>
-              <a:defRPr sz="1800">
-                <a:uFill>
-                  <a:solidFill>
-                    <a:srgbClr val="000000"/>
-                  </a:solidFill>
-                </a:uFill>
-                <a:latin typeface="Times New Roman"/>
-                <a:ea typeface="Times New Roman"/>
-                <a:cs typeface="Times New Roman"/>
-                <a:sym typeface="Times New Roman"/>
-              </a:defRPr>
-            </a:pPr>
-            <a:r>
-              <a:t>Chicagoland</a:t>
-            </a:r>
-          </a:p>
-          <a:p>
-            <a:pPr marL="226193" indent="-226193" defTabSz="429768">
-              <a:spcBef>
-                <a:spcPts val="0"/>
-              </a:spcBef>
-              <a:buSzPct val="100000"/>
-              <a:defRPr sz="1800">
-                <a:uFill>
-                  <a:solidFill>
-                    <a:srgbClr val="000000"/>
-                  </a:solidFill>
-                </a:uFill>
-                <a:latin typeface="Times New Roman"/>
-                <a:ea typeface="Times New Roman"/>
-                <a:cs typeface="Times New Roman"/>
-                <a:sym typeface="Times New Roman"/>
-              </a:defRPr>
-            </a:pPr>
-            <a:r>
-              <a:t>Over in Europe</a:t>
-            </a:r>
-          </a:p>
-          <a:p>
-            <a:pPr lvl="1" marL="584332" indent="-226193" defTabSz="429768">
-              <a:spcBef>
-                <a:spcPts val="0"/>
-              </a:spcBef>
-              <a:buSzPct val="100000"/>
-              <a:defRPr sz="1800">
-                <a:uFill>
-                  <a:solidFill>
-                    <a:srgbClr val="000000"/>
-                  </a:solidFill>
-                </a:uFill>
-                <a:latin typeface="Times New Roman"/>
-                <a:ea typeface="Times New Roman"/>
-                <a:cs typeface="Times New Roman"/>
-                <a:sym typeface="Times New Roman"/>
-              </a:defRPr>
-            </a:pPr>
-            <a:r>
-              <a:t>Paris in 1848</a:t>
-            </a:r>
-          </a:p>
-          <a:p>
-            <a:pPr lvl="1" marL="584332" indent="-226193" defTabSz="429768">
-              <a:spcBef>
-                <a:spcPts val="0"/>
-              </a:spcBef>
-              <a:buSzPct val="100000"/>
-              <a:defRPr sz="1800">
-                <a:uFill>
-                  <a:solidFill>
-                    <a:srgbClr val="000000"/>
-                  </a:solidFill>
-                </a:uFill>
-                <a:latin typeface="Times New Roman"/>
-                <a:ea typeface="Times New Roman"/>
-                <a:cs typeface="Times New Roman"/>
-                <a:sym typeface="Times New Roman"/>
-              </a:defRPr>
-            </a:pPr>
-            <a:r>
-              <a:t>The shadow of the French Revolution</a:t>
-            </a:r>
-          </a:p>
-          <a:p>
-            <a:pPr lvl="1" marL="584332" indent="-226193" defTabSz="429768">
-              <a:spcBef>
-                <a:spcPts val="0"/>
-              </a:spcBef>
-              <a:buSzPct val="100000"/>
-              <a:defRPr sz="1800">
-                <a:uFill>
-                  <a:solidFill>
-                    <a:srgbClr val="000000"/>
-                  </a:solidFill>
-                </a:uFill>
-                <a:latin typeface="Times New Roman"/>
-                <a:ea typeface="Times New Roman"/>
-                <a:cs typeface="Times New Roman"/>
-                <a:sym typeface="Times New Roman"/>
-              </a:defRPr>
-            </a:pPr>
-            <a:r>
-              <a:t>European normal politics</a:t>
-            </a:r>
-          </a:p>
-          <a:p>
-            <a:pPr lvl="1" marL="584332" indent="-226193" defTabSz="429768">
-              <a:spcBef>
-                <a:spcPts val="0"/>
-              </a:spcBef>
-              <a:buSzPct val="100000"/>
-              <a:defRPr sz="1800">
-                <a:uFill>
-                  <a:solidFill>
-                    <a:srgbClr val="000000"/>
-                  </a:solidFill>
-                </a:uFill>
-                <a:latin typeface="Times New Roman"/>
-                <a:ea typeface="Times New Roman"/>
-                <a:cs typeface="Times New Roman"/>
-                <a:sym typeface="Times New Roman"/>
-              </a:defRPr>
-            </a:pPr>
-            <a:r>
-              <a:t>The rise of social darwinism…</a:t>
+              <a:t>Leon Trotsky: in New York “a peek into the furnace where the fate of humanity is being forged…”</a:t>
             </a:r>
           </a:p>
         </p:txBody>
@@ -15434,7 +14939,7 @@
       </p:grpSpPr>
       <p:sp>
         <p:nvSpPr>
-          <p:cNvPr id="219" name="What Was Unconvincing Today?"/>
+          <p:cNvPr id="220" name="Preview: Next Time"/>
           <p:cNvSpPr txBox="1"/>
           <p:nvPr>
             <p:ph type="title" idx="4294967295"/>
@@ -15452,8 +14957,8 @@
         <p:txBody>
           <a:bodyPr lIns="45718" tIns="45718" rIns="45718" bIns="45718"/>
           <a:lstStyle>
-            <a:lvl1pPr defTabSz="329184">
-              <a:defRPr sz="4300">
+            <a:lvl1pPr defTabSz="457200">
+              <a:defRPr sz="6000">
                 <a:uFill>
                   <a:solidFill>
                     <a:srgbClr val="000000"/>
@@ -15465,14 +14970,14 @@
           <a:p>
             <a:pPr/>
             <a:r>
-              <a:t>What Was Unconvincing Today?</a:t>
+              <a:t>Preview: Next Time</a:t>
             </a:r>
           </a:p>
         </p:txBody>
       </p:sp>
       <p:sp>
         <p:nvSpPr>
-          <p:cNvPr id="220" name="Mistakes and unclarities: typos, wordos, and mindos……"/>
+          <p:cNvPr id="221" name="On to Chapter 3: Globalizing the World, 1870-1914 (&amp; Eichengreen, 1&amp;2):…"/>
           <p:cNvSpPr txBox="1"/>
           <p:nvPr>
             <p:ph type="body" idx="4294967295"/>
@@ -15491,14 +14996,14 @@
           <a:bodyPr lIns="45718" tIns="45718" rIns="45718" bIns="45718" anchor="t"/>
           <a:lstStyle/>
           <a:p>
-            <a:pPr marL="0" indent="0" defTabSz="457200">
-              <a:spcBef>
-                <a:spcPts val="1200"/>
+            <a:pPr marL="0" indent="0" defTabSz="429768">
+              <a:spcBef>
+                <a:spcPts val="0"/>
               </a:spcBef>
               <a:buSzTx/>
               <a:buFont typeface="Arial"/>
               <a:buNone/>
-              <a:defRPr b="1">
+              <a:defRPr b="1" sz="2200">
                 <a:uFill>
                   <a:solidFill>
                     <a:srgbClr val="000000"/>
@@ -15511,51 +15016,407 @@
               </a:defRPr>
             </a:pPr>
             <a:r>
-              <a:t>Mistakes and unclarities: typos, wordos, and mindos…</a:t>
-            </a:r>
-          </a:p>
-          <a:p>
-            <a:pPr marL="240631" indent="-240631" defTabSz="457200">
-              <a:spcBef>
-                <a:spcPts val="1200"/>
-              </a:spcBef>
-              <a:buSzPct val="100000"/>
-              <a:defRPr>
-                <a:uFill>
-                  <a:solidFill>
-                    <a:srgbClr val="000000"/>
-                  </a:solidFill>
-                </a:uFill>
-                <a:latin typeface="Times New Roman"/>
-                <a:ea typeface="Times New Roman"/>
-                <a:cs typeface="Times New Roman"/>
-                <a:sym typeface="Times New Roman"/>
-              </a:defRPr>
-            </a:pPr>
-            <a:r>
-              <a:t>In the DRAFT textbook?</a:t>
-            </a:r>
-          </a:p>
-          <a:p>
-            <a:pPr marL="240631" indent="-240631" defTabSz="457200">
-              <a:spcBef>
-                <a:spcPts val="1200"/>
-              </a:spcBef>
-              <a:buSzPct val="100000"/>
-              <a:defRPr>
-                <a:uFill>
-                  <a:solidFill>
-                    <a:srgbClr val="000000"/>
-                  </a:solidFill>
-                </a:uFill>
-                <a:latin typeface="Times New Roman"/>
-                <a:ea typeface="Times New Roman"/>
-                <a:cs typeface="Times New Roman"/>
-                <a:sym typeface="Times New Roman"/>
-              </a:defRPr>
-            </a:pPr>
-            <a:r>
-              <a:t>In the lecture?</a:t>
+              <a:t>On to Chapter 5: North Atlantic Political Economy, 1870-1914:</a:t>
+            </a:r>
+          </a:p>
+          <a:p>
+            <a:pPr marL="0" indent="0" defTabSz="429768">
+              <a:spcBef>
+                <a:spcPts val="0"/>
+              </a:spcBef>
+              <a:buSzTx/>
+              <a:buFont typeface="Arial"/>
+              <a:buNone/>
+              <a:defRPr b="1" sz="2200">
+                <a:uFill>
+                  <a:solidFill>
+                    <a:srgbClr val="000000"/>
+                  </a:solidFill>
+                </a:uFill>
+                <a:latin typeface="+mn-lt"/>
+                <a:ea typeface="+mn-ea"/>
+                <a:cs typeface="+mn-cs"/>
+                <a:sym typeface="Helvetica"/>
+              </a:defRPr>
+            </a:pPr>
+          </a:p>
+          <a:p>
+            <a:pPr marL="226193" indent="-226193" defTabSz="429768">
+              <a:spcBef>
+                <a:spcPts val="0"/>
+              </a:spcBef>
+              <a:buSzPct val="100000"/>
+              <a:defRPr sz="1800">
+                <a:uFill>
+                  <a:solidFill>
+                    <a:srgbClr val="000000"/>
+                  </a:solidFill>
+                </a:uFill>
+                <a:latin typeface="Times New Roman"/>
+                <a:ea typeface="Times New Roman"/>
+                <a:cs typeface="Times New Roman"/>
+                <a:sym typeface="Times New Roman"/>
+              </a:defRPr>
+            </a:pPr>
+            <a:r>
+              <a:t>Stepping away from monarchy and aristocracy</a:t>
+            </a:r>
+          </a:p>
+          <a:p>
+            <a:pPr lvl="1" marL="584332" indent="-226193" defTabSz="429768">
+              <a:spcBef>
+                <a:spcPts val="0"/>
+              </a:spcBef>
+              <a:buSzPct val="100000"/>
+              <a:defRPr sz="1800">
+                <a:uFill>
+                  <a:solidFill>
+                    <a:srgbClr val="000000"/>
+                  </a:solidFill>
+                </a:uFill>
+                <a:latin typeface="Times New Roman"/>
+                <a:ea typeface="Times New Roman"/>
+                <a:cs typeface="Times New Roman"/>
+                <a:sym typeface="Times New Roman"/>
+              </a:defRPr>
+            </a:pPr>
+            <a:r>
+              <a:t>Fears of </a:t>
+            </a:r>
+            <a:r>
+              <a:rPr i="1"/>
+              <a:t>democracy</a:t>
+            </a:r>
+            <a:endParaRPr i="1"/>
+          </a:p>
+          <a:p>
+            <a:pPr lvl="1" marL="584332" indent="-226193" defTabSz="429768">
+              <a:spcBef>
+                <a:spcPts val="0"/>
+              </a:spcBef>
+              <a:buSzPct val="100000"/>
+              <a:defRPr sz="1800">
+                <a:uFill>
+                  <a:solidFill>
+                    <a:srgbClr val="000000"/>
+                  </a:solidFill>
+                </a:uFill>
+                <a:latin typeface="Times New Roman"/>
+                <a:ea typeface="Times New Roman"/>
+                <a:cs typeface="Times New Roman"/>
+                <a:sym typeface="Times New Roman"/>
+              </a:defRPr>
+            </a:pPr>
+            <a:r>
+              <a:t>Extending the franchise</a:t>
+            </a:r>
+          </a:p>
+          <a:p>
+            <a:pPr lvl="1" marL="584332" indent="-226193" defTabSz="429768">
+              <a:spcBef>
+                <a:spcPts val="0"/>
+              </a:spcBef>
+              <a:buSzPct val="100000"/>
+              <a:defRPr sz="1800">
+                <a:uFill>
+                  <a:solidFill>
+                    <a:srgbClr val="000000"/>
+                  </a:solidFill>
+                </a:uFill>
+                <a:latin typeface="Times New Roman"/>
+                <a:ea typeface="Times New Roman"/>
+                <a:cs typeface="Times New Roman"/>
+                <a:sym typeface="Times New Roman"/>
+              </a:defRPr>
+            </a:pPr>
+            <a:r>
+              <a:t>“Educating our masters”</a:t>
+            </a:r>
+          </a:p>
+          <a:p>
+            <a:pPr marL="226193" indent="-226193" defTabSz="429768">
+              <a:spcBef>
+                <a:spcPts val="0"/>
+              </a:spcBef>
+              <a:buSzPct val="100000"/>
+              <a:defRPr sz="1800">
+                <a:uFill>
+                  <a:solidFill>
+                    <a:srgbClr val="000000"/>
+                  </a:solidFill>
+                </a:uFill>
+                <a:latin typeface="Times New Roman"/>
+                <a:ea typeface="Times New Roman"/>
+                <a:cs typeface="Times New Roman"/>
+                <a:sym typeface="Times New Roman"/>
+              </a:defRPr>
+            </a:pPr>
+            <a:r>
+              <a:t>Popular government and market economy</a:t>
+            </a:r>
+          </a:p>
+          <a:p>
+            <a:pPr lvl="1" marL="584332" indent="-226193" defTabSz="429768">
+              <a:spcBef>
+                <a:spcPts val="0"/>
+              </a:spcBef>
+              <a:buSzPct val="100000"/>
+              <a:defRPr sz="1800">
+                <a:uFill>
+                  <a:solidFill>
+                    <a:srgbClr val="000000"/>
+                  </a:solidFill>
+                </a:uFill>
+                <a:latin typeface="Times New Roman"/>
+                <a:ea typeface="Times New Roman"/>
+                <a:cs typeface="Times New Roman"/>
+                <a:sym typeface="Times New Roman"/>
+              </a:defRPr>
+            </a:pPr>
+            <a:r>
+              <a:t>Market rights and spontaneous orders</a:t>
+            </a:r>
+          </a:p>
+          <a:p>
+            <a:pPr lvl="1" marL="584332" indent="-226193" defTabSz="429768">
+              <a:spcBef>
+                <a:spcPts val="0"/>
+              </a:spcBef>
+              <a:buSzPct val="100000"/>
+              <a:defRPr sz="1800">
+                <a:uFill>
+                  <a:solidFill>
+                    <a:srgbClr val="000000"/>
+                  </a:solidFill>
+                </a:uFill>
+                <a:latin typeface="Times New Roman"/>
+                <a:ea typeface="Times New Roman"/>
+                <a:cs typeface="Times New Roman"/>
+                <a:sym typeface="Times New Roman"/>
+              </a:defRPr>
+            </a:pPr>
+            <a:r>
+              <a:t>Spontaneous orders and politics</a:t>
+            </a:r>
+          </a:p>
+          <a:p>
+            <a:pPr lvl="1" marL="584332" indent="-226193" defTabSz="429768">
+              <a:spcBef>
+                <a:spcPts val="0"/>
+              </a:spcBef>
+              <a:buSzPct val="100000"/>
+              <a:defRPr sz="1800">
+                <a:uFill>
+                  <a:solidFill>
+                    <a:srgbClr val="000000"/>
+                  </a:solidFill>
+                </a:uFill>
+                <a:latin typeface="Times New Roman"/>
+                <a:ea typeface="Times New Roman"/>
+                <a:cs typeface="Times New Roman"/>
+                <a:sym typeface="Times New Roman"/>
+              </a:defRPr>
+            </a:pPr>
+            <a:r>
+              <a:t>Karl Polanyi</a:t>
+            </a:r>
+          </a:p>
+          <a:p>
+            <a:pPr marL="226193" indent="-226193" defTabSz="429768">
+              <a:spcBef>
+                <a:spcPts val="0"/>
+              </a:spcBef>
+              <a:buSzPct val="100000"/>
+              <a:defRPr sz="1800">
+                <a:uFill>
+                  <a:solidFill>
+                    <a:srgbClr val="000000"/>
+                  </a:solidFill>
+                </a:uFill>
+                <a:latin typeface="Times New Roman"/>
+                <a:ea typeface="Times New Roman"/>
+                <a:cs typeface="Times New Roman"/>
+                <a:sym typeface="Times New Roman"/>
+              </a:defRPr>
+            </a:pPr>
+            <a:r>
+              <a:t>Governing America in 1900</a:t>
+            </a:r>
+          </a:p>
+          <a:p>
+            <a:pPr lvl="1" marL="584332" indent="-226193" defTabSz="429768">
+              <a:spcBef>
+                <a:spcPts val="0"/>
+              </a:spcBef>
+              <a:buSzPct val="100000"/>
+              <a:defRPr sz="1800">
+                <a:uFill>
+                  <a:solidFill>
+                    <a:srgbClr val="000000"/>
+                  </a:solidFill>
+                </a:uFill>
+                <a:latin typeface="Times New Roman"/>
+                <a:ea typeface="Times New Roman"/>
+                <a:cs typeface="Times New Roman"/>
+                <a:sym typeface="Times New Roman"/>
+              </a:defRPr>
+            </a:pPr>
+            <a:r>
+              <a:t>The “aristocracy of manufactures”</a:t>
+            </a:r>
+          </a:p>
+          <a:p>
+            <a:pPr lvl="1" marL="584332" indent="-226193" defTabSz="429768">
+              <a:spcBef>
+                <a:spcPts val="0"/>
+              </a:spcBef>
+              <a:buSzPct val="100000"/>
+              <a:defRPr sz="1800">
+                <a:uFill>
+                  <a:solidFill>
+                    <a:srgbClr val="000000"/>
+                  </a:solidFill>
+                </a:uFill>
+                <a:latin typeface="Times New Roman"/>
+                <a:ea typeface="Times New Roman"/>
+                <a:cs typeface="Times New Roman"/>
+                <a:sym typeface="Times New Roman"/>
+              </a:defRPr>
+            </a:pPr>
+            <a:r>
+              <a:t>Populists and progressives</a:t>
+            </a:r>
+          </a:p>
+          <a:p>
+            <a:pPr lvl="1" marL="584332" indent="-226193" defTabSz="429768">
+              <a:spcBef>
+                <a:spcPts val="0"/>
+              </a:spcBef>
+              <a:buSzPct val="100000"/>
+              <a:defRPr sz="1800">
+                <a:uFill>
+                  <a:solidFill>
+                    <a:srgbClr val="000000"/>
+                  </a:solidFill>
+                </a:uFill>
+                <a:latin typeface="Times New Roman"/>
+                <a:ea typeface="Times New Roman"/>
+                <a:cs typeface="Times New Roman"/>
+                <a:sym typeface="Times New Roman"/>
+              </a:defRPr>
+            </a:pPr>
+            <a:r>
+              <a:t>Chicagoland</a:t>
+            </a:r>
+          </a:p>
+          <a:p>
+            <a:pPr marL="226193" indent="-226193" defTabSz="429768">
+              <a:spcBef>
+                <a:spcPts val="0"/>
+              </a:spcBef>
+              <a:buSzPct val="100000"/>
+              <a:defRPr sz="1800">
+                <a:uFill>
+                  <a:solidFill>
+                    <a:srgbClr val="000000"/>
+                  </a:solidFill>
+                </a:uFill>
+                <a:latin typeface="Times New Roman"/>
+                <a:ea typeface="Times New Roman"/>
+                <a:cs typeface="Times New Roman"/>
+                <a:sym typeface="Times New Roman"/>
+              </a:defRPr>
+            </a:pPr>
+            <a:r>
+              <a:t>Over in Europe</a:t>
+            </a:r>
+          </a:p>
+          <a:p>
+            <a:pPr lvl="1" marL="584332" indent="-226193" defTabSz="429768">
+              <a:spcBef>
+                <a:spcPts val="0"/>
+              </a:spcBef>
+              <a:buSzPct val="100000"/>
+              <a:defRPr sz="1800">
+                <a:uFill>
+                  <a:solidFill>
+                    <a:srgbClr val="000000"/>
+                  </a:solidFill>
+                </a:uFill>
+                <a:latin typeface="Times New Roman"/>
+                <a:ea typeface="Times New Roman"/>
+                <a:cs typeface="Times New Roman"/>
+                <a:sym typeface="Times New Roman"/>
+              </a:defRPr>
+            </a:pPr>
+            <a:r>
+              <a:t>Paris in 1848</a:t>
+            </a:r>
+          </a:p>
+          <a:p>
+            <a:pPr lvl="1" marL="584332" indent="-226193" defTabSz="429768">
+              <a:spcBef>
+                <a:spcPts val="0"/>
+              </a:spcBef>
+              <a:buSzPct val="100000"/>
+              <a:defRPr sz="1800">
+                <a:uFill>
+                  <a:solidFill>
+                    <a:srgbClr val="000000"/>
+                  </a:solidFill>
+                </a:uFill>
+                <a:latin typeface="Times New Roman"/>
+                <a:ea typeface="Times New Roman"/>
+                <a:cs typeface="Times New Roman"/>
+                <a:sym typeface="Times New Roman"/>
+              </a:defRPr>
+            </a:pPr>
+            <a:r>
+              <a:t>The shadow of the French Revolution</a:t>
+            </a:r>
+          </a:p>
+          <a:p>
+            <a:pPr lvl="1" marL="584332" indent="-226193" defTabSz="429768">
+              <a:spcBef>
+                <a:spcPts val="0"/>
+              </a:spcBef>
+              <a:buSzPct val="100000"/>
+              <a:defRPr sz="1800">
+                <a:uFill>
+                  <a:solidFill>
+                    <a:srgbClr val="000000"/>
+                  </a:solidFill>
+                </a:uFill>
+                <a:latin typeface="Times New Roman"/>
+                <a:ea typeface="Times New Roman"/>
+                <a:cs typeface="Times New Roman"/>
+                <a:sym typeface="Times New Roman"/>
+              </a:defRPr>
+            </a:pPr>
+            <a:r>
+              <a:t>European normal politics</a:t>
+            </a:r>
+          </a:p>
+          <a:p>
+            <a:pPr lvl="1" marL="584332" indent="-226193" defTabSz="429768">
+              <a:spcBef>
+                <a:spcPts val="0"/>
+              </a:spcBef>
+              <a:buSzPct val="100000"/>
+              <a:defRPr sz="1800">
+                <a:uFill>
+                  <a:solidFill>
+                    <a:srgbClr val="000000"/>
+                  </a:solidFill>
+                </a:uFill>
+                <a:latin typeface="Times New Roman"/>
+                <a:ea typeface="Times New Roman"/>
+                <a:cs typeface="Times New Roman"/>
+                <a:sym typeface="Times New Roman"/>
+              </a:defRPr>
+            </a:pPr>
+            <a:r>
+              <a:t>The rise of social darwinism…</a:t>
             </a:r>
           </a:p>
         </p:txBody>
@@ -15588,113 +15449,132 @@
       </p:grpSpPr>
       <p:sp>
         <p:nvSpPr>
-          <p:cNvPr id="222" name="Catch Our Breath…"/>
+          <p:cNvPr id="223" name="What Was Unconvincing Today?"/>
           <p:cNvSpPr txBox="1"/>
           <p:nvPr>
-            <p:ph type="title"/>
+            <p:ph type="title" idx="4294967295"/>
           </p:nvPr>
         </p:nvSpPr>
         <p:spPr>
           <a:xfrm>
-            <a:off x="276457" y="-2"/>
-            <a:ext cx="8572501" cy="1270003"/>
+            <a:off x="277663" y="-2"/>
+            <a:ext cx="8572501" cy="1267126"/>
           </a:xfrm>
           <a:prstGeom prst="rect">
             <a:avLst/>
           </a:prstGeom>
         </p:spPr>
         <p:txBody>
-          <a:bodyPr/>
-          <a:lstStyle/>
+          <a:bodyPr lIns="45718" tIns="45718" rIns="45718" bIns="45718"/>
+          <a:lstStyle>
+            <a:lvl1pPr defTabSz="329184">
+              <a:defRPr sz="4300">
+                <a:uFill>
+                  <a:solidFill>
+                    <a:srgbClr val="000000"/>
+                  </a:solidFill>
+                </a:uFill>
+              </a:defRPr>
+            </a:lvl1pPr>
+          </a:lstStyle>
           <a:p>
             <a:pPr/>
             <a:r>
-              <a:t>Catch Our Breath…</a:t>
+              <a:t>What Was Unconvincing Today?</a:t>
             </a:r>
           </a:p>
         </p:txBody>
       </p:sp>
       <p:sp>
         <p:nvSpPr>
-          <p:cNvPr id="223" name="Ask a couple of questions?…"/>
+          <p:cNvPr id="224" name="Mistakes and unclarities: typos, wordos, and mindos……"/>
           <p:cNvSpPr txBox="1"/>
           <p:nvPr>
-            <p:ph type="body" sz="half" idx="1"/>
+            <p:ph type="body" idx="4294967295"/>
           </p:nvPr>
         </p:nvSpPr>
         <p:spPr>
           <a:xfrm>
-            <a:off x="276456" y="1270000"/>
-            <a:ext cx="3810003" cy="4762500"/>
+            <a:off x="277663" y="1267121"/>
+            <a:ext cx="8572501" cy="5397503"/>
           </a:xfrm>
           <a:prstGeom prst="rect">
             <a:avLst/>
           </a:prstGeom>
         </p:spPr>
         <p:txBody>
-          <a:bodyPr anchor="t"/>
+          <a:bodyPr lIns="45718" tIns="45718" rIns="45718" bIns="45718" anchor="t"/>
           <a:lstStyle/>
           <a:p>
-            <a:pPr>
+            <a:pPr marL="0" indent="0" defTabSz="457200">
               <a:spcBef>
                 <a:spcPts val="1200"/>
               </a:spcBef>
-            </a:pPr>
-            <a:r>
-              <a:t>Ask a couple of questions? </a:t>
-            </a:r>
-          </a:p>
-          <a:p>
-            <a:pPr>
+              <a:buSzTx/>
+              <a:buFont typeface="Arial"/>
+              <a:buNone/>
+              <a:defRPr b="1">
+                <a:uFill>
+                  <a:solidFill>
+                    <a:srgbClr val="000000"/>
+                  </a:solidFill>
+                </a:uFill>
+                <a:latin typeface="+mn-lt"/>
+                <a:ea typeface="+mn-ea"/>
+                <a:cs typeface="+mn-cs"/>
+                <a:sym typeface="Helvetica"/>
+              </a:defRPr>
+            </a:pPr>
+            <a:r>
+              <a:t>Mistakes and unclarities: typos, wordos, and mindos…</a:t>
+            </a:r>
+          </a:p>
+          <a:p>
+            <a:pPr marL="240631" indent="-240631" defTabSz="457200">
               <a:spcBef>
                 <a:spcPts val="1200"/>
               </a:spcBef>
-            </a:pPr>
-            <a:r>
-              <a:t>Make a couple of comments?</a:t>
-            </a:r>
-          </a:p>
-          <a:p>
-            <a:pPr>
+              <a:buSzPct val="100000"/>
+              <a:defRPr>
+                <a:uFill>
+                  <a:solidFill>
+                    <a:srgbClr val="000000"/>
+                  </a:solidFill>
+                </a:uFill>
+                <a:latin typeface="Times New Roman"/>
+                <a:ea typeface="Times New Roman"/>
+                <a:cs typeface="Times New Roman"/>
+                <a:sym typeface="Times New Roman"/>
+              </a:defRPr>
+            </a:pPr>
+            <a:r>
+              <a:t>In the DRAFT textbook?</a:t>
+            </a:r>
+          </a:p>
+          <a:p>
+            <a:pPr marL="240631" indent="-240631" defTabSz="457200">
               <a:spcBef>
                 <a:spcPts val="1200"/>
               </a:spcBef>
-            </a:pPr>
-            <a:r>
-              <a:t>Any more readings to recommend?</a:t>
+              <a:buSzPct val="100000"/>
+              <a:defRPr>
+                <a:uFill>
+                  <a:solidFill>
+                    <a:srgbClr val="000000"/>
+                  </a:solidFill>
+                </a:uFill>
+                <a:latin typeface="Times New Roman"/>
+                <a:ea typeface="Times New Roman"/>
+                <a:cs typeface="Times New Roman"/>
+                <a:sym typeface="Times New Roman"/>
+              </a:defRPr>
+            </a:pPr>
+            <a:r>
+              <a:t>In the lecture?</a:t>
             </a:r>
           </a:p>
         </p:txBody>
       </p:sp>
-      <p:pic>
-        <p:nvPicPr>
-          <p:cNvPr id="224" name="Image" descr="Image"/>
-          <p:cNvPicPr>
-            <a:picLocks noChangeAspect="1"/>
-          </p:cNvPicPr>
-          <p:nvPr/>
-        </p:nvPicPr>
-        <p:blipFill>
-          <a:blip r:embed="rId2">
-            <a:extLst/>
-          </a:blip>
-          <a:stretch>
-            <a:fillRect/>
-          </a:stretch>
-        </p:blipFill>
-        <p:spPr>
-          <a:xfrm>
-            <a:off x="4086457" y="1270000"/>
-            <a:ext cx="4762502" cy="4762500"/>
-          </a:xfrm>
-          <a:prstGeom prst="rect">
-            <a:avLst/>
-          </a:prstGeom>
-          <a:ln w="12700">
-            <a:miter lim="400000"/>
-          </a:ln>
-        </p:spPr>
-      </p:pic>
     </p:spTree>
   </p:cSld>
   <p:clrMapOvr>
@@ -15723,286 +15603,113 @@
       </p:grpSpPr>
       <p:sp>
         <p:nvSpPr>
-          <p:cNvPr id="226" name="2. The View from 3000: Themes &amp; Big Ideas"/>
+          <p:cNvPr id="226" name="Catch Our Breath…"/>
           <p:cNvSpPr txBox="1"/>
           <p:nvPr>
-            <p:ph type="title" idx="4294967295"/>
+            <p:ph type="title"/>
           </p:nvPr>
         </p:nvSpPr>
         <p:spPr>
           <a:xfrm>
-            <a:off x="277663" y="-2"/>
-            <a:ext cx="8572501" cy="1267126"/>
+            <a:off x="276457" y="-2"/>
+            <a:ext cx="8572501" cy="1270003"/>
           </a:xfrm>
           <a:prstGeom prst="rect">
             <a:avLst/>
           </a:prstGeom>
         </p:spPr>
         <p:txBody>
-          <a:bodyPr lIns="45718" tIns="45718" rIns="45718" bIns="45718"/>
-          <a:lstStyle>
-            <a:lvl1pPr defTabSz="288036">
-              <a:defRPr sz="3700">
-                <a:uFill>
-                  <a:solidFill>
-                    <a:srgbClr val="000000"/>
-                  </a:solidFill>
-                </a:uFill>
-              </a:defRPr>
-            </a:lvl1pPr>
-          </a:lstStyle>
+          <a:bodyPr/>
+          <a:lstStyle/>
           <a:p>
             <a:pPr/>
             <a:r>
-              <a:t>The View from 3000: Themes &amp; Big Ideas</a:t>
+              <a:t>Catch Our Breath…</a:t>
             </a:r>
           </a:p>
         </p:txBody>
       </p:sp>
       <p:sp>
         <p:nvSpPr>
-          <p:cNvPr id="227" name="Science reaches critical mass and from it springs engineering—all of the engineering subdisciplines, including the management of human resources and of organizations. From a liberal political order spring national and then the global market economy. And from engineering and the market then, over the course of 1870-2016, spring……"/>
+          <p:cNvPr id="227" name="Ask a couple of questions?…"/>
           <p:cNvSpPr txBox="1"/>
           <p:nvPr>
-            <p:ph type="body" idx="4294967295"/>
+            <p:ph type="body" sz="half" idx="1"/>
           </p:nvPr>
         </p:nvSpPr>
         <p:spPr>
           <a:xfrm>
-            <a:off x="277663" y="1267121"/>
-            <a:ext cx="8572501" cy="5397503"/>
+            <a:off x="276456" y="1270000"/>
+            <a:ext cx="3810003" cy="4762500"/>
           </a:xfrm>
           <a:prstGeom prst="rect">
             <a:avLst/>
           </a:prstGeom>
         </p:spPr>
         <p:txBody>
-          <a:bodyPr lIns="45718" tIns="45718" rIns="45718" bIns="45718" anchor="t"/>
+          <a:bodyPr anchor="t"/>
           <a:lstStyle/>
           <a:p>
-            <a:pPr marL="0" indent="0" defTabSz="379474">
-              <a:spcBef>
-                <a:spcPts val="900"/>
-              </a:spcBef>
-              <a:buSzTx/>
-              <a:buFont typeface="Arial"/>
-              <a:buNone/>
-              <a:defRPr b="1" sz="1900">
-                <a:uFill>
-                  <a:solidFill>
-                    <a:srgbClr val="000000"/>
-                  </a:solidFill>
-                </a:uFill>
-                <a:latin typeface="+mn-lt"/>
-                <a:ea typeface="+mn-ea"/>
-                <a:cs typeface="+mn-cs"/>
-                <a:sym typeface="Helvetica"/>
-              </a:defRPr>
-            </a:pPr>
-            <a:r>
-              <a:t>Science reaches critical mass and from it springs engineering—all of the engineering subdisciplines, including the management of human resources and of organizations. From a liberal political order spring national and then the global market economy. And from engineering and the market then, over the course of 1870-2016, spring…</a:t>
-            </a:r>
-          </a:p>
-          <a:p>
-            <a:pPr marL="199724" indent="-199724" defTabSz="379474">
-              <a:spcBef>
-                <a:spcPts val="900"/>
-              </a:spcBef>
-              <a:buSzPct val="100000"/>
-              <a:defRPr sz="1900">
-                <a:uFill>
-                  <a:solidFill>
-                    <a:srgbClr val="000000"/>
-                  </a:solidFill>
-                </a:uFill>
-                <a:latin typeface="Times New Roman"/>
-                <a:ea typeface="Times New Roman"/>
-                <a:cs typeface="Times New Roman"/>
-                <a:sym typeface="Times New Roman"/>
-              </a:defRPr>
-            </a:pPr>
-            <a:r>
-              <a:t>History was economic…</a:t>
-            </a:r>
-          </a:p>
-          <a:p>
-            <a:pPr marL="199724" indent="-199724" defTabSz="379474">
-              <a:spcBef>
-                <a:spcPts val="900"/>
-              </a:spcBef>
-              <a:buSzPct val="100000"/>
-              <a:defRPr sz="1900">
-                <a:uFill>
-                  <a:solidFill>
-                    <a:srgbClr val="000000"/>
-                  </a:solidFill>
-                </a:uFill>
-                <a:latin typeface="Times New Roman"/>
-                <a:ea typeface="Times New Roman"/>
-                <a:cs typeface="Times New Roman"/>
-                <a:sym typeface="Times New Roman"/>
-              </a:defRPr>
-            </a:pPr>
-            <a:r>
-              <a:t>Explosion of wealth…</a:t>
-            </a:r>
-          </a:p>
-          <a:p>
-            <a:pPr marL="199724" indent="-199724" defTabSz="379474">
-              <a:spcBef>
-                <a:spcPts val="900"/>
-              </a:spcBef>
-              <a:buSzPct val="100000"/>
-              <a:defRPr sz="1900">
-                <a:uFill>
-                  <a:solidFill>
-                    <a:srgbClr val="000000"/>
-                  </a:solidFill>
-                </a:uFill>
-                <a:latin typeface="Times New Roman"/>
-                <a:ea typeface="Times New Roman"/>
-                <a:cs typeface="Times New Roman"/>
-                <a:sym typeface="Times New Roman"/>
-              </a:defRPr>
-            </a:pPr>
-            <a:r>
-              <a:t>Cornucopia of technology…</a:t>
-            </a:r>
-          </a:p>
-          <a:p>
-            <a:pPr marL="199724" indent="-199724" defTabSz="379474">
-              <a:spcBef>
-                <a:spcPts val="900"/>
-              </a:spcBef>
-              <a:buSzPct val="100000"/>
-              <a:defRPr sz="1900">
-                <a:uFill>
-                  <a:solidFill>
-                    <a:srgbClr val="000000"/>
-                  </a:solidFill>
-                </a:uFill>
-                <a:latin typeface="Times New Roman"/>
-                <a:ea typeface="Times New Roman"/>
-                <a:cs typeface="Times New Roman"/>
-                <a:sym typeface="Times New Roman"/>
-              </a:defRPr>
-            </a:pPr>
-            <a:r>
-              <a:t>Demographic transition…</a:t>
-            </a:r>
-          </a:p>
-          <a:p>
-            <a:pPr marL="199724" indent="-199724" defTabSz="379474">
-              <a:spcBef>
-                <a:spcPts val="900"/>
-              </a:spcBef>
-              <a:buSzPct val="100000"/>
-              <a:defRPr sz="1900">
-                <a:uFill>
-                  <a:solidFill>
-                    <a:srgbClr val="000000"/>
-                  </a:solidFill>
-                </a:uFill>
-                <a:latin typeface="Times New Roman"/>
-                <a:ea typeface="Times New Roman"/>
-                <a:cs typeface="Times New Roman"/>
-                <a:sym typeface="Times New Roman"/>
-              </a:defRPr>
-            </a:pPr>
-            <a:r>
-              <a:t>Feminist revolution…</a:t>
-            </a:r>
-          </a:p>
-          <a:p>
-            <a:pPr marL="199724" indent="-199724" defTabSz="379474">
-              <a:spcBef>
-                <a:spcPts val="900"/>
-              </a:spcBef>
-              <a:buSzPct val="100000"/>
-              <a:defRPr sz="1900">
-                <a:uFill>
-                  <a:solidFill>
-                    <a:srgbClr val="000000"/>
-                  </a:solidFill>
-                </a:uFill>
-                <a:latin typeface="Times New Roman"/>
-                <a:ea typeface="Times New Roman"/>
-                <a:cs typeface="Times New Roman"/>
-                <a:sym typeface="Times New Roman"/>
-              </a:defRPr>
-            </a:pPr>
-            <a:r>
-              <a:t>Empowered tyrannies…</a:t>
-            </a:r>
-          </a:p>
-          <a:p>
-            <a:pPr marL="199724" indent="-199724" defTabSz="379474">
-              <a:spcBef>
-                <a:spcPts val="900"/>
-              </a:spcBef>
-              <a:buSzPct val="100000"/>
-              <a:defRPr sz="1900">
-                <a:uFill>
-                  <a:solidFill>
-                    <a:srgbClr val="000000"/>
-                  </a:solidFill>
-                </a:uFill>
-                <a:latin typeface="Times New Roman"/>
-                <a:ea typeface="Times New Roman"/>
-                <a:cs typeface="Times New Roman"/>
-                <a:sym typeface="Times New Roman"/>
-              </a:defRPr>
-            </a:pPr>
-            <a:r>
-              <a:t>Wealth gulfs…</a:t>
-            </a:r>
-          </a:p>
-          <a:p>
-            <a:pPr marL="199724" indent="-199724" defTabSz="379474">
-              <a:spcBef>
-                <a:spcPts val="900"/>
-              </a:spcBef>
-              <a:buSzPct val="100000"/>
-              <a:defRPr sz="1900">
-                <a:uFill>
-                  <a:solidFill>
-                    <a:srgbClr val="000000"/>
-                  </a:solidFill>
-                </a:uFill>
-                <a:latin typeface="Times New Roman"/>
-                <a:ea typeface="Times New Roman"/>
-                <a:cs typeface="Times New Roman"/>
-                <a:sym typeface="Times New Roman"/>
-              </a:defRPr>
-            </a:pPr>
-            <a:r>
-              <a:t>Inclusion and hierarchy attenuation…</a:t>
-            </a:r>
-          </a:p>
-          <a:p>
-            <a:pPr marL="199724" indent="-199724" defTabSz="379474">
-              <a:spcBef>
-                <a:spcPts val="900"/>
-              </a:spcBef>
-              <a:buSzPct val="100000"/>
-              <a:defRPr sz="1900">
-                <a:uFill>
-                  <a:solidFill>
-                    <a:srgbClr val="000000"/>
-                  </a:solidFill>
-                </a:uFill>
-                <a:latin typeface="Times New Roman"/>
-                <a:ea typeface="Times New Roman"/>
-                <a:cs typeface="Times New Roman"/>
-                <a:sym typeface="Times New Roman"/>
-              </a:defRPr>
-            </a:pPr>
-            <a:r>
-              <a:t>Mismanagement and insecurity…</a:t>
+            <a:pPr>
+              <a:spcBef>
+                <a:spcPts val="1200"/>
+              </a:spcBef>
+            </a:pPr>
+            <a:r>
+              <a:t>Ask a couple of questions? </a:t>
+            </a:r>
+          </a:p>
+          <a:p>
+            <a:pPr>
+              <a:spcBef>
+                <a:spcPts val="1200"/>
+              </a:spcBef>
+            </a:pPr>
+            <a:r>
+              <a:t>Make a couple of comments?</a:t>
+            </a:r>
+          </a:p>
+          <a:p>
+            <a:pPr>
+              <a:spcBef>
+                <a:spcPts val="1200"/>
+              </a:spcBef>
+            </a:pPr>
+            <a:r>
+              <a:t>Any more readings to recommend?</a:t>
             </a:r>
           </a:p>
         </p:txBody>
       </p:sp>
+      <p:pic>
+        <p:nvPicPr>
+          <p:cNvPr id="228" name="Image" descr="Image"/>
+          <p:cNvPicPr>
+            <a:picLocks noChangeAspect="1"/>
+          </p:cNvPicPr>
+          <p:nvPr/>
+        </p:nvPicPr>
+        <p:blipFill>
+          <a:blip r:embed="rId2">
+            <a:extLst/>
+          </a:blip>
+          <a:stretch>
+            <a:fillRect/>
+          </a:stretch>
+        </p:blipFill>
+        <p:spPr>
+          <a:xfrm>
+            <a:off x="4086457" y="1270000"/>
+            <a:ext cx="4762502" cy="4762500"/>
+          </a:xfrm>
+          <a:prstGeom prst="rect">
+            <a:avLst/>
+          </a:prstGeom>
+          <a:ln w="12700">
+            <a:miter lim="400000"/>
+          </a:ln>
+        </p:spPr>
+      </p:pic>
     </p:spTree>
   </p:cSld>
   <p:clrMapOvr>
@@ -16462,7 +16169,7 @@
       </p:grpSpPr>
       <p:sp>
         <p:nvSpPr>
-          <p:cNvPr id="229" name="Measuring Growth"/>
+          <p:cNvPr id="230" name="2. The View from 3000: Themes &amp; Big Ideas"/>
           <p:cNvSpPr txBox="1"/>
           <p:nvPr>
             <p:ph type="title" idx="4294967295"/>
@@ -16480,11 +16187,8 @@
         <p:txBody>
           <a:bodyPr lIns="45718" tIns="45718" rIns="45718" bIns="45718"/>
           <a:lstStyle>
-            <a:lvl1pPr defTabSz="457200">
-              <a:defRPr sz="6000">
-                <a:solidFill>
-                  <a:srgbClr val="000080"/>
-                </a:solidFill>
+            <a:lvl1pPr defTabSz="288036">
+              <a:defRPr sz="3700">
                 <a:uFill>
                   <a:solidFill>
                     <a:srgbClr val="000000"/>
@@ -16496,14 +16200,14 @@
           <a:p>
             <a:pPr/>
             <a:r>
-              <a:t>Measuring Growth</a:t>
+              <a:t>The View from 3000: Themes &amp; Big Ideas</a:t>
             </a:r>
           </a:p>
         </p:txBody>
       </p:sp>
       <p:sp>
         <p:nvSpPr>
-          <p:cNvPr id="230" name="Is it the case that British Queen Victoria I Hanover was a better queen but not a happier woman than Queen Elizabeth I Tudor?…"/>
+          <p:cNvPr id="231" name="Science reaches critical mass and from it springs engineering—all of the engineering subdisciplines, including the management of human resources and of organizations. From a liberal political order spring national and then the global market economy. And from engineering and the market then, over the course of 1870-2016, spring……"/>
           <p:cNvSpPr txBox="1"/>
           <p:nvPr>
             <p:ph type="body" idx="4294967295"/>
@@ -16522,14 +16226,14 @@
           <a:bodyPr lIns="45718" tIns="45718" rIns="45718" bIns="45718" anchor="t"/>
           <a:lstStyle/>
           <a:p>
-            <a:pPr marL="0" indent="0" defTabSz="457200">
-              <a:spcBef>
-                <a:spcPts val="1200"/>
+            <a:pPr marL="0" indent="0" defTabSz="379474">
+              <a:spcBef>
+                <a:spcPts val="900"/>
               </a:spcBef>
               <a:buSzTx/>
               <a:buFont typeface="Arial"/>
               <a:buNone/>
-              <a:defRPr b="1">
+              <a:defRPr b="1" sz="1900">
                 <a:uFill>
                   <a:solidFill>
                     <a:srgbClr val="000000"/>
@@ -16542,76 +16246,205 @@
               </a:defRPr>
             </a:pPr>
             <a:r>
-              <a:t>Is it the case that British Queen Victoria I Hanover was a better queen but not a happier woman than Queen Elizabeth I Tudor?</a:t>
-            </a:r>
-          </a:p>
-          <a:p>
-            <a:pPr marL="401052" indent="-401052" defTabSz="457200">
-              <a:spcBef>
-                <a:spcPts val="1200"/>
-              </a:spcBef>
-              <a:buSzPct val="100000"/>
-              <a:buAutoNum type="alphaUcPeriod" startAt="1"/>
-              <a:defRPr>
-                <a:uFill>
-                  <a:solidFill>
-                    <a:srgbClr val="000000"/>
-                  </a:solidFill>
-                </a:uFill>
-                <a:latin typeface="Times New Roman"/>
-                <a:ea typeface="Times New Roman"/>
-                <a:cs typeface="Times New Roman"/>
-                <a:sym typeface="Times New Roman"/>
-              </a:defRPr>
-            </a:pPr>
-            <a:r>
-              <a:t>Yes</a:t>
-            </a:r>
-          </a:p>
-          <a:p>
-            <a:pPr marL="401052" indent="-401052" defTabSz="457200">
-              <a:spcBef>
-                <a:spcPts val="1200"/>
-              </a:spcBef>
-              <a:buSzPct val="100000"/>
-              <a:buAutoNum type="alphaUcPeriod" startAt="1"/>
-              <a:defRPr>
-                <a:uFill>
-                  <a:solidFill>
-                    <a:srgbClr val="000000"/>
-                  </a:solidFill>
-                </a:uFill>
-                <a:latin typeface="Times New Roman"/>
-                <a:ea typeface="Times New Roman"/>
-                <a:cs typeface="Times New Roman"/>
-                <a:sym typeface="Times New Roman"/>
-              </a:defRPr>
-            </a:pPr>
-            <a:r>
-              <a:t>No</a:t>
-            </a:r>
-          </a:p>
-          <a:p>
-            <a:pPr marL="401052" indent="-401052" defTabSz="457200">
-              <a:spcBef>
-                <a:spcPts val="1200"/>
-              </a:spcBef>
-              <a:buSzPct val="100000"/>
-              <a:buAutoNum type="alphaUcPeriod" startAt="1"/>
-              <a:defRPr>
-                <a:uFill>
-                  <a:solidFill>
-                    <a:srgbClr val="000000"/>
-                  </a:solidFill>
-                </a:uFill>
-                <a:latin typeface="Times New Roman"/>
-                <a:ea typeface="Times New Roman"/>
-                <a:cs typeface="Times New Roman"/>
-                <a:sym typeface="Times New Roman"/>
-              </a:defRPr>
-            </a:pPr>
-            <a:r>
-              <a:t>Not sure</a:t>
+              <a:t>Science reaches critical mass and from it springs engineering—all of the engineering subdisciplines, including the management of human resources and of organizations. From a liberal political order spring national and then the global market economy. And from engineering and the market then, over the course of 1870-2016, spring…</a:t>
+            </a:r>
+          </a:p>
+          <a:p>
+            <a:pPr marL="199724" indent="-199724" defTabSz="379474">
+              <a:spcBef>
+                <a:spcPts val="900"/>
+              </a:spcBef>
+              <a:buSzPct val="100000"/>
+              <a:defRPr sz="1900">
+                <a:uFill>
+                  <a:solidFill>
+                    <a:srgbClr val="000000"/>
+                  </a:solidFill>
+                </a:uFill>
+                <a:latin typeface="Times New Roman"/>
+                <a:ea typeface="Times New Roman"/>
+                <a:cs typeface="Times New Roman"/>
+                <a:sym typeface="Times New Roman"/>
+              </a:defRPr>
+            </a:pPr>
+            <a:r>
+              <a:t>History was economic…</a:t>
+            </a:r>
+          </a:p>
+          <a:p>
+            <a:pPr marL="199724" indent="-199724" defTabSz="379474">
+              <a:spcBef>
+                <a:spcPts val="900"/>
+              </a:spcBef>
+              <a:buSzPct val="100000"/>
+              <a:defRPr sz="1900">
+                <a:uFill>
+                  <a:solidFill>
+                    <a:srgbClr val="000000"/>
+                  </a:solidFill>
+                </a:uFill>
+                <a:latin typeface="Times New Roman"/>
+                <a:ea typeface="Times New Roman"/>
+                <a:cs typeface="Times New Roman"/>
+                <a:sym typeface="Times New Roman"/>
+              </a:defRPr>
+            </a:pPr>
+            <a:r>
+              <a:t>Explosion of wealth…</a:t>
+            </a:r>
+          </a:p>
+          <a:p>
+            <a:pPr marL="199724" indent="-199724" defTabSz="379474">
+              <a:spcBef>
+                <a:spcPts val="900"/>
+              </a:spcBef>
+              <a:buSzPct val="100000"/>
+              <a:defRPr sz="1900">
+                <a:uFill>
+                  <a:solidFill>
+                    <a:srgbClr val="000000"/>
+                  </a:solidFill>
+                </a:uFill>
+                <a:latin typeface="Times New Roman"/>
+                <a:ea typeface="Times New Roman"/>
+                <a:cs typeface="Times New Roman"/>
+                <a:sym typeface="Times New Roman"/>
+              </a:defRPr>
+            </a:pPr>
+            <a:r>
+              <a:t>Cornucopia of technology…</a:t>
+            </a:r>
+          </a:p>
+          <a:p>
+            <a:pPr marL="199724" indent="-199724" defTabSz="379474">
+              <a:spcBef>
+                <a:spcPts val="900"/>
+              </a:spcBef>
+              <a:buSzPct val="100000"/>
+              <a:defRPr sz="1900">
+                <a:uFill>
+                  <a:solidFill>
+                    <a:srgbClr val="000000"/>
+                  </a:solidFill>
+                </a:uFill>
+                <a:latin typeface="Times New Roman"/>
+                <a:ea typeface="Times New Roman"/>
+                <a:cs typeface="Times New Roman"/>
+                <a:sym typeface="Times New Roman"/>
+              </a:defRPr>
+            </a:pPr>
+            <a:r>
+              <a:t>Demographic transition…</a:t>
+            </a:r>
+          </a:p>
+          <a:p>
+            <a:pPr marL="199724" indent="-199724" defTabSz="379474">
+              <a:spcBef>
+                <a:spcPts val="900"/>
+              </a:spcBef>
+              <a:buSzPct val="100000"/>
+              <a:defRPr sz="1900">
+                <a:uFill>
+                  <a:solidFill>
+                    <a:srgbClr val="000000"/>
+                  </a:solidFill>
+                </a:uFill>
+                <a:latin typeface="Times New Roman"/>
+                <a:ea typeface="Times New Roman"/>
+                <a:cs typeface="Times New Roman"/>
+                <a:sym typeface="Times New Roman"/>
+              </a:defRPr>
+            </a:pPr>
+            <a:r>
+              <a:t>Feminist revolution…</a:t>
+            </a:r>
+          </a:p>
+          <a:p>
+            <a:pPr marL="199724" indent="-199724" defTabSz="379474">
+              <a:spcBef>
+                <a:spcPts val="900"/>
+              </a:spcBef>
+              <a:buSzPct val="100000"/>
+              <a:defRPr sz="1900">
+                <a:uFill>
+                  <a:solidFill>
+                    <a:srgbClr val="000000"/>
+                  </a:solidFill>
+                </a:uFill>
+                <a:latin typeface="Times New Roman"/>
+                <a:ea typeface="Times New Roman"/>
+                <a:cs typeface="Times New Roman"/>
+                <a:sym typeface="Times New Roman"/>
+              </a:defRPr>
+            </a:pPr>
+            <a:r>
+              <a:t>Empowered tyrannies…</a:t>
+            </a:r>
+          </a:p>
+          <a:p>
+            <a:pPr marL="199724" indent="-199724" defTabSz="379474">
+              <a:spcBef>
+                <a:spcPts val="900"/>
+              </a:spcBef>
+              <a:buSzPct val="100000"/>
+              <a:defRPr sz="1900">
+                <a:uFill>
+                  <a:solidFill>
+                    <a:srgbClr val="000000"/>
+                  </a:solidFill>
+                </a:uFill>
+                <a:latin typeface="Times New Roman"/>
+                <a:ea typeface="Times New Roman"/>
+                <a:cs typeface="Times New Roman"/>
+                <a:sym typeface="Times New Roman"/>
+              </a:defRPr>
+            </a:pPr>
+            <a:r>
+              <a:t>Wealth gulfs…</a:t>
+            </a:r>
+          </a:p>
+          <a:p>
+            <a:pPr marL="199724" indent="-199724" defTabSz="379474">
+              <a:spcBef>
+                <a:spcPts val="900"/>
+              </a:spcBef>
+              <a:buSzPct val="100000"/>
+              <a:defRPr sz="1900">
+                <a:uFill>
+                  <a:solidFill>
+                    <a:srgbClr val="000000"/>
+                  </a:solidFill>
+                </a:uFill>
+                <a:latin typeface="Times New Roman"/>
+                <a:ea typeface="Times New Roman"/>
+                <a:cs typeface="Times New Roman"/>
+                <a:sym typeface="Times New Roman"/>
+              </a:defRPr>
+            </a:pPr>
+            <a:r>
+              <a:t>Inclusion and hierarchy attenuation…</a:t>
+            </a:r>
+          </a:p>
+          <a:p>
+            <a:pPr marL="199724" indent="-199724" defTabSz="379474">
+              <a:spcBef>
+                <a:spcPts val="900"/>
+              </a:spcBef>
+              <a:buSzPct val="100000"/>
+              <a:defRPr sz="1900">
+                <a:uFill>
+                  <a:solidFill>
+                    <a:srgbClr val="000000"/>
+                  </a:solidFill>
+                </a:uFill>
+                <a:latin typeface="Times New Roman"/>
+                <a:ea typeface="Times New Roman"/>
+                <a:cs typeface="Times New Roman"/>
+                <a:sym typeface="Times New Roman"/>
+              </a:defRPr>
+            </a:pPr>
+            <a:r>
+              <a:t>Mismanagement and insecurity…</a:t>
             </a:r>
           </a:p>
         </p:txBody>
@@ -16644,7 +16477,7 @@
       </p:grpSpPr>
       <p:sp>
         <p:nvSpPr>
-          <p:cNvPr id="232" name="Measuring Growth II"/>
+          <p:cNvPr id="233" name="Measuring Growth"/>
           <p:cNvSpPr txBox="1"/>
           <p:nvPr>
             <p:ph type="title" idx="4294967295"/>
@@ -16678,14 +16511,14 @@
           <a:p>
             <a:pPr/>
             <a:r>
-              <a:t>Measuring Growth II</a:t>
+              <a:t>Measuring Growth</a:t>
             </a:r>
           </a:p>
         </p:txBody>
       </p:sp>
       <p:sp>
         <p:nvSpPr>
-          <p:cNvPr id="233" name="What are my estimates of the rate of growth of economically-useful human knowledge over 1-1500, 1500-1800, 1800-1870, and 1870-2000?…"/>
+          <p:cNvPr id="234" name="Is it the case that British Queen Victoria I Hanover was a better queen but not a happier woman than Queen Elizabeth I Tudor?…"/>
           <p:cNvSpPr txBox="1"/>
           <p:nvPr>
             <p:ph type="body" idx="4294967295"/>
@@ -16724,7 +16557,7 @@
               </a:defRPr>
             </a:pPr>
             <a:r>
-              <a:t>What are my estimates of the rate of growth of economically-useful human knowledge over 1-1500, 1500-1800, 1800-1870, and 1870-2000?</a:t>
+              <a:t>Is it the case that British Queen Victoria I Hanover was a better queen but not a happier woman than Queen Elizabeth I Tudor?</a:t>
             </a:r>
           </a:p>
           <a:p>
@@ -16747,7 +16580,7 @@
               </a:defRPr>
             </a:pPr>
             <a:r>
-              <a:t>0.02%/year, 0.2%/year, 0.5%/year, and 0.8%/year</a:t>
+              <a:t>Yes</a:t>
             </a:r>
           </a:p>
           <a:p>
@@ -16770,7 +16603,7 @@
               </a:defRPr>
             </a:pPr>
             <a:r>
-              <a:t>0.000%/year, 0.02%/year, 0.2%/year, and 0.8%/year</a:t>
+              <a:t>No</a:t>
             </a:r>
           </a:p>
           <a:p>
@@ -16793,53 +16626,7 @@
               </a:defRPr>
             </a:pPr>
             <a:r>
-              <a:t>0.02%/year, 0.2%/year, 0.8%/year, and 2.3%/year</a:t>
-            </a:r>
-          </a:p>
-          <a:p>
-            <a:pPr marL="401052" indent="-401052" defTabSz="457200">
-              <a:spcBef>
-                <a:spcPts val="1200"/>
-              </a:spcBef>
-              <a:buSzPct val="100000"/>
-              <a:buAutoNum type="alphaUcPeriod" startAt="1"/>
-              <a:defRPr>
-                <a:uFill>
-                  <a:solidFill>
-                    <a:srgbClr val="000000"/>
-                  </a:solidFill>
-                </a:uFill>
-                <a:latin typeface="Times New Roman"/>
-                <a:ea typeface="Times New Roman"/>
-                <a:cs typeface="Times New Roman"/>
-                <a:sym typeface="Times New Roman"/>
-              </a:defRPr>
-            </a:pPr>
-            <a:r>
-              <a:t>0.2%/year, 0.8%/year, 2.3%/year, and 4.7%/year</a:t>
-            </a:r>
-          </a:p>
-          <a:p>
-            <a:pPr marL="401052" indent="-401052" defTabSz="457200">
-              <a:spcBef>
-                <a:spcPts val="1200"/>
-              </a:spcBef>
-              <a:buSzPct val="100000"/>
-              <a:buAutoNum type="alphaUcPeriod" startAt="1"/>
-              <a:defRPr>
-                <a:uFill>
-                  <a:solidFill>
-                    <a:srgbClr val="000000"/>
-                  </a:solidFill>
-                </a:uFill>
-                <a:latin typeface="Times New Roman"/>
-                <a:ea typeface="Times New Roman"/>
-                <a:cs typeface="Times New Roman"/>
-                <a:sym typeface="Times New Roman"/>
-              </a:defRPr>
-            </a:pPr>
-            <a:r>
-              <a:t>None of the above.</a:t>
+              <a:t>Not sure</a:t>
             </a:r>
           </a:p>
         </p:txBody>
@@ -16872,7 +16659,7 @@
       </p:grpSpPr>
       <p:sp>
         <p:nvSpPr>
-          <p:cNvPr id="235" name="What Is the Key Factor in the Explosion of Wealth in the 20th Century?"/>
+          <p:cNvPr id="236" name="Measuring Growth II"/>
           <p:cNvSpPr txBox="1"/>
           <p:nvPr>
             <p:ph type="title" idx="4294967295"/>
@@ -16890,8 +16677,8 @@
         <p:txBody>
           <a:bodyPr lIns="45718" tIns="45718" rIns="45718" bIns="45718"/>
           <a:lstStyle>
-            <a:lvl1pPr defTabSz="269747">
-              <a:defRPr sz="3500">
+            <a:lvl1pPr defTabSz="457200">
+              <a:defRPr sz="6000">
                 <a:solidFill>
                   <a:srgbClr val="000080"/>
                 </a:solidFill>
@@ -16906,14 +16693,14 @@
           <a:p>
             <a:pPr/>
             <a:r>
-              <a:t>What Is the Key Factor in the Explosion of Wealth in the 20th Century?</a:t>
+              <a:t>Measuring Growth II</a:t>
             </a:r>
           </a:p>
         </p:txBody>
       </p:sp>
       <p:sp>
         <p:nvSpPr>
-          <p:cNvPr id="236" name="Yes, many things contributed. But suppose you have to pick just one"/>
+          <p:cNvPr id="237" name="What are my estimates of the rate of growth of economically-useful human knowledge over 1-1500, 1500-1800, 1800-1870, and 1870-2000?…"/>
           <p:cNvSpPr txBox="1"/>
           <p:nvPr>
             <p:ph type="body" idx="4294967295"/>
@@ -16930,8 +16717,9 @@
         </p:spPr>
         <p:txBody>
           <a:bodyPr lIns="45718" tIns="45718" rIns="45718" bIns="45718" anchor="t"/>
-          <a:lstStyle>
-            <a:lvl1pPr marL="0" indent="0" defTabSz="457200">
+          <a:lstStyle/>
+          <a:p>
+            <a:pPr marL="0" indent="0" defTabSz="457200">
               <a:spcBef>
                 <a:spcPts val="1200"/>
               </a:spcBef>
@@ -16949,12 +16737,124 @@
                 <a:cs typeface="+mn-cs"/>
                 <a:sym typeface="Helvetica"/>
               </a:defRPr>
-            </a:lvl1pPr>
-          </a:lstStyle>
-          <a:p>
-            <a:pPr/>
-            <a:r>
-              <a:t>Yes, many things contributed. But suppose you have to pick just one</a:t>
+            </a:pPr>
+            <a:r>
+              <a:t>What are my estimates of the rate of growth of economically-useful human knowledge over 1-1500, 1500-1800, 1800-1870, and 1870-2000?</a:t>
+            </a:r>
+          </a:p>
+          <a:p>
+            <a:pPr marL="401052" indent="-401052" defTabSz="457200">
+              <a:spcBef>
+                <a:spcPts val="1200"/>
+              </a:spcBef>
+              <a:buSzPct val="100000"/>
+              <a:buAutoNum type="alphaUcPeriod" startAt="1"/>
+              <a:defRPr>
+                <a:uFill>
+                  <a:solidFill>
+                    <a:srgbClr val="000000"/>
+                  </a:solidFill>
+                </a:uFill>
+                <a:latin typeface="Times New Roman"/>
+                <a:ea typeface="Times New Roman"/>
+                <a:cs typeface="Times New Roman"/>
+                <a:sym typeface="Times New Roman"/>
+              </a:defRPr>
+            </a:pPr>
+            <a:r>
+              <a:t>0.02%/year, 0.2%/year, 0.5%/year, and 0.8%/year</a:t>
+            </a:r>
+          </a:p>
+          <a:p>
+            <a:pPr marL="401052" indent="-401052" defTabSz="457200">
+              <a:spcBef>
+                <a:spcPts val="1200"/>
+              </a:spcBef>
+              <a:buSzPct val="100000"/>
+              <a:buAutoNum type="alphaUcPeriod" startAt="1"/>
+              <a:defRPr>
+                <a:uFill>
+                  <a:solidFill>
+                    <a:srgbClr val="000000"/>
+                  </a:solidFill>
+                </a:uFill>
+                <a:latin typeface="Times New Roman"/>
+                <a:ea typeface="Times New Roman"/>
+                <a:cs typeface="Times New Roman"/>
+                <a:sym typeface="Times New Roman"/>
+              </a:defRPr>
+            </a:pPr>
+            <a:r>
+              <a:t>0.000%/year, 0.02%/year, 0.2%/year, and 0.8%/year</a:t>
+            </a:r>
+          </a:p>
+          <a:p>
+            <a:pPr marL="401052" indent="-401052" defTabSz="457200">
+              <a:spcBef>
+                <a:spcPts val="1200"/>
+              </a:spcBef>
+              <a:buSzPct val="100000"/>
+              <a:buAutoNum type="alphaUcPeriod" startAt="1"/>
+              <a:defRPr>
+                <a:uFill>
+                  <a:solidFill>
+                    <a:srgbClr val="000000"/>
+                  </a:solidFill>
+                </a:uFill>
+                <a:latin typeface="Times New Roman"/>
+                <a:ea typeface="Times New Roman"/>
+                <a:cs typeface="Times New Roman"/>
+                <a:sym typeface="Times New Roman"/>
+              </a:defRPr>
+            </a:pPr>
+            <a:r>
+              <a:t>0.02%/year, 0.2%/year, 0.8%/year, and 2.3%/year</a:t>
+            </a:r>
+          </a:p>
+          <a:p>
+            <a:pPr marL="401052" indent="-401052" defTabSz="457200">
+              <a:spcBef>
+                <a:spcPts val="1200"/>
+              </a:spcBef>
+              <a:buSzPct val="100000"/>
+              <a:buAutoNum type="alphaUcPeriod" startAt="1"/>
+              <a:defRPr>
+                <a:uFill>
+                  <a:solidFill>
+                    <a:srgbClr val="000000"/>
+                  </a:solidFill>
+                </a:uFill>
+                <a:latin typeface="Times New Roman"/>
+                <a:ea typeface="Times New Roman"/>
+                <a:cs typeface="Times New Roman"/>
+                <a:sym typeface="Times New Roman"/>
+              </a:defRPr>
+            </a:pPr>
+            <a:r>
+              <a:t>0.2%/year, 0.8%/year, 2.3%/year, and 4.7%/year</a:t>
+            </a:r>
+          </a:p>
+          <a:p>
+            <a:pPr marL="401052" indent="-401052" defTabSz="457200">
+              <a:spcBef>
+                <a:spcPts val="1200"/>
+              </a:spcBef>
+              <a:buSzPct val="100000"/>
+              <a:buAutoNum type="alphaUcPeriod" startAt="1"/>
+              <a:defRPr>
+                <a:uFill>
+                  <a:solidFill>
+                    <a:srgbClr val="000000"/>
+                  </a:solidFill>
+                </a:uFill>
+                <a:latin typeface="Times New Roman"/>
+                <a:ea typeface="Times New Roman"/>
+                <a:cs typeface="Times New Roman"/>
+                <a:sym typeface="Times New Roman"/>
+              </a:defRPr>
+            </a:pPr>
+            <a:r>
+              <a:t>None of the above.</a:t>
             </a:r>
           </a:p>
         </p:txBody>
@@ -16987,7 +16887,7 @@
       </p:grpSpPr>
       <p:sp>
         <p:nvSpPr>
-          <p:cNvPr id="238" name="What Are the Four Factors That I See as Making for the Explosion of Wealth in the 20th Century?"/>
+          <p:cNvPr id="239" name="What Is the Key Factor in the Explosion of Wealth in the 20th Century?"/>
           <p:cNvSpPr txBox="1"/>
           <p:nvPr>
             <p:ph type="title" idx="4294967295"/>
@@ -17005,8 +16905,8 @@
         <p:txBody>
           <a:bodyPr lIns="45718" tIns="45718" rIns="45718" bIns="45718"/>
           <a:lstStyle>
-            <a:lvl1pPr defTabSz="219454">
-              <a:defRPr sz="2800">
+            <a:lvl1pPr defTabSz="269747">
+              <a:defRPr sz="3500">
                 <a:solidFill>
                   <a:srgbClr val="000080"/>
                 </a:solidFill>
@@ -17021,14 +16921,14 @@
           <a:p>
             <a:pPr/>
             <a:r>
-              <a:t>What Are the Four Factors That I See as Making for the Explosion of Wealth in the 20th Century?</a:t>
+              <a:t>What Is the Key Factor in the Explosion of Wealth in the 20th Century?</a:t>
             </a:r>
           </a:p>
         </p:txBody>
       </p:sp>
       <p:sp>
         <p:nvSpPr>
-          <p:cNvPr id="239" name="Yes, there are many, many more things that contributed. But suppose you have to pick just four:"/>
+          <p:cNvPr id="240" name="Yes, many things contributed. But suppose you have to pick just one"/>
           <p:cNvSpPr txBox="1"/>
           <p:nvPr>
             <p:ph type="body" idx="4294967295"/>
@@ -17069,7 +16969,7 @@
           <a:p>
             <a:pPr/>
             <a:r>
-              <a:t>Yes, there are many, many more things that contributed. But suppose you have to pick just four:</a:t>
+              <a:t>Yes, many things contributed. But suppose you have to pick just one</a:t>
             </a:r>
           </a:p>
         </p:txBody>
@@ -17102,7 +17002,7 @@
       </p:grpSpPr>
       <p:sp>
         <p:nvSpPr>
-          <p:cNvPr id="241" name="Demography"/>
+          <p:cNvPr id="242" name="What Are the Four Factors That I See as Making for the Explosion of Wealth in the 20th Century?"/>
           <p:cNvSpPr txBox="1"/>
           <p:nvPr>
             <p:ph type="title" idx="4294967295"/>
@@ -17120,8 +17020,8 @@
         <p:txBody>
           <a:bodyPr lIns="45718" tIns="45718" rIns="45718" bIns="45718"/>
           <a:lstStyle>
-            <a:lvl1pPr defTabSz="457200">
-              <a:defRPr sz="6000">
+            <a:lvl1pPr defTabSz="219454">
+              <a:defRPr sz="2800">
                 <a:solidFill>
                   <a:srgbClr val="000080"/>
                 </a:solidFill>
@@ -17136,14 +17036,14 @@
           <a:p>
             <a:pPr/>
             <a:r>
-              <a:t>Demography</a:t>
+              <a:t>What Are the Four Factors That I See as Making for the Explosion of Wealth in the 20th Century?</a:t>
             </a:r>
           </a:p>
         </p:txBody>
       </p:sp>
       <p:sp>
         <p:nvSpPr>
-          <p:cNvPr id="242" name="What is the “demographic transition”?"/>
+          <p:cNvPr id="243" name="Yes, there are many, many more things that contributed. But suppose you have to pick just four:"/>
           <p:cNvSpPr txBox="1"/>
           <p:nvPr>
             <p:ph type="body" idx="4294967295"/>
@@ -17184,7 +17084,7 @@
           <a:p>
             <a:pPr/>
             <a:r>
-              <a:t>What is the “demographic transition”?</a:t>
+              <a:t>Yes, there are many, many more things that contributed. But suppose you have to pick just four:</a:t>
             </a:r>
           </a:p>
         </p:txBody>
@@ -17217,7 +17117,7 @@
       </p:grpSpPr>
       <p:sp>
         <p:nvSpPr>
-          <p:cNvPr id="244" name="Demography II"/>
+          <p:cNvPr id="245" name="Demography"/>
           <p:cNvSpPr txBox="1"/>
           <p:nvPr>
             <p:ph type="title" idx="4294967295"/>
@@ -17251,14 +17151,14 @@
           <a:p>
             <a:pPr/>
             <a:r>
-              <a:t>Demography II</a:t>
+              <a:t>Demography</a:t>
             </a:r>
           </a:p>
         </p:txBody>
       </p:sp>
       <p:sp>
         <p:nvSpPr>
-          <p:cNvPr id="245" name="What is the principal cause of the demographic transition?…"/>
+          <p:cNvPr id="246" name="What is the “demographic transition”?"/>
           <p:cNvSpPr txBox="1"/>
           <p:nvPr>
             <p:ph type="body" idx="4294967295"/>
@@ -17275,9 +17175,8 @@
         </p:spPr>
         <p:txBody>
           <a:bodyPr lIns="45718" tIns="45718" rIns="45718" bIns="45718" anchor="t"/>
-          <a:lstStyle/>
-          <a:p>
-            <a:pPr marL="0" indent="0" defTabSz="457200">
+          <a:lstStyle>
+            <a:lvl1pPr marL="0" indent="0" defTabSz="457200">
               <a:spcBef>
                 <a:spcPts val="1200"/>
               </a:spcBef>
@@ -17295,124 +17194,12 @@
                 <a:cs typeface="+mn-cs"/>
                 <a:sym typeface="Helvetica"/>
               </a:defRPr>
-            </a:pPr>
-            <a:r>
-              <a:t>What is the principal cause of the demographic transition?</a:t>
-            </a:r>
-          </a:p>
-          <a:p>
-            <a:pPr marL="401052" indent="-401052" defTabSz="457200">
-              <a:spcBef>
-                <a:spcPts val="1200"/>
-              </a:spcBef>
-              <a:buSzPct val="100000"/>
-              <a:buAutoNum type="alphaUcPeriod" startAt="1"/>
-              <a:defRPr>
-                <a:uFill>
-                  <a:solidFill>
-                    <a:srgbClr val="000000"/>
-                  </a:solidFill>
-                </a:uFill>
-                <a:latin typeface="Times New Roman"/>
-                <a:ea typeface="Times New Roman"/>
-                <a:cs typeface="Times New Roman"/>
-                <a:sym typeface="Times New Roman"/>
-              </a:defRPr>
-            </a:pPr>
-            <a:r>
-              <a:t>Female wealth and control of property.</a:t>
-            </a:r>
-          </a:p>
-          <a:p>
-            <a:pPr marL="401052" indent="-401052" defTabSz="457200">
-              <a:spcBef>
-                <a:spcPts val="1200"/>
-              </a:spcBef>
-              <a:buSzPct val="100000"/>
-              <a:buAutoNum type="alphaUcPeriod" startAt="1"/>
-              <a:defRPr>
-                <a:uFill>
-                  <a:solidFill>
-                    <a:srgbClr val="000000"/>
-                  </a:solidFill>
-                </a:uFill>
-                <a:latin typeface="Times New Roman"/>
-                <a:ea typeface="Times New Roman"/>
-                <a:cs typeface="Times New Roman"/>
-                <a:sym typeface="Times New Roman"/>
-              </a:defRPr>
-            </a:pPr>
-            <a:r>
-              <a:t>Female literacy.</a:t>
-            </a:r>
-          </a:p>
-          <a:p>
-            <a:pPr marL="401052" indent="-401052" defTabSz="457200">
-              <a:spcBef>
-                <a:spcPts val="1200"/>
-              </a:spcBef>
-              <a:buSzPct val="100000"/>
-              <a:buAutoNum type="alphaUcPeriod" startAt="1"/>
-              <a:defRPr>
-                <a:uFill>
-                  <a:solidFill>
-                    <a:srgbClr val="000000"/>
-                  </a:solidFill>
-                </a:uFill>
-                <a:latin typeface="Times New Roman"/>
-                <a:ea typeface="Times New Roman"/>
-                <a:cs typeface="Times New Roman"/>
-                <a:sym typeface="Times New Roman"/>
-              </a:defRPr>
-            </a:pPr>
-            <a:r>
-              <a:t>Falling infant and child mortality.</a:t>
-            </a:r>
-          </a:p>
-          <a:p>
-            <a:pPr marL="401052" indent="-401052" defTabSz="457200">
-              <a:spcBef>
-                <a:spcPts val="1200"/>
-              </a:spcBef>
-              <a:buSzPct val="100000"/>
-              <a:buAutoNum type="alphaUcPeriod" startAt="1"/>
-              <a:defRPr>
-                <a:uFill>
-                  <a:solidFill>
-                    <a:srgbClr val="000000"/>
-                  </a:solidFill>
-                </a:uFill>
-                <a:latin typeface="Times New Roman"/>
-                <a:ea typeface="Times New Roman"/>
-                <a:cs typeface="Times New Roman"/>
-                <a:sym typeface="Times New Roman"/>
-              </a:defRPr>
-            </a:pPr>
-            <a:r>
-              <a:t>Land shortages and high unemployment.</a:t>
-            </a:r>
-          </a:p>
-          <a:p>
-            <a:pPr marL="401052" indent="-401052" defTabSz="457200">
-              <a:spcBef>
-                <a:spcPts val="1200"/>
-              </a:spcBef>
-              <a:buSzPct val="100000"/>
-              <a:buAutoNum type="alphaUcPeriod" startAt="1"/>
-              <a:defRPr>
-                <a:uFill>
-                  <a:solidFill>
-                    <a:srgbClr val="000000"/>
-                  </a:solidFill>
-                </a:uFill>
-                <a:latin typeface="Times New Roman"/>
-                <a:ea typeface="Times New Roman"/>
-                <a:cs typeface="Times New Roman"/>
-                <a:sym typeface="Times New Roman"/>
-              </a:defRPr>
-            </a:pPr>
-            <a:r>
-              <a:t>Something else.</a:t>
+            </a:lvl1pPr>
+          </a:lstStyle>
+          <a:p>
+            <a:pPr/>
+            <a:r>
+              <a:t>What is the “demographic transition”?</a:t>
             </a:r>
           </a:p>
         </p:txBody>
@@ -17445,7 +17232,7 @@
       </p:grpSpPr>
       <p:sp>
         <p:nvSpPr>
-          <p:cNvPr id="247" name="Feminism"/>
+          <p:cNvPr id="248" name="Demography II"/>
           <p:cNvSpPr txBox="1"/>
           <p:nvPr>
             <p:ph type="title" idx="4294967295"/>
@@ -17479,14 +17266,14 @@
           <a:p>
             <a:pPr/>
             <a:r>
-              <a:t>Feminism</a:t>
+              <a:t>Demography II</a:t>
             </a:r>
           </a:p>
         </p:txBody>
       </p:sp>
       <p:sp>
         <p:nvSpPr>
-          <p:cNvPr id="248" name="How many pregnancies do we think Abigail Smith Adams had between when she was 20 and 34?…"/>
+          <p:cNvPr id="249" name="What is the principal cause of the demographic transition?…"/>
           <p:cNvSpPr txBox="1"/>
           <p:nvPr>
             <p:ph type="body" idx="4294967295"/>
@@ -17525,7 +17312,7 @@
               </a:defRPr>
             </a:pPr>
             <a:r>
-              <a:t>How many pregnancies do we think Abigail Smith Adams had between when she was 20 and 34?</a:t>
+              <a:t>What is the principal cause of the demographic transition?</a:t>
             </a:r>
           </a:p>
           <a:p>
@@ -17548,7 +17335,7 @@
               </a:defRPr>
             </a:pPr>
             <a:r>
-              <a:t>2.</a:t>
+              <a:t>Female wealth and control of property.</a:t>
             </a:r>
           </a:p>
           <a:p>
@@ -17571,7 +17358,7 @@
               </a:defRPr>
             </a:pPr>
             <a:r>
-              <a:t>4.</a:t>
+              <a:t>Female literacy.</a:t>
             </a:r>
           </a:p>
           <a:p>
@@ -17594,7 +17381,7 @@
               </a:defRPr>
             </a:pPr>
             <a:r>
-              <a:t>6.</a:t>
+              <a:t>Falling infant and child mortality.</a:t>
             </a:r>
           </a:p>
           <a:p>
@@ -17617,7 +17404,7 @@
               </a:defRPr>
             </a:pPr>
             <a:r>
-              <a:t>8.</a:t>
+              <a:t>Land shortages and high unemployment.</a:t>
             </a:r>
           </a:p>
           <a:p>
@@ -17640,7 +17427,7 @@
               </a:defRPr>
             </a:pPr>
             <a:r>
-              <a:t>18.</a:t>
+              <a:t>Something else.</a:t>
             </a:r>
           </a:p>
         </p:txBody>
@@ -17673,7 +17460,7 @@
       </p:grpSpPr>
       <p:sp>
         <p:nvSpPr>
-          <p:cNvPr id="250" name="Empowered Tyrannies II"/>
+          <p:cNvPr id="251" name="Feminism"/>
           <p:cNvSpPr txBox="1"/>
           <p:nvPr>
             <p:ph type="title" idx="4294967295"/>
@@ -17691,8 +17478,8 @@
         <p:txBody>
           <a:bodyPr lIns="45718" tIns="45718" rIns="45718" bIns="45718"/>
           <a:lstStyle>
-            <a:lvl1pPr defTabSz="443483">
-              <a:defRPr sz="5800">
+            <a:lvl1pPr defTabSz="457200">
+              <a:defRPr sz="6000">
                 <a:solidFill>
                   <a:srgbClr val="000080"/>
                 </a:solidFill>
@@ -17707,14 +17494,14 @@
           <a:p>
             <a:pPr/>
             <a:r>
-              <a:t>Empowered Tyrannies II</a:t>
+              <a:t>Feminism</a:t>
             </a:r>
           </a:p>
         </p:txBody>
       </p:sp>
       <p:sp>
         <p:nvSpPr>
-          <p:cNvPr id="251" name="How many world leaders are members of the 10-million club?…"/>
+          <p:cNvPr id="252" name="How many pregnancies do we think Abigail Smith Adams had between when she was 20 and 34?…"/>
           <p:cNvSpPr txBox="1"/>
           <p:nvPr>
             <p:ph type="body" idx="4294967295"/>
@@ -17753,7 +17540,7 @@
               </a:defRPr>
             </a:pPr>
             <a:r>
-              <a:t>How many world leaders are members of the 10-million club?</a:t>
+              <a:t>How many pregnancies do we think Abigail Smith Adams had between when she was 20 and 34?</a:t>
             </a:r>
           </a:p>
           <a:p>
@@ -17901,7 +17688,7 @@
       </p:grpSpPr>
       <p:sp>
         <p:nvSpPr>
-          <p:cNvPr id="253" name="Wealth Gulfs"/>
+          <p:cNvPr id="254" name="Empowered Tyrannies II"/>
           <p:cNvSpPr txBox="1"/>
           <p:nvPr>
             <p:ph type="title" idx="4294967295"/>
@@ -17919,8 +17706,8 @@
         <p:txBody>
           <a:bodyPr lIns="45718" tIns="45718" rIns="45718" bIns="45718"/>
           <a:lstStyle>
-            <a:lvl1pPr defTabSz="457200">
-              <a:defRPr sz="6000">
+            <a:lvl1pPr defTabSz="443483">
+              <a:defRPr sz="5800">
                 <a:solidFill>
                   <a:srgbClr val="000080"/>
                 </a:solidFill>
@@ -17935,14 +17722,14 @@
           <a:p>
             <a:pPr/>
             <a:r>
-              <a:t>Wealth Gulfs</a:t>
+              <a:t>Empowered Tyrannies II</a:t>
             </a:r>
           </a:p>
         </p:txBody>
       </p:sp>
       <p:sp>
         <p:nvSpPr>
-          <p:cNvPr id="254" name="What fraction of humanity has not climbed onto the “escalator to modernity”?…"/>
+          <p:cNvPr id="255" name="How many world leaders are members of the 10-million club?…"/>
           <p:cNvSpPr txBox="1"/>
           <p:nvPr>
             <p:ph type="body" idx="4294967295"/>
@@ -17981,7 +17768,7 @@
               </a:defRPr>
             </a:pPr>
             <a:r>
-              <a:t>What fraction of humanity has not climbed onto the “escalator to modernity”?</a:t>
+              <a:t>How many world leaders are members of the 10-million club?</a:t>
             </a:r>
           </a:p>
           <a:p>
@@ -18004,7 +17791,7 @@
               </a:defRPr>
             </a:pPr>
             <a:r>
-              <a:t>10%</a:t>
+              <a:t>2.</a:t>
             </a:r>
           </a:p>
           <a:p>
@@ -18027,7 +17814,7 @@
               </a:defRPr>
             </a:pPr>
             <a:r>
-              <a:t>1%</a:t>
+              <a:t>4.</a:t>
             </a:r>
           </a:p>
           <a:p>
@@ -18050,7 +17837,7 @@
               </a:defRPr>
             </a:pPr>
             <a:r>
-              <a:t>50%</a:t>
+              <a:t>6.</a:t>
             </a:r>
           </a:p>
           <a:p>
@@ -18073,7 +17860,7 @@
               </a:defRPr>
             </a:pPr>
             <a:r>
-              <a:t>75%</a:t>
+              <a:t>8.</a:t>
             </a:r>
           </a:p>
           <a:p>
@@ -18096,7 +17883,7 @@
               </a:defRPr>
             </a:pPr>
             <a:r>
-              <a:t>We cannot yet tell.</a:t>
+              <a:t>18.</a:t>
             </a:r>
           </a:p>
         </p:txBody>
@@ -18129,7 +17916,7 @@
       </p:grpSpPr>
       <p:sp>
         <p:nvSpPr>
-          <p:cNvPr id="256" name="Inclusion and Hierarchy Attenuation"/>
+          <p:cNvPr id="257" name="Wealth Gulfs"/>
           <p:cNvSpPr txBox="1"/>
           <p:nvPr>
             <p:ph type="title" idx="4294967295"/>
@@ -18147,8 +17934,8 @@
         <p:txBody>
           <a:bodyPr lIns="45718" tIns="45718" rIns="45718" bIns="45718"/>
           <a:lstStyle>
-            <a:lvl1pPr defTabSz="292606">
-              <a:defRPr sz="3800">
+            <a:lvl1pPr defTabSz="457200">
+              <a:defRPr sz="6000">
                 <a:solidFill>
                   <a:srgbClr val="000080"/>
                 </a:solidFill>
@@ -18163,14 +17950,14 @@
           <a:p>
             <a:pPr/>
             <a:r>
-              <a:t>Inclusion and Hierarchy Attenuation</a:t>
+              <a:t>Wealth Gulfs</a:t>
             </a:r>
           </a:p>
         </p:txBody>
       </p:sp>
       <p:sp>
         <p:nvSpPr>
-          <p:cNvPr id="257" name="At the start of the 1970s, future President Ronald Reagan said that diplomats from Tanzania appeared uncomfortable:…"/>
+          <p:cNvPr id="258" name="What fraction of humanity has not climbed onto the “escalator to modernity”?…"/>
           <p:cNvSpPr txBox="1"/>
           <p:nvPr>
             <p:ph type="body" idx="4294967295"/>
@@ -18209,7 +17996,7 @@
               </a:defRPr>
             </a:pPr>
             <a:r>
-              <a:t>At the start of the 1970s, future President Ronald Reagan said that diplomats from Tanzania appeared uncomfortable:</a:t>
+              <a:t>What fraction of humanity has not climbed onto the “escalator to modernity”?</a:t>
             </a:r>
           </a:p>
           <a:p>
@@ -18232,7 +18019,7 @@
               </a:defRPr>
             </a:pPr>
             <a:r>
-              <a:t>resisting pressure to vote with the Soviet Union at the United Nations.</a:t>
+              <a:t>10%</a:t>
             </a:r>
           </a:p>
           <a:p>
@@ -18255,7 +18042,7 @@
               </a:defRPr>
             </a:pPr>
             <a:r>
-              <a:t>making small talk with New York socialites.</a:t>
+              <a:t>1%</a:t>
             </a:r>
           </a:p>
           <a:p>
@@ -18278,7 +18065,7 @@
               </a:defRPr>
             </a:pPr>
             <a:r>
-              <a:t>wearing shoes.</a:t>
+              <a:t>50%</a:t>
             </a:r>
           </a:p>
           <a:p>
@@ -18301,7 +18088,7 @@
               </a:defRPr>
             </a:pPr>
             <a:r>
-              <a:t>in formal tuxedos.</a:t>
+              <a:t>75%</a:t>
             </a:r>
           </a:p>
           <a:p>
@@ -18324,7 +18111,7 @@
               </a:defRPr>
             </a:pPr>
             <a:r>
-              <a:t>None of the above.</a:t>
+              <a:t>We cannot yet tell.</a:t>
             </a:r>
           </a:p>
         </p:txBody>
@@ -18545,7 +18332,7 @@
               </a:defRPr>
             </a:pPr>
             <a:r>
-              <a:t>Why?</a:t>
+              <a:t>Why? Malthusian forces—population explosion &amp; thus smaller farm sizes. Growth, the growth had been slow 0.8%/year?</a:t>
             </a:r>
           </a:p>
         </p:txBody>
@@ -18578,7 +18365,7 @@
       </p:grpSpPr>
       <p:sp>
         <p:nvSpPr>
-          <p:cNvPr id="259" name="Economic Mismanagement and Insecurity"/>
+          <p:cNvPr id="260" name="Inclusion and Hierarchy Attenuation"/>
           <p:cNvSpPr txBox="1"/>
           <p:nvPr>
             <p:ph type="title" idx="4294967295"/>
@@ -18596,8 +18383,8 @@
         <p:txBody>
           <a:bodyPr lIns="45718" tIns="45718" rIns="45718" bIns="45718"/>
           <a:lstStyle>
-            <a:lvl1pPr defTabSz="288036">
-              <a:defRPr sz="3700">
+            <a:lvl1pPr defTabSz="292606">
+              <a:defRPr sz="3800">
                 <a:solidFill>
                   <a:srgbClr val="000080"/>
                 </a:solidFill>
@@ -18612,14 +18399,14 @@
           <a:p>
             <a:pPr/>
             <a:r>
-              <a:t>Economic Mismanagement and Insecurity</a:t>
+              <a:t>Inclusion and Hierarchy Attenuation</a:t>
             </a:r>
           </a:p>
         </p:txBody>
       </p:sp>
       <p:sp>
         <p:nvSpPr>
-          <p:cNvPr id="260" name="Karl Polanyi argued that people have rights to what things that the market economy turns into “commodities”?…"/>
+          <p:cNvPr id="261" name="At the start of the 1970s, future President Ronald Reagan said that diplomats from Tanzania appeared uncomfortable:…"/>
           <p:cNvSpPr txBox="1"/>
           <p:nvPr>
             <p:ph type="body" idx="4294967295"/>
@@ -18658,7 +18445,7 @@
               </a:defRPr>
             </a:pPr>
             <a:r>
-              <a:t>Karl Polanyi argued that people have rights to what things that the market economy turns into “commodities”?</a:t>
+              <a:t>At the start of the 1970s, future President Ronald Reagan said that diplomats from Tanzania appeared uncomfortable:</a:t>
             </a:r>
           </a:p>
           <a:p>
@@ -18681,7 +18468,7 @@
               </a:defRPr>
             </a:pPr>
             <a:r>
-              <a:t>land (a stable community), labor (a “just” income), and finance (a stable economic place).</a:t>
+              <a:t>resisting pressure to vote with the Soviet Union at the United Nations.</a:t>
             </a:r>
           </a:p>
           <a:p>
@@ -18704,7 +18491,7 @@
               </a:defRPr>
             </a:pPr>
             <a:r>
-              <a:t>labor (a “just” income), finance (a stable economic place), and property (the ability to keep what you earn).</a:t>
+              <a:t>making small talk with New York socialites.</a:t>
             </a:r>
           </a:p>
           <a:p>
@@ -18727,7 +18514,7 @@
               </a:defRPr>
             </a:pPr>
             <a:r>
-              <a:t>labor (a “just” income), finance (a stable economic place), and respect (deference from your peers).</a:t>
+              <a:t>wearing shoes.</a:t>
             </a:r>
           </a:p>
           <a:p>
@@ -18750,7 +18537,7 @@
               </a:defRPr>
             </a:pPr>
             <a:r>
-              <a:t>land (a stable community), property (the ability to keep what you earn), and finance (a stable economic place).</a:t>
+              <a:t>in formal tuxedos.</a:t>
             </a:r>
           </a:p>
           <a:p>
@@ -18806,7 +18593,7 @@
       </p:grpSpPr>
       <p:sp>
         <p:nvSpPr>
-          <p:cNvPr id="262" name="Economic Mismanagement and Insecurity II"/>
+          <p:cNvPr id="263" name="Economic Mismanagement and Insecurity"/>
           <p:cNvSpPr txBox="1"/>
           <p:nvPr>
             <p:ph type="title" idx="4294967295"/>
@@ -18840,14 +18627,242 @@
           <a:p>
             <a:pPr/>
             <a:r>
-              <a:t>Economic Mismanagement and Insecurity II</a:t>
+              <a:t>Economic Mismanagement and Insecurity</a:t>
             </a:r>
           </a:p>
         </p:txBody>
       </p:sp>
       <p:sp>
         <p:nvSpPr>
-          <p:cNvPr id="263" name="According to Karl Polanyi, what rights does the market economy respect?…"/>
+          <p:cNvPr id="264" name="Karl Polanyi argued that people have rights to what things that the market economy turns into “commodities”?…"/>
+          <p:cNvSpPr txBox="1"/>
+          <p:nvPr>
+            <p:ph type="body" idx="4294967295"/>
+          </p:nvPr>
+        </p:nvSpPr>
+        <p:spPr>
+          <a:xfrm>
+            <a:off x="277663" y="1267121"/>
+            <a:ext cx="8572501" cy="5397503"/>
+          </a:xfrm>
+          <a:prstGeom prst="rect">
+            <a:avLst/>
+          </a:prstGeom>
+        </p:spPr>
+        <p:txBody>
+          <a:bodyPr lIns="45718" tIns="45718" rIns="45718" bIns="45718" anchor="t"/>
+          <a:lstStyle/>
+          <a:p>
+            <a:pPr marL="0" indent="0" defTabSz="457200">
+              <a:spcBef>
+                <a:spcPts val="1200"/>
+              </a:spcBef>
+              <a:buSzTx/>
+              <a:buFont typeface="Arial"/>
+              <a:buNone/>
+              <a:defRPr b="1">
+                <a:uFill>
+                  <a:solidFill>
+                    <a:srgbClr val="000000"/>
+                  </a:solidFill>
+                </a:uFill>
+                <a:latin typeface="+mn-lt"/>
+                <a:ea typeface="+mn-ea"/>
+                <a:cs typeface="+mn-cs"/>
+                <a:sym typeface="Helvetica"/>
+              </a:defRPr>
+            </a:pPr>
+            <a:r>
+              <a:t>Karl Polanyi argued that people have rights to what things that the market economy turns into “commodities”?</a:t>
+            </a:r>
+          </a:p>
+          <a:p>
+            <a:pPr marL="401052" indent="-401052" defTabSz="457200">
+              <a:spcBef>
+                <a:spcPts val="1200"/>
+              </a:spcBef>
+              <a:buSzPct val="100000"/>
+              <a:buAutoNum type="alphaUcPeriod" startAt="1"/>
+              <a:defRPr>
+                <a:uFill>
+                  <a:solidFill>
+                    <a:srgbClr val="000000"/>
+                  </a:solidFill>
+                </a:uFill>
+                <a:latin typeface="Times New Roman"/>
+                <a:ea typeface="Times New Roman"/>
+                <a:cs typeface="Times New Roman"/>
+                <a:sym typeface="Times New Roman"/>
+              </a:defRPr>
+            </a:pPr>
+            <a:r>
+              <a:t>land (a stable community), labor (a “just” income), and finance (a stable economic place).</a:t>
+            </a:r>
+          </a:p>
+          <a:p>
+            <a:pPr marL="401052" indent="-401052" defTabSz="457200">
+              <a:spcBef>
+                <a:spcPts val="1200"/>
+              </a:spcBef>
+              <a:buSzPct val="100000"/>
+              <a:buAutoNum type="alphaUcPeriod" startAt="1"/>
+              <a:defRPr>
+                <a:uFill>
+                  <a:solidFill>
+                    <a:srgbClr val="000000"/>
+                  </a:solidFill>
+                </a:uFill>
+                <a:latin typeface="Times New Roman"/>
+                <a:ea typeface="Times New Roman"/>
+                <a:cs typeface="Times New Roman"/>
+                <a:sym typeface="Times New Roman"/>
+              </a:defRPr>
+            </a:pPr>
+            <a:r>
+              <a:t>labor (a “just” income), finance (a stable economic place), and property (the ability to keep what you earn).</a:t>
+            </a:r>
+          </a:p>
+          <a:p>
+            <a:pPr marL="401052" indent="-401052" defTabSz="457200">
+              <a:spcBef>
+                <a:spcPts val="1200"/>
+              </a:spcBef>
+              <a:buSzPct val="100000"/>
+              <a:buAutoNum type="alphaUcPeriod" startAt="1"/>
+              <a:defRPr>
+                <a:uFill>
+                  <a:solidFill>
+                    <a:srgbClr val="000000"/>
+                  </a:solidFill>
+                </a:uFill>
+                <a:latin typeface="Times New Roman"/>
+                <a:ea typeface="Times New Roman"/>
+                <a:cs typeface="Times New Roman"/>
+                <a:sym typeface="Times New Roman"/>
+              </a:defRPr>
+            </a:pPr>
+            <a:r>
+              <a:t>labor (a “just” income), finance (a stable economic place), and respect (deference from your peers).</a:t>
+            </a:r>
+          </a:p>
+          <a:p>
+            <a:pPr marL="401052" indent="-401052" defTabSz="457200">
+              <a:spcBef>
+                <a:spcPts val="1200"/>
+              </a:spcBef>
+              <a:buSzPct val="100000"/>
+              <a:buAutoNum type="alphaUcPeriod" startAt="1"/>
+              <a:defRPr>
+                <a:uFill>
+                  <a:solidFill>
+                    <a:srgbClr val="000000"/>
+                  </a:solidFill>
+                </a:uFill>
+                <a:latin typeface="Times New Roman"/>
+                <a:ea typeface="Times New Roman"/>
+                <a:cs typeface="Times New Roman"/>
+                <a:sym typeface="Times New Roman"/>
+              </a:defRPr>
+            </a:pPr>
+            <a:r>
+              <a:t>land (a stable community), property (the ability to keep what you earn), and finance (a stable economic place).</a:t>
+            </a:r>
+          </a:p>
+          <a:p>
+            <a:pPr marL="401052" indent="-401052" defTabSz="457200">
+              <a:spcBef>
+                <a:spcPts val="1200"/>
+              </a:spcBef>
+              <a:buSzPct val="100000"/>
+              <a:buAutoNum type="alphaUcPeriod" startAt="1"/>
+              <a:defRPr>
+                <a:uFill>
+                  <a:solidFill>
+                    <a:srgbClr val="000000"/>
+                  </a:solidFill>
+                </a:uFill>
+                <a:latin typeface="Times New Roman"/>
+                <a:ea typeface="Times New Roman"/>
+                <a:cs typeface="Times New Roman"/>
+                <a:sym typeface="Times New Roman"/>
+              </a:defRPr>
+            </a:pPr>
+            <a:r>
+              <a:t>None of the above.</a:t>
+            </a:r>
+          </a:p>
+        </p:txBody>
+      </p:sp>
+    </p:spTree>
+  </p:cSld>
+  <p:clrMapOvr>
+    <a:masterClrMapping/>
+  </p:clrMapOvr>
+  <p:transition xmlns:p14="http://schemas.microsoft.com/office/powerpoint/2010/main" spd="med" advClick="1"/>
+</p:sld>
+</file>
+
+<file path=ppt/slides/slide72.xml><?xml version="1.0" encoding="utf-8"?>
+<p:sld xmlns:a="http://schemas.openxmlformats.org/drawingml/2006/main" xmlns:r="http://schemas.openxmlformats.org/officeDocument/2006/relationships" xmlns:p="http://schemas.openxmlformats.org/presentationml/2006/main" xmlns:m="http://schemas.openxmlformats.org/officeDocument/2006/math" xmlns:a14="http://schemas.microsoft.com/office/drawing/2010/main" showMasterSp="1" showMasterPhAnim="1">
+  <p:cSld>
+    <p:spTree>
+      <p:nvGrpSpPr>
+        <p:cNvPr id="1" name=""/>
+        <p:cNvGrpSpPr/>
+        <p:nvPr/>
+      </p:nvGrpSpPr>
+      <p:grpSpPr>
+        <a:xfrm>
+          <a:off x="0" y="0"/>
+          <a:ext cx="0" cy="0"/>
+          <a:chOff x="0" y="0"/>
+          <a:chExt cx="0" cy="0"/>
+        </a:xfrm>
+      </p:grpSpPr>
+      <p:sp>
+        <p:nvSpPr>
+          <p:cNvPr id="266" name="Economic Mismanagement and Insecurity II"/>
+          <p:cNvSpPr txBox="1"/>
+          <p:nvPr>
+            <p:ph type="title" idx="4294967295"/>
+          </p:nvPr>
+        </p:nvSpPr>
+        <p:spPr>
+          <a:xfrm>
+            <a:off x="277663" y="-2"/>
+            <a:ext cx="8572501" cy="1267126"/>
+          </a:xfrm>
+          <a:prstGeom prst="rect">
+            <a:avLst/>
+          </a:prstGeom>
+        </p:spPr>
+        <p:txBody>
+          <a:bodyPr lIns="45718" tIns="45718" rIns="45718" bIns="45718"/>
+          <a:lstStyle>
+            <a:lvl1pPr defTabSz="288036">
+              <a:defRPr sz="3700">
+                <a:solidFill>
+                  <a:srgbClr val="000080"/>
+                </a:solidFill>
+                <a:uFill>
+                  <a:solidFill>
+                    <a:srgbClr val="000000"/>
+                  </a:solidFill>
+                </a:uFill>
+              </a:defRPr>
+            </a:lvl1pPr>
+          </a:lstStyle>
+          <a:p>
+            <a:pPr/>
+            <a:r>
+              <a:t>Economic Mismanagement and Insecurity II</a:t>
+            </a:r>
+          </a:p>
+        </p:txBody>
+      </p:sp>
+      <p:sp>
+        <p:nvSpPr>
+          <p:cNvPr id="267" name="According to Karl Polanyi, what rights does the market economy respect?…"/>
           <p:cNvSpPr txBox="1"/>
           <p:nvPr>
             <p:ph type="body" idx="4294967295"/>
@@ -19147,7 +19162,7 @@
               </a:spcBef>
               <a:buSzPct val="100000"/>
               <a:buAutoNum type="alphaUcPeriod" startAt="1"/>
-              <a:defRPr>
+              <a:defRPr b="1">
                 <a:uFill>
                   <a:solidFill>
                     <a:srgbClr val="000000"/>
@@ -19463,7 +19478,7 @@
               </a:spcBef>
               <a:buSzPct val="100000"/>
               <a:buAutoNum type="alphaUcPeriod" startAt="1"/>
-              <a:defRPr sz="2256">
+              <a:defRPr b="1" sz="2256">
                 <a:uFill>
                   <a:solidFill>
                     <a:srgbClr val="000000"/>

--- a/econ-115-lecture-2.pptx
+++ b/econ-115-lecture-2.pptx
@@ -80,6 +80,7 @@
     <p:sldId id="325" r:id="rId77"/>
     <p:sldId id="326" r:id="rId78"/>
     <p:sldId id="327" r:id="rId79"/>
+    <p:sldId id="328" r:id="rId80"/>
   </p:sldIdLst>
   <p:sldSz cx="9144000" cy="6858000"/>
   <p:notesSz cx="6858000" cy="9144000"/>
@@ -16169,286 +16170,90 @@
       </p:grpSpPr>
       <p:sp>
         <p:nvSpPr>
-          <p:cNvPr id="230" name="2. The View from 3000: Themes &amp; Big Ideas"/>
+          <p:cNvPr id="230" name="Catch Our Breath…"/>
           <p:cNvSpPr txBox="1"/>
           <p:nvPr>
-            <p:ph type="title" idx="4294967295"/>
+            <p:ph type="title"/>
           </p:nvPr>
         </p:nvSpPr>
         <p:spPr>
           <a:xfrm>
-            <a:off x="277663" y="-2"/>
-            <a:ext cx="8572501" cy="1267126"/>
+            <a:off x="276457" y="-2"/>
+            <a:ext cx="8572501" cy="1270003"/>
           </a:xfrm>
           <a:prstGeom prst="rect">
             <a:avLst/>
           </a:prstGeom>
         </p:spPr>
         <p:txBody>
-          <a:bodyPr lIns="45718" tIns="45718" rIns="45718" bIns="45718"/>
-          <a:lstStyle>
-            <a:lvl1pPr defTabSz="288036">
-              <a:defRPr sz="3700">
-                <a:uFill>
-                  <a:solidFill>
-                    <a:srgbClr val="000000"/>
-                  </a:solidFill>
-                </a:uFill>
-              </a:defRPr>
-            </a:lvl1pPr>
-          </a:lstStyle>
+          <a:bodyPr/>
+          <a:lstStyle/>
           <a:p>
             <a:pPr/>
             <a:r>
-              <a:t>The View from 3000: Themes &amp; Big Ideas</a:t>
+              <a:t>Notes</a:t>
             </a:r>
           </a:p>
         </p:txBody>
       </p:sp>
       <p:sp>
         <p:nvSpPr>
-          <p:cNvPr id="231" name="Science reaches critical mass and from it springs engineering—all of the engineering subdisciplines, including the management of human resources and of organizations. From a liberal political order spring national and then the global market economy. And from engineering and the market then, over the course of 1870-2016, spring……"/>
+          <p:cNvPr id="231" name="Ask a couple of questions?…"/>
           <p:cNvSpPr txBox="1"/>
           <p:nvPr>
-            <p:ph type="body" idx="4294967295"/>
+            <p:ph type="body" sz="half" idx="1"/>
           </p:nvPr>
         </p:nvSpPr>
         <p:spPr>
           <a:xfrm>
-            <a:off x="277663" y="1267121"/>
-            <a:ext cx="8572501" cy="5397503"/>
+            <a:off x="276456" y="1270000"/>
+            <a:ext cx="3810003" cy="4762500"/>
           </a:xfrm>
           <a:prstGeom prst="rect">
             <a:avLst/>
           </a:prstGeom>
         </p:spPr>
         <p:txBody>
-          <a:bodyPr lIns="45718" tIns="45718" rIns="45718" bIns="45718" anchor="t"/>
+          <a:bodyPr anchor="t"/>
           <a:lstStyle/>
           <a:p>
-            <a:pPr marL="0" indent="0" defTabSz="379474">
-              <a:spcBef>
-                <a:spcPts val="900"/>
-              </a:spcBef>
-              <a:buSzTx/>
-              <a:buFont typeface="Arial"/>
-              <a:buNone/>
-              <a:defRPr b="1" sz="1900">
-                <a:uFill>
-                  <a:solidFill>
-                    <a:srgbClr val="000000"/>
-                  </a:solidFill>
-                </a:uFill>
-                <a:latin typeface="+mn-lt"/>
-                <a:ea typeface="+mn-ea"/>
-                <a:cs typeface="+mn-cs"/>
-                <a:sym typeface="Helvetica"/>
-              </a:defRPr>
-            </a:pPr>
-            <a:r>
-              <a:t>Science reaches critical mass and from it springs engineering—all of the engineering subdisciplines, including the management of human resources and of organizations. From a liberal political order spring national and then the global market economy. And from engineering and the market then, over the course of 1870-2016, spring…</a:t>
-            </a:r>
-          </a:p>
-          <a:p>
-            <a:pPr marL="199724" indent="-199724" defTabSz="379474">
-              <a:spcBef>
-                <a:spcPts val="900"/>
-              </a:spcBef>
-              <a:buSzPct val="100000"/>
-              <a:defRPr sz="1900">
-                <a:uFill>
-                  <a:solidFill>
-                    <a:srgbClr val="000000"/>
-                  </a:solidFill>
-                </a:uFill>
-                <a:latin typeface="Times New Roman"/>
-                <a:ea typeface="Times New Roman"/>
-                <a:cs typeface="Times New Roman"/>
-                <a:sym typeface="Times New Roman"/>
-              </a:defRPr>
-            </a:pPr>
-            <a:r>
-              <a:t>History was economic…</a:t>
-            </a:r>
-          </a:p>
-          <a:p>
-            <a:pPr marL="199724" indent="-199724" defTabSz="379474">
-              <a:spcBef>
-                <a:spcPts val="900"/>
-              </a:spcBef>
-              <a:buSzPct val="100000"/>
-              <a:defRPr sz="1900">
-                <a:uFill>
-                  <a:solidFill>
-                    <a:srgbClr val="000000"/>
-                  </a:solidFill>
-                </a:uFill>
-                <a:latin typeface="Times New Roman"/>
-                <a:ea typeface="Times New Roman"/>
-                <a:cs typeface="Times New Roman"/>
-                <a:sym typeface="Times New Roman"/>
-              </a:defRPr>
-            </a:pPr>
-            <a:r>
-              <a:t>Explosion of wealth…</a:t>
-            </a:r>
-          </a:p>
-          <a:p>
-            <a:pPr marL="199724" indent="-199724" defTabSz="379474">
-              <a:spcBef>
-                <a:spcPts val="900"/>
-              </a:spcBef>
-              <a:buSzPct val="100000"/>
-              <a:defRPr sz="1900">
-                <a:uFill>
-                  <a:solidFill>
-                    <a:srgbClr val="000000"/>
-                  </a:solidFill>
-                </a:uFill>
-                <a:latin typeface="Times New Roman"/>
-                <a:ea typeface="Times New Roman"/>
-                <a:cs typeface="Times New Roman"/>
-                <a:sym typeface="Times New Roman"/>
-              </a:defRPr>
-            </a:pPr>
-            <a:r>
-              <a:t>Cornucopia of technology…</a:t>
-            </a:r>
-          </a:p>
-          <a:p>
-            <a:pPr marL="199724" indent="-199724" defTabSz="379474">
-              <a:spcBef>
-                <a:spcPts val="900"/>
-              </a:spcBef>
-              <a:buSzPct val="100000"/>
-              <a:defRPr sz="1900">
-                <a:uFill>
-                  <a:solidFill>
-                    <a:srgbClr val="000000"/>
-                  </a:solidFill>
-                </a:uFill>
-                <a:latin typeface="Times New Roman"/>
-                <a:ea typeface="Times New Roman"/>
-                <a:cs typeface="Times New Roman"/>
-                <a:sym typeface="Times New Roman"/>
-              </a:defRPr>
-            </a:pPr>
-            <a:r>
-              <a:t>Demographic transition…</a:t>
-            </a:r>
-          </a:p>
-          <a:p>
-            <a:pPr marL="199724" indent="-199724" defTabSz="379474">
-              <a:spcBef>
-                <a:spcPts val="900"/>
-              </a:spcBef>
-              <a:buSzPct val="100000"/>
-              <a:defRPr sz="1900">
-                <a:uFill>
-                  <a:solidFill>
-                    <a:srgbClr val="000000"/>
-                  </a:solidFill>
-                </a:uFill>
-                <a:latin typeface="Times New Roman"/>
-                <a:ea typeface="Times New Roman"/>
-                <a:cs typeface="Times New Roman"/>
-                <a:sym typeface="Times New Roman"/>
-              </a:defRPr>
-            </a:pPr>
-            <a:r>
-              <a:t>Feminist revolution…</a:t>
-            </a:r>
-          </a:p>
-          <a:p>
-            <a:pPr marL="199724" indent="-199724" defTabSz="379474">
-              <a:spcBef>
-                <a:spcPts val="900"/>
-              </a:spcBef>
-              <a:buSzPct val="100000"/>
-              <a:defRPr sz="1900">
-                <a:uFill>
-                  <a:solidFill>
-                    <a:srgbClr val="000000"/>
-                  </a:solidFill>
-                </a:uFill>
-                <a:latin typeface="Times New Roman"/>
-                <a:ea typeface="Times New Roman"/>
-                <a:cs typeface="Times New Roman"/>
-                <a:sym typeface="Times New Roman"/>
-              </a:defRPr>
-            </a:pPr>
-            <a:r>
-              <a:t>Empowered tyrannies…</a:t>
-            </a:r>
-          </a:p>
-          <a:p>
-            <a:pPr marL="199724" indent="-199724" defTabSz="379474">
-              <a:spcBef>
-                <a:spcPts val="900"/>
-              </a:spcBef>
-              <a:buSzPct val="100000"/>
-              <a:defRPr sz="1900">
-                <a:uFill>
-                  <a:solidFill>
-                    <a:srgbClr val="000000"/>
-                  </a:solidFill>
-                </a:uFill>
-                <a:latin typeface="Times New Roman"/>
-                <a:ea typeface="Times New Roman"/>
-                <a:cs typeface="Times New Roman"/>
-                <a:sym typeface="Times New Roman"/>
-              </a:defRPr>
-            </a:pPr>
-            <a:r>
-              <a:t>Wealth gulfs…</a:t>
-            </a:r>
-          </a:p>
-          <a:p>
-            <a:pPr marL="199724" indent="-199724" defTabSz="379474">
-              <a:spcBef>
-                <a:spcPts val="900"/>
-              </a:spcBef>
-              <a:buSzPct val="100000"/>
-              <a:defRPr sz="1900">
-                <a:uFill>
-                  <a:solidFill>
-                    <a:srgbClr val="000000"/>
-                  </a:solidFill>
-                </a:uFill>
-                <a:latin typeface="Times New Roman"/>
-                <a:ea typeface="Times New Roman"/>
-                <a:cs typeface="Times New Roman"/>
-                <a:sym typeface="Times New Roman"/>
-              </a:defRPr>
-            </a:pPr>
-            <a:r>
-              <a:t>Inclusion and hierarchy attenuation…</a:t>
-            </a:r>
-          </a:p>
-          <a:p>
-            <a:pPr marL="199724" indent="-199724" defTabSz="379474">
-              <a:spcBef>
-                <a:spcPts val="900"/>
-              </a:spcBef>
-              <a:buSzPct val="100000"/>
-              <a:defRPr sz="1900">
-                <a:uFill>
-                  <a:solidFill>
-                    <a:srgbClr val="000000"/>
-                  </a:solidFill>
-                </a:uFill>
-                <a:latin typeface="Times New Roman"/>
-                <a:ea typeface="Times New Roman"/>
-                <a:cs typeface="Times New Roman"/>
-                <a:sym typeface="Times New Roman"/>
-              </a:defRPr>
-            </a:pPr>
-            <a:r>
-              <a:t>Mismanagement and insecurity…</a:t>
-            </a:r>
+            <a:pPr>
+              <a:spcBef>
+                <a:spcPts val="1200"/>
+              </a:spcBef>
+            </a:pPr>
           </a:p>
         </p:txBody>
       </p:sp>
+      <p:pic>
+        <p:nvPicPr>
+          <p:cNvPr id="232" name="Image" descr="Image"/>
+          <p:cNvPicPr>
+            <a:picLocks noChangeAspect="1"/>
+          </p:cNvPicPr>
+          <p:nvPr/>
+        </p:nvPicPr>
+        <p:blipFill>
+          <a:blip r:embed="rId2">
+            <a:extLst/>
+          </a:blip>
+          <a:stretch>
+            <a:fillRect/>
+          </a:stretch>
+        </p:blipFill>
+        <p:spPr>
+          <a:xfrm>
+            <a:off x="4086457" y="1270000"/>
+            <a:ext cx="4762502" cy="4762500"/>
+          </a:xfrm>
+          <a:prstGeom prst="rect">
+            <a:avLst/>
+          </a:prstGeom>
+          <a:ln w="12700">
+            <a:miter lim="400000"/>
+          </a:ln>
+        </p:spPr>
+      </p:pic>
     </p:spTree>
   </p:cSld>
   <p:clrMapOvr>
@@ -16477,7 +16282,7 @@
       </p:grpSpPr>
       <p:sp>
         <p:nvSpPr>
-          <p:cNvPr id="233" name="Measuring Growth"/>
+          <p:cNvPr id="234" name="2. The View from 3000: Themes &amp; Big Ideas"/>
           <p:cNvSpPr txBox="1"/>
           <p:nvPr>
             <p:ph type="title" idx="4294967295"/>
@@ -16495,11 +16300,8 @@
         <p:txBody>
           <a:bodyPr lIns="45718" tIns="45718" rIns="45718" bIns="45718"/>
           <a:lstStyle>
-            <a:lvl1pPr defTabSz="457200">
-              <a:defRPr sz="6000">
-                <a:solidFill>
-                  <a:srgbClr val="000080"/>
-                </a:solidFill>
+            <a:lvl1pPr defTabSz="288036">
+              <a:defRPr sz="3700">
                 <a:uFill>
                   <a:solidFill>
                     <a:srgbClr val="000000"/>
@@ -16511,14 +16313,14 @@
           <a:p>
             <a:pPr/>
             <a:r>
-              <a:t>Measuring Growth</a:t>
+              <a:t>The View from 3000: Themes &amp; Big Ideas</a:t>
             </a:r>
           </a:p>
         </p:txBody>
       </p:sp>
       <p:sp>
         <p:nvSpPr>
-          <p:cNvPr id="234" name="Is it the case that British Queen Victoria I Hanover was a better queen but not a happier woman than Queen Elizabeth I Tudor?…"/>
+          <p:cNvPr id="235" name="Science reaches critical mass and from it springs engineering—all of the engineering subdisciplines, including the management of human resources and of organizations. From a liberal political order spring national and then the global market economy. And from engineering and the market then, over the course of 1870-2016, spring……"/>
           <p:cNvSpPr txBox="1"/>
           <p:nvPr>
             <p:ph type="body" idx="4294967295"/>
@@ -16537,14 +16339,14 @@
           <a:bodyPr lIns="45718" tIns="45718" rIns="45718" bIns="45718" anchor="t"/>
           <a:lstStyle/>
           <a:p>
-            <a:pPr marL="0" indent="0" defTabSz="457200">
-              <a:spcBef>
-                <a:spcPts val="1200"/>
+            <a:pPr marL="0" indent="0" defTabSz="379474">
+              <a:spcBef>
+                <a:spcPts val="900"/>
               </a:spcBef>
               <a:buSzTx/>
               <a:buFont typeface="Arial"/>
               <a:buNone/>
-              <a:defRPr b="1">
+              <a:defRPr b="1" sz="1900">
                 <a:uFill>
                   <a:solidFill>
                     <a:srgbClr val="000000"/>
@@ -16557,76 +16359,205 @@
               </a:defRPr>
             </a:pPr>
             <a:r>
-              <a:t>Is it the case that British Queen Victoria I Hanover was a better queen but not a happier woman than Queen Elizabeth I Tudor?</a:t>
-            </a:r>
-          </a:p>
-          <a:p>
-            <a:pPr marL="401052" indent="-401052" defTabSz="457200">
-              <a:spcBef>
-                <a:spcPts val="1200"/>
-              </a:spcBef>
-              <a:buSzPct val="100000"/>
-              <a:buAutoNum type="alphaUcPeriod" startAt="1"/>
-              <a:defRPr>
-                <a:uFill>
-                  <a:solidFill>
-                    <a:srgbClr val="000000"/>
-                  </a:solidFill>
-                </a:uFill>
-                <a:latin typeface="Times New Roman"/>
-                <a:ea typeface="Times New Roman"/>
-                <a:cs typeface="Times New Roman"/>
-                <a:sym typeface="Times New Roman"/>
-              </a:defRPr>
-            </a:pPr>
-            <a:r>
-              <a:t>Yes</a:t>
-            </a:r>
-          </a:p>
-          <a:p>
-            <a:pPr marL="401052" indent="-401052" defTabSz="457200">
-              <a:spcBef>
-                <a:spcPts val="1200"/>
-              </a:spcBef>
-              <a:buSzPct val="100000"/>
-              <a:buAutoNum type="alphaUcPeriod" startAt="1"/>
-              <a:defRPr>
-                <a:uFill>
-                  <a:solidFill>
-                    <a:srgbClr val="000000"/>
-                  </a:solidFill>
-                </a:uFill>
-                <a:latin typeface="Times New Roman"/>
-                <a:ea typeface="Times New Roman"/>
-                <a:cs typeface="Times New Roman"/>
-                <a:sym typeface="Times New Roman"/>
-              </a:defRPr>
-            </a:pPr>
-            <a:r>
-              <a:t>No</a:t>
-            </a:r>
-          </a:p>
-          <a:p>
-            <a:pPr marL="401052" indent="-401052" defTabSz="457200">
-              <a:spcBef>
-                <a:spcPts val="1200"/>
-              </a:spcBef>
-              <a:buSzPct val="100000"/>
-              <a:buAutoNum type="alphaUcPeriod" startAt="1"/>
-              <a:defRPr>
-                <a:uFill>
-                  <a:solidFill>
-                    <a:srgbClr val="000000"/>
-                  </a:solidFill>
-                </a:uFill>
-                <a:latin typeface="Times New Roman"/>
-                <a:ea typeface="Times New Roman"/>
-                <a:cs typeface="Times New Roman"/>
-                <a:sym typeface="Times New Roman"/>
-              </a:defRPr>
-            </a:pPr>
-            <a:r>
-              <a:t>Not sure</a:t>
+              <a:t>Science reaches critical mass and from it springs engineering—all of the engineering subdisciplines, including the management of human resources and of organizations. From a liberal political order spring national and then the global market economy. And from engineering and the market then, over the course of 1870-2016, spring…</a:t>
+            </a:r>
+          </a:p>
+          <a:p>
+            <a:pPr marL="199724" indent="-199724" defTabSz="379474">
+              <a:spcBef>
+                <a:spcPts val="900"/>
+              </a:spcBef>
+              <a:buSzPct val="100000"/>
+              <a:defRPr sz="1900">
+                <a:uFill>
+                  <a:solidFill>
+                    <a:srgbClr val="000000"/>
+                  </a:solidFill>
+                </a:uFill>
+                <a:latin typeface="Times New Roman"/>
+                <a:ea typeface="Times New Roman"/>
+                <a:cs typeface="Times New Roman"/>
+                <a:sym typeface="Times New Roman"/>
+              </a:defRPr>
+            </a:pPr>
+            <a:r>
+              <a:t>History was economic…</a:t>
+            </a:r>
+          </a:p>
+          <a:p>
+            <a:pPr marL="199724" indent="-199724" defTabSz="379474">
+              <a:spcBef>
+                <a:spcPts val="900"/>
+              </a:spcBef>
+              <a:buSzPct val="100000"/>
+              <a:defRPr sz="1900">
+                <a:uFill>
+                  <a:solidFill>
+                    <a:srgbClr val="000000"/>
+                  </a:solidFill>
+                </a:uFill>
+                <a:latin typeface="Times New Roman"/>
+                <a:ea typeface="Times New Roman"/>
+                <a:cs typeface="Times New Roman"/>
+                <a:sym typeface="Times New Roman"/>
+              </a:defRPr>
+            </a:pPr>
+            <a:r>
+              <a:t>Explosion of wealth…</a:t>
+            </a:r>
+          </a:p>
+          <a:p>
+            <a:pPr marL="199724" indent="-199724" defTabSz="379474">
+              <a:spcBef>
+                <a:spcPts val="900"/>
+              </a:spcBef>
+              <a:buSzPct val="100000"/>
+              <a:defRPr sz="1900">
+                <a:uFill>
+                  <a:solidFill>
+                    <a:srgbClr val="000000"/>
+                  </a:solidFill>
+                </a:uFill>
+                <a:latin typeface="Times New Roman"/>
+                <a:ea typeface="Times New Roman"/>
+                <a:cs typeface="Times New Roman"/>
+                <a:sym typeface="Times New Roman"/>
+              </a:defRPr>
+            </a:pPr>
+            <a:r>
+              <a:t>Cornucopia of technology…</a:t>
+            </a:r>
+          </a:p>
+          <a:p>
+            <a:pPr marL="199724" indent="-199724" defTabSz="379474">
+              <a:spcBef>
+                <a:spcPts val="900"/>
+              </a:spcBef>
+              <a:buSzPct val="100000"/>
+              <a:defRPr sz="1900">
+                <a:uFill>
+                  <a:solidFill>
+                    <a:srgbClr val="000000"/>
+                  </a:solidFill>
+                </a:uFill>
+                <a:latin typeface="Times New Roman"/>
+                <a:ea typeface="Times New Roman"/>
+                <a:cs typeface="Times New Roman"/>
+                <a:sym typeface="Times New Roman"/>
+              </a:defRPr>
+            </a:pPr>
+            <a:r>
+              <a:t>Demographic transition…</a:t>
+            </a:r>
+          </a:p>
+          <a:p>
+            <a:pPr marL="199724" indent="-199724" defTabSz="379474">
+              <a:spcBef>
+                <a:spcPts val="900"/>
+              </a:spcBef>
+              <a:buSzPct val="100000"/>
+              <a:defRPr sz="1900">
+                <a:uFill>
+                  <a:solidFill>
+                    <a:srgbClr val="000000"/>
+                  </a:solidFill>
+                </a:uFill>
+                <a:latin typeface="Times New Roman"/>
+                <a:ea typeface="Times New Roman"/>
+                <a:cs typeface="Times New Roman"/>
+                <a:sym typeface="Times New Roman"/>
+              </a:defRPr>
+            </a:pPr>
+            <a:r>
+              <a:t>Feminist revolution…</a:t>
+            </a:r>
+          </a:p>
+          <a:p>
+            <a:pPr marL="199724" indent="-199724" defTabSz="379474">
+              <a:spcBef>
+                <a:spcPts val="900"/>
+              </a:spcBef>
+              <a:buSzPct val="100000"/>
+              <a:defRPr sz="1900">
+                <a:uFill>
+                  <a:solidFill>
+                    <a:srgbClr val="000000"/>
+                  </a:solidFill>
+                </a:uFill>
+                <a:latin typeface="Times New Roman"/>
+                <a:ea typeface="Times New Roman"/>
+                <a:cs typeface="Times New Roman"/>
+                <a:sym typeface="Times New Roman"/>
+              </a:defRPr>
+            </a:pPr>
+            <a:r>
+              <a:t>Empowered tyrannies…</a:t>
+            </a:r>
+          </a:p>
+          <a:p>
+            <a:pPr marL="199724" indent="-199724" defTabSz="379474">
+              <a:spcBef>
+                <a:spcPts val="900"/>
+              </a:spcBef>
+              <a:buSzPct val="100000"/>
+              <a:defRPr sz="1900">
+                <a:uFill>
+                  <a:solidFill>
+                    <a:srgbClr val="000000"/>
+                  </a:solidFill>
+                </a:uFill>
+                <a:latin typeface="Times New Roman"/>
+                <a:ea typeface="Times New Roman"/>
+                <a:cs typeface="Times New Roman"/>
+                <a:sym typeface="Times New Roman"/>
+              </a:defRPr>
+            </a:pPr>
+            <a:r>
+              <a:t>Wealth gulfs…</a:t>
+            </a:r>
+          </a:p>
+          <a:p>
+            <a:pPr marL="199724" indent="-199724" defTabSz="379474">
+              <a:spcBef>
+                <a:spcPts val="900"/>
+              </a:spcBef>
+              <a:buSzPct val="100000"/>
+              <a:defRPr sz="1900">
+                <a:uFill>
+                  <a:solidFill>
+                    <a:srgbClr val="000000"/>
+                  </a:solidFill>
+                </a:uFill>
+                <a:latin typeface="Times New Roman"/>
+                <a:ea typeface="Times New Roman"/>
+                <a:cs typeface="Times New Roman"/>
+                <a:sym typeface="Times New Roman"/>
+              </a:defRPr>
+            </a:pPr>
+            <a:r>
+              <a:t>Inclusion and hierarchy attenuation…</a:t>
+            </a:r>
+          </a:p>
+          <a:p>
+            <a:pPr marL="199724" indent="-199724" defTabSz="379474">
+              <a:spcBef>
+                <a:spcPts val="900"/>
+              </a:spcBef>
+              <a:buSzPct val="100000"/>
+              <a:defRPr sz="1900">
+                <a:uFill>
+                  <a:solidFill>
+                    <a:srgbClr val="000000"/>
+                  </a:solidFill>
+                </a:uFill>
+                <a:latin typeface="Times New Roman"/>
+                <a:ea typeface="Times New Roman"/>
+                <a:cs typeface="Times New Roman"/>
+                <a:sym typeface="Times New Roman"/>
+              </a:defRPr>
+            </a:pPr>
+            <a:r>
+              <a:t>Mismanagement and insecurity…</a:t>
             </a:r>
           </a:p>
         </p:txBody>
@@ -16659,7 +16590,7 @@
       </p:grpSpPr>
       <p:sp>
         <p:nvSpPr>
-          <p:cNvPr id="236" name="Measuring Growth II"/>
+          <p:cNvPr id="237" name="Measuring Growth"/>
           <p:cNvSpPr txBox="1"/>
           <p:nvPr>
             <p:ph type="title" idx="4294967295"/>
@@ -16693,14 +16624,14 @@
           <a:p>
             <a:pPr/>
             <a:r>
-              <a:t>Measuring Growth II</a:t>
+              <a:t>Measuring Growth</a:t>
             </a:r>
           </a:p>
         </p:txBody>
       </p:sp>
       <p:sp>
         <p:nvSpPr>
-          <p:cNvPr id="237" name="What are my estimates of the rate of growth of economically-useful human knowledge over 1-1500, 1500-1800, 1800-1870, and 1870-2000?…"/>
+          <p:cNvPr id="238" name="Is it the case that British Queen Victoria I Hanover was a better queen but not a happier woman than Queen Elizabeth I Tudor?…"/>
           <p:cNvSpPr txBox="1"/>
           <p:nvPr>
             <p:ph type="body" idx="4294967295"/>
@@ -16739,7 +16670,7 @@
               </a:defRPr>
             </a:pPr>
             <a:r>
-              <a:t>What are my estimates of the rate of growth of economically-useful human knowledge over 1-1500, 1500-1800, 1800-1870, and 1870-2000?</a:t>
+              <a:t>Is it the case that British Queen Victoria I Hanover was a better queen but not a happier woman than Queen Elizabeth I Tudor?</a:t>
             </a:r>
           </a:p>
           <a:p>
@@ -16762,7 +16693,7 @@
               </a:defRPr>
             </a:pPr>
             <a:r>
-              <a:t>0.02%/year, 0.2%/year, 0.5%/year, and 0.8%/year</a:t>
+              <a:t>Yes</a:t>
             </a:r>
           </a:p>
           <a:p>
@@ -16785,7 +16716,7 @@
               </a:defRPr>
             </a:pPr>
             <a:r>
-              <a:t>0.000%/year, 0.02%/year, 0.2%/year, and 0.8%/year</a:t>
+              <a:t>No</a:t>
             </a:r>
           </a:p>
           <a:p>
@@ -16808,53 +16739,7 @@
               </a:defRPr>
             </a:pPr>
             <a:r>
-              <a:t>0.02%/year, 0.2%/year, 0.8%/year, and 2.3%/year</a:t>
-            </a:r>
-          </a:p>
-          <a:p>
-            <a:pPr marL="401052" indent="-401052" defTabSz="457200">
-              <a:spcBef>
-                <a:spcPts val="1200"/>
-              </a:spcBef>
-              <a:buSzPct val="100000"/>
-              <a:buAutoNum type="alphaUcPeriod" startAt="1"/>
-              <a:defRPr>
-                <a:uFill>
-                  <a:solidFill>
-                    <a:srgbClr val="000000"/>
-                  </a:solidFill>
-                </a:uFill>
-                <a:latin typeface="Times New Roman"/>
-                <a:ea typeface="Times New Roman"/>
-                <a:cs typeface="Times New Roman"/>
-                <a:sym typeface="Times New Roman"/>
-              </a:defRPr>
-            </a:pPr>
-            <a:r>
-              <a:t>0.2%/year, 0.8%/year, 2.3%/year, and 4.7%/year</a:t>
-            </a:r>
-          </a:p>
-          <a:p>
-            <a:pPr marL="401052" indent="-401052" defTabSz="457200">
-              <a:spcBef>
-                <a:spcPts val="1200"/>
-              </a:spcBef>
-              <a:buSzPct val="100000"/>
-              <a:buAutoNum type="alphaUcPeriod" startAt="1"/>
-              <a:defRPr>
-                <a:uFill>
-                  <a:solidFill>
-                    <a:srgbClr val="000000"/>
-                  </a:solidFill>
-                </a:uFill>
-                <a:latin typeface="Times New Roman"/>
-                <a:ea typeface="Times New Roman"/>
-                <a:cs typeface="Times New Roman"/>
-                <a:sym typeface="Times New Roman"/>
-              </a:defRPr>
-            </a:pPr>
-            <a:r>
-              <a:t>None of the above.</a:t>
+              <a:t>Not sure</a:t>
             </a:r>
           </a:p>
         </p:txBody>
@@ -16887,7 +16772,7 @@
       </p:grpSpPr>
       <p:sp>
         <p:nvSpPr>
-          <p:cNvPr id="239" name="What Is the Key Factor in the Explosion of Wealth in the 20th Century?"/>
+          <p:cNvPr id="240" name="Measuring Growth II"/>
           <p:cNvSpPr txBox="1"/>
           <p:nvPr>
             <p:ph type="title" idx="4294967295"/>
@@ -16905,8 +16790,8 @@
         <p:txBody>
           <a:bodyPr lIns="45718" tIns="45718" rIns="45718" bIns="45718"/>
           <a:lstStyle>
-            <a:lvl1pPr defTabSz="269747">
-              <a:defRPr sz="3500">
+            <a:lvl1pPr defTabSz="457200">
+              <a:defRPr sz="6000">
                 <a:solidFill>
                   <a:srgbClr val="000080"/>
                 </a:solidFill>
@@ -16921,14 +16806,14 @@
           <a:p>
             <a:pPr/>
             <a:r>
-              <a:t>What Is the Key Factor in the Explosion of Wealth in the 20th Century?</a:t>
+              <a:t>Measuring Growth II</a:t>
             </a:r>
           </a:p>
         </p:txBody>
       </p:sp>
       <p:sp>
         <p:nvSpPr>
-          <p:cNvPr id="240" name="Yes, many things contributed. But suppose you have to pick just one"/>
+          <p:cNvPr id="241" name="What are my estimates of the rate of growth of economically-useful human knowledge over 1-1500, 1500-1800, 1800-1870, and 1870-2000?…"/>
           <p:cNvSpPr txBox="1"/>
           <p:nvPr>
             <p:ph type="body" idx="4294967295"/>
@@ -16945,8 +16830,9 @@
         </p:spPr>
         <p:txBody>
           <a:bodyPr lIns="45718" tIns="45718" rIns="45718" bIns="45718" anchor="t"/>
-          <a:lstStyle>
-            <a:lvl1pPr marL="0" indent="0" defTabSz="457200">
+          <a:lstStyle/>
+          <a:p>
+            <a:pPr marL="0" indent="0" defTabSz="457200">
               <a:spcBef>
                 <a:spcPts val="1200"/>
               </a:spcBef>
@@ -16964,12 +16850,124 @@
                 <a:cs typeface="+mn-cs"/>
                 <a:sym typeface="Helvetica"/>
               </a:defRPr>
-            </a:lvl1pPr>
-          </a:lstStyle>
-          <a:p>
-            <a:pPr/>
-            <a:r>
-              <a:t>Yes, many things contributed. But suppose you have to pick just one</a:t>
+            </a:pPr>
+            <a:r>
+              <a:t>What are my estimates of the rate of growth of economically-useful human knowledge over 1-1500, 1500-1800, 1800-1870, and 1870-2000?</a:t>
+            </a:r>
+          </a:p>
+          <a:p>
+            <a:pPr marL="401052" indent="-401052" defTabSz="457200">
+              <a:spcBef>
+                <a:spcPts val="1200"/>
+              </a:spcBef>
+              <a:buSzPct val="100000"/>
+              <a:buAutoNum type="alphaUcPeriod" startAt="1"/>
+              <a:defRPr>
+                <a:uFill>
+                  <a:solidFill>
+                    <a:srgbClr val="000000"/>
+                  </a:solidFill>
+                </a:uFill>
+                <a:latin typeface="Times New Roman"/>
+                <a:ea typeface="Times New Roman"/>
+                <a:cs typeface="Times New Roman"/>
+                <a:sym typeface="Times New Roman"/>
+              </a:defRPr>
+            </a:pPr>
+            <a:r>
+              <a:t>0.02%/year, 0.2%/year, 0.5%/year, and 0.8%/year</a:t>
+            </a:r>
+          </a:p>
+          <a:p>
+            <a:pPr marL="401052" indent="-401052" defTabSz="457200">
+              <a:spcBef>
+                <a:spcPts val="1200"/>
+              </a:spcBef>
+              <a:buSzPct val="100000"/>
+              <a:buAutoNum type="alphaUcPeriod" startAt="1"/>
+              <a:defRPr>
+                <a:uFill>
+                  <a:solidFill>
+                    <a:srgbClr val="000000"/>
+                  </a:solidFill>
+                </a:uFill>
+                <a:latin typeface="Times New Roman"/>
+                <a:ea typeface="Times New Roman"/>
+                <a:cs typeface="Times New Roman"/>
+                <a:sym typeface="Times New Roman"/>
+              </a:defRPr>
+            </a:pPr>
+            <a:r>
+              <a:t>0.000%/year, 0.02%/year, 0.2%/year, and 0.8%/year</a:t>
+            </a:r>
+          </a:p>
+          <a:p>
+            <a:pPr marL="401052" indent="-401052" defTabSz="457200">
+              <a:spcBef>
+                <a:spcPts val="1200"/>
+              </a:spcBef>
+              <a:buSzPct val="100000"/>
+              <a:buAutoNum type="alphaUcPeriod" startAt="1"/>
+              <a:defRPr>
+                <a:uFill>
+                  <a:solidFill>
+                    <a:srgbClr val="000000"/>
+                  </a:solidFill>
+                </a:uFill>
+                <a:latin typeface="Times New Roman"/>
+                <a:ea typeface="Times New Roman"/>
+                <a:cs typeface="Times New Roman"/>
+                <a:sym typeface="Times New Roman"/>
+              </a:defRPr>
+            </a:pPr>
+            <a:r>
+              <a:t>0.02%/year, 0.2%/year, 0.8%/year, and 2.3%/year</a:t>
+            </a:r>
+          </a:p>
+          <a:p>
+            <a:pPr marL="401052" indent="-401052" defTabSz="457200">
+              <a:spcBef>
+                <a:spcPts val="1200"/>
+              </a:spcBef>
+              <a:buSzPct val="100000"/>
+              <a:buAutoNum type="alphaUcPeriod" startAt="1"/>
+              <a:defRPr>
+                <a:uFill>
+                  <a:solidFill>
+                    <a:srgbClr val="000000"/>
+                  </a:solidFill>
+                </a:uFill>
+                <a:latin typeface="Times New Roman"/>
+                <a:ea typeface="Times New Roman"/>
+                <a:cs typeface="Times New Roman"/>
+                <a:sym typeface="Times New Roman"/>
+              </a:defRPr>
+            </a:pPr>
+            <a:r>
+              <a:t>0.2%/year, 0.8%/year, 2.3%/year, and 4.7%/year</a:t>
+            </a:r>
+          </a:p>
+          <a:p>
+            <a:pPr marL="401052" indent="-401052" defTabSz="457200">
+              <a:spcBef>
+                <a:spcPts val="1200"/>
+              </a:spcBef>
+              <a:buSzPct val="100000"/>
+              <a:buAutoNum type="alphaUcPeriod" startAt="1"/>
+              <a:defRPr>
+                <a:uFill>
+                  <a:solidFill>
+                    <a:srgbClr val="000000"/>
+                  </a:solidFill>
+                </a:uFill>
+                <a:latin typeface="Times New Roman"/>
+                <a:ea typeface="Times New Roman"/>
+                <a:cs typeface="Times New Roman"/>
+                <a:sym typeface="Times New Roman"/>
+              </a:defRPr>
+            </a:pPr>
+            <a:r>
+              <a:t>None of the above.</a:t>
             </a:r>
           </a:p>
         </p:txBody>
@@ -17002,7 +17000,7 @@
       </p:grpSpPr>
       <p:sp>
         <p:nvSpPr>
-          <p:cNvPr id="242" name="What Are the Four Factors That I See as Making for the Explosion of Wealth in the 20th Century?"/>
+          <p:cNvPr id="243" name="What Is the Key Factor in the Explosion of Wealth in the 20th Century?"/>
           <p:cNvSpPr txBox="1"/>
           <p:nvPr>
             <p:ph type="title" idx="4294967295"/>
@@ -17020,8 +17018,8 @@
         <p:txBody>
           <a:bodyPr lIns="45718" tIns="45718" rIns="45718" bIns="45718"/>
           <a:lstStyle>
-            <a:lvl1pPr defTabSz="219454">
-              <a:defRPr sz="2800">
+            <a:lvl1pPr defTabSz="269747">
+              <a:defRPr sz="3500">
                 <a:solidFill>
                   <a:srgbClr val="000080"/>
                 </a:solidFill>
@@ -17036,14 +17034,14 @@
           <a:p>
             <a:pPr/>
             <a:r>
-              <a:t>What Are the Four Factors That I See as Making for the Explosion of Wealth in the 20th Century?</a:t>
+              <a:t>What Is the Key Factor in the Explosion of Wealth in the 20th Century?</a:t>
             </a:r>
           </a:p>
         </p:txBody>
       </p:sp>
       <p:sp>
         <p:nvSpPr>
-          <p:cNvPr id="243" name="Yes, there are many, many more things that contributed. But suppose you have to pick just four:"/>
+          <p:cNvPr id="244" name="Yes, many things contributed. But suppose you have to pick just one"/>
           <p:cNvSpPr txBox="1"/>
           <p:nvPr>
             <p:ph type="body" idx="4294967295"/>
@@ -17084,7 +17082,7 @@
           <a:p>
             <a:pPr/>
             <a:r>
-              <a:t>Yes, there are many, many more things that contributed. But suppose you have to pick just four:</a:t>
+              <a:t>Yes, many things contributed. But suppose you have to pick just one</a:t>
             </a:r>
           </a:p>
         </p:txBody>
@@ -17117,7 +17115,7 @@
       </p:grpSpPr>
       <p:sp>
         <p:nvSpPr>
-          <p:cNvPr id="245" name="Demography"/>
+          <p:cNvPr id="246" name="What Are the Four Factors That I See as Making for the Explosion of Wealth in the 20th Century?"/>
           <p:cNvSpPr txBox="1"/>
           <p:nvPr>
             <p:ph type="title" idx="4294967295"/>
@@ -17135,8 +17133,8 @@
         <p:txBody>
           <a:bodyPr lIns="45718" tIns="45718" rIns="45718" bIns="45718"/>
           <a:lstStyle>
-            <a:lvl1pPr defTabSz="457200">
-              <a:defRPr sz="6000">
+            <a:lvl1pPr defTabSz="219454">
+              <a:defRPr sz="2800">
                 <a:solidFill>
                   <a:srgbClr val="000080"/>
                 </a:solidFill>
@@ -17151,14 +17149,14 @@
           <a:p>
             <a:pPr/>
             <a:r>
-              <a:t>Demography</a:t>
+              <a:t>What Are the Four Factors That I See as Making for the Explosion of Wealth in the 20th Century?</a:t>
             </a:r>
           </a:p>
         </p:txBody>
       </p:sp>
       <p:sp>
         <p:nvSpPr>
-          <p:cNvPr id="246" name="What is the “demographic transition”?"/>
+          <p:cNvPr id="247" name="Yes, there are many, many more things that contributed. But suppose you have to pick just four:"/>
           <p:cNvSpPr txBox="1"/>
           <p:nvPr>
             <p:ph type="body" idx="4294967295"/>
@@ -17199,7 +17197,7 @@
           <a:p>
             <a:pPr/>
             <a:r>
-              <a:t>What is the “demographic transition”?</a:t>
+              <a:t>Yes, there are many, many more things that contributed. But suppose you have to pick just four:</a:t>
             </a:r>
           </a:p>
         </p:txBody>
@@ -17232,7 +17230,7 @@
       </p:grpSpPr>
       <p:sp>
         <p:nvSpPr>
-          <p:cNvPr id="248" name="Demography II"/>
+          <p:cNvPr id="249" name="Demography"/>
           <p:cNvSpPr txBox="1"/>
           <p:nvPr>
             <p:ph type="title" idx="4294967295"/>
@@ -17266,14 +17264,14 @@
           <a:p>
             <a:pPr/>
             <a:r>
-              <a:t>Demography II</a:t>
+              <a:t>Demography</a:t>
             </a:r>
           </a:p>
         </p:txBody>
       </p:sp>
       <p:sp>
         <p:nvSpPr>
-          <p:cNvPr id="249" name="What is the principal cause of the demographic transition?…"/>
+          <p:cNvPr id="250" name="What is the “demographic transition”?"/>
           <p:cNvSpPr txBox="1"/>
           <p:nvPr>
             <p:ph type="body" idx="4294967295"/>
@@ -17290,9 +17288,8 @@
         </p:spPr>
         <p:txBody>
           <a:bodyPr lIns="45718" tIns="45718" rIns="45718" bIns="45718" anchor="t"/>
-          <a:lstStyle/>
-          <a:p>
-            <a:pPr marL="0" indent="0" defTabSz="457200">
+          <a:lstStyle>
+            <a:lvl1pPr marL="0" indent="0" defTabSz="457200">
               <a:spcBef>
                 <a:spcPts val="1200"/>
               </a:spcBef>
@@ -17310,124 +17307,12 @@
                 <a:cs typeface="+mn-cs"/>
                 <a:sym typeface="Helvetica"/>
               </a:defRPr>
-            </a:pPr>
-            <a:r>
-              <a:t>What is the principal cause of the demographic transition?</a:t>
-            </a:r>
-          </a:p>
-          <a:p>
-            <a:pPr marL="401052" indent="-401052" defTabSz="457200">
-              <a:spcBef>
-                <a:spcPts val="1200"/>
-              </a:spcBef>
-              <a:buSzPct val="100000"/>
-              <a:buAutoNum type="alphaUcPeriod" startAt="1"/>
-              <a:defRPr>
-                <a:uFill>
-                  <a:solidFill>
-                    <a:srgbClr val="000000"/>
-                  </a:solidFill>
-                </a:uFill>
-                <a:latin typeface="Times New Roman"/>
-                <a:ea typeface="Times New Roman"/>
-                <a:cs typeface="Times New Roman"/>
-                <a:sym typeface="Times New Roman"/>
-              </a:defRPr>
-            </a:pPr>
-            <a:r>
-              <a:t>Female wealth and control of property.</a:t>
-            </a:r>
-          </a:p>
-          <a:p>
-            <a:pPr marL="401052" indent="-401052" defTabSz="457200">
-              <a:spcBef>
-                <a:spcPts val="1200"/>
-              </a:spcBef>
-              <a:buSzPct val="100000"/>
-              <a:buAutoNum type="alphaUcPeriod" startAt="1"/>
-              <a:defRPr>
-                <a:uFill>
-                  <a:solidFill>
-                    <a:srgbClr val="000000"/>
-                  </a:solidFill>
-                </a:uFill>
-                <a:latin typeface="Times New Roman"/>
-                <a:ea typeface="Times New Roman"/>
-                <a:cs typeface="Times New Roman"/>
-                <a:sym typeface="Times New Roman"/>
-              </a:defRPr>
-            </a:pPr>
-            <a:r>
-              <a:t>Female literacy.</a:t>
-            </a:r>
-          </a:p>
-          <a:p>
-            <a:pPr marL="401052" indent="-401052" defTabSz="457200">
-              <a:spcBef>
-                <a:spcPts val="1200"/>
-              </a:spcBef>
-              <a:buSzPct val="100000"/>
-              <a:buAutoNum type="alphaUcPeriod" startAt="1"/>
-              <a:defRPr>
-                <a:uFill>
-                  <a:solidFill>
-                    <a:srgbClr val="000000"/>
-                  </a:solidFill>
-                </a:uFill>
-                <a:latin typeface="Times New Roman"/>
-                <a:ea typeface="Times New Roman"/>
-                <a:cs typeface="Times New Roman"/>
-                <a:sym typeface="Times New Roman"/>
-              </a:defRPr>
-            </a:pPr>
-            <a:r>
-              <a:t>Falling infant and child mortality.</a:t>
-            </a:r>
-          </a:p>
-          <a:p>
-            <a:pPr marL="401052" indent="-401052" defTabSz="457200">
-              <a:spcBef>
-                <a:spcPts val="1200"/>
-              </a:spcBef>
-              <a:buSzPct val="100000"/>
-              <a:buAutoNum type="alphaUcPeriod" startAt="1"/>
-              <a:defRPr>
-                <a:uFill>
-                  <a:solidFill>
-                    <a:srgbClr val="000000"/>
-                  </a:solidFill>
-                </a:uFill>
-                <a:latin typeface="Times New Roman"/>
-                <a:ea typeface="Times New Roman"/>
-                <a:cs typeface="Times New Roman"/>
-                <a:sym typeface="Times New Roman"/>
-              </a:defRPr>
-            </a:pPr>
-            <a:r>
-              <a:t>Land shortages and high unemployment.</a:t>
-            </a:r>
-          </a:p>
-          <a:p>
-            <a:pPr marL="401052" indent="-401052" defTabSz="457200">
-              <a:spcBef>
-                <a:spcPts val="1200"/>
-              </a:spcBef>
-              <a:buSzPct val="100000"/>
-              <a:buAutoNum type="alphaUcPeriod" startAt="1"/>
-              <a:defRPr>
-                <a:uFill>
-                  <a:solidFill>
-                    <a:srgbClr val="000000"/>
-                  </a:solidFill>
-                </a:uFill>
-                <a:latin typeface="Times New Roman"/>
-                <a:ea typeface="Times New Roman"/>
-                <a:cs typeface="Times New Roman"/>
-                <a:sym typeface="Times New Roman"/>
-              </a:defRPr>
-            </a:pPr>
-            <a:r>
-              <a:t>Something else.</a:t>
+            </a:lvl1pPr>
+          </a:lstStyle>
+          <a:p>
+            <a:pPr/>
+            <a:r>
+              <a:t>What is the “demographic transition”?</a:t>
             </a:r>
           </a:p>
         </p:txBody>
@@ -17460,7 +17345,7 @@
       </p:grpSpPr>
       <p:sp>
         <p:nvSpPr>
-          <p:cNvPr id="251" name="Feminism"/>
+          <p:cNvPr id="252" name="Demography II"/>
           <p:cNvSpPr txBox="1"/>
           <p:nvPr>
             <p:ph type="title" idx="4294967295"/>
@@ -17494,14 +17379,14 @@
           <a:p>
             <a:pPr/>
             <a:r>
-              <a:t>Feminism</a:t>
+              <a:t>Demography II</a:t>
             </a:r>
           </a:p>
         </p:txBody>
       </p:sp>
       <p:sp>
         <p:nvSpPr>
-          <p:cNvPr id="252" name="How many pregnancies do we think Abigail Smith Adams had between when she was 20 and 34?…"/>
+          <p:cNvPr id="253" name="What is the principal cause of the demographic transition?…"/>
           <p:cNvSpPr txBox="1"/>
           <p:nvPr>
             <p:ph type="body" idx="4294967295"/>
@@ -17540,7 +17425,7 @@
               </a:defRPr>
             </a:pPr>
             <a:r>
-              <a:t>How many pregnancies do we think Abigail Smith Adams had between when she was 20 and 34?</a:t>
+              <a:t>What is the principal cause of the demographic transition?</a:t>
             </a:r>
           </a:p>
           <a:p>
@@ -17563,7 +17448,7 @@
               </a:defRPr>
             </a:pPr>
             <a:r>
-              <a:t>2.</a:t>
+              <a:t>Female wealth and control of property.</a:t>
             </a:r>
           </a:p>
           <a:p>
@@ -17586,7 +17471,7 @@
               </a:defRPr>
             </a:pPr>
             <a:r>
-              <a:t>4.</a:t>
+              <a:t>Female literacy.</a:t>
             </a:r>
           </a:p>
           <a:p>
@@ -17609,7 +17494,7 @@
               </a:defRPr>
             </a:pPr>
             <a:r>
-              <a:t>6.</a:t>
+              <a:t>Falling infant and child mortality.</a:t>
             </a:r>
           </a:p>
           <a:p>
@@ -17632,7 +17517,7 @@
               </a:defRPr>
             </a:pPr>
             <a:r>
-              <a:t>8.</a:t>
+              <a:t>Land shortages and high unemployment.</a:t>
             </a:r>
           </a:p>
           <a:p>
@@ -17655,7 +17540,7 @@
               </a:defRPr>
             </a:pPr>
             <a:r>
-              <a:t>18.</a:t>
+              <a:t>Something else.</a:t>
             </a:r>
           </a:p>
         </p:txBody>
@@ -17688,7 +17573,7 @@
       </p:grpSpPr>
       <p:sp>
         <p:nvSpPr>
-          <p:cNvPr id="254" name="Empowered Tyrannies II"/>
+          <p:cNvPr id="255" name="Feminism"/>
           <p:cNvSpPr txBox="1"/>
           <p:nvPr>
             <p:ph type="title" idx="4294967295"/>
@@ -17706,8 +17591,8 @@
         <p:txBody>
           <a:bodyPr lIns="45718" tIns="45718" rIns="45718" bIns="45718"/>
           <a:lstStyle>
-            <a:lvl1pPr defTabSz="443483">
-              <a:defRPr sz="5800">
+            <a:lvl1pPr defTabSz="457200">
+              <a:defRPr sz="6000">
                 <a:solidFill>
                   <a:srgbClr val="000080"/>
                 </a:solidFill>
@@ -17722,14 +17607,14 @@
           <a:p>
             <a:pPr/>
             <a:r>
-              <a:t>Empowered Tyrannies II</a:t>
+              <a:t>Feminism</a:t>
             </a:r>
           </a:p>
         </p:txBody>
       </p:sp>
       <p:sp>
         <p:nvSpPr>
-          <p:cNvPr id="255" name="How many world leaders are members of the 10-million club?…"/>
+          <p:cNvPr id="256" name="How many pregnancies do we think Abigail Smith Adams had between when she was 20 and 34?…"/>
           <p:cNvSpPr txBox="1"/>
           <p:nvPr>
             <p:ph type="body" idx="4294967295"/>
@@ -17768,7 +17653,7 @@
               </a:defRPr>
             </a:pPr>
             <a:r>
-              <a:t>How many world leaders are members of the 10-million club?</a:t>
+              <a:t>How many pregnancies do we think Abigail Smith Adams had between when she was 20 and 34?</a:t>
             </a:r>
           </a:p>
           <a:p>
@@ -17916,7 +17801,7 @@
       </p:grpSpPr>
       <p:sp>
         <p:nvSpPr>
-          <p:cNvPr id="257" name="Wealth Gulfs"/>
+          <p:cNvPr id="258" name="Empowered Tyrannies II"/>
           <p:cNvSpPr txBox="1"/>
           <p:nvPr>
             <p:ph type="title" idx="4294967295"/>
@@ -17934,8 +17819,8 @@
         <p:txBody>
           <a:bodyPr lIns="45718" tIns="45718" rIns="45718" bIns="45718"/>
           <a:lstStyle>
-            <a:lvl1pPr defTabSz="457200">
-              <a:defRPr sz="6000">
+            <a:lvl1pPr defTabSz="443483">
+              <a:defRPr sz="5800">
                 <a:solidFill>
                   <a:srgbClr val="000080"/>
                 </a:solidFill>
@@ -17950,14 +17835,14 @@
           <a:p>
             <a:pPr/>
             <a:r>
-              <a:t>Wealth Gulfs</a:t>
+              <a:t>Empowered Tyrannies II</a:t>
             </a:r>
           </a:p>
         </p:txBody>
       </p:sp>
       <p:sp>
         <p:nvSpPr>
-          <p:cNvPr id="258" name="What fraction of humanity has not climbed onto the “escalator to modernity”?…"/>
+          <p:cNvPr id="259" name="How many world leaders are members of the 10-million club?…"/>
           <p:cNvSpPr txBox="1"/>
           <p:nvPr>
             <p:ph type="body" idx="4294967295"/>
@@ -17996,7 +17881,7 @@
               </a:defRPr>
             </a:pPr>
             <a:r>
-              <a:t>What fraction of humanity has not climbed onto the “escalator to modernity”?</a:t>
+              <a:t>How many world leaders are members of the 10-million club?</a:t>
             </a:r>
           </a:p>
           <a:p>
@@ -18019,7 +17904,7 @@
               </a:defRPr>
             </a:pPr>
             <a:r>
-              <a:t>10%</a:t>
+              <a:t>2.</a:t>
             </a:r>
           </a:p>
           <a:p>
@@ -18042,7 +17927,7 @@
               </a:defRPr>
             </a:pPr>
             <a:r>
-              <a:t>1%</a:t>
+              <a:t>4.</a:t>
             </a:r>
           </a:p>
           <a:p>
@@ -18065,7 +17950,7 @@
               </a:defRPr>
             </a:pPr>
             <a:r>
-              <a:t>50%</a:t>
+              <a:t>6.</a:t>
             </a:r>
           </a:p>
           <a:p>
@@ -18088,7 +17973,7 @@
               </a:defRPr>
             </a:pPr>
             <a:r>
-              <a:t>75%</a:t>
+              <a:t>8.</a:t>
             </a:r>
           </a:p>
           <a:p>
@@ -18111,7 +17996,7 @@
               </a:defRPr>
             </a:pPr>
             <a:r>
-              <a:t>We cannot yet tell.</a:t>
+              <a:t>18.</a:t>
             </a:r>
           </a:p>
         </p:txBody>
@@ -18365,7 +18250,7 @@
       </p:grpSpPr>
       <p:sp>
         <p:nvSpPr>
-          <p:cNvPr id="260" name="Inclusion and Hierarchy Attenuation"/>
+          <p:cNvPr id="261" name="Wealth Gulfs"/>
           <p:cNvSpPr txBox="1"/>
           <p:nvPr>
             <p:ph type="title" idx="4294967295"/>
@@ -18383,8 +18268,8 @@
         <p:txBody>
           <a:bodyPr lIns="45718" tIns="45718" rIns="45718" bIns="45718"/>
           <a:lstStyle>
-            <a:lvl1pPr defTabSz="292606">
-              <a:defRPr sz="3800">
+            <a:lvl1pPr defTabSz="457200">
+              <a:defRPr sz="6000">
                 <a:solidFill>
                   <a:srgbClr val="000080"/>
                 </a:solidFill>
@@ -18399,14 +18284,14 @@
           <a:p>
             <a:pPr/>
             <a:r>
-              <a:t>Inclusion and Hierarchy Attenuation</a:t>
+              <a:t>Wealth Gulfs</a:t>
             </a:r>
           </a:p>
         </p:txBody>
       </p:sp>
       <p:sp>
         <p:nvSpPr>
-          <p:cNvPr id="261" name="At the start of the 1970s, future President Ronald Reagan said that diplomats from Tanzania appeared uncomfortable:…"/>
+          <p:cNvPr id="262" name="What fraction of humanity has not climbed onto the “escalator to modernity”?…"/>
           <p:cNvSpPr txBox="1"/>
           <p:nvPr>
             <p:ph type="body" idx="4294967295"/>
@@ -18445,7 +18330,7 @@
               </a:defRPr>
             </a:pPr>
             <a:r>
-              <a:t>At the start of the 1970s, future President Ronald Reagan said that diplomats from Tanzania appeared uncomfortable:</a:t>
+              <a:t>What fraction of humanity has not climbed onto the “escalator to modernity”?</a:t>
             </a:r>
           </a:p>
           <a:p>
@@ -18468,7 +18353,7 @@
               </a:defRPr>
             </a:pPr>
             <a:r>
-              <a:t>resisting pressure to vote with the Soviet Union at the United Nations.</a:t>
+              <a:t>10%</a:t>
             </a:r>
           </a:p>
           <a:p>
@@ -18491,7 +18376,7 @@
               </a:defRPr>
             </a:pPr>
             <a:r>
-              <a:t>making small talk with New York socialites.</a:t>
+              <a:t>1%</a:t>
             </a:r>
           </a:p>
           <a:p>
@@ -18514,7 +18399,7 @@
               </a:defRPr>
             </a:pPr>
             <a:r>
-              <a:t>wearing shoes.</a:t>
+              <a:t>50%</a:t>
             </a:r>
           </a:p>
           <a:p>
@@ -18537,7 +18422,7 @@
               </a:defRPr>
             </a:pPr>
             <a:r>
-              <a:t>in formal tuxedos.</a:t>
+              <a:t>75%</a:t>
             </a:r>
           </a:p>
           <a:p>
@@ -18560,7 +18445,7 @@
               </a:defRPr>
             </a:pPr>
             <a:r>
-              <a:t>None of the above.</a:t>
+              <a:t>We cannot yet tell.</a:t>
             </a:r>
           </a:p>
         </p:txBody>
@@ -18593,7 +18478,7 @@
       </p:grpSpPr>
       <p:sp>
         <p:nvSpPr>
-          <p:cNvPr id="263" name="Economic Mismanagement and Insecurity"/>
+          <p:cNvPr id="264" name="Inclusion and Hierarchy Attenuation"/>
           <p:cNvSpPr txBox="1"/>
           <p:nvPr>
             <p:ph type="title" idx="4294967295"/>
@@ -18611,8 +18496,8 @@
         <p:txBody>
           <a:bodyPr lIns="45718" tIns="45718" rIns="45718" bIns="45718"/>
           <a:lstStyle>
-            <a:lvl1pPr defTabSz="288036">
-              <a:defRPr sz="3700">
+            <a:lvl1pPr defTabSz="292606">
+              <a:defRPr sz="3800">
                 <a:solidFill>
                   <a:srgbClr val="000080"/>
                 </a:solidFill>
@@ -18627,14 +18512,14 @@
           <a:p>
             <a:pPr/>
             <a:r>
-              <a:t>Economic Mismanagement and Insecurity</a:t>
+              <a:t>Inclusion and Hierarchy Attenuation</a:t>
             </a:r>
           </a:p>
         </p:txBody>
       </p:sp>
       <p:sp>
         <p:nvSpPr>
-          <p:cNvPr id="264" name="Karl Polanyi argued that people have rights to what things that the market economy turns into “commodities”?…"/>
+          <p:cNvPr id="265" name="At the start of the 1970s, future President Ronald Reagan said that diplomats from Tanzania appeared uncomfortable:…"/>
           <p:cNvSpPr txBox="1"/>
           <p:nvPr>
             <p:ph type="body" idx="4294967295"/>
@@ -18673,7 +18558,7 @@
               </a:defRPr>
             </a:pPr>
             <a:r>
-              <a:t>Karl Polanyi argued that people have rights to what things that the market economy turns into “commodities”?</a:t>
+              <a:t>At the start of the 1970s, future President Ronald Reagan said that diplomats from Tanzania appeared uncomfortable:</a:t>
             </a:r>
           </a:p>
           <a:p>
@@ -18696,7 +18581,7 @@
               </a:defRPr>
             </a:pPr>
             <a:r>
-              <a:t>land (a stable community), labor (a “just” income), and finance (a stable economic place).</a:t>
+              <a:t>resisting pressure to vote with the Soviet Union at the United Nations.</a:t>
             </a:r>
           </a:p>
           <a:p>
@@ -18719,7 +18604,7 @@
               </a:defRPr>
             </a:pPr>
             <a:r>
-              <a:t>labor (a “just” income), finance (a stable economic place), and property (the ability to keep what you earn).</a:t>
+              <a:t>making small talk with New York socialites.</a:t>
             </a:r>
           </a:p>
           <a:p>
@@ -18742,7 +18627,7 @@
               </a:defRPr>
             </a:pPr>
             <a:r>
-              <a:t>labor (a “just” income), finance (a stable economic place), and respect (deference from your peers).</a:t>
+              <a:t>wearing shoes.</a:t>
             </a:r>
           </a:p>
           <a:p>
@@ -18765,7 +18650,7 @@
               </a:defRPr>
             </a:pPr>
             <a:r>
-              <a:t>land (a stable community), property (the ability to keep what you earn), and finance (a stable economic place).</a:t>
+              <a:t>in formal tuxedos.</a:t>
             </a:r>
           </a:p>
           <a:p>
@@ -18821,7 +18706,7 @@
       </p:grpSpPr>
       <p:sp>
         <p:nvSpPr>
-          <p:cNvPr id="266" name="Economic Mismanagement and Insecurity II"/>
+          <p:cNvPr id="267" name="Economic Mismanagement and Insecurity"/>
           <p:cNvSpPr txBox="1"/>
           <p:nvPr>
             <p:ph type="title" idx="4294967295"/>
@@ -18855,14 +18740,242 @@
           <a:p>
             <a:pPr/>
             <a:r>
-              <a:t>Economic Mismanagement and Insecurity II</a:t>
+              <a:t>Economic Mismanagement and Insecurity</a:t>
             </a:r>
           </a:p>
         </p:txBody>
       </p:sp>
       <p:sp>
         <p:nvSpPr>
-          <p:cNvPr id="267" name="According to Karl Polanyi, what rights does the market economy respect?…"/>
+          <p:cNvPr id="268" name="Karl Polanyi argued that people have rights to what things that the market economy turns into “commodities”?…"/>
+          <p:cNvSpPr txBox="1"/>
+          <p:nvPr>
+            <p:ph type="body" idx="4294967295"/>
+          </p:nvPr>
+        </p:nvSpPr>
+        <p:spPr>
+          <a:xfrm>
+            <a:off x="277663" y="1267121"/>
+            <a:ext cx="8572501" cy="5397503"/>
+          </a:xfrm>
+          <a:prstGeom prst="rect">
+            <a:avLst/>
+          </a:prstGeom>
+        </p:spPr>
+        <p:txBody>
+          <a:bodyPr lIns="45718" tIns="45718" rIns="45718" bIns="45718" anchor="t"/>
+          <a:lstStyle/>
+          <a:p>
+            <a:pPr marL="0" indent="0" defTabSz="457200">
+              <a:spcBef>
+                <a:spcPts val="1200"/>
+              </a:spcBef>
+              <a:buSzTx/>
+              <a:buFont typeface="Arial"/>
+              <a:buNone/>
+              <a:defRPr b="1">
+                <a:uFill>
+                  <a:solidFill>
+                    <a:srgbClr val="000000"/>
+                  </a:solidFill>
+                </a:uFill>
+                <a:latin typeface="+mn-lt"/>
+                <a:ea typeface="+mn-ea"/>
+                <a:cs typeface="+mn-cs"/>
+                <a:sym typeface="Helvetica"/>
+              </a:defRPr>
+            </a:pPr>
+            <a:r>
+              <a:t>Karl Polanyi argued that people have rights to what things that the market economy turns into “commodities”?</a:t>
+            </a:r>
+          </a:p>
+          <a:p>
+            <a:pPr marL="401052" indent="-401052" defTabSz="457200">
+              <a:spcBef>
+                <a:spcPts val="1200"/>
+              </a:spcBef>
+              <a:buSzPct val="100000"/>
+              <a:buAutoNum type="alphaUcPeriod" startAt="1"/>
+              <a:defRPr>
+                <a:uFill>
+                  <a:solidFill>
+                    <a:srgbClr val="000000"/>
+                  </a:solidFill>
+                </a:uFill>
+                <a:latin typeface="Times New Roman"/>
+                <a:ea typeface="Times New Roman"/>
+                <a:cs typeface="Times New Roman"/>
+                <a:sym typeface="Times New Roman"/>
+              </a:defRPr>
+            </a:pPr>
+            <a:r>
+              <a:t>land (a stable community), labor (a “just” income), and finance (a stable economic place).</a:t>
+            </a:r>
+          </a:p>
+          <a:p>
+            <a:pPr marL="401052" indent="-401052" defTabSz="457200">
+              <a:spcBef>
+                <a:spcPts val="1200"/>
+              </a:spcBef>
+              <a:buSzPct val="100000"/>
+              <a:buAutoNum type="alphaUcPeriod" startAt="1"/>
+              <a:defRPr>
+                <a:uFill>
+                  <a:solidFill>
+                    <a:srgbClr val="000000"/>
+                  </a:solidFill>
+                </a:uFill>
+                <a:latin typeface="Times New Roman"/>
+                <a:ea typeface="Times New Roman"/>
+                <a:cs typeface="Times New Roman"/>
+                <a:sym typeface="Times New Roman"/>
+              </a:defRPr>
+            </a:pPr>
+            <a:r>
+              <a:t>labor (a “just” income), finance (a stable economic place), and property (the ability to keep what you earn).</a:t>
+            </a:r>
+          </a:p>
+          <a:p>
+            <a:pPr marL="401052" indent="-401052" defTabSz="457200">
+              <a:spcBef>
+                <a:spcPts val="1200"/>
+              </a:spcBef>
+              <a:buSzPct val="100000"/>
+              <a:buAutoNum type="alphaUcPeriod" startAt="1"/>
+              <a:defRPr>
+                <a:uFill>
+                  <a:solidFill>
+                    <a:srgbClr val="000000"/>
+                  </a:solidFill>
+                </a:uFill>
+                <a:latin typeface="Times New Roman"/>
+                <a:ea typeface="Times New Roman"/>
+                <a:cs typeface="Times New Roman"/>
+                <a:sym typeface="Times New Roman"/>
+              </a:defRPr>
+            </a:pPr>
+            <a:r>
+              <a:t>labor (a “just” income), finance (a stable economic place), and respect (deference from your peers).</a:t>
+            </a:r>
+          </a:p>
+          <a:p>
+            <a:pPr marL="401052" indent="-401052" defTabSz="457200">
+              <a:spcBef>
+                <a:spcPts val="1200"/>
+              </a:spcBef>
+              <a:buSzPct val="100000"/>
+              <a:buAutoNum type="alphaUcPeriod" startAt="1"/>
+              <a:defRPr>
+                <a:uFill>
+                  <a:solidFill>
+                    <a:srgbClr val="000000"/>
+                  </a:solidFill>
+                </a:uFill>
+                <a:latin typeface="Times New Roman"/>
+                <a:ea typeface="Times New Roman"/>
+                <a:cs typeface="Times New Roman"/>
+                <a:sym typeface="Times New Roman"/>
+              </a:defRPr>
+            </a:pPr>
+            <a:r>
+              <a:t>land (a stable community), property (the ability to keep what you earn), and finance (a stable economic place).</a:t>
+            </a:r>
+          </a:p>
+          <a:p>
+            <a:pPr marL="401052" indent="-401052" defTabSz="457200">
+              <a:spcBef>
+                <a:spcPts val="1200"/>
+              </a:spcBef>
+              <a:buSzPct val="100000"/>
+              <a:buAutoNum type="alphaUcPeriod" startAt="1"/>
+              <a:defRPr>
+                <a:uFill>
+                  <a:solidFill>
+                    <a:srgbClr val="000000"/>
+                  </a:solidFill>
+                </a:uFill>
+                <a:latin typeface="Times New Roman"/>
+                <a:ea typeface="Times New Roman"/>
+                <a:cs typeface="Times New Roman"/>
+                <a:sym typeface="Times New Roman"/>
+              </a:defRPr>
+            </a:pPr>
+            <a:r>
+              <a:t>None of the above.</a:t>
+            </a:r>
+          </a:p>
+        </p:txBody>
+      </p:sp>
+    </p:spTree>
+  </p:cSld>
+  <p:clrMapOvr>
+    <a:masterClrMapping/>
+  </p:clrMapOvr>
+  <p:transition xmlns:p14="http://schemas.microsoft.com/office/powerpoint/2010/main" spd="med" advClick="1"/>
+</p:sld>
+</file>
+
+<file path=ppt/slides/slide73.xml><?xml version="1.0" encoding="utf-8"?>
+<p:sld xmlns:a="http://schemas.openxmlformats.org/drawingml/2006/main" xmlns:r="http://schemas.openxmlformats.org/officeDocument/2006/relationships" xmlns:p="http://schemas.openxmlformats.org/presentationml/2006/main" xmlns:m="http://schemas.openxmlformats.org/officeDocument/2006/math" xmlns:a14="http://schemas.microsoft.com/office/drawing/2010/main" showMasterSp="1" showMasterPhAnim="1">
+  <p:cSld>
+    <p:spTree>
+      <p:nvGrpSpPr>
+        <p:cNvPr id="1" name=""/>
+        <p:cNvGrpSpPr/>
+        <p:nvPr/>
+      </p:nvGrpSpPr>
+      <p:grpSpPr>
+        <a:xfrm>
+          <a:off x="0" y="0"/>
+          <a:ext cx="0" cy="0"/>
+          <a:chOff x="0" y="0"/>
+          <a:chExt cx="0" cy="0"/>
+        </a:xfrm>
+      </p:grpSpPr>
+      <p:sp>
+        <p:nvSpPr>
+          <p:cNvPr id="270" name="Economic Mismanagement and Insecurity II"/>
+          <p:cNvSpPr txBox="1"/>
+          <p:nvPr>
+            <p:ph type="title" idx="4294967295"/>
+          </p:nvPr>
+        </p:nvSpPr>
+        <p:spPr>
+          <a:xfrm>
+            <a:off x="277663" y="-2"/>
+            <a:ext cx="8572501" cy="1267126"/>
+          </a:xfrm>
+          <a:prstGeom prst="rect">
+            <a:avLst/>
+          </a:prstGeom>
+        </p:spPr>
+        <p:txBody>
+          <a:bodyPr lIns="45718" tIns="45718" rIns="45718" bIns="45718"/>
+          <a:lstStyle>
+            <a:lvl1pPr defTabSz="288036">
+              <a:defRPr sz="3700">
+                <a:solidFill>
+                  <a:srgbClr val="000080"/>
+                </a:solidFill>
+                <a:uFill>
+                  <a:solidFill>
+                    <a:srgbClr val="000000"/>
+                  </a:solidFill>
+                </a:uFill>
+              </a:defRPr>
+            </a:lvl1pPr>
+          </a:lstStyle>
+          <a:p>
+            <a:pPr/>
+            <a:r>
+              <a:t>Economic Mismanagement and Insecurity II</a:t>
+            </a:r>
+          </a:p>
+        </p:txBody>
+      </p:sp>
+      <p:sp>
+        <p:nvSpPr>
+          <p:cNvPr id="271" name="According to Karl Polanyi, what rights does the market economy respect?…"/>
           <p:cNvSpPr txBox="1"/>
           <p:nvPr>
             <p:ph type="body" idx="4294967295"/>
